--- a/ppt/海報.pptx
+++ b/ppt/海報.pptx
@@ -4237,6 +4237,332 @@
           </a:p>
         </p:txBody>
       </p:sp>
+      <p:sp>
+        <p:nvSpPr>
+          <p:cNvPr id="10" name="文字方塊 9">
+            <a:extLst>
+              <a:ext uri="{FF2B5EF4-FFF2-40B4-BE49-F238E27FC236}">
+                <a16:creationId xmlns:a16="http://schemas.microsoft.com/office/drawing/2014/main" id="{E8C237AB-C9C4-5D2C-5FE1-E1B82E8133DB}"/>
+              </a:ext>
+            </a:extLst>
+          </p:cNvPr>
+          <p:cNvSpPr txBox="1"/>
+          <p:nvPr/>
+        </p:nvSpPr>
+        <p:spPr>
+          <a:xfrm>
+            <a:off x="11937900" y="12496800"/>
+            <a:ext cx="8483700" cy="1569660"/>
+          </a:xfrm>
+          <a:prstGeom prst="rect">
+            <a:avLst/>
+          </a:prstGeom>
+          <a:noFill/>
+        </p:spPr>
+        <p:txBody>
+          <a:bodyPr wrap="square" rtlCol="0">
+            <a:spAutoFit/>
+          </a:bodyPr>
+          <a:lstStyle/>
+          <a:p>
+            <a:r>
+              <a:rPr lang="en-US" altLang="zh-TW" sz="3200" b="1" dirty="0">
+                <a:latin typeface="標楷體" panose="03000509000000000000" pitchFamily="65" charset="-120"/>
+                <a:ea typeface="標楷體" panose="03000509000000000000" pitchFamily="65" charset="-120"/>
+              </a:rPr>
+              <a:t>1.</a:t>
+            </a:r>
+            <a:r>
+              <a:rPr lang="zh-TW" altLang="en-US" sz="3200" b="1" dirty="0">
+                <a:latin typeface="標楷體" panose="03000509000000000000" pitchFamily="65" charset="-120"/>
+                <a:ea typeface="標楷體" panose="03000509000000000000" pitchFamily="65" charset="-120"/>
+              </a:rPr>
+              <a:t>圖片</a:t>
+            </a:r>
+            <a:endParaRPr lang="en-US" altLang="zh-TW" sz="3200" b="1" dirty="0">
+              <a:latin typeface="標楷體" panose="03000509000000000000" pitchFamily="65" charset="-120"/>
+              <a:ea typeface="標楷體" panose="03000509000000000000" pitchFamily="65" charset="-120"/>
+            </a:endParaRPr>
+          </a:p>
+          <a:p>
+            <a:r>
+              <a:rPr lang="en-US" altLang="zh-TW" sz="3200" b="1" dirty="0">
+                <a:latin typeface="標楷體" panose="03000509000000000000" pitchFamily="65" charset="-120"/>
+                <a:ea typeface="標楷體" panose="03000509000000000000" pitchFamily="65" charset="-120"/>
+              </a:rPr>
+              <a:t>2.</a:t>
+            </a:r>
+            <a:r>
+              <a:rPr lang="zh-TW" altLang="en-US" sz="3200" b="1" dirty="0">
+                <a:latin typeface="標楷體" panose="03000509000000000000" pitchFamily="65" charset="-120"/>
+                <a:ea typeface="標楷體" panose="03000509000000000000" pitchFamily="65" charset="-120"/>
+              </a:rPr>
+              <a:t>裝置</a:t>
+            </a:r>
+            <a:r>
+              <a:rPr lang="en-US" altLang="zh-TW" sz="3200" b="1" dirty="0">
+                <a:latin typeface="標楷體" panose="03000509000000000000" pitchFamily="65" charset="-120"/>
+                <a:ea typeface="標楷體" panose="03000509000000000000" pitchFamily="65" charset="-120"/>
+              </a:rPr>
+              <a:t>(cygnus, </a:t>
+            </a:r>
+            <a:r>
+              <a:rPr lang="en-US" altLang="zh-TW" sz="3200" b="1" dirty="0" err="1">
+                <a:latin typeface="標楷體" panose="03000509000000000000" pitchFamily="65" charset="-120"/>
+                <a:ea typeface="標楷體" panose="03000509000000000000" pitchFamily="65" charset="-120"/>
+              </a:rPr>
+              <a:t>openvibe</a:t>
+            </a:r>
+            <a:r>
+              <a:rPr lang="en-US" altLang="zh-TW" sz="3200" b="1" dirty="0">
+                <a:latin typeface="標楷體" panose="03000509000000000000" pitchFamily="65" charset="-120"/>
+                <a:ea typeface="標楷體" panose="03000509000000000000" pitchFamily="65" charset="-120"/>
+              </a:rPr>
+              <a:t>)</a:t>
+            </a:r>
+          </a:p>
+          <a:p>
+            <a:r>
+              <a:rPr lang="en-US" altLang="zh-TW" sz="3200" b="1" dirty="0">
+                <a:latin typeface="標楷體" panose="03000509000000000000" pitchFamily="65" charset="-120"/>
+                <a:ea typeface="標楷體" panose="03000509000000000000" pitchFamily="65" charset="-120"/>
+              </a:rPr>
+              <a:t>3.</a:t>
+            </a:r>
+            <a:r>
+              <a:rPr lang="zh-TW" altLang="en-US" sz="3200" b="1" dirty="0">
+                <a:latin typeface="標楷體" panose="03000509000000000000" pitchFamily="65" charset="-120"/>
+                <a:ea typeface="標楷體" panose="03000509000000000000" pitchFamily="65" charset="-120"/>
+              </a:rPr>
+              <a:t>車子</a:t>
+            </a:r>
+          </a:p>
+        </p:txBody>
+      </p:sp>
+      <p:sp>
+        <p:nvSpPr>
+          <p:cNvPr id="13" name="文字方塊 12">
+            <a:extLst>
+              <a:ext uri="{FF2B5EF4-FFF2-40B4-BE49-F238E27FC236}">
+                <a16:creationId xmlns:a16="http://schemas.microsoft.com/office/drawing/2014/main" id="{5F8E2FA4-517E-C0A3-E5D0-743AA20159AD}"/>
+              </a:ext>
+            </a:extLst>
+          </p:cNvPr>
+          <p:cNvSpPr txBox="1"/>
+          <p:nvPr/>
+        </p:nvSpPr>
+        <p:spPr>
+          <a:xfrm>
+            <a:off x="12195327" y="22514865"/>
+            <a:ext cx="8483700" cy="1569660"/>
+          </a:xfrm>
+          <a:prstGeom prst="rect">
+            <a:avLst/>
+          </a:prstGeom>
+          <a:noFill/>
+        </p:spPr>
+        <p:txBody>
+          <a:bodyPr wrap="square" rtlCol="0">
+            <a:spAutoFit/>
+          </a:bodyPr>
+          <a:lstStyle/>
+          <a:p>
+            <a:r>
+              <a:rPr lang="zh-TW" altLang="en-US" sz="3200" b="1" dirty="0">
+                <a:latin typeface="標楷體" panose="03000509000000000000" pitchFamily="65" charset="-120"/>
+                <a:ea typeface="標楷體" panose="03000509000000000000" pitchFamily="65" charset="-120"/>
+              </a:rPr>
+              <a:t>目前</a:t>
+            </a:r>
+            <a:r>
+              <a:rPr lang="en-US" altLang="zh-TW" sz="3200" b="1" dirty="0">
+                <a:latin typeface="標楷體" panose="03000509000000000000" pitchFamily="65" charset="-120"/>
+                <a:ea typeface="標楷體" panose="03000509000000000000" pitchFamily="65" charset="-120"/>
+              </a:rPr>
+              <a:t>:</a:t>
+            </a:r>
+            <a:r>
+              <a:rPr lang="en-US" altLang="zh-TW" sz="3200" b="1" dirty="0" err="1">
+                <a:latin typeface="標楷體" panose="03000509000000000000" pitchFamily="65" charset="-120"/>
+                <a:ea typeface="標楷體" panose="03000509000000000000" pitchFamily="65" charset="-120"/>
+              </a:rPr>
+              <a:t>Kmeans</a:t>
+            </a:r>
+            <a:r>
+              <a:rPr lang="zh-TW" altLang="en-US" sz="3200" b="1" dirty="0">
+                <a:latin typeface="標楷體" panose="03000509000000000000" pitchFamily="65" charset="-120"/>
+                <a:ea typeface="標楷體" panose="03000509000000000000" pitchFamily="65" charset="-120"/>
+              </a:rPr>
+              <a:t>結果分類圖，延遲情況，</a:t>
+            </a:r>
+            <a:endParaRPr lang="en-US" altLang="zh-TW" sz="3200" b="1" dirty="0">
+              <a:latin typeface="標楷體" panose="03000509000000000000" pitchFamily="65" charset="-120"/>
+              <a:ea typeface="標楷體" panose="03000509000000000000" pitchFamily="65" charset="-120"/>
+            </a:endParaRPr>
+          </a:p>
+          <a:p>
+            <a:r>
+              <a:rPr lang="zh-TW" altLang="en-US" sz="3200" b="1" dirty="0">
+                <a:latin typeface="標楷體" panose="03000509000000000000" pitchFamily="65" charset="-120"/>
+                <a:ea typeface="標楷體" panose="03000509000000000000" pitchFamily="65" charset="-120"/>
+              </a:rPr>
+              <a:t>預期</a:t>
+            </a:r>
+            <a:r>
+              <a:rPr lang="en-US" altLang="zh-TW" sz="3200" b="1" dirty="0">
+                <a:latin typeface="標楷體" panose="03000509000000000000" pitchFamily="65" charset="-120"/>
+                <a:ea typeface="標楷體" panose="03000509000000000000" pitchFamily="65" charset="-120"/>
+              </a:rPr>
+              <a:t>:</a:t>
+            </a:r>
+            <a:r>
+              <a:rPr lang="zh-TW" altLang="en-US" sz="3200" b="1" dirty="0">
+                <a:latin typeface="標楷體" panose="03000509000000000000" pitchFamily="65" charset="-120"/>
+                <a:ea typeface="標楷體" panose="03000509000000000000" pitchFamily="65" charset="-120"/>
+              </a:rPr>
+              <a:t>降低延遲，</a:t>
+            </a:r>
+            <a:r>
+              <a:rPr lang="en-US" altLang="zh-TW" sz="3200" b="1" dirty="0">
+                <a:latin typeface="標楷體" panose="03000509000000000000" pitchFamily="65" charset="-120"/>
+                <a:ea typeface="標楷體" panose="03000509000000000000" pitchFamily="65" charset="-120"/>
+              </a:rPr>
+              <a:t>real-time</a:t>
+            </a:r>
+            <a:r>
+              <a:rPr lang="zh-TW" altLang="en-US" sz="3200" b="1" dirty="0">
+                <a:latin typeface="標楷體" panose="03000509000000000000" pitchFamily="65" charset="-120"/>
+                <a:ea typeface="標楷體" panose="03000509000000000000" pitchFamily="65" charset="-120"/>
+              </a:rPr>
+              <a:t>實作</a:t>
+            </a:r>
+            <a:r>
+              <a:rPr lang="en-US" altLang="zh-TW" sz="3200" b="1" dirty="0">
+                <a:latin typeface="標楷體" panose="03000509000000000000" pitchFamily="65" charset="-120"/>
+                <a:ea typeface="標楷體" panose="03000509000000000000" pitchFamily="65" charset="-120"/>
+              </a:rPr>
+              <a:t>?</a:t>
+            </a:r>
+            <a:r>
+              <a:rPr lang="zh-TW" altLang="en-US" sz="3200" b="1" dirty="0">
+                <a:latin typeface="標楷體" panose="03000509000000000000" pitchFamily="65" charset="-120"/>
+                <a:ea typeface="標楷體" panose="03000509000000000000" pitchFamily="65" charset="-120"/>
+              </a:rPr>
+              <a:t> 實現左右轉彎方向</a:t>
+            </a:r>
+            <a:r>
+              <a:rPr lang="en-US" altLang="zh-TW" sz="3200" b="1" dirty="0">
+                <a:latin typeface="標楷體" panose="03000509000000000000" pitchFamily="65" charset="-120"/>
+                <a:ea typeface="標楷體" panose="03000509000000000000" pitchFamily="65" charset="-120"/>
+              </a:rPr>
+              <a:t>?</a:t>
+            </a:r>
+            <a:endParaRPr lang="zh-TW" altLang="en-US" sz="3200" b="1" dirty="0">
+              <a:latin typeface="標楷體" panose="03000509000000000000" pitchFamily="65" charset="-120"/>
+              <a:ea typeface="標楷體" panose="03000509000000000000" pitchFamily="65" charset="-120"/>
+            </a:endParaRPr>
+          </a:p>
+        </p:txBody>
+      </p:sp>
+      <p:sp>
+        <p:nvSpPr>
+          <p:cNvPr id="27" name="文字方塊 26">
+            <a:extLst>
+              <a:ext uri="{FF2B5EF4-FFF2-40B4-BE49-F238E27FC236}">
+                <a16:creationId xmlns:a16="http://schemas.microsoft.com/office/drawing/2014/main" id="{9FDFAAF2-C8C5-65E9-18E0-B136DCDC2685}"/>
+              </a:ext>
+            </a:extLst>
+          </p:cNvPr>
+          <p:cNvSpPr txBox="1"/>
+          <p:nvPr/>
+        </p:nvSpPr>
+        <p:spPr>
+          <a:xfrm>
+            <a:off x="1430215" y="12496800"/>
+            <a:ext cx="8135816" cy="1569660"/>
+          </a:xfrm>
+          <a:prstGeom prst="rect">
+            <a:avLst/>
+          </a:prstGeom>
+          <a:noFill/>
+        </p:spPr>
+        <p:txBody>
+          <a:bodyPr wrap="square" rtlCol="0">
+            <a:spAutoFit/>
+          </a:bodyPr>
+          <a:lstStyle/>
+          <a:p>
+            <a:r>
+              <a:rPr lang="en-US" altLang="zh-TW" sz="3200" b="1" dirty="0">
+                <a:latin typeface="標楷體" panose="03000509000000000000" pitchFamily="65" charset="-120"/>
+                <a:ea typeface="標楷體" panose="03000509000000000000" pitchFamily="65" charset="-120"/>
+              </a:rPr>
+              <a:t>1.Pipeline</a:t>
+            </a:r>
+            <a:r>
+              <a:rPr lang="zh-TW" altLang="en-US" sz="3200" b="1" dirty="0">
+                <a:latin typeface="標楷體" panose="03000509000000000000" pitchFamily="65" charset="-120"/>
+                <a:ea typeface="標楷體" panose="03000509000000000000" pitchFamily="65" charset="-120"/>
+              </a:rPr>
+              <a:t>流程圖</a:t>
+            </a:r>
+            <a:endParaRPr lang="en-US" altLang="zh-TW" sz="3200" b="1" dirty="0">
+              <a:latin typeface="標楷體" panose="03000509000000000000" pitchFamily="65" charset="-120"/>
+              <a:ea typeface="標楷體" panose="03000509000000000000" pitchFamily="65" charset="-120"/>
+            </a:endParaRPr>
+          </a:p>
+          <a:p>
+            <a:r>
+              <a:rPr lang="en-US" altLang="zh-TW" sz="3200" b="1" dirty="0">
+                <a:latin typeface="標楷體" panose="03000509000000000000" pitchFamily="65" charset="-120"/>
+                <a:ea typeface="標楷體" panose="03000509000000000000" pitchFamily="65" charset="-120"/>
+              </a:rPr>
+              <a:t>2.</a:t>
+            </a:r>
+            <a:r>
+              <a:rPr lang="zh-TW" altLang="en-US" sz="3200" b="1" dirty="0">
+                <a:latin typeface="標楷體" panose="03000509000000000000" pitchFamily="65" charset="-120"/>
+                <a:ea typeface="標楷體" panose="03000509000000000000" pitchFamily="65" charset="-120"/>
+              </a:rPr>
+              <a:t>解釋</a:t>
+            </a:r>
+            <a:r>
+              <a:rPr lang="en-US" altLang="zh-TW" sz="3200" b="1" dirty="0" err="1">
+                <a:latin typeface="標楷體" panose="03000509000000000000" pitchFamily="65" charset="-120"/>
+                <a:ea typeface="標楷體" panose="03000509000000000000" pitchFamily="65" charset="-120"/>
+              </a:rPr>
+              <a:t>openvibe</a:t>
+            </a:r>
+            <a:r>
+              <a:rPr lang="zh-TW" altLang="en-US" sz="3200" b="1" dirty="0">
+                <a:latin typeface="標楷體" panose="03000509000000000000" pitchFamily="65" charset="-120"/>
+                <a:ea typeface="標楷體" panose="03000509000000000000" pitchFamily="65" charset="-120"/>
+              </a:rPr>
+              <a:t>設計圖</a:t>
+            </a:r>
+            <a:endParaRPr lang="en-US" altLang="zh-TW" sz="3200" b="1" dirty="0">
+              <a:latin typeface="標楷體" panose="03000509000000000000" pitchFamily="65" charset="-120"/>
+              <a:ea typeface="標楷體" panose="03000509000000000000" pitchFamily="65" charset="-120"/>
+            </a:endParaRPr>
+          </a:p>
+          <a:p>
+            <a:r>
+              <a:rPr lang="en-US" altLang="zh-TW" sz="3200" b="1" dirty="0">
+                <a:latin typeface="標楷體" panose="03000509000000000000" pitchFamily="65" charset="-120"/>
+                <a:ea typeface="標楷體" panose="03000509000000000000" pitchFamily="65" charset="-120"/>
+              </a:rPr>
+              <a:t>3.Cygnus</a:t>
+            </a:r>
+            <a:r>
+              <a:rPr lang="zh-TW" altLang="en-US" sz="3200" b="1" dirty="0">
+                <a:latin typeface="標楷體" panose="03000509000000000000" pitchFamily="65" charset="-120"/>
+                <a:ea typeface="標楷體" panose="03000509000000000000" pitchFamily="65" charset="-120"/>
+              </a:rPr>
+              <a:t>收集的頻道，解析的頻道</a:t>
+            </a:r>
+          </a:p>
+        </p:txBody>
+      </p:sp>
     </p:spTree>
     <p:extLst>
       <p:ext uri="{BB962C8B-B14F-4D97-AF65-F5344CB8AC3E}">

--- a/ppt/海報.pptx
+++ b/ppt/海報.pptx
@@ -243,7 +243,7 @@
           <a:p>
             <a:fld id="{A789BCD2-1804-49E9-91E7-2EC710370654}" type="datetimeFigureOut">
               <a:rPr lang="zh-TW" altLang="en-US" smtClean="0"/>
-              <a:t>2024/4/30</a:t>
+              <a:t>2024/5/2</a:t>
             </a:fld>
             <a:endParaRPr lang="zh-TW" altLang="en-US"/>
           </a:p>
@@ -413,7 +413,7 @@
           <a:p>
             <a:fld id="{A789BCD2-1804-49E9-91E7-2EC710370654}" type="datetimeFigureOut">
               <a:rPr lang="zh-TW" altLang="en-US" smtClean="0"/>
-              <a:t>2024/4/30</a:t>
+              <a:t>2024/5/2</a:t>
             </a:fld>
             <a:endParaRPr lang="zh-TW" altLang="en-US"/>
           </a:p>
@@ -593,7 +593,7 @@
           <a:p>
             <a:fld id="{A789BCD2-1804-49E9-91E7-2EC710370654}" type="datetimeFigureOut">
               <a:rPr lang="zh-TW" altLang="en-US" smtClean="0"/>
-              <a:t>2024/4/30</a:t>
+              <a:t>2024/5/2</a:t>
             </a:fld>
             <a:endParaRPr lang="zh-TW" altLang="en-US"/>
           </a:p>
@@ -763,7 +763,7 @@
           <a:p>
             <a:fld id="{A789BCD2-1804-49E9-91E7-2EC710370654}" type="datetimeFigureOut">
               <a:rPr lang="zh-TW" altLang="en-US" smtClean="0"/>
-              <a:t>2024/4/30</a:t>
+              <a:t>2024/5/2</a:t>
             </a:fld>
             <a:endParaRPr lang="zh-TW" altLang="en-US"/>
           </a:p>
@@ -1009,7 +1009,7 @@
           <a:p>
             <a:fld id="{A789BCD2-1804-49E9-91E7-2EC710370654}" type="datetimeFigureOut">
               <a:rPr lang="zh-TW" altLang="en-US" smtClean="0"/>
-              <a:t>2024/4/30</a:t>
+              <a:t>2024/5/2</a:t>
             </a:fld>
             <a:endParaRPr lang="zh-TW" altLang="en-US"/>
           </a:p>
@@ -1241,7 +1241,7 @@
           <a:p>
             <a:fld id="{A789BCD2-1804-49E9-91E7-2EC710370654}" type="datetimeFigureOut">
               <a:rPr lang="zh-TW" altLang="en-US" smtClean="0"/>
-              <a:t>2024/4/30</a:t>
+              <a:t>2024/5/2</a:t>
             </a:fld>
             <a:endParaRPr lang="zh-TW" altLang="en-US"/>
           </a:p>
@@ -1608,7 +1608,7 @@
           <a:p>
             <a:fld id="{A789BCD2-1804-49E9-91E7-2EC710370654}" type="datetimeFigureOut">
               <a:rPr lang="zh-TW" altLang="en-US" smtClean="0"/>
-              <a:t>2024/4/30</a:t>
+              <a:t>2024/5/2</a:t>
             </a:fld>
             <a:endParaRPr lang="zh-TW" altLang="en-US"/>
           </a:p>
@@ -1726,7 +1726,7 @@
           <a:p>
             <a:fld id="{A789BCD2-1804-49E9-91E7-2EC710370654}" type="datetimeFigureOut">
               <a:rPr lang="zh-TW" altLang="en-US" smtClean="0"/>
-              <a:t>2024/4/30</a:t>
+              <a:t>2024/5/2</a:t>
             </a:fld>
             <a:endParaRPr lang="zh-TW" altLang="en-US"/>
           </a:p>
@@ -1821,7 +1821,7 @@
           <a:p>
             <a:fld id="{A789BCD2-1804-49E9-91E7-2EC710370654}" type="datetimeFigureOut">
               <a:rPr lang="zh-TW" altLang="en-US" smtClean="0"/>
-              <a:t>2024/4/30</a:t>
+              <a:t>2024/5/2</a:t>
             </a:fld>
             <a:endParaRPr lang="zh-TW" altLang="en-US"/>
           </a:p>
@@ -2098,7 +2098,7 @@
           <a:p>
             <a:fld id="{A789BCD2-1804-49E9-91E7-2EC710370654}" type="datetimeFigureOut">
               <a:rPr lang="zh-TW" altLang="en-US" smtClean="0"/>
-              <a:t>2024/4/30</a:t>
+              <a:t>2024/5/2</a:t>
             </a:fld>
             <a:endParaRPr lang="zh-TW" altLang="en-US"/>
           </a:p>
@@ -2355,7 +2355,7 @@
           <a:p>
             <a:fld id="{A789BCD2-1804-49E9-91E7-2EC710370654}" type="datetimeFigureOut">
               <a:rPr lang="zh-TW" altLang="en-US" smtClean="0"/>
-              <a:t>2024/4/30</a:t>
+              <a:t>2024/5/2</a:t>
             </a:fld>
             <a:endParaRPr lang="zh-TW" altLang="en-US"/>
           </a:p>
@@ -2568,7 +2568,7 @@
           <a:p>
             <a:fld id="{A789BCD2-1804-49E9-91E7-2EC710370654}" type="datetimeFigureOut">
               <a:rPr lang="zh-TW" altLang="en-US" smtClean="0"/>
-              <a:t>2024/4/30</a:t>
+              <a:t>2024/5/2</a:t>
             </a:fld>
             <a:endParaRPr lang="zh-TW" altLang="en-US"/>
           </a:p>
@@ -3447,10 +3447,10 @@
         </p:nvGrpSpPr>
         <p:grpSpPr>
           <a:xfrm>
-            <a:off x="539262" y="3656110"/>
-            <a:ext cx="20445046" cy="3256992"/>
-            <a:chOff x="1512443" y="4580638"/>
-            <a:chExt cx="18800064" cy="4782818"/>
+            <a:off x="539262" y="3541150"/>
+            <a:ext cx="20445046" cy="2716747"/>
+            <a:chOff x="1512443" y="4369309"/>
+            <a:chExt cx="18800064" cy="4994147"/>
           </a:xfrm>
         </p:grpSpPr>
         <p:sp>
@@ -3529,8 +3529,8 @@
           </p:nvSpPr>
           <p:spPr>
             <a:xfrm>
-              <a:off x="10050401" y="4580638"/>
-              <a:ext cx="2180275" cy="1155274"/>
+              <a:off x="10223007" y="4369309"/>
+              <a:ext cx="1952064" cy="1395993"/>
             </a:xfrm>
             <a:prstGeom prst="rect">
               <a:avLst/>
@@ -3594,8 +3594,8 @@
         </p:nvGrpSpPr>
         <p:grpSpPr>
           <a:xfrm>
-            <a:off x="539262" y="7284520"/>
-            <a:ext cx="20445046" cy="3405730"/>
+            <a:off x="561618" y="6689298"/>
+            <a:ext cx="20445046" cy="2528644"/>
             <a:chOff x="1512443" y="4563884"/>
             <a:chExt cx="18800064" cy="4799572"/>
           </a:xfrm>
@@ -3673,8 +3673,8 @@
           </p:nvSpPr>
           <p:spPr>
             <a:xfrm>
-              <a:off x="10287116" y="4563884"/>
-              <a:ext cx="1706845" cy="1179810"/>
+              <a:off x="10335337" y="4563884"/>
+              <a:ext cx="1686288" cy="1373810"/>
             </a:xfrm>
             <a:prstGeom prst="rect">
               <a:avLst/>
@@ -3738,8 +3738,8 @@
         </p:nvGrpSpPr>
         <p:grpSpPr>
           <a:xfrm>
-            <a:off x="539262" y="11235507"/>
-            <a:ext cx="9799872" cy="18447323"/>
+            <a:off x="520747" y="9688986"/>
+            <a:ext cx="9799872" cy="19838514"/>
             <a:chOff x="1512441" y="5095011"/>
             <a:chExt cx="18800064" cy="4300339"/>
           </a:xfrm>
@@ -3799,7 +3799,7 @@
             <a:lstStyle/>
             <a:p>
               <a:pPr algn="ctr"/>
-              <a:endParaRPr lang="zh-TW" altLang="en-US"/>
+              <a:endParaRPr lang="zh-TW" altLang="en-US" dirty="0"/>
             </a:p>
           </p:txBody>
         </p:sp>
@@ -3818,7 +3818,7 @@
           <p:spPr>
             <a:xfrm>
               <a:off x="9248841" y="5095011"/>
-              <a:ext cx="3629413" cy="204900"/>
+              <a:ext cx="3434251" cy="167025"/>
             </a:xfrm>
             <a:prstGeom prst="rect">
               <a:avLst/>
@@ -3882,10 +3882,10 @@
         </p:nvGrpSpPr>
         <p:grpSpPr>
           <a:xfrm>
-            <a:off x="11437366" y="21148431"/>
-            <a:ext cx="9546942" cy="8534400"/>
-            <a:chOff x="1512443" y="4939890"/>
-            <a:chExt cx="18800064" cy="4423566"/>
+            <a:off x="11389965" y="19929031"/>
+            <a:ext cx="9546942" cy="9598469"/>
+            <a:chOff x="1512443" y="4974385"/>
+            <a:chExt cx="18800064" cy="4389071"/>
           </a:xfrm>
         </p:grpSpPr>
         <p:sp>
@@ -3961,8 +3961,8 @@
           </p:nvSpPr>
           <p:spPr>
             <a:xfrm>
-              <a:off x="4847923" y="4939890"/>
-              <a:ext cx="12387611" cy="469316"/>
+              <a:off x="5093581" y="4974385"/>
+              <a:ext cx="11975511" cy="373476"/>
             </a:xfrm>
             <a:prstGeom prst="rect">
               <a:avLst/>
@@ -4040,7 +4040,7 @@
         </p:nvGrpSpPr>
         <p:grpSpPr>
           <a:xfrm>
-            <a:off x="11300016" y="11232426"/>
+            <a:off x="11164708" y="9740483"/>
             <a:ext cx="9546942" cy="9564312"/>
             <a:chOff x="1512443" y="4939890"/>
             <a:chExt cx="18800064" cy="4423566"/>
@@ -4195,8 +4195,8 @@
         </p:nvSpPr>
         <p:spPr>
           <a:xfrm>
-            <a:off x="1146683" y="4508033"/>
-            <a:ext cx="19274917" cy="1077218"/>
+            <a:off x="1146683" y="4304544"/>
+            <a:ext cx="19274917" cy="1569660"/>
           </a:xfrm>
           <a:prstGeom prst="rect">
             <a:avLst/>
@@ -4214,21 +4214,48 @@
                 <a:latin typeface="標楷體" panose="03000509000000000000" pitchFamily="65" charset="-120"/>
                 <a:ea typeface="標楷體" panose="03000509000000000000" pitchFamily="65" charset="-120"/>
               </a:rPr>
-              <a:t>透過分析大腦中的腦電波訊號</a:t>
+              <a:t>腦機介面是近幾年在</a:t>
             </a:r>
             <a:r>
               <a:rPr lang="en-US" altLang="zh-TW" sz="3200" b="1" dirty="0">
                 <a:latin typeface="標楷體" panose="03000509000000000000" pitchFamily="65" charset="-120"/>
                 <a:ea typeface="標楷體" panose="03000509000000000000" pitchFamily="65" charset="-120"/>
               </a:rPr>
-              <a:t>(EEG)</a:t>
+              <a:t>CS</a:t>
             </a:r>
             <a:r>
               <a:rPr lang="zh-TW" altLang="en-US" sz="3200" b="1" dirty="0">
                 <a:latin typeface="標楷體" panose="03000509000000000000" pitchFamily="65" charset="-120"/>
                 <a:ea typeface="標楷體" panose="03000509000000000000" pitchFamily="65" charset="-120"/>
               </a:rPr>
-              <a:t>，我們能夠進一步去解析人類身理潛藏的疾病、症狀，會選擇腦波作為專題的研究主題便是對這個領域感到新奇和未來的無限發展性。</a:t>
+              <a:t>快速發展的新領域，不需要經由周邊神經和肌肉就能夠讓大腦與外界溝通的系統。</a:t>
+            </a:r>
+            <a:endParaRPr lang="en-US" altLang="zh-TW" sz="3200" b="1" dirty="0">
+              <a:latin typeface="標楷體" panose="03000509000000000000" pitchFamily="65" charset="-120"/>
+              <a:ea typeface="標楷體" panose="03000509000000000000" pitchFamily="65" charset="-120"/>
+            </a:endParaRPr>
+          </a:p>
+          <a:p>
+            <a:r>
+              <a:rPr lang="zh-TW" altLang="en-US" sz="3200" b="1" dirty="0">
+                <a:latin typeface="標楷體" panose="03000509000000000000" pitchFamily="65" charset="-120"/>
+                <a:ea typeface="標楷體" panose="03000509000000000000" pitchFamily="65" charset="-120"/>
+              </a:rPr>
+              <a:t>透過分析大腦中的腦電波訊號</a:t>
+            </a:r>
+            <a:r>
+              <a:rPr lang="en-US" altLang="zh-TW" sz="3200" b="1" dirty="0">
+                <a:latin typeface="標楷體" panose="03000509000000000000" pitchFamily="65" charset="-120"/>
+                <a:ea typeface="標楷體" panose="03000509000000000000" pitchFamily="65" charset="-120"/>
+              </a:rPr>
+              <a:t>(EEG)</a:t>
+            </a:r>
+            <a:r>
+              <a:rPr lang="zh-TW" altLang="en-US" sz="3200" b="1" dirty="0">
+                <a:latin typeface="標楷體" panose="03000509000000000000" pitchFamily="65" charset="-120"/>
+                <a:ea typeface="標楷體" panose="03000509000000000000" pitchFamily="65" charset="-120"/>
+              </a:rPr>
+              <a:t>，我們能夠進一步去解析人類身理潛藏的疾病、症狀。會選擇腦波作為專題的研究主題便是對這個領域感到新奇和未來的無限發展性。</a:t>
             </a:r>
             <a:endParaRPr lang="en-US" altLang="zh-TW" sz="3200" b="1" dirty="0">
               <a:latin typeface="標楷體" panose="03000509000000000000" pitchFamily="65" charset="-120"/>
@@ -4251,7 +4278,7 @@
         </p:nvSpPr>
         <p:spPr>
           <a:xfrm>
-            <a:off x="11937900" y="12496800"/>
+            <a:off x="12136027" y="11202892"/>
             <a:ext cx="8483700" cy="1569660"/>
           </a:xfrm>
           <a:prstGeom prst="rect">
@@ -4353,7 +4380,7 @@
         </p:nvSpPr>
         <p:spPr>
           <a:xfrm>
-            <a:off x="12195327" y="22514865"/>
+            <a:off x="12195327" y="21350293"/>
             <a:ext cx="8483700" cy="1569660"/>
           </a:xfrm>
           <a:prstGeom prst="rect">
@@ -4464,12 +4491,1987 @@
           </a:p>
         </p:txBody>
       </p:sp>
+      <p:grpSp>
+        <p:nvGrpSpPr>
+          <p:cNvPr id="259" name="群組 258">
+            <a:extLst>
+              <a:ext uri="{FF2B5EF4-FFF2-40B4-BE49-F238E27FC236}">
+                <a16:creationId xmlns:a16="http://schemas.microsoft.com/office/drawing/2014/main" id="{23F9F525-941A-B3F2-7CDF-6ECF69A67EF9}"/>
+              </a:ext>
+            </a:extLst>
+          </p:cNvPr>
+          <p:cNvGrpSpPr>
+            <a:grpSpLocks noChangeAspect="1"/>
+          </p:cNvGrpSpPr>
+          <p:nvPr/>
+        </p:nvGrpSpPr>
+        <p:grpSpPr>
+          <a:xfrm>
+            <a:off x="11990340" y="12844126"/>
+            <a:ext cx="1606820" cy="2121092"/>
+            <a:chOff x="4122305" y="3307991"/>
+            <a:chExt cx="353720" cy="466930"/>
+          </a:xfrm>
+        </p:grpSpPr>
+        <p:grpSp>
+          <p:nvGrpSpPr>
+            <p:cNvPr id="260" name="Group 2">
+              <a:extLst>
+                <a:ext uri="{FF2B5EF4-FFF2-40B4-BE49-F238E27FC236}">
+                  <a16:creationId xmlns:a16="http://schemas.microsoft.com/office/drawing/2014/main" id="{39821BE8-0926-AC2F-BF31-9752F7AB6248}"/>
+                </a:ext>
+              </a:extLst>
+            </p:cNvPr>
+            <p:cNvGrpSpPr/>
+            <p:nvPr/>
+          </p:nvGrpSpPr>
+          <p:grpSpPr>
+            <a:xfrm>
+              <a:off x="4122305" y="3387335"/>
+              <a:ext cx="313497" cy="313497"/>
+              <a:chOff x="0" y="0"/>
+              <a:chExt cx="812800" cy="812800"/>
+            </a:xfrm>
+          </p:grpSpPr>
+          <p:sp>
+            <p:nvSpPr>
+              <p:cNvPr id="265" name="Freeform 3">
+                <a:extLst>
+                  <a:ext uri="{FF2B5EF4-FFF2-40B4-BE49-F238E27FC236}">
+                    <a16:creationId xmlns:a16="http://schemas.microsoft.com/office/drawing/2014/main" id="{B9C9A447-0744-AE11-40C5-4FEB794AE09F}"/>
+                  </a:ext>
+                </a:extLst>
+              </p:cNvPr>
+              <p:cNvSpPr/>
+              <p:nvPr/>
+            </p:nvSpPr>
+            <p:spPr>
+              <a:xfrm>
+                <a:off x="0" y="0"/>
+                <a:ext cx="812800" cy="812800"/>
+              </a:xfrm>
+              <a:custGeom>
+                <a:avLst/>
+                <a:gdLst/>
+                <a:ahLst/>
+                <a:cxnLst/>
+                <a:rect l="l" t="t" r="r" b="b"/>
+                <a:pathLst>
+                  <a:path w="812800" h="812800">
+                    <a:moveTo>
+                      <a:pt x="406400" y="0"/>
+                    </a:moveTo>
+                    <a:cubicBezTo>
+                      <a:pt x="181951" y="0"/>
+                      <a:pt x="0" y="181951"/>
+                      <a:pt x="0" y="406400"/>
+                    </a:cubicBezTo>
+                    <a:cubicBezTo>
+                      <a:pt x="0" y="630849"/>
+                      <a:pt x="181951" y="812800"/>
+                      <a:pt x="406400" y="812800"/>
+                    </a:cubicBezTo>
+                    <a:cubicBezTo>
+                      <a:pt x="630849" y="812800"/>
+                      <a:pt x="812800" y="630849"/>
+                      <a:pt x="812800" y="406400"/>
+                    </a:cubicBezTo>
+                    <a:cubicBezTo>
+                      <a:pt x="812800" y="181951"/>
+                      <a:pt x="630849" y="0"/>
+                      <a:pt x="406400" y="0"/>
+                    </a:cubicBezTo>
+                    <a:close/>
+                  </a:path>
+                </a:pathLst>
+              </a:custGeom>
+              <a:solidFill>
+                <a:srgbClr val="5271FF"/>
+              </a:solidFill>
+            </p:spPr>
+            <p:txBody>
+              <a:bodyPr/>
+              <a:lstStyle/>
+              <a:p>
+                <a:endParaRPr lang="zh-TW" altLang="en-US"/>
+              </a:p>
+            </p:txBody>
+          </p:sp>
+          <p:sp>
+            <p:nvSpPr>
+              <p:cNvPr id="266" name="TextBox 4">
+                <a:extLst>
+                  <a:ext uri="{FF2B5EF4-FFF2-40B4-BE49-F238E27FC236}">
+                    <a16:creationId xmlns:a16="http://schemas.microsoft.com/office/drawing/2014/main" id="{BFD2BA6F-F66D-394C-1360-293F3DB0A63B}"/>
+                  </a:ext>
+                </a:extLst>
+              </p:cNvPr>
+              <p:cNvSpPr txBox="1"/>
+              <p:nvPr/>
+            </p:nvSpPr>
+            <p:spPr>
+              <a:xfrm>
+                <a:off x="76200" y="57150"/>
+                <a:ext cx="660400" cy="679450"/>
+              </a:xfrm>
+              <a:prstGeom prst="rect">
+                <a:avLst/>
+              </a:prstGeom>
+            </p:spPr>
+            <p:txBody>
+              <a:bodyPr lIns="15951" tIns="15951" rIns="15951" bIns="15951" rtlCol="0" anchor="ctr"/>
+              <a:lstStyle/>
+              <a:p>
+                <a:pPr algn="ctr">
+                  <a:spcBef>
+                    <a:spcPct val="0"/>
+                  </a:spcBef>
+                </a:pPr>
+                <a:endParaRPr sz="512">
+                  <a:latin typeface="Times New Roman" panose="02020603050405020304" pitchFamily="18" charset="0"/>
+                  <a:cs typeface="Times New Roman" panose="02020603050405020304" pitchFamily="18" charset="0"/>
+                </a:endParaRPr>
+              </a:p>
+            </p:txBody>
+          </p:sp>
+        </p:grpSp>
+        <p:grpSp>
+          <p:nvGrpSpPr>
+            <p:cNvPr id="261" name="Group 17">
+              <a:extLst>
+                <a:ext uri="{FF2B5EF4-FFF2-40B4-BE49-F238E27FC236}">
+                  <a16:creationId xmlns:a16="http://schemas.microsoft.com/office/drawing/2014/main" id="{0F27C6D5-ECD7-8D57-05AE-5B547A8F2DB7}"/>
+                </a:ext>
+              </a:extLst>
+            </p:cNvPr>
+            <p:cNvGrpSpPr/>
+            <p:nvPr/>
+          </p:nvGrpSpPr>
+          <p:grpSpPr>
+            <a:xfrm>
+              <a:off x="4269827" y="3307991"/>
+              <a:ext cx="206198" cy="466930"/>
+              <a:chOff x="0" y="0"/>
+              <a:chExt cx="733150" cy="1660196"/>
+            </a:xfrm>
+          </p:grpSpPr>
+          <p:sp>
+            <p:nvSpPr>
+              <p:cNvPr id="263" name="Freeform 18">
+                <a:extLst>
+                  <a:ext uri="{FF2B5EF4-FFF2-40B4-BE49-F238E27FC236}">
+                    <a16:creationId xmlns:a16="http://schemas.microsoft.com/office/drawing/2014/main" id="{D57663F5-70DD-9BA5-A8A7-50EA1C38775E}"/>
+                  </a:ext>
+                </a:extLst>
+              </p:cNvPr>
+              <p:cNvSpPr/>
+              <p:nvPr/>
+            </p:nvSpPr>
+            <p:spPr>
+              <a:xfrm rot="-10800000">
+                <a:off x="0" y="830098"/>
+                <a:ext cx="733150" cy="830098"/>
+              </a:xfrm>
+              <a:custGeom>
+                <a:avLst/>
+                <a:gdLst/>
+                <a:ahLst/>
+                <a:cxnLst/>
+                <a:rect l="l" t="t" r="r" b="b"/>
+                <a:pathLst>
+                  <a:path w="733150" h="830098">
+                    <a:moveTo>
+                      <a:pt x="0" y="0"/>
+                    </a:moveTo>
+                    <a:lnTo>
+                      <a:pt x="733150" y="0"/>
+                    </a:lnTo>
+                    <a:lnTo>
+                      <a:pt x="733150" y="830098"/>
+                    </a:lnTo>
+                    <a:lnTo>
+                      <a:pt x="0" y="830098"/>
+                    </a:lnTo>
+                    <a:lnTo>
+                      <a:pt x="0" y="0"/>
+                    </a:lnTo>
+                    <a:close/>
+                  </a:path>
+                </a:pathLst>
+              </a:custGeom>
+              <a:blipFill>
+                <a:blip r:embed="rId3">
+                  <a:extLst>
+                    <a:ext uri="{96DAC541-7B7A-43D3-8B79-37D633B846F1}">
+                      <asvg:svgBlip xmlns:asvg="http://schemas.microsoft.com/office/drawing/2016/SVG/main" r:embed="rId4"/>
+                    </a:ext>
+                  </a:extLst>
+                </a:blip>
+                <a:stretch>
+                  <a:fillRect r="-178783" b="-36791"/>
+                </a:stretch>
+              </a:blipFill>
+            </p:spPr>
+            <p:txBody>
+              <a:bodyPr/>
+              <a:lstStyle/>
+              <a:p>
+                <a:endParaRPr lang="zh-TW" altLang="en-US"/>
+              </a:p>
+            </p:txBody>
+          </p:sp>
+          <p:sp>
+            <p:nvSpPr>
+              <p:cNvPr id="264" name="Freeform 19">
+                <a:extLst>
+                  <a:ext uri="{FF2B5EF4-FFF2-40B4-BE49-F238E27FC236}">
+                    <a16:creationId xmlns:a16="http://schemas.microsoft.com/office/drawing/2014/main" id="{A216F07F-EDF9-FC4B-4093-EF92CB2C0B22}"/>
+                  </a:ext>
+                </a:extLst>
+              </p:cNvPr>
+              <p:cNvSpPr/>
+              <p:nvPr/>
+            </p:nvSpPr>
+            <p:spPr>
+              <a:xfrm rot="-10800000" flipV="1">
+                <a:off x="0" y="0"/>
+                <a:ext cx="733150" cy="830098"/>
+              </a:xfrm>
+              <a:custGeom>
+                <a:avLst/>
+                <a:gdLst/>
+                <a:ahLst/>
+                <a:cxnLst/>
+                <a:rect l="l" t="t" r="r" b="b"/>
+                <a:pathLst>
+                  <a:path w="733150" h="830098">
+                    <a:moveTo>
+                      <a:pt x="0" y="830098"/>
+                    </a:moveTo>
+                    <a:lnTo>
+                      <a:pt x="733150" y="830098"/>
+                    </a:lnTo>
+                    <a:lnTo>
+                      <a:pt x="733150" y="0"/>
+                    </a:lnTo>
+                    <a:lnTo>
+                      <a:pt x="0" y="0"/>
+                    </a:lnTo>
+                    <a:lnTo>
+                      <a:pt x="0" y="830098"/>
+                    </a:lnTo>
+                    <a:close/>
+                  </a:path>
+                </a:pathLst>
+              </a:custGeom>
+              <a:blipFill>
+                <a:blip r:embed="rId3">
+                  <a:extLst>
+                    <a:ext uri="{96DAC541-7B7A-43D3-8B79-37D633B846F1}">
+                      <asvg:svgBlip xmlns:asvg="http://schemas.microsoft.com/office/drawing/2016/SVG/main" r:embed="rId4"/>
+                    </a:ext>
+                  </a:extLst>
+                </a:blip>
+                <a:stretch>
+                  <a:fillRect r="-178783" b="-36791"/>
+                </a:stretch>
+              </a:blipFill>
+            </p:spPr>
+            <p:txBody>
+              <a:bodyPr/>
+              <a:lstStyle/>
+              <a:p>
+                <a:endParaRPr lang="zh-TW" altLang="en-US"/>
+              </a:p>
+            </p:txBody>
+          </p:sp>
+        </p:grpSp>
+        <p:sp>
+          <p:nvSpPr>
+            <p:cNvPr id="262" name="Freeform 35">
+              <a:extLst>
+                <a:ext uri="{FF2B5EF4-FFF2-40B4-BE49-F238E27FC236}">
+                  <a16:creationId xmlns:a16="http://schemas.microsoft.com/office/drawing/2014/main" id="{A956DEE0-E55D-DDCD-F5A2-870758995E94}"/>
+                </a:ext>
+              </a:extLst>
+            </p:cNvPr>
+            <p:cNvSpPr>
+              <a:spLocks noChangeAspect="1"/>
+            </p:cNvSpPr>
+            <p:nvPr/>
+          </p:nvSpPr>
+          <p:spPr>
+            <a:xfrm>
+              <a:off x="4149030" y="3423405"/>
+              <a:ext cx="260047" cy="235968"/>
+            </a:xfrm>
+            <a:custGeom>
+              <a:avLst/>
+              <a:gdLst/>
+              <a:ahLst/>
+              <a:cxnLst/>
+              <a:rect l="l" t="t" r="r" b="b"/>
+              <a:pathLst>
+                <a:path w="693458" h="629249">
+                  <a:moveTo>
+                    <a:pt x="0" y="0"/>
+                  </a:moveTo>
+                  <a:lnTo>
+                    <a:pt x="693458" y="0"/>
+                  </a:lnTo>
+                  <a:lnTo>
+                    <a:pt x="693458" y="629250"/>
+                  </a:lnTo>
+                  <a:lnTo>
+                    <a:pt x="0" y="629250"/>
+                  </a:lnTo>
+                  <a:lnTo>
+                    <a:pt x="0" y="0"/>
+                  </a:lnTo>
+                  <a:close/>
+                </a:path>
+              </a:pathLst>
+            </a:custGeom>
+            <a:blipFill>
+              <a:blip r:embed="rId5"/>
+              <a:stretch>
+                <a:fillRect/>
+              </a:stretch>
+            </a:blipFill>
+          </p:spPr>
+          <p:txBody>
+            <a:bodyPr/>
+            <a:lstStyle/>
+            <a:p>
+              <a:endParaRPr lang="zh-TW" altLang="en-US" sz="1823" dirty="0"/>
+            </a:p>
+          </p:txBody>
+        </p:sp>
+      </p:grpSp>
+      <p:grpSp>
+        <p:nvGrpSpPr>
+          <p:cNvPr id="267" name="群組 266">
+            <a:extLst>
+              <a:ext uri="{FF2B5EF4-FFF2-40B4-BE49-F238E27FC236}">
+                <a16:creationId xmlns:a16="http://schemas.microsoft.com/office/drawing/2014/main" id="{048EE274-3392-DBF0-AB81-A2929264C751}"/>
+              </a:ext>
+            </a:extLst>
+          </p:cNvPr>
+          <p:cNvGrpSpPr>
+            <a:grpSpLocks noChangeAspect="1"/>
+          </p:cNvGrpSpPr>
+          <p:nvPr/>
+        </p:nvGrpSpPr>
+        <p:grpSpPr>
+          <a:xfrm>
+            <a:off x="11906615" y="14861700"/>
+            <a:ext cx="1591551" cy="2121452"/>
+            <a:chOff x="3153822" y="3782452"/>
+            <a:chExt cx="350299" cy="466930"/>
+          </a:xfrm>
+        </p:grpSpPr>
+        <p:grpSp>
+          <p:nvGrpSpPr>
+            <p:cNvPr id="268" name="Group 5">
+              <a:extLst>
+                <a:ext uri="{FF2B5EF4-FFF2-40B4-BE49-F238E27FC236}">
+                  <a16:creationId xmlns:a16="http://schemas.microsoft.com/office/drawing/2014/main" id="{1344D674-6145-67FF-9C3B-BC1157AFFFC6}"/>
+                </a:ext>
+              </a:extLst>
+            </p:cNvPr>
+            <p:cNvGrpSpPr/>
+            <p:nvPr/>
+          </p:nvGrpSpPr>
+          <p:grpSpPr>
+            <a:xfrm>
+              <a:off x="3190624" y="3857175"/>
+              <a:ext cx="313497" cy="313497"/>
+              <a:chOff x="0" y="0"/>
+              <a:chExt cx="812800" cy="812800"/>
+            </a:xfrm>
+          </p:grpSpPr>
+          <p:sp>
+            <p:nvSpPr>
+              <p:cNvPr id="273" name="Freeform 6">
+                <a:extLst>
+                  <a:ext uri="{FF2B5EF4-FFF2-40B4-BE49-F238E27FC236}">
+                    <a16:creationId xmlns:a16="http://schemas.microsoft.com/office/drawing/2014/main" id="{B6256174-750E-6E56-FBAB-9014A4574B34}"/>
+                  </a:ext>
+                </a:extLst>
+              </p:cNvPr>
+              <p:cNvSpPr/>
+              <p:nvPr/>
+            </p:nvSpPr>
+            <p:spPr>
+              <a:xfrm>
+                <a:off x="0" y="0"/>
+                <a:ext cx="812800" cy="812800"/>
+              </a:xfrm>
+              <a:custGeom>
+                <a:avLst/>
+                <a:gdLst/>
+                <a:ahLst/>
+                <a:cxnLst/>
+                <a:rect l="l" t="t" r="r" b="b"/>
+                <a:pathLst>
+                  <a:path w="812800" h="812800">
+                    <a:moveTo>
+                      <a:pt x="406400" y="0"/>
+                    </a:moveTo>
+                    <a:cubicBezTo>
+                      <a:pt x="181951" y="0"/>
+                      <a:pt x="0" y="181951"/>
+                      <a:pt x="0" y="406400"/>
+                    </a:cubicBezTo>
+                    <a:cubicBezTo>
+                      <a:pt x="0" y="630849"/>
+                      <a:pt x="181951" y="812800"/>
+                      <a:pt x="406400" y="812800"/>
+                    </a:cubicBezTo>
+                    <a:cubicBezTo>
+                      <a:pt x="630849" y="812800"/>
+                      <a:pt x="812800" y="630849"/>
+                      <a:pt x="812800" y="406400"/>
+                    </a:cubicBezTo>
+                    <a:cubicBezTo>
+                      <a:pt x="812800" y="181951"/>
+                      <a:pt x="630849" y="0"/>
+                      <a:pt x="406400" y="0"/>
+                    </a:cubicBezTo>
+                    <a:close/>
+                  </a:path>
+                </a:pathLst>
+              </a:custGeom>
+              <a:solidFill>
+                <a:srgbClr val="5271FF"/>
+              </a:solidFill>
+            </p:spPr>
+            <p:txBody>
+              <a:bodyPr/>
+              <a:lstStyle/>
+              <a:p>
+                <a:endParaRPr lang="zh-TW" altLang="en-US"/>
+              </a:p>
+            </p:txBody>
+          </p:sp>
+          <p:sp>
+            <p:nvSpPr>
+              <p:cNvPr id="274" name="TextBox 7">
+                <a:extLst>
+                  <a:ext uri="{FF2B5EF4-FFF2-40B4-BE49-F238E27FC236}">
+                    <a16:creationId xmlns:a16="http://schemas.microsoft.com/office/drawing/2014/main" id="{006168B2-3FC0-A93A-D2E8-4F9EB6C197E7}"/>
+                  </a:ext>
+                </a:extLst>
+              </p:cNvPr>
+              <p:cNvSpPr txBox="1"/>
+              <p:nvPr/>
+            </p:nvSpPr>
+            <p:spPr>
+              <a:xfrm>
+                <a:off x="76200" y="57150"/>
+                <a:ext cx="660400" cy="679450"/>
+              </a:xfrm>
+              <a:prstGeom prst="rect">
+                <a:avLst/>
+              </a:prstGeom>
+            </p:spPr>
+            <p:txBody>
+              <a:bodyPr lIns="15951" tIns="15951" rIns="15951" bIns="15951" rtlCol="0" anchor="ctr"/>
+              <a:lstStyle/>
+              <a:p>
+                <a:pPr algn="ctr">
+                  <a:spcBef>
+                    <a:spcPct val="0"/>
+                  </a:spcBef>
+                </a:pPr>
+                <a:endParaRPr sz="512">
+                  <a:latin typeface="Times New Roman" panose="02020603050405020304" pitchFamily="18" charset="0"/>
+                  <a:cs typeface="Times New Roman" panose="02020603050405020304" pitchFamily="18" charset="0"/>
+                </a:endParaRPr>
+              </a:p>
+            </p:txBody>
+          </p:sp>
+        </p:grpSp>
+        <p:grpSp>
+          <p:nvGrpSpPr>
+            <p:cNvPr id="269" name="Group 20">
+              <a:extLst>
+                <a:ext uri="{FF2B5EF4-FFF2-40B4-BE49-F238E27FC236}">
+                  <a16:creationId xmlns:a16="http://schemas.microsoft.com/office/drawing/2014/main" id="{4AB5ACB9-D942-AC2E-51F0-2C7A4AD85871}"/>
+                </a:ext>
+              </a:extLst>
+            </p:cNvPr>
+            <p:cNvGrpSpPr/>
+            <p:nvPr/>
+          </p:nvGrpSpPr>
+          <p:grpSpPr>
+            <a:xfrm rot="-10800000">
+              <a:off x="3153822" y="3782452"/>
+              <a:ext cx="206198" cy="466930"/>
+              <a:chOff x="0" y="0"/>
+              <a:chExt cx="733150" cy="1660196"/>
+            </a:xfrm>
+          </p:grpSpPr>
+          <p:sp>
+            <p:nvSpPr>
+              <p:cNvPr id="271" name="Freeform 21">
+                <a:extLst>
+                  <a:ext uri="{FF2B5EF4-FFF2-40B4-BE49-F238E27FC236}">
+                    <a16:creationId xmlns:a16="http://schemas.microsoft.com/office/drawing/2014/main" id="{32F0E507-3C4E-998D-B221-EA9B9CC7025B}"/>
+                  </a:ext>
+                </a:extLst>
+              </p:cNvPr>
+              <p:cNvSpPr/>
+              <p:nvPr/>
+            </p:nvSpPr>
+            <p:spPr>
+              <a:xfrm rot="-10800000">
+                <a:off x="0" y="830098"/>
+                <a:ext cx="733150" cy="830098"/>
+              </a:xfrm>
+              <a:custGeom>
+                <a:avLst/>
+                <a:gdLst/>
+                <a:ahLst/>
+                <a:cxnLst/>
+                <a:rect l="l" t="t" r="r" b="b"/>
+                <a:pathLst>
+                  <a:path w="733150" h="830098">
+                    <a:moveTo>
+                      <a:pt x="0" y="0"/>
+                    </a:moveTo>
+                    <a:lnTo>
+                      <a:pt x="733150" y="0"/>
+                    </a:lnTo>
+                    <a:lnTo>
+                      <a:pt x="733150" y="830098"/>
+                    </a:lnTo>
+                    <a:lnTo>
+                      <a:pt x="0" y="830098"/>
+                    </a:lnTo>
+                    <a:lnTo>
+                      <a:pt x="0" y="0"/>
+                    </a:lnTo>
+                    <a:close/>
+                  </a:path>
+                </a:pathLst>
+              </a:custGeom>
+              <a:blipFill>
+                <a:blip r:embed="rId3">
+                  <a:extLst>
+                    <a:ext uri="{96DAC541-7B7A-43D3-8B79-37D633B846F1}">
+                      <asvg:svgBlip xmlns:asvg="http://schemas.microsoft.com/office/drawing/2016/SVG/main" r:embed="rId4"/>
+                    </a:ext>
+                  </a:extLst>
+                </a:blip>
+                <a:stretch>
+                  <a:fillRect r="-178783" b="-36791"/>
+                </a:stretch>
+              </a:blipFill>
+            </p:spPr>
+            <p:txBody>
+              <a:bodyPr/>
+              <a:lstStyle/>
+              <a:p>
+                <a:endParaRPr lang="zh-TW" altLang="en-US"/>
+              </a:p>
+            </p:txBody>
+          </p:sp>
+          <p:sp>
+            <p:nvSpPr>
+              <p:cNvPr id="272" name="Freeform 22">
+                <a:extLst>
+                  <a:ext uri="{FF2B5EF4-FFF2-40B4-BE49-F238E27FC236}">
+                    <a16:creationId xmlns:a16="http://schemas.microsoft.com/office/drawing/2014/main" id="{12E4768A-FF0F-9B85-2D74-1AC5A261D063}"/>
+                  </a:ext>
+                </a:extLst>
+              </p:cNvPr>
+              <p:cNvSpPr/>
+              <p:nvPr/>
+            </p:nvSpPr>
+            <p:spPr>
+              <a:xfrm rot="-10800000" flipV="1">
+                <a:off x="0" y="0"/>
+                <a:ext cx="733150" cy="830098"/>
+              </a:xfrm>
+              <a:custGeom>
+                <a:avLst/>
+                <a:gdLst/>
+                <a:ahLst/>
+                <a:cxnLst/>
+                <a:rect l="l" t="t" r="r" b="b"/>
+                <a:pathLst>
+                  <a:path w="733150" h="830098">
+                    <a:moveTo>
+                      <a:pt x="0" y="830098"/>
+                    </a:moveTo>
+                    <a:lnTo>
+                      <a:pt x="733150" y="830098"/>
+                    </a:lnTo>
+                    <a:lnTo>
+                      <a:pt x="733150" y="0"/>
+                    </a:lnTo>
+                    <a:lnTo>
+                      <a:pt x="0" y="0"/>
+                    </a:lnTo>
+                    <a:lnTo>
+                      <a:pt x="0" y="830098"/>
+                    </a:lnTo>
+                    <a:close/>
+                  </a:path>
+                </a:pathLst>
+              </a:custGeom>
+              <a:blipFill>
+                <a:blip r:embed="rId3">
+                  <a:extLst>
+                    <a:ext uri="{96DAC541-7B7A-43D3-8B79-37D633B846F1}">
+                      <asvg:svgBlip xmlns:asvg="http://schemas.microsoft.com/office/drawing/2016/SVG/main" r:embed="rId4"/>
+                    </a:ext>
+                  </a:extLst>
+                </a:blip>
+                <a:stretch>
+                  <a:fillRect r="-178783" b="-36791"/>
+                </a:stretch>
+              </a:blipFill>
+            </p:spPr>
+            <p:txBody>
+              <a:bodyPr/>
+              <a:lstStyle/>
+              <a:p>
+                <a:endParaRPr lang="zh-TW" altLang="en-US"/>
+              </a:p>
+            </p:txBody>
+          </p:sp>
+        </p:grpSp>
+        <p:sp>
+          <p:nvSpPr>
+            <p:cNvPr id="270" name="Freeform 36">
+              <a:extLst>
+                <a:ext uri="{FF2B5EF4-FFF2-40B4-BE49-F238E27FC236}">
+                  <a16:creationId xmlns:a16="http://schemas.microsoft.com/office/drawing/2014/main" id="{B7DC12FE-FBF9-E57B-A861-50B9972B2F8B}"/>
+                </a:ext>
+              </a:extLst>
+            </p:cNvPr>
+            <p:cNvSpPr/>
+            <p:nvPr/>
+          </p:nvSpPr>
+          <p:spPr>
+            <a:xfrm>
+              <a:off x="3206705" y="3928487"/>
+              <a:ext cx="262882" cy="164301"/>
+            </a:xfrm>
+            <a:custGeom>
+              <a:avLst/>
+              <a:gdLst/>
+              <a:ahLst/>
+              <a:cxnLst/>
+              <a:rect l="l" t="t" r="r" b="b"/>
+              <a:pathLst>
+                <a:path w="701019" h="438137">
+                  <a:moveTo>
+                    <a:pt x="0" y="0"/>
+                  </a:moveTo>
+                  <a:lnTo>
+                    <a:pt x="701019" y="0"/>
+                  </a:lnTo>
+                  <a:lnTo>
+                    <a:pt x="701019" y="438137"/>
+                  </a:lnTo>
+                  <a:lnTo>
+                    <a:pt x="0" y="438137"/>
+                  </a:lnTo>
+                  <a:lnTo>
+                    <a:pt x="0" y="0"/>
+                  </a:lnTo>
+                  <a:close/>
+                </a:path>
+              </a:pathLst>
+            </a:custGeom>
+            <a:blipFill>
+              <a:blip r:embed="rId6"/>
+              <a:stretch>
+                <a:fillRect/>
+              </a:stretch>
+            </a:blipFill>
+          </p:spPr>
+          <p:txBody>
+            <a:bodyPr/>
+            <a:lstStyle/>
+            <a:p>
+              <a:endParaRPr lang="zh-TW" altLang="en-US"/>
+            </a:p>
+          </p:txBody>
+        </p:sp>
+      </p:grpSp>
+      <p:grpSp>
+        <p:nvGrpSpPr>
+          <p:cNvPr id="275" name="群組 274">
+            <a:extLst>
+              <a:ext uri="{FF2B5EF4-FFF2-40B4-BE49-F238E27FC236}">
+                <a16:creationId xmlns:a16="http://schemas.microsoft.com/office/drawing/2014/main" id="{F3D5C484-75B1-247B-63F0-4EEF561AD389}"/>
+              </a:ext>
+            </a:extLst>
+          </p:cNvPr>
+          <p:cNvGrpSpPr>
+            <a:grpSpLocks noChangeAspect="1"/>
+          </p:cNvGrpSpPr>
+          <p:nvPr/>
+        </p:nvGrpSpPr>
+        <p:grpSpPr>
+          <a:xfrm>
+            <a:off x="14168304" y="12839193"/>
+            <a:ext cx="1557403" cy="2121452"/>
+            <a:chOff x="3177701" y="6131639"/>
+            <a:chExt cx="342783" cy="466930"/>
+          </a:xfrm>
+        </p:grpSpPr>
+        <p:grpSp>
+          <p:nvGrpSpPr>
+            <p:cNvPr id="276" name="Group 8">
+              <a:extLst>
+                <a:ext uri="{FF2B5EF4-FFF2-40B4-BE49-F238E27FC236}">
+                  <a16:creationId xmlns:a16="http://schemas.microsoft.com/office/drawing/2014/main" id="{2DC4CFBA-2022-598A-ABC5-55FCBCAC4E45}"/>
+                </a:ext>
+              </a:extLst>
+            </p:cNvPr>
+            <p:cNvGrpSpPr/>
+            <p:nvPr/>
+          </p:nvGrpSpPr>
+          <p:grpSpPr>
+            <a:xfrm>
+              <a:off x="3177701" y="6207212"/>
+              <a:ext cx="313497" cy="313497"/>
+              <a:chOff x="0" y="0"/>
+              <a:chExt cx="812800" cy="812800"/>
+            </a:xfrm>
+          </p:grpSpPr>
+          <p:sp>
+            <p:nvSpPr>
+              <p:cNvPr id="281" name="Freeform 9">
+                <a:extLst>
+                  <a:ext uri="{FF2B5EF4-FFF2-40B4-BE49-F238E27FC236}">
+                    <a16:creationId xmlns:a16="http://schemas.microsoft.com/office/drawing/2014/main" id="{B7C82403-C3F7-6971-6E51-4863D5E35E7F}"/>
+                  </a:ext>
+                </a:extLst>
+              </p:cNvPr>
+              <p:cNvSpPr/>
+              <p:nvPr/>
+            </p:nvSpPr>
+            <p:spPr>
+              <a:xfrm>
+                <a:off x="0" y="0"/>
+                <a:ext cx="812800" cy="812800"/>
+              </a:xfrm>
+              <a:custGeom>
+                <a:avLst/>
+                <a:gdLst/>
+                <a:ahLst/>
+                <a:cxnLst/>
+                <a:rect l="l" t="t" r="r" b="b"/>
+                <a:pathLst>
+                  <a:path w="812800" h="812800">
+                    <a:moveTo>
+                      <a:pt x="406400" y="0"/>
+                    </a:moveTo>
+                    <a:cubicBezTo>
+                      <a:pt x="181951" y="0"/>
+                      <a:pt x="0" y="181951"/>
+                      <a:pt x="0" y="406400"/>
+                    </a:cubicBezTo>
+                    <a:cubicBezTo>
+                      <a:pt x="0" y="630849"/>
+                      <a:pt x="181951" y="812800"/>
+                      <a:pt x="406400" y="812800"/>
+                    </a:cubicBezTo>
+                    <a:cubicBezTo>
+                      <a:pt x="630849" y="812800"/>
+                      <a:pt x="812800" y="630849"/>
+                      <a:pt x="812800" y="406400"/>
+                    </a:cubicBezTo>
+                    <a:cubicBezTo>
+                      <a:pt x="812800" y="181951"/>
+                      <a:pt x="630849" y="0"/>
+                      <a:pt x="406400" y="0"/>
+                    </a:cubicBezTo>
+                    <a:close/>
+                  </a:path>
+                </a:pathLst>
+              </a:custGeom>
+              <a:solidFill>
+                <a:srgbClr val="5271FF"/>
+              </a:solidFill>
+            </p:spPr>
+            <p:txBody>
+              <a:bodyPr/>
+              <a:lstStyle/>
+              <a:p>
+                <a:endParaRPr lang="zh-TW" altLang="en-US"/>
+              </a:p>
+            </p:txBody>
+          </p:sp>
+          <p:sp>
+            <p:nvSpPr>
+              <p:cNvPr id="282" name="TextBox 10">
+                <a:extLst>
+                  <a:ext uri="{FF2B5EF4-FFF2-40B4-BE49-F238E27FC236}">
+                    <a16:creationId xmlns:a16="http://schemas.microsoft.com/office/drawing/2014/main" id="{356BB91F-7310-A37B-70FF-E97C412825A5}"/>
+                  </a:ext>
+                </a:extLst>
+              </p:cNvPr>
+              <p:cNvSpPr txBox="1"/>
+              <p:nvPr/>
+            </p:nvSpPr>
+            <p:spPr>
+              <a:xfrm>
+                <a:off x="76200" y="57150"/>
+                <a:ext cx="660400" cy="679450"/>
+              </a:xfrm>
+              <a:prstGeom prst="rect">
+                <a:avLst/>
+              </a:prstGeom>
+            </p:spPr>
+            <p:txBody>
+              <a:bodyPr lIns="15951" tIns="15951" rIns="15951" bIns="15951" rtlCol="0" anchor="ctr"/>
+              <a:lstStyle/>
+              <a:p>
+                <a:pPr algn="ctr">
+                  <a:spcBef>
+                    <a:spcPct val="0"/>
+                  </a:spcBef>
+                </a:pPr>
+                <a:endParaRPr sz="512">
+                  <a:latin typeface="Times New Roman" panose="02020603050405020304" pitchFamily="18" charset="0"/>
+                  <a:cs typeface="Times New Roman" panose="02020603050405020304" pitchFamily="18" charset="0"/>
+                </a:endParaRPr>
+              </a:p>
+            </p:txBody>
+          </p:sp>
+        </p:grpSp>
+        <p:grpSp>
+          <p:nvGrpSpPr>
+            <p:cNvPr id="277" name="Group 23">
+              <a:extLst>
+                <a:ext uri="{FF2B5EF4-FFF2-40B4-BE49-F238E27FC236}">
+                  <a16:creationId xmlns:a16="http://schemas.microsoft.com/office/drawing/2014/main" id="{699F1B3D-9F81-88F5-99B1-9E2921DE20BF}"/>
+                </a:ext>
+              </a:extLst>
+            </p:cNvPr>
+            <p:cNvGrpSpPr/>
+            <p:nvPr/>
+          </p:nvGrpSpPr>
+          <p:grpSpPr>
+            <a:xfrm>
+              <a:off x="3314286" y="6131639"/>
+              <a:ext cx="206198" cy="466930"/>
+              <a:chOff x="0" y="0"/>
+              <a:chExt cx="733150" cy="1660196"/>
+            </a:xfrm>
+          </p:grpSpPr>
+          <p:sp>
+            <p:nvSpPr>
+              <p:cNvPr id="279" name="Freeform 24">
+                <a:extLst>
+                  <a:ext uri="{FF2B5EF4-FFF2-40B4-BE49-F238E27FC236}">
+                    <a16:creationId xmlns:a16="http://schemas.microsoft.com/office/drawing/2014/main" id="{C12E653F-CA16-4718-192D-0010FE087C4E}"/>
+                  </a:ext>
+                </a:extLst>
+              </p:cNvPr>
+              <p:cNvSpPr/>
+              <p:nvPr/>
+            </p:nvSpPr>
+            <p:spPr>
+              <a:xfrm rot="-10800000">
+                <a:off x="0" y="830098"/>
+                <a:ext cx="733150" cy="830098"/>
+              </a:xfrm>
+              <a:custGeom>
+                <a:avLst/>
+                <a:gdLst/>
+                <a:ahLst/>
+                <a:cxnLst/>
+                <a:rect l="l" t="t" r="r" b="b"/>
+                <a:pathLst>
+                  <a:path w="733150" h="830098">
+                    <a:moveTo>
+                      <a:pt x="0" y="0"/>
+                    </a:moveTo>
+                    <a:lnTo>
+                      <a:pt x="733150" y="0"/>
+                    </a:lnTo>
+                    <a:lnTo>
+                      <a:pt x="733150" y="830098"/>
+                    </a:lnTo>
+                    <a:lnTo>
+                      <a:pt x="0" y="830098"/>
+                    </a:lnTo>
+                    <a:lnTo>
+                      <a:pt x="0" y="0"/>
+                    </a:lnTo>
+                    <a:close/>
+                  </a:path>
+                </a:pathLst>
+              </a:custGeom>
+              <a:blipFill>
+                <a:blip r:embed="rId3">
+                  <a:extLst>
+                    <a:ext uri="{96DAC541-7B7A-43D3-8B79-37D633B846F1}">
+                      <asvg:svgBlip xmlns:asvg="http://schemas.microsoft.com/office/drawing/2016/SVG/main" r:embed="rId4"/>
+                    </a:ext>
+                  </a:extLst>
+                </a:blip>
+                <a:stretch>
+                  <a:fillRect r="-178783" b="-36791"/>
+                </a:stretch>
+              </a:blipFill>
+            </p:spPr>
+            <p:txBody>
+              <a:bodyPr/>
+              <a:lstStyle/>
+              <a:p>
+                <a:endParaRPr lang="zh-TW" altLang="en-US"/>
+              </a:p>
+            </p:txBody>
+          </p:sp>
+          <p:sp>
+            <p:nvSpPr>
+              <p:cNvPr id="280" name="Freeform 25">
+                <a:extLst>
+                  <a:ext uri="{FF2B5EF4-FFF2-40B4-BE49-F238E27FC236}">
+                    <a16:creationId xmlns:a16="http://schemas.microsoft.com/office/drawing/2014/main" id="{020254B8-5613-BF62-3DEE-16FDF3D5143D}"/>
+                  </a:ext>
+                </a:extLst>
+              </p:cNvPr>
+              <p:cNvSpPr/>
+              <p:nvPr/>
+            </p:nvSpPr>
+            <p:spPr>
+              <a:xfrm rot="-10800000" flipV="1">
+                <a:off x="0" y="0"/>
+                <a:ext cx="733150" cy="830098"/>
+              </a:xfrm>
+              <a:custGeom>
+                <a:avLst/>
+                <a:gdLst/>
+                <a:ahLst/>
+                <a:cxnLst/>
+                <a:rect l="l" t="t" r="r" b="b"/>
+                <a:pathLst>
+                  <a:path w="733150" h="830098">
+                    <a:moveTo>
+                      <a:pt x="0" y="830098"/>
+                    </a:moveTo>
+                    <a:lnTo>
+                      <a:pt x="733150" y="830098"/>
+                    </a:lnTo>
+                    <a:lnTo>
+                      <a:pt x="733150" y="0"/>
+                    </a:lnTo>
+                    <a:lnTo>
+                      <a:pt x="0" y="0"/>
+                    </a:lnTo>
+                    <a:lnTo>
+                      <a:pt x="0" y="830098"/>
+                    </a:lnTo>
+                    <a:close/>
+                  </a:path>
+                </a:pathLst>
+              </a:custGeom>
+              <a:blipFill>
+                <a:blip r:embed="rId3">
+                  <a:extLst>
+                    <a:ext uri="{96DAC541-7B7A-43D3-8B79-37D633B846F1}">
+                      <asvg:svgBlip xmlns:asvg="http://schemas.microsoft.com/office/drawing/2016/SVG/main" r:embed="rId4"/>
+                    </a:ext>
+                  </a:extLst>
+                </a:blip>
+                <a:stretch>
+                  <a:fillRect r="-178783" b="-36791"/>
+                </a:stretch>
+              </a:blipFill>
+            </p:spPr>
+            <p:txBody>
+              <a:bodyPr/>
+              <a:lstStyle/>
+              <a:p>
+                <a:endParaRPr lang="zh-TW" altLang="en-US"/>
+              </a:p>
+            </p:txBody>
+          </p:sp>
+        </p:grpSp>
+        <p:sp>
+          <p:nvSpPr>
+            <p:cNvPr id="278" name="Freeform 37">
+              <a:extLst>
+                <a:ext uri="{FF2B5EF4-FFF2-40B4-BE49-F238E27FC236}">
+                  <a16:creationId xmlns:a16="http://schemas.microsoft.com/office/drawing/2014/main" id="{61D324CC-B5E8-7B6A-386E-393EE31B1433}"/>
+                </a:ext>
+              </a:extLst>
+            </p:cNvPr>
+            <p:cNvSpPr/>
+            <p:nvPr/>
+          </p:nvSpPr>
+          <p:spPr>
+            <a:xfrm>
+              <a:off x="3218804" y="6255938"/>
+              <a:ext cx="245669" cy="209042"/>
+            </a:xfrm>
+            <a:custGeom>
+              <a:avLst/>
+              <a:gdLst/>
+              <a:ahLst/>
+              <a:cxnLst/>
+              <a:rect l="l" t="t" r="r" b="b"/>
+              <a:pathLst>
+                <a:path w="655118" h="557446">
+                  <a:moveTo>
+                    <a:pt x="0" y="0"/>
+                  </a:moveTo>
+                  <a:lnTo>
+                    <a:pt x="655118" y="0"/>
+                  </a:lnTo>
+                  <a:lnTo>
+                    <a:pt x="655118" y="557446"/>
+                  </a:lnTo>
+                  <a:lnTo>
+                    <a:pt x="0" y="557446"/>
+                  </a:lnTo>
+                  <a:lnTo>
+                    <a:pt x="0" y="0"/>
+                  </a:lnTo>
+                  <a:close/>
+                </a:path>
+              </a:pathLst>
+            </a:custGeom>
+            <a:blipFill>
+              <a:blip r:embed="rId7">
+                <a:extLst>
+                  <a:ext uri="{96DAC541-7B7A-43D3-8B79-37D633B846F1}">
+                    <asvg:svgBlip xmlns:asvg="http://schemas.microsoft.com/office/drawing/2016/SVG/main" r:embed="rId8"/>
+                  </a:ext>
+                </a:extLst>
+              </a:blip>
+              <a:stretch>
+                <a:fillRect/>
+              </a:stretch>
+            </a:blipFill>
+          </p:spPr>
+          <p:txBody>
+            <a:bodyPr/>
+            <a:lstStyle/>
+            <a:p>
+              <a:endParaRPr lang="zh-TW" altLang="en-US"/>
+            </a:p>
+          </p:txBody>
+        </p:sp>
+      </p:grpSp>
+      <p:grpSp>
+        <p:nvGrpSpPr>
+          <p:cNvPr id="283" name="群組 282">
+            <a:extLst>
+              <a:ext uri="{FF2B5EF4-FFF2-40B4-BE49-F238E27FC236}">
+                <a16:creationId xmlns:a16="http://schemas.microsoft.com/office/drawing/2014/main" id="{1AAD71BB-FB52-C4E0-ED3A-CF3ECB78BC2A}"/>
+              </a:ext>
+            </a:extLst>
+          </p:cNvPr>
+          <p:cNvGrpSpPr>
+            <a:grpSpLocks noChangeAspect="1"/>
+          </p:cNvGrpSpPr>
+          <p:nvPr/>
+        </p:nvGrpSpPr>
+        <p:grpSpPr>
+          <a:xfrm>
+            <a:off x="13988611" y="14973080"/>
+            <a:ext cx="1641837" cy="2121452"/>
+            <a:chOff x="3129962" y="6639886"/>
+            <a:chExt cx="361367" cy="466930"/>
+          </a:xfrm>
+        </p:grpSpPr>
+        <p:grpSp>
+          <p:nvGrpSpPr>
+            <p:cNvPr id="284" name="Group 26">
+              <a:extLst>
+                <a:ext uri="{FF2B5EF4-FFF2-40B4-BE49-F238E27FC236}">
+                  <a16:creationId xmlns:a16="http://schemas.microsoft.com/office/drawing/2014/main" id="{E9B29F26-8D6B-6834-B7C0-458BCFA60311}"/>
+                </a:ext>
+              </a:extLst>
+            </p:cNvPr>
+            <p:cNvGrpSpPr/>
+            <p:nvPr/>
+          </p:nvGrpSpPr>
+          <p:grpSpPr>
+            <a:xfrm rot="-10800000">
+              <a:off x="3129962" y="6639886"/>
+              <a:ext cx="206198" cy="466930"/>
+              <a:chOff x="0" y="0"/>
+              <a:chExt cx="733150" cy="1660196"/>
+            </a:xfrm>
+          </p:grpSpPr>
+          <p:sp>
+            <p:nvSpPr>
+              <p:cNvPr id="290" name="Freeform 27">
+                <a:extLst>
+                  <a:ext uri="{FF2B5EF4-FFF2-40B4-BE49-F238E27FC236}">
+                    <a16:creationId xmlns:a16="http://schemas.microsoft.com/office/drawing/2014/main" id="{35E481C2-2FED-FF64-1407-752260C65E63}"/>
+                  </a:ext>
+                </a:extLst>
+              </p:cNvPr>
+              <p:cNvSpPr/>
+              <p:nvPr/>
+            </p:nvSpPr>
+            <p:spPr>
+              <a:xfrm rot="-10800000">
+                <a:off x="0" y="830098"/>
+                <a:ext cx="733150" cy="830098"/>
+              </a:xfrm>
+              <a:custGeom>
+                <a:avLst/>
+                <a:gdLst/>
+                <a:ahLst/>
+                <a:cxnLst/>
+                <a:rect l="l" t="t" r="r" b="b"/>
+                <a:pathLst>
+                  <a:path w="733150" h="830098">
+                    <a:moveTo>
+                      <a:pt x="0" y="0"/>
+                    </a:moveTo>
+                    <a:lnTo>
+                      <a:pt x="733150" y="0"/>
+                    </a:lnTo>
+                    <a:lnTo>
+                      <a:pt x="733150" y="830098"/>
+                    </a:lnTo>
+                    <a:lnTo>
+                      <a:pt x="0" y="830098"/>
+                    </a:lnTo>
+                    <a:lnTo>
+                      <a:pt x="0" y="0"/>
+                    </a:lnTo>
+                    <a:close/>
+                  </a:path>
+                </a:pathLst>
+              </a:custGeom>
+              <a:blipFill>
+                <a:blip r:embed="rId3">
+                  <a:extLst>
+                    <a:ext uri="{96DAC541-7B7A-43D3-8B79-37D633B846F1}">
+                      <asvg:svgBlip xmlns:asvg="http://schemas.microsoft.com/office/drawing/2016/SVG/main" r:embed="rId4"/>
+                    </a:ext>
+                  </a:extLst>
+                </a:blip>
+                <a:stretch>
+                  <a:fillRect r="-178783" b="-36791"/>
+                </a:stretch>
+              </a:blipFill>
+            </p:spPr>
+            <p:txBody>
+              <a:bodyPr/>
+              <a:lstStyle/>
+              <a:p>
+                <a:endParaRPr lang="zh-TW" altLang="en-US"/>
+              </a:p>
+            </p:txBody>
+          </p:sp>
+          <p:sp>
+            <p:nvSpPr>
+              <p:cNvPr id="291" name="Freeform 28">
+                <a:extLst>
+                  <a:ext uri="{FF2B5EF4-FFF2-40B4-BE49-F238E27FC236}">
+                    <a16:creationId xmlns:a16="http://schemas.microsoft.com/office/drawing/2014/main" id="{CDCE3BF4-524C-64EC-79B9-00DAA77B3265}"/>
+                  </a:ext>
+                </a:extLst>
+              </p:cNvPr>
+              <p:cNvSpPr/>
+              <p:nvPr/>
+            </p:nvSpPr>
+            <p:spPr>
+              <a:xfrm rot="-10800000" flipV="1">
+                <a:off x="0" y="0"/>
+                <a:ext cx="733150" cy="830098"/>
+              </a:xfrm>
+              <a:custGeom>
+                <a:avLst/>
+                <a:gdLst/>
+                <a:ahLst/>
+                <a:cxnLst/>
+                <a:rect l="l" t="t" r="r" b="b"/>
+                <a:pathLst>
+                  <a:path w="733150" h="830098">
+                    <a:moveTo>
+                      <a:pt x="0" y="830098"/>
+                    </a:moveTo>
+                    <a:lnTo>
+                      <a:pt x="733150" y="830098"/>
+                    </a:lnTo>
+                    <a:lnTo>
+                      <a:pt x="733150" y="0"/>
+                    </a:lnTo>
+                    <a:lnTo>
+                      <a:pt x="0" y="0"/>
+                    </a:lnTo>
+                    <a:lnTo>
+                      <a:pt x="0" y="830098"/>
+                    </a:lnTo>
+                    <a:close/>
+                  </a:path>
+                </a:pathLst>
+              </a:custGeom>
+              <a:blipFill>
+                <a:blip r:embed="rId3">
+                  <a:extLst>
+                    <a:ext uri="{96DAC541-7B7A-43D3-8B79-37D633B846F1}">
+                      <asvg:svgBlip xmlns:asvg="http://schemas.microsoft.com/office/drawing/2016/SVG/main" r:embed="rId4"/>
+                    </a:ext>
+                  </a:extLst>
+                </a:blip>
+                <a:stretch>
+                  <a:fillRect r="-178783" b="-36791"/>
+                </a:stretch>
+              </a:blipFill>
+            </p:spPr>
+            <p:txBody>
+              <a:bodyPr/>
+              <a:lstStyle/>
+              <a:p>
+                <a:endParaRPr lang="zh-TW" altLang="en-US"/>
+              </a:p>
+            </p:txBody>
+          </p:sp>
+        </p:grpSp>
+        <p:grpSp>
+          <p:nvGrpSpPr>
+            <p:cNvPr id="285" name="群組 284">
+              <a:extLst>
+                <a:ext uri="{FF2B5EF4-FFF2-40B4-BE49-F238E27FC236}">
+                  <a16:creationId xmlns:a16="http://schemas.microsoft.com/office/drawing/2014/main" id="{B1452EB3-886E-ADA7-D395-3CAEB5CBAB12}"/>
+                </a:ext>
+              </a:extLst>
+            </p:cNvPr>
+            <p:cNvGrpSpPr>
+              <a:grpSpLocks noChangeAspect="1"/>
+            </p:cNvGrpSpPr>
+            <p:nvPr/>
+          </p:nvGrpSpPr>
+          <p:grpSpPr>
+            <a:xfrm>
+              <a:off x="3177832" y="6716602"/>
+              <a:ext cx="313497" cy="313497"/>
+              <a:chOff x="3177832" y="6716602"/>
+              <a:chExt cx="313497" cy="313497"/>
+            </a:xfrm>
+          </p:grpSpPr>
+          <p:grpSp>
+            <p:nvGrpSpPr>
+              <p:cNvPr id="286" name="Group 11">
+                <a:extLst>
+                  <a:ext uri="{FF2B5EF4-FFF2-40B4-BE49-F238E27FC236}">
+                    <a16:creationId xmlns:a16="http://schemas.microsoft.com/office/drawing/2014/main" id="{DD9B6E9C-9316-27B2-DCFD-9A0AED27F214}"/>
+                  </a:ext>
+                </a:extLst>
+              </p:cNvPr>
+              <p:cNvGrpSpPr/>
+              <p:nvPr/>
+            </p:nvGrpSpPr>
+            <p:grpSpPr>
+              <a:xfrm>
+                <a:off x="3177832" y="6716602"/>
+                <a:ext cx="313497" cy="313497"/>
+                <a:chOff x="0" y="0"/>
+                <a:chExt cx="812800" cy="812800"/>
+              </a:xfrm>
+            </p:grpSpPr>
+            <p:sp>
+              <p:nvSpPr>
+                <p:cNvPr id="288" name="Freeform 12">
+                  <a:extLst>
+                    <a:ext uri="{FF2B5EF4-FFF2-40B4-BE49-F238E27FC236}">
+                      <a16:creationId xmlns:a16="http://schemas.microsoft.com/office/drawing/2014/main" id="{F4B5DCCE-2E76-1354-E568-2CECF07BC944}"/>
+                    </a:ext>
+                  </a:extLst>
+                </p:cNvPr>
+                <p:cNvSpPr/>
+                <p:nvPr/>
+              </p:nvSpPr>
+              <p:spPr>
+                <a:xfrm>
+                  <a:off x="0" y="0"/>
+                  <a:ext cx="812800" cy="812800"/>
+                </a:xfrm>
+                <a:custGeom>
+                  <a:avLst/>
+                  <a:gdLst/>
+                  <a:ahLst/>
+                  <a:cxnLst/>
+                  <a:rect l="l" t="t" r="r" b="b"/>
+                  <a:pathLst>
+                    <a:path w="812800" h="812800">
+                      <a:moveTo>
+                        <a:pt x="406400" y="0"/>
+                      </a:moveTo>
+                      <a:cubicBezTo>
+                        <a:pt x="181951" y="0"/>
+                        <a:pt x="0" y="181951"/>
+                        <a:pt x="0" y="406400"/>
+                      </a:cubicBezTo>
+                      <a:cubicBezTo>
+                        <a:pt x="0" y="630849"/>
+                        <a:pt x="181951" y="812800"/>
+                        <a:pt x="406400" y="812800"/>
+                      </a:cubicBezTo>
+                      <a:cubicBezTo>
+                        <a:pt x="630849" y="812800"/>
+                        <a:pt x="812800" y="630849"/>
+                        <a:pt x="812800" y="406400"/>
+                      </a:cubicBezTo>
+                      <a:cubicBezTo>
+                        <a:pt x="812800" y="181951"/>
+                        <a:pt x="630849" y="0"/>
+                        <a:pt x="406400" y="0"/>
+                      </a:cubicBezTo>
+                      <a:close/>
+                    </a:path>
+                  </a:pathLst>
+                </a:custGeom>
+                <a:solidFill>
+                  <a:srgbClr val="5271FF"/>
+                </a:solidFill>
+              </p:spPr>
+              <p:txBody>
+                <a:bodyPr/>
+                <a:lstStyle/>
+                <a:p>
+                  <a:endParaRPr lang="zh-TW" altLang="en-US"/>
+                </a:p>
+              </p:txBody>
+            </p:sp>
+            <p:sp>
+              <p:nvSpPr>
+                <p:cNvPr id="289" name="TextBox 13">
+                  <a:extLst>
+                    <a:ext uri="{FF2B5EF4-FFF2-40B4-BE49-F238E27FC236}">
+                      <a16:creationId xmlns:a16="http://schemas.microsoft.com/office/drawing/2014/main" id="{B4C66A03-AFF9-B267-8772-38765007F043}"/>
+                    </a:ext>
+                  </a:extLst>
+                </p:cNvPr>
+                <p:cNvSpPr txBox="1"/>
+                <p:nvPr/>
+              </p:nvSpPr>
+              <p:spPr>
+                <a:xfrm>
+                  <a:off x="76200" y="57150"/>
+                  <a:ext cx="660400" cy="679450"/>
+                </a:xfrm>
+                <a:prstGeom prst="rect">
+                  <a:avLst/>
+                </a:prstGeom>
+              </p:spPr>
+              <p:txBody>
+                <a:bodyPr lIns="15951" tIns="15951" rIns="15951" bIns="15951" rtlCol="0" anchor="ctr"/>
+                <a:lstStyle/>
+                <a:p>
+                  <a:pPr algn="ctr">
+                    <a:spcBef>
+                      <a:spcPct val="0"/>
+                    </a:spcBef>
+                  </a:pPr>
+                  <a:endParaRPr sz="512">
+                    <a:latin typeface="Times New Roman" panose="02020603050405020304" pitchFamily="18" charset="0"/>
+                    <a:cs typeface="Times New Roman" panose="02020603050405020304" pitchFamily="18" charset="0"/>
+                  </a:endParaRPr>
+                </a:p>
+              </p:txBody>
+            </p:sp>
+          </p:grpSp>
+          <p:sp>
+            <p:nvSpPr>
+              <p:cNvPr id="287" name="Freeform 38">
+                <a:extLst>
+                  <a:ext uri="{FF2B5EF4-FFF2-40B4-BE49-F238E27FC236}">
+                    <a16:creationId xmlns:a16="http://schemas.microsoft.com/office/drawing/2014/main" id="{5B216574-7D94-870A-75B5-01459C12E754}"/>
+                  </a:ext>
+                </a:extLst>
+              </p:cNvPr>
+              <p:cNvSpPr/>
+              <p:nvPr/>
+            </p:nvSpPr>
+            <p:spPr>
+              <a:xfrm>
+                <a:off x="3210189" y="6747669"/>
+                <a:ext cx="246475" cy="246475"/>
+              </a:xfrm>
+              <a:custGeom>
+                <a:avLst/>
+                <a:gdLst/>
+                <a:ahLst/>
+                <a:cxnLst/>
+                <a:rect l="l" t="t" r="r" b="b"/>
+                <a:pathLst>
+                  <a:path w="657266" h="657266">
+                    <a:moveTo>
+                      <a:pt x="0" y="0"/>
+                    </a:moveTo>
+                    <a:lnTo>
+                      <a:pt x="657266" y="0"/>
+                    </a:lnTo>
+                    <a:lnTo>
+                      <a:pt x="657266" y="657266"/>
+                    </a:lnTo>
+                    <a:lnTo>
+                      <a:pt x="0" y="657266"/>
+                    </a:lnTo>
+                    <a:lnTo>
+                      <a:pt x="0" y="0"/>
+                    </a:lnTo>
+                    <a:close/>
+                  </a:path>
+                </a:pathLst>
+              </a:custGeom>
+              <a:blipFill>
+                <a:blip r:embed="rId9"/>
+                <a:stretch>
+                  <a:fillRect/>
+                </a:stretch>
+              </a:blipFill>
+            </p:spPr>
+            <p:txBody>
+              <a:bodyPr/>
+              <a:lstStyle/>
+              <a:p>
+                <a:endParaRPr lang="zh-TW" altLang="en-US"/>
+              </a:p>
+            </p:txBody>
+          </p:sp>
+        </p:grpSp>
+      </p:grpSp>
+      <p:grpSp>
+        <p:nvGrpSpPr>
+          <p:cNvPr id="292" name="群組 291">
+            <a:extLst>
+              <a:ext uri="{FF2B5EF4-FFF2-40B4-BE49-F238E27FC236}">
+                <a16:creationId xmlns:a16="http://schemas.microsoft.com/office/drawing/2014/main" id="{797B86C9-54E5-0B6E-26C6-13D217678109}"/>
+              </a:ext>
+            </a:extLst>
+          </p:cNvPr>
+          <p:cNvGrpSpPr>
+            <a:grpSpLocks noChangeAspect="1"/>
+          </p:cNvGrpSpPr>
+          <p:nvPr/>
+        </p:nvGrpSpPr>
+        <p:grpSpPr>
+          <a:xfrm>
+            <a:off x="16212735" y="12800717"/>
+            <a:ext cx="1656189" cy="2121452"/>
+            <a:chOff x="3143167" y="8603411"/>
+            <a:chExt cx="364526" cy="466930"/>
+          </a:xfrm>
+        </p:grpSpPr>
+        <p:grpSp>
+          <p:nvGrpSpPr>
+            <p:cNvPr id="293" name="Group 14">
+              <a:extLst>
+                <a:ext uri="{FF2B5EF4-FFF2-40B4-BE49-F238E27FC236}">
+                  <a16:creationId xmlns:a16="http://schemas.microsoft.com/office/drawing/2014/main" id="{5B1BECAB-D758-2E76-E212-9A64FB2460F2}"/>
+                </a:ext>
+              </a:extLst>
+            </p:cNvPr>
+            <p:cNvGrpSpPr/>
+            <p:nvPr/>
+          </p:nvGrpSpPr>
+          <p:grpSpPr>
+            <a:xfrm>
+              <a:off x="3143167" y="8686800"/>
+              <a:ext cx="313497" cy="313497"/>
+              <a:chOff x="0" y="0"/>
+              <a:chExt cx="812800" cy="812800"/>
+            </a:xfrm>
+          </p:grpSpPr>
+          <p:sp>
+            <p:nvSpPr>
+              <p:cNvPr id="298" name="Freeform 15">
+                <a:extLst>
+                  <a:ext uri="{FF2B5EF4-FFF2-40B4-BE49-F238E27FC236}">
+                    <a16:creationId xmlns:a16="http://schemas.microsoft.com/office/drawing/2014/main" id="{6998CF65-C9D0-D296-26E8-202ED72735DF}"/>
+                  </a:ext>
+                </a:extLst>
+              </p:cNvPr>
+              <p:cNvSpPr/>
+              <p:nvPr/>
+            </p:nvSpPr>
+            <p:spPr>
+              <a:xfrm>
+                <a:off x="0" y="0"/>
+                <a:ext cx="812800" cy="812800"/>
+              </a:xfrm>
+              <a:custGeom>
+                <a:avLst/>
+                <a:gdLst/>
+                <a:ahLst/>
+                <a:cxnLst/>
+                <a:rect l="l" t="t" r="r" b="b"/>
+                <a:pathLst>
+                  <a:path w="812800" h="812800">
+                    <a:moveTo>
+                      <a:pt x="406400" y="0"/>
+                    </a:moveTo>
+                    <a:cubicBezTo>
+                      <a:pt x="181951" y="0"/>
+                      <a:pt x="0" y="181951"/>
+                      <a:pt x="0" y="406400"/>
+                    </a:cubicBezTo>
+                    <a:cubicBezTo>
+                      <a:pt x="0" y="630849"/>
+                      <a:pt x="181951" y="812800"/>
+                      <a:pt x="406400" y="812800"/>
+                    </a:cubicBezTo>
+                    <a:cubicBezTo>
+                      <a:pt x="630849" y="812800"/>
+                      <a:pt x="812800" y="630849"/>
+                      <a:pt x="812800" y="406400"/>
+                    </a:cubicBezTo>
+                    <a:cubicBezTo>
+                      <a:pt x="812800" y="181951"/>
+                      <a:pt x="630849" y="0"/>
+                      <a:pt x="406400" y="0"/>
+                    </a:cubicBezTo>
+                    <a:close/>
+                  </a:path>
+                </a:pathLst>
+              </a:custGeom>
+              <a:solidFill>
+                <a:srgbClr val="5271FF"/>
+              </a:solidFill>
+            </p:spPr>
+            <p:txBody>
+              <a:bodyPr/>
+              <a:lstStyle/>
+              <a:p>
+                <a:endParaRPr lang="zh-TW" altLang="en-US"/>
+              </a:p>
+            </p:txBody>
+          </p:sp>
+          <p:sp>
+            <p:nvSpPr>
+              <p:cNvPr id="299" name="TextBox 16">
+                <a:extLst>
+                  <a:ext uri="{FF2B5EF4-FFF2-40B4-BE49-F238E27FC236}">
+                    <a16:creationId xmlns:a16="http://schemas.microsoft.com/office/drawing/2014/main" id="{44EF168B-D2ED-D102-D3E0-DFE17FEC7838}"/>
+                  </a:ext>
+                </a:extLst>
+              </p:cNvPr>
+              <p:cNvSpPr txBox="1"/>
+              <p:nvPr/>
+            </p:nvSpPr>
+            <p:spPr>
+              <a:xfrm>
+                <a:off x="76200" y="57150"/>
+                <a:ext cx="660400" cy="679450"/>
+              </a:xfrm>
+              <a:prstGeom prst="rect">
+                <a:avLst/>
+              </a:prstGeom>
+            </p:spPr>
+            <p:txBody>
+              <a:bodyPr lIns="15951" tIns="15951" rIns="15951" bIns="15951" rtlCol="0" anchor="ctr"/>
+              <a:lstStyle/>
+              <a:p>
+                <a:pPr algn="ctr">
+                  <a:spcBef>
+                    <a:spcPct val="0"/>
+                  </a:spcBef>
+                </a:pPr>
+                <a:endParaRPr sz="512">
+                  <a:latin typeface="Times New Roman" panose="02020603050405020304" pitchFamily="18" charset="0"/>
+                  <a:cs typeface="Times New Roman" panose="02020603050405020304" pitchFamily="18" charset="0"/>
+                </a:endParaRPr>
+              </a:p>
+            </p:txBody>
+          </p:sp>
+        </p:grpSp>
+        <p:grpSp>
+          <p:nvGrpSpPr>
+            <p:cNvPr id="294" name="Group 29">
+              <a:extLst>
+                <a:ext uri="{FF2B5EF4-FFF2-40B4-BE49-F238E27FC236}">
+                  <a16:creationId xmlns:a16="http://schemas.microsoft.com/office/drawing/2014/main" id="{3B8DC805-1A53-4654-16BC-9BC437931C35}"/>
+                </a:ext>
+              </a:extLst>
+            </p:cNvPr>
+            <p:cNvGrpSpPr/>
+            <p:nvPr/>
+          </p:nvGrpSpPr>
+          <p:grpSpPr>
+            <a:xfrm>
+              <a:off x="3301495" y="8603411"/>
+              <a:ext cx="206198" cy="466930"/>
+              <a:chOff x="0" y="0"/>
+              <a:chExt cx="733150" cy="1660196"/>
+            </a:xfrm>
+          </p:grpSpPr>
+          <p:sp>
+            <p:nvSpPr>
+              <p:cNvPr id="296" name="Freeform 30">
+                <a:extLst>
+                  <a:ext uri="{FF2B5EF4-FFF2-40B4-BE49-F238E27FC236}">
+                    <a16:creationId xmlns:a16="http://schemas.microsoft.com/office/drawing/2014/main" id="{D3749A81-B1C1-948A-1C9D-3D9720A43238}"/>
+                  </a:ext>
+                </a:extLst>
+              </p:cNvPr>
+              <p:cNvSpPr/>
+              <p:nvPr/>
+            </p:nvSpPr>
+            <p:spPr>
+              <a:xfrm rot="-10800000">
+                <a:off x="0" y="830098"/>
+                <a:ext cx="733150" cy="830098"/>
+              </a:xfrm>
+              <a:custGeom>
+                <a:avLst/>
+                <a:gdLst/>
+                <a:ahLst/>
+                <a:cxnLst/>
+                <a:rect l="l" t="t" r="r" b="b"/>
+                <a:pathLst>
+                  <a:path w="733150" h="830098">
+                    <a:moveTo>
+                      <a:pt x="0" y="0"/>
+                    </a:moveTo>
+                    <a:lnTo>
+                      <a:pt x="733150" y="0"/>
+                    </a:lnTo>
+                    <a:lnTo>
+                      <a:pt x="733150" y="830098"/>
+                    </a:lnTo>
+                    <a:lnTo>
+                      <a:pt x="0" y="830098"/>
+                    </a:lnTo>
+                    <a:lnTo>
+                      <a:pt x="0" y="0"/>
+                    </a:lnTo>
+                    <a:close/>
+                  </a:path>
+                </a:pathLst>
+              </a:custGeom>
+              <a:blipFill>
+                <a:blip r:embed="rId3">
+                  <a:extLst>
+                    <a:ext uri="{96DAC541-7B7A-43D3-8B79-37D633B846F1}">
+                      <asvg:svgBlip xmlns:asvg="http://schemas.microsoft.com/office/drawing/2016/SVG/main" r:embed="rId4"/>
+                    </a:ext>
+                  </a:extLst>
+                </a:blip>
+                <a:stretch>
+                  <a:fillRect r="-178783" b="-36791"/>
+                </a:stretch>
+              </a:blipFill>
+            </p:spPr>
+            <p:txBody>
+              <a:bodyPr/>
+              <a:lstStyle/>
+              <a:p>
+                <a:endParaRPr lang="zh-TW" altLang="en-US"/>
+              </a:p>
+            </p:txBody>
+          </p:sp>
+          <p:sp>
+            <p:nvSpPr>
+              <p:cNvPr id="297" name="Freeform 31">
+                <a:extLst>
+                  <a:ext uri="{FF2B5EF4-FFF2-40B4-BE49-F238E27FC236}">
+                    <a16:creationId xmlns:a16="http://schemas.microsoft.com/office/drawing/2014/main" id="{60263407-9C78-0ED6-CBFF-6AA1FFA4AF38}"/>
+                  </a:ext>
+                </a:extLst>
+              </p:cNvPr>
+              <p:cNvSpPr/>
+              <p:nvPr/>
+            </p:nvSpPr>
+            <p:spPr>
+              <a:xfrm rot="-10800000" flipV="1">
+                <a:off x="0" y="0"/>
+                <a:ext cx="733150" cy="830098"/>
+              </a:xfrm>
+              <a:custGeom>
+                <a:avLst/>
+                <a:gdLst/>
+                <a:ahLst/>
+                <a:cxnLst/>
+                <a:rect l="l" t="t" r="r" b="b"/>
+                <a:pathLst>
+                  <a:path w="733150" h="830098">
+                    <a:moveTo>
+                      <a:pt x="0" y="830098"/>
+                    </a:moveTo>
+                    <a:lnTo>
+                      <a:pt x="733150" y="830098"/>
+                    </a:lnTo>
+                    <a:lnTo>
+                      <a:pt x="733150" y="0"/>
+                    </a:lnTo>
+                    <a:lnTo>
+                      <a:pt x="0" y="0"/>
+                    </a:lnTo>
+                    <a:lnTo>
+                      <a:pt x="0" y="830098"/>
+                    </a:lnTo>
+                    <a:close/>
+                  </a:path>
+                </a:pathLst>
+              </a:custGeom>
+              <a:blipFill>
+                <a:blip r:embed="rId3">
+                  <a:extLst>
+                    <a:ext uri="{96DAC541-7B7A-43D3-8B79-37D633B846F1}">
+                      <asvg:svgBlip xmlns:asvg="http://schemas.microsoft.com/office/drawing/2016/SVG/main" r:embed="rId4"/>
+                    </a:ext>
+                  </a:extLst>
+                </a:blip>
+                <a:stretch>
+                  <a:fillRect r="-178783" b="-36791"/>
+                </a:stretch>
+              </a:blipFill>
+            </p:spPr>
+            <p:txBody>
+              <a:bodyPr/>
+              <a:lstStyle/>
+              <a:p>
+                <a:endParaRPr lang="zh-TW" altLang="en-US"/>
+              </a:p>
+            </p:txBody>
+          </p:sp>
+        </p:grpSp>
+        <p:sp>
+          <p:nvSpPr>
+            <p:cNvPr id="295" name="Freeform 39">
+              <a:extLst>
+                <a:ext uri="{FF2B5EF4-FFF2-40B4-BE49-F238E27FC236}">
+                  <a16:creationId xmlns:a16="http://schemas.microsoft.com/office/drawing/2014/main" id="{6EB86502-42BC-0297-5B4C-5963C7659FF2}"/>
+                </a:ext>
+              </a:extLst>
+            </p:cNvPr>
+            <p:cNvSpPr/>
+            <p:nvPr/>
+          </p:nvSpPr>
+          <p:spPr>
+            <a:xfrm>
+              <a:off x="3179832" y="8780265"/>
+              <a:ext cx="237860" cy="126568"/>
+            </a:xfrm>
+            <a:custGeom>
+              <a:avLst/>
+              <a:gdLst/>
+              <a:ahLst/>
+              <a:cxnLst/>
+              <a:rect l="l" t="t" r="r" b="b"/>
+              <a:pathLst>
+                <a:path w="634293" h="337514">
+                  <a:moveTo>
+                    <a:pt x="0" y="0"/>
+                  </a:moveTo>
+                  <a:lnTo>
+                    <a:pt x="634293" y="0"/>
+                  </a:lnTo>
+                  <a:lnTo>
+                    <a:pt x="634293" y="337514"/>
+                  </a:lnTo>
+                  <a:lnTo>
+                    <a:pt x="0" y="337514"/>
+                  </a:lnTo>
+                  <a:lnTo>
+                    <a:pt x="0" y="0"/>
+                  </a:lnTo>
+                  <a:close/>
+                </a:path>
+              </a:pathLst>
+            </a:custGeom>
+            <a:blipFill>
+              <a:blip r:embed="rId10"/>
+              <a:stretch>
+                <a:fillRect/>
+              </a:stretch>
+            </a:blipFill>
+          </p:spPr>
+          <p:txBody>
+            <a:bodyPr/>
+            <a:lstStyle/>
+            <a:p>
+              <a:endParaRPr lang="zh-TW" altLang="en-US"/>
+            </a:p>
+          </p:txBody>
+        </p:sp>
+      </p:grpSp>
+      <p:grpSp>
+        <p:nvGrpSpPr>
+          <p:cNvPr id="28" name="群組 27">
+            <a:extLst>
+              <a:ext uri="{FF2B5EF4-FFF2-40B4-BE49-F238E27FC236}">
+                <a16:creationId xmlns:a16="http://schemas.microsoft.com/office/drawing/2014/main" id="{92F5DAEB-9CE8-5F91-997E-D100595955E9}"/>
+              </a:ext>
+            </a:extLst>
+          </p:cNvPr>
+          <p:cNvGrpSpPr/>
+          <p:nvPr/>
+        </p:nvGrpSpPr>
+        <p:grpSpPr>
+          <a:xfrm>
+            <a:off x="2887267" y="10900693"/>
+            <a:ext cx="5403405" cy="641763"/>
+            <a:chOff x="2718980" y="11963388"/>
+            <a:chExt cx="5403405" cy="641763"/>
+          </a:xfrm>
+        </p:grpSpPr>
+        <p:grpSp>
+          <p:nvGrpSpPr>
+            <p:cNvPr id="256" name="Group 32">
+              <a:extLst>
+                <a:ext uri="{FF2B5EF4-FFF2-40B4-BE49-F238E27FC236}">
+                  <a16:creationId xmlns:a16="http://schemas.microsoft.com/office/drawing/2014/main" id="{9DF18A7C-BBFA-FEDB-FEB9-555A311F93C9}"/>
+                </a:ext>
+              </a:extLst>
+            </p:cNvPr>
+            <p:cNvGrpSpPr/>
+            <p:nvPr/>
+          </p:nvGrpSpPr>
+          <p:grpSpPr>
+            <a:xfrm>
+              <a:off x="2718980" y="11963388"/>
+              <a:ext cx="5403405" cy="641763"/>
+              <a:chOff x="0" y="0"/>
+              <a:chExt cx="2022392" cy="201378"/>
+            </a:xfrm>
+          </p:grpSpPr>
+          <p:sp>
+            <p:nvSpPr>
+              <p:cNvPr id="257" name="Freeform 33">
+                <a:extLst>
+                  <a:ext uri="{FF2B5EF4-FFF2-40B4-BE49-F238E27FC236}">
+                    <a16:creationId xmlns:a16="http://schemas.microsoft.com/office/drawing/2014/main" id="{E6E14F2D-2582-B41E-DAD2-D0C7ADE57996}"/>
+                  </a:ext>
+                </a:extLst>
+              </p:cNvPr>
+              <p:cNvSpPr/>
+              <p:nvPr/>
+            </p:nvSpPr>
+            <p:spPr>
+              <a:xfrm>
+                <a:off x="0" y="0"/>
+                <a:ext cx="2022392" cy="201378"/>
+              </a:xfrm>
+              <a:custGeom>
+                <a:avLst/>
+                <a:gdLst/>
+                <a:ahLst/>
+                <a:cxnLst/>
+                <a:rect l="l" t="t" r="r" b="b"/>
+                <a:pathLst>
+                  <a:path w="2022392" h="201378">
+                    <a:moveTo>
+                      <a:pt x="0" y="0"/>
+                    </a:moveTo>
+                    <a:lnTo>
+                      <a:pt x="2022392" y="0"/>
+                    </a:lnTo>
+                    <a:lnTo>
+                      <a:pt x="2022392" y="201378"/>
+                    </a:lnTo>
+                    <a:lnTo>
+                      <a:pt x="0" y="201378"/>
+                    </a:lnTo>
+                    <a:close/>
+                  </a:path>
+                </a:pathLst>
+              </a:custGeom>
+              <a:solidFill>
+                <a:srgbClr val="004AAD"/>
+              </a:solidFill>
+            </p:spPr>
+            <p:txBody>
+              <a:bodyPr/>
+              <a:lstStyle/>
+              <a:p>
+                <a:endParaRPr lang="zh-TW" altLang="en-US"/>
+              </a:p>
+            </p:txBody>
+          </p:sp>
+          <p:sp>
+            <p:nvSpPr>
+              <p:cNvPr id="258" name="TextBox 34">
+                <a:extLst>
+                  <a:ext uri="{FF2B5EF4-FFF2-40B4-BE49-F238E27FC236}">
+                    <a16:creationId xmlns:a16="http://schemas.microsoft.com/office/drawing/2014/main" id="{0A2F2D35-450C-E6AC-7A05-EE5DE59EA248}"/>
+                  </a:ext>
+                </a:extLst>
+              </p:cNvPr>
+              <p:cNvSpPr txBox="1"/>
+              <p:nvPr/>
+            </p:nvSpPr>
+            <p:spPr>
+              <a:xfrm>
+                <a:off x="0" y="-19050"/>
+                <a:ext cx="2022392" cy="220428"/>
+              </a:xfrm>
+              <a:prstGeom prst="rect">
+                <a:avLst/>
+              </a:prstGeom>
+            </p:spPr>
+            <p:txBody>
+              <a:bodyPr lIns="15951" tIns="15951" rIns="15951" bIns="15951" rtlCol="0" anchor="ctr"/>
+              <a:lstStyle/>
+              <a:p>
+                <a:pPr algn="ctr"/>
+                <a:endParaRPr sz="512">
+                  <a:latin typeface="Times New Roman" panose="02020603050405020304" pitchFamily="18" charset="0"/>
+                  <a:cs typeface="Times New Roman" panose="02020603050405020304" pitchFamily="18" charset="0"/>
+                </a:endParaRPr>
+              </a:p>
+            </p:txBody>
+          </p:sp>
+        </p:grpSp>
+        <p:sp>
+          <p:nvSpPr>
+            <p:cNvPr id="301" name="TextBox 41">
+              <a:extLst>
+                <a:ext uri="{FF2B5EF4-FFF2-40B4-BE49-F238E27FC236}">
+                  <a16:creationId xmlns:a16="http://schemas.microsoft.com/office/drawing/2014/main" id="{8805FEA6-C825-34D1-C5EA-49DA054FDC1B}"/>
+                </a:ext>
+              </a:extLst>
+            </p:cNvPr>
+            <p:cNvSpPr txBox="1"/>
+            <p:nvPr/>
+          </p:nvSpPr>
+          <p:spPr>
+            <a:xfrm>
+              <a:off x="3187427" y="11964201"/>
+              <a:ext cx="4566618" cy="615553"/>
+            </a:xfrm>
+            <a:prstGeom prst="rect">
+              <a:avLst/>
+            </a:prstGeom>
+          </p:spPr>
+          <p:txBody>
+            <a:bodyPr wrap="square" lIns="0" tIns="0" rIns="0" bIns="0" rtlCol="0" anchor="ctr">
+              <a:spAutoFit/>
+            </a:bodyPr>
+            <a:lstStyle/>
+            <a:p>
+              <a:pPr algn="ctr"/>
+              <a:r>
+                <a:rPr lang="en-US" sz="4000" dirty="0">
+                  <a:solidFill>
+                    <a:srgbClr val="FFFFFF"/>
+                  </a:solidFill>
+                  <a:latin typeface="Times New Roman" panose="02020603050405020304" pitchFamily="18" charset="0"/>
+                  <a:cs typeface="Times New Roman" panose="02020603050405020304" pitchFamily="18" charset="0"/>
+                </a:rPr>
+                <a:t>MODEL PROCESS</a:t>
+              </a:r>
+            </a:p>
+          </p:txBody>
+        </p:sp>
+      </p:grpSp>
       <p:sp>
         <p:nvSpPr>
           <p:cNvPr id="27" name="文字方塊 26">
             <a:extLst>
               <a:ext uri="{FF2B5EF4-FFF2-40B4-BE49-F238E27FC236}">
-                <a16:creationId xmlns:a16="http://schemas.microsoft.com/office/drawing/2014/main" id="{9FDFAAF2-C8C5-65E9-18E0-B136DCDC2685}"/>
+                <a16:creationId xmlns:a16="http://schemas.microsoft.com/office/drawing/2014/main" id="{02BC42F4-4965-ADF5-EA4C-52AE2FDA034C}"/>
               </a:ext>
             </a:extLst>
           </p:cNvPr>
@@ -4478,8 +6480,8 @@
         </p:nvSpPr>
         <p:spPr>
           <a:xfrm>
-            <a:off x="1430215" y="12496800"/>
-            <a:ext cx="8135816" cy="1569660"/>
+            <a:off x="1146683" y="7413087"/>
+            <a:ext cx="19274917" cy="1569660"/>
           </a:xfrm>
           <a:prstGeom prst="rect">
             <a:avLst/>
@@ -4493,73 +6495,796 @@
           <a:lstStyle/>
           <a:p>
             <a:r>
+              <a:rPr lang="zh-TW" altLang="en-US" sz="3200" b="1" dirty="0">
+                <a:latin typeface="標楷體" panose="03000509000000000000" pitchFamily="65" charset="-120"/>
+                <a:ea typeface="標楷體" panose="03000509000000000000" pitchFamily="65" charset="-120"/>
+              </a:rPr>
+              <a:t>在這次的專題研究中，我們將嘗試使用腦波控制一台遙控車前進和停止。腦波的選擇上，我們採用頻帶介於</a:t>
+            </a:r>
+            <a:r>
               <a:rPr lang="en-US" altLang="zh-TW" sz="3200" b="1" dirty="0">
                 <a:latin typeface="標楷體" panose="03000509000000000000" pitchFamily="65" charset="-120"/>
                 <a:ea typeface="標楷體" panose="03000509000000000000" pitchFamily="65" charset="-120"/>
               </a:rPr>
-              <a:t>1.Pipeline</a:t>
+              <a:t>8~12Hz</a:t>
             </a:r>
             <a:r>
               <a:rPr lang="zh-TW" altLang="en-US" sz="3200" b="1" dirty="0">
                 <a:latin typeface="標楷體" panose="03000509000000000000" pitchFamily="65" charset="-120"/>
                 <a:ea typeface="標楷體" panose="03000509000000000000" pitchFamily="65" charset="-120"/>
               </a:rPr>
-              <a:t>流程圖</a:t>
+              <a:t>的</a:t>
+            </a:r>
+            <a:r>
+              <a:rPr lang="en-US" altLang="zh-TW" sz="3200" b="1" dirty="0">
+                <a:latin typeface="Symbol" panose="05050102010706020507" pitchFamily="18" charset="2"/>
+                <a:ea typeface="標楷體" panose="03000509000000000000" pitchFamily="65" charset="-120"/>
+              </a:rPr>
+              <a:t>a</a:t>
+            </a:r>
+            <a:r>
+              <a:rPr lang="zh-TW" altLang="en-US" sz="3200" b="1" dirty="0">
+                <a:latin typeface="Symbol" panose="05050102010706020507" pitchFamily="18" charset="2"/>
+                <a:ea typeface="標楷體" panose="03000509000000000000" pitchFamily="65" charset="-120"/>
+              </a:rPr>
+              <a:t>波來監測大腦狀態。</a:t>
+            </a:r>
+            <a:r>
+              <a:rPr lang="en-US" altLang="zh-TW" sz="3200" b="1" dirty="0">
+                <a:latin typeface="Symbol" panose="05050102010706020507" pitchFamily="18" charset="2"/>
+                <a:ea typeface="標楷體" panose="03000509000000000000" pitchFamily="65" charset="-120"/>
+              </a:rPr>
+              <a:t> </a:t>
+            </a:r>
+            <a:r>
+              <a:rPr lang="zh-TW" altLang="en-US" sz="3200" b="1" dirty="0">
+                <a:latin typeface="Symbol" panose="05050102010706020507" pitchFamily="18" charset="2"/>
+                <a:ea typeface="標楷體" panose="03000509000000000000" pitchFamily="65" charset="-120"/>
+              </a:rPr>
+              <a:t>透過</a:t>
+            </a:r>
+            <a:r>
+              <a:rPr lang="en-US" altLang="zh-TW" sz="3200" b="1" dirty="0">
+                <a:latin typeface="標楷體" panose="03000509000000000000" pitchFamily="65" charset="-120"/>
+                <a:ea typeface="標楷體" panose="03000509000000000000" pitchFamily="65" charset="-120"/>
+              </a:rPr>
+              <a:t>model</a:t>
+            </a:r>
+            <a:r>
+              <a:rPr lang="zh-TW" altLang="en-US" sz="3200" b="1" dirty="0">
+                <a:latin typeface="標楷體" panose="03000509000000000000" pitchFamily="65" charset="-120"/>
+                <a:ea typeface="標楷體" panose="03000509000000000000" pitchFamily="65" charset="-120"/>
+              </a:rPr>
+              <a:t>自動計算出</a:t>
+            </a:r>
+            <a:r>
+              <a:rPr lang="en-US" altLang="zh-TW" sz="3200" b="1" dirty="0">
+                <a:latin typeface="標楷體" panose="03000509000000000000" pitchFamily="65" charset="-120"/>
+                <a:ea typeface="標楷體" panose="03000509000000000000" pitchFamily="65" charset="-120"/>
+              </a:rPr>
+              <a:t>threshold,</a:t>
+            </a:r>
+            <a:r>
+              <a:rPr lang="zh-TW" altLang="en-US" sz="3200" b="1" dirty="0">
+                <a:latin typeface="標楷體" panose="03000509000000000000" pitchFamily="65" charset="-120"/>
+                <a:ea typeface="標楷體" panose="03000509000000000000" pitchFamily="65" charset="-120"/>
+              </a:rPr>
+              <a:t>並將此</a:t>
+            </a:r>
+            <a:r>
+              <a:rPr lang="en-US" altLang="zh-TW" sz="3200" b="1" dirty="0">
+                <a:latin typeface="標楷體" panose="03000509000000000000" pitchFamily="65" charset="-120"/>
+                <a:ea typeface="標楷體" panose="03000509000000000000" pitchFamily="65" charset="-120"/>
+              </a:rPr>
+              <a:t>threshold</a:t>
+            </a:r>
+            <a:r>
+              <a:rPr lang="zh-TW" altLang="en-US" sz="3200" b="1" dirty="0">
+                <a:latin typeface="標楷體" panose="03000509000000000000" pitchFamily="65" charset="-120"/>
+                <a:ea typeface="標楷體" panose="03000509000000000000" pitchFamily="65" charset="-120"/>
+              </a:rPr>
+              <a:t>作為車子前進或停止的依據。</a:t>
             </a:r>
             <a:endParaRPr lang="en-US" altLang="zh-TW" sz="3200" b="1" dirty="0">
+              <a:ea typeface="標楷體" panose="03000509000000000000" pitchFamily="65" charset="-120"/>
+            </a:endParaRPr>
+          </a:p>
+        </p:txBody>
+      </p:sp>
+      <p:pic>
+        <p:nvPicPr>
+          <p:cNvPr id="30" name="圖片 29" descr="一張含有 文字, 螢幕擷取畫面, 字型, 設計 的圖片&#10;&#10;自動產生的描述">
+            <a:extLst>
+              <a:ext uri="{FF2B5EF4-FFF2-40B4-BE49-F238E27FC236}">
+                <a16:creationId xmlns:a16="http://schemas.microsoft.com/office/drawing/2014/main" id="{7AE2EAF5-A01E-3412-D827-0311777C758D}"/>
+              </a:ext>
+            </a:extLst>
+          </p:cNvPr>
+          <p:cNvPicPr>
+            <a:picLocks noChangeAspect="1"/>
+          </p:cNvPicPr>
+          <p:nvPr/>
+        </p:nvPicPr>
+        <p:blipFill>
+          <a:blip r:embed="rId11">
+            <a:extLst>
+              <a:ext uri="{28A0092B-C50C-407E-A947-70E740481C1C}">
+                <a14:useLocalDpi xmlns:a14="http://schemas.microsoft.com/office/drawing/2010/main" val="0"/>
+              </a:ext>
+            </a:extLst>
+          </a:blip>
+          <a:stretch>
+            <a:fillRect/>
+          </a:stretch>
+        </p:blipFill>
+        <p:spPr>
+          <a:xfrm>
+            <a:off x="1353520" y="11897890"/>
+            <a:ext cx="8232489" cy="5802043"/>
+          </a:xfrm>
+          <a:prstGeom prst="rect">
+            <a:avLst/>
+          </a:prstGeom>
+          <a:solidFill>
+            <a:srgbClr val="FFFFFF">
+              <a:shade val="85000"/>
+            </a:srgbClr>
+          </a:solidFill>
+          <a:ln w="88900" cap="sq">
+            <a:solidFill>
+              <a:srgbClr val="FFFFFF"/>
+            </a:solidFill>
+            <a:miter lim="800000"/>
+          </a:ln>
+          <a:effectLst>
+            <a:outerShdw blurRad="55000" dist="18000" dir="5400000" algn="tl" rotWithShape="0">
+              <a:srgbClr val="000000">
+                <a:alpha val="40000"/>
+              </a:srgbClr>
+            </a:outerShdw>
+          </a:effectLst>
+          <a:scene3d>
+            <a:camera prst="orthographicFront"/>
+            <a:lightRig rig="twoPt" dir="t">
+              <a:rot lat="0" lon="0" rev="7200000"/>
+            </a:lightRig>
+          </a:scene3d>
+          <a:sp3d>
+            <a:bevelT w="25400" h="19050"/>
+            <a:contourClr>
+              <a:srgbClr val="FFFFFF"/>
+            </a:contourClr>
+          </a:sp3d>
+        </p:spPr>
+      </p:pic>
+      <p:sp>
+        <p:nvSpPr>
+          <p:cNvPr id="31" name="文字方塊 30">
+            <a:extLst>
+              <a:ext uri="{FF2B5EF4-FFF2-40B4-BE49-F238E27FC236}">
+                <a16:creationId xmlns:a16="http://schemas.microsoft.com/office/drawing/2014/main" id="{E27822F1-64EF-F1EA-3D92-5589BBBE4CC6}"/>
+              </a:ext>
+            </a:extLst>
+          </p:cNvPr>
+          <p:cNvSpPr txBox="1"/>
+          <p:nvPr/>
+        </p:nvSpPr>
+        <p:spPr>
+          <a:xfrm>
+            <a:off x="1146683" y="18110378"/>
+            <a:ext cx="9100505" cy="1015663"/>
+          </a:xfrm>
+          <a:prstGeom prst="rect">
+            <a:avLst/>
+          </a:prstGeom>
+          <a:noFill/>
+        </p:spPr>
+        <p:txBody>
+          <a:bodyPr wrap="square" rtlCol="0">
+            <a:spAutoFit/>
+          </a:bodyPr>
+          <a:lstStyle/>
+          <a:p>
+            <a:r>
+              <a:rPr lang="en-US" altLang="zh-TW" sz="3200" b="1" dirty="0">
+                <a:latin typeface="+mj-lt"/>
+                <a:ea typeface="標楷體" panose="03000509000000000000" pitchFamily="65" charset="-120"/>
+              </a:rPr>
+              <a:t>Signal Acquisition : </a:t>
+            </a:r>
+          </a:p>
+          <a:p>
+            <a:r>
+              <a:rPr lang="en-US" altLang="zh-TW" sz="2800" dirty="0">
+                <a:latin typeface="+mj-lt"/>
+                <a:ea typeface="標楷體" panose="03000509000000000000" pitchFamily="65" charset="-120"/>
+              </a:rPr>
+              <a:t>Cygnus (Sample rate 1000Hz), Channel Select : O1 </a:t>
+            </a:r>
+            <a:endParaRPr lang="zh-TW" altLang="en-US" sz="2800" dirty="0">
+              <a:latin typeface="+mj-lt"/>
+              <a:ea typeface="標楷體" panose="03000509000000000000" pitchFamily="65" charset="-120"/>
+            </a:endParaRPr>
+          </a:p>
+        </p:txBody>
+      </p:sp>
+      <p:sp>
+        <p:nvSpPr>
+          <p:cNvPr id="32" name="文字方塊 31">
+            <a:extLst>
+              <a:ext uri="{FF2B5EF4-FFF2-40B4-BE49-F238E27FC236}">
+                <a16:creationId xmlns:a16="http://schemas.microsoft.com/office/drawing/2014/main" id="{B9E00F56-B566-2BD2-2D9C-BB4F6E01F365}"/>
+              </a:ext>
+            </a:extLst>
+          </p:cNvPr>
+          <p:cNvSpPr txBox="1"/>
+          <p:nvPr/>
+        </p:nvSpPr>
+        <p:spPr>
+          <a:xfrm>
+            <a:off x="1143084" y="19220585"/>
+            <a:ext cx="8865306" cy="2308324"/>
+          </a:xfrm>
+          <a:prstGeom prst="rect">
+            <a:avLst/>
+          </a:prstGeom>
+          <a:noFill/>
+        </p:spPr>
+        <p:txBody>
+          <a:bodyPr wrap="square" rtlCol="0">
+            <a:spAutoFit/>
+          </a:bodyPr>
+          <a:lstStyle/>
+          <a:p>
+            <a:r>
+              <a:rPr lang="en-US" altLang="zh-TW" sz="3200" b="1" dirty="0">
+                <a:latin typeface="+mj-lt"/>
+                <a:ea typeface="標楷體" panose="03000509000000000000" pitchFamily="65" charset="-120"/>
+              </a:rPr>
+              <a:t>Feature Extraction :</a:t>
+            </a:r>
+          </a:p>
+          <a:p>
+            <a:r>
+              <a:rPr lang="en-US" altLang="zh-TW" sz="2800" dirty="0">
+                <a:latin typeface="+mj-lt"/>
+                <a:ea typeface="標楷體" panose="03000509000000000000" pitchFamily="65" charset="-120"/>
+              </a:rPr>
+              <a:t>Band Filter : 0~40Hz</a:t>
+            </a:r>
+            <a:r>
+              <a:rPr lang="zh-TW" altLang="en-US" sz="2800" dirty="0">
+                <a:latin typeface="+mj-lt"/>
+                <a:ea typeface="標楷體" panose="03000509000000000000" pitchFamily="65" charset="-120"/>
+              </a:rPr>
+              <a:t>，</a:t>
+            </a:r>
+            <a:endParaRPr lang="en-US" altLang="zh-TW" sz="2800" dirty="0">
+              <a:latin typeface="+mj-lt"/>
+              <a:ea typeface="標楷體" panose="03000509000000000000" pitchFamily="65" charset="-120"/>
+            </a:endParaRPr>
+          </a:p>
+          <a:p>
+            <a:r>
+              <a:rPr lang="zh-TW" altLang="en-US" sz="2800" dirty="0">
+                <a:latin typeface="標楷體" panose="03000509000000000000" pitchFamily="65" charset="-120"/>
+                <a:ea typeface="標楷體" panose="03000509000000000000" pitchFamily="65" charset="-120"/>
+              </a:rPr>
+              <a:t>將透過裝置讀取到的訊號</a:t>
+            </a:r>
+            <a:r>
+              <a:rPr lang="en-US" altLang="zh-TW" sz="2800" dirty="0">
+                <a:latin typeface="標楷體" panose="03000509000000000000" pitchFamily="65" charset="-120"/>
+                <a:ea typeface="標楷體" panose="03000509000000000000" pitchFamily="65" charset="-120"/>
+              </a:rPr>
+              <a:t>filter</a:t>
+            </a:r>
+            <a:r>
+              <a:rPr lang="zh-TW" altLang="en-US" sz="2800" dirty="0">
+                <a:latin typeface="標楷體" panose="03000509000000000000" pitchFamily="65" charset="-120"/>
+                <a:ea typeface="標楷體" panose="03000509000000000000" pitchFamily="65" charset="-120"/>
+              </a:rPr>
+              <a:t>成</a:t>
+            </a:r>
+            <a:r>
+              <a:rPr lang="en-US" altLang="zh-TW" sz="2800" dirty="0">
+                <a:latin typeface="標楷體" panose="03000509000000000000" pitchFamily="65" charset="-120"/>
+                <a:ea typeface="標楷體" panose="03000509000000000000" pitchFamily="65" charset="-120"/>
+              </a:rPr>
+              <a:t>4</a:t>
+            </a:r>
+            <a:r>
+              <a:rPr lang="zh-TW" altLang="en-US" sz="2800" dirty="0">
+                <a:latin typeface="標楷體" panose="03000509000000000000" pitchFamily="65" charset="-120"/>
+                <a:ea typeface="標楷體" panose="03000509000000000000" pitchFamily="65" charset="-120"/>
+              </a:rPr>
+              <a:t>種頻帶訊號</a:t>
+            </a:r>
+            <a:endParaRPr lang="en-US" altLang="zh-TW" sz="2800" dirty="0">
               <a:latin typeface="標楷體" panose="03000509000000000000" pitchFamily="65" charset="-120"/>
               <a:ea typeface="標楷體" panose="03000509000000000000" pitchFamily="65" charset="-120"/>
             </a:endParaRPr>
           </a:p>
           <a:p>
             <a:r>
+              <a:rPr lang="el-GR" altLang="zh-TW" sz="2800" dirty="0">
+                <a:latin typeface="+mj-lt"/>
+                <a:ea typeface="標楷體" panose="03000509000000000000" pitchFamily="65" charset="-120"/>
+              </a:rPr>
+              <a:t>δ</a:t>
+            </a:r>
+            <a:r>
+              <a:rPr lang="en-US" altLang="zh-TW" sz="2800" dirty="0">
+                <a:latin typeface="+mj-lt"/>
+                <a:ea typeface="標楷體" panose="03000509000000000000" pitchFamily="65" charset="-120"/>
+              </a:rPr>
+              <a:t>(1~4Hz)</a:t>
+            </a:r>
+            <a:r>
+              <a:rPr lang="zh-TW" altLang="en-US" sz="2800" dirty="0">
+                <a:latin typeface="+mj-lt"/>
+                <a:ea typeface="標楷體" panose="03000509000000000000" pitchFamily="65" charset="-120"/>
+              </a:rPr>
+              <a:t>，</a:t>
+            </a:r>
+            <a:r>
+              <a:rPr lang="el-GR" altLang="zh-TW" sz="2800" dirty="0">
+                <a:latin typeface="+mj-lt"/>
+                <a:ea typeface="標楷體" panose="03000509000000000000" pitchFamily="65" charset="-120"/>
+              </a:rPr>
+              <a:t>θ</a:t>
+            </a:r>
+            <a:r>
+              <a:rPr lang="en-US" altLang="zh-TW" sz="2800" dirty="0">
+                <a:latin typeface="+mj-lt"/>
+                <a:ea typeface="標楷體" panose="03000509000000000000" pitchFamily="65" charset="-120"/>
+              </a:rPr>
+              <a:t>(4~8Hz)</a:t>
+            </a:r>
+            <a:r>
+              <a:rPr lang="zh-TW" altLang="en-US" sz="2800" dirty="0">
+                <a:latin typeface="+mj-lt"/>
+                <a:ea typeface="標楷體" panose="03000509000000000000" pitchFamily="65" charset="-120"/>
+              </a:rPr>
+              <a:t>，</a:t>
+            </a:r>
+            <a:r>
+              <a:rPr lang="el-GR" altLang="zh-TW" sz="2800" dirty="0">
+                <a:latin typeface="+mj-lt"/>
+                <a:ea typeface="標楷體" panose="03000509000000000000" pitchFamily="65" charset="-120"/>
+              </a:rPr>
+              <a:t>α</a:t>
+            </a:r>
+            <a:r>
+              <a:rPr lang="en-US" altLang="zh-TW" sz="2800" dirty="0">
+                <a:latin typeface="+mj-lt"/>
+                <a:ea typeface="標楷體" panose="03000509000000000000" pitchFamily="65" charset="-120"/>
+              </a:rPr>
+              <a:t>(8~12Hz)</a:t>
+            </a:r>
+            <a:r>
+              <a:rPr lang="zh-TW" altLang="en-US" sz="2800" dirty="0">
+                <a:latin typeface="+mj-lt"/>
+                <a:ea typeface="標楷體" panose="03000509000000000000" pitchFamily="65" charset="-120"/>
+              </a:rPr>
+              <a:t>，</a:t>
+            </a:r>
+            <a:r>
+              <a:rPr lang="el-GR" altLang="zh-TW" sz="2800" dirty="0">
+                <a:latin typeface="+mj-lt"/>
+                <a:ea typeface="標楷體" panose="03000509000000000000" pitchFamily="65" charset="-120"/>
+              </a:rPr>
+              <a:t>β</a:t>
+            </a:r>
+            <a:r>
+              <a:rPr lang="en-US" altLang="zh-TW" sz="2800" dirty="0">
+                <a:latin typeface="+mj-lt"/>
+                <a:ea typeface="標楷體" panose="03000509000000000000" pitchFamily="65" charset="-120"/>
+              </a:rPr>
+              <a:t>(12~40Hz)</a:t>
+            </a:r>
+            <a:r>
+              <a:rPr lang="zh-TW" altLang="en-US" sz="2800" dirty="0">
+                <a:latin typeface="標楷體" panose="03000509000000000000" pitchFamily="65" charset="-120"/>
+                <a:ea typeface="標楷體" panose="03000509000000000000" pitchFamily="65" charset="-120"/>
+              </a:rPr>
+              <a:t>，並計算</a:t>
+            </a:r>
+            <a:r>
+              <a:rPr lang="el-GR" altLang="zh-TW" sz="2800" dirty="0">
+                <a:latin typeface="+mj-lt"/>
+                <a:ea typeface="標楷體" panose="03000509000000000000" pitchFamily="65" charset="-120"/>
+              </a:rPr>
+              <a:t>α</a:t>
+            </a:r>
+            <a:r>
+              <a:rPr lang="zh-TW" altLang="en-US" sz="2800" dirty="0">
+                <a:latin typeface="標楷體" panose="03000509000000000000" pitchFamily="65" charset="-120"/>
+                <a:ea typeface="標楷體" panose="03000509000000000000" pitchFamily="65" charset="-120"/>
+              </a:rPr>
+              <a:t>在這期種的占比是多少。</a:t>
+            </a:r>
+          </a:p>
+        </p:txBody>
+      </p:sp>
+      <p:sp>
+        <p:nvSpPr>
+          <p:cNvPr id="33" name="文字方塊 32">
+            <a:extLst>
+              <a:ext uri="{FF2B5EF4-FFF2-40B4-BE49-F238E27FC236}">
+                <a16:creationId xmlns:a16="http://schemas.microsoft.com/office/drawing/2014/main" id="{E16B526E-599B-4586-99F9-44283316C4BF}"/>
+              </a:ext>
+            </a:extLst>
+          </p:cNvPr>
+          <p:cNvSpPr txBox="1"/>
+          <p:nvPr/>
+        </p:nvSpPr>
+        <p:spPr>
+          <a:xfrm>
+            <a:off x="1143084" y="21539244"/>
+            <a:ext cx="8494512" cy="1877437"/>
+          </a:xfrm>
+          <a:prstGeom prst="rect">
+            <a:avLst/>
+          </a:prstGeom>
+          <a:noFill/>
+        </p:spPr>
+        <p:txBody>
+          <a:bodyPr wrap="square" rtlCol="0">
+            <a:spAutoFit/>
+          </a:bodyPr>
+          <a:lstStyle/>
+          <a:p>
+            <a:r>
               <a:rPr lang="en-US" altLang="zh-TW" sz="3200" b="1" dirty="0">
+                <a:latin typeface="+mj-lt"/>
+              </a:rPr>
+              <a:t>Translation Algorithm :</a:t>
+            </a:r>
+          </a:p>
+          <a:p>
+            <a:r>
+              <a:rPr lang="zh-TW" altLang="en-US" sz="2800" dirty="0">
                 <a:latin typeface="標楷體" panose="03000509000000000000" pitchFamily="65" charset="-120"/>
                 <a:ea typeface="標楷體" panose="03000509000000000000" pitchFamily="65" charset="-120"/>
               </a:rPr>
-              <a:t>2.</a:t>
-            </a:r>
-            <a:r>
-              <a:rPr lang="zh-TW" altLang="en-US" sz="3200" b="1" dirty="0">
+              <a:t>我們將先收集受測者前</a:t>
+            </a:r>
+            <a:r>
+              <a:rPr lang="en-US" altLang="zh-TW" sz="2800" dirty="0">
                 <a:latin typeface="標楷體" panose="03000509000000000000" pitchFamily="65" charset="-120"/>
                 <a:ea typeface="標楷體" panose="03000509000000000000" pitchFamily="65" charset="-120"/>
               </a:rPr>
-              <a:t>解釋</a:t>
-            </a:r>
-            <a:r>
-              <a:rPr lang="en-US" altLang="zh-TW" sz="3200" b="1" dirty="0" err="1">
+              <a:t>30</a:t>
+            </a:r>
+            <a:r>
+              <a:rPr lang="zh-TW" altLang="en-US" sz="2800" dirty="0">
                 <a:latin typeface="標楷體" panose="03000509000000000000" pitchFamily="65" charset="-120"/>
                 <a:ea typeface="標楷體" panose="03000509000000000000" pitchFamily="65" charset="-120"/>
               </a:rPr>
-              <a:t>openvibe</a:t>
-            </a:r>
-            <a:r>
-              <a:rPr lang="zh-TW" altLang="en-US" sz="3200" b="1" dirty="0">
+              <a:t>秒計算出</a:t>
+            </a:r>
+            <a:r>
+              <a:rPr lang="el-GR" altLang="zh-TW" sz="2800" dirty="0">
+                <a:latin typeface="+mj-lt"/>
+                <a:ea typeface="標楷體" panose="03000509000000000000" pitchFamily="65" charset="-120"/>
+              </a:rPr>
+              <a:t>α</a:t>
+            </a:r>
+            <a:r>
+              <a:rPr lang="zh-TW" altLang="en-US" sz="2800" dirty="0">
                 <a:latin typeface="標楷體" panose="03000509000000000000" pitchFamily="65" charset="-120"/>
                 <a:ea typeface="標楷體" panose="03000509000000000000" pitchFamily="65" charset="-120"/>
               </a:rPr>
-              <a:t>設計圖</a:t>
-            </a:r>
-            <a:endParaRPr lang="en-US" altLang="zh-TW" sz="3200" b="1" dirty="0">
+              <a:t>比值，在這前</a:t>
+            </a:r>
+            <a:r>
+              <a:rPr lang="en-US" altLang="zh-TW" sz="2800" dirty="0">
+                <a:latin typeface="標楷體" panose="03000509000000000000" pitchFamily="65" charset="-120"/>
+                <a:ea typeface="標楷體" panose="03000509000000000000" pitchFamily="65" charset="-120"/>
+              </a:rPr>
+              <a:t>30</a:t>
+            </a:r>
+            <a:r>
+              <a:rPr lang="zh-TW" altLang="en-US" sz="2800" dirty="0">
+                <a:latin typeface="標楷體" panose="03000509000000000000" pitchFamily="65" charset="-120"/>
+                <a:ea typeface="標楷體" panose="03000509000000000000" pitchFamily="65" charset="-120"/>
+              </a:rPr>
+              <a:t>秒鐘，我們將分成</a:t>
+            </a:r>
+            <a:r>
+              <a:rPr lang="en-US" altLang="zh-TW" sz="2800" dirty="0">
+                <a:latin typeface="標楷體" panose="03000509000000000000" pitchFamily="65" charset="-120"/>
+                <a:ea typeface="標楷體" panose="03000509000000000000" pitchFamily="65" charset="-120"/>
+              </a:rPr>
+              <a:t>3</a:t>
+            </a:r>
+            <a:r>
+              <a:rPr lang="zh-TW" altLang="en-US" sz="2800" dirty="0">
+                <a:latin typeface="標楷體" panose="03000509000000000000" pitchFamily="65" charset="-120"/>
+                <a:ea typeface="標楷體" panose="03000509000000000000" pitchFamily="65" charset="-120"/>
+              </a:rPr>
+              <a:t>個階段，</a:t>
+            </a:r>
+            <a:r>
+              <a:rPr lang="en-US" altLang="zh-TW" sz="2800" dirty="0">
+                <a:latin typeface="標楷體" panose="03000509000000000000" pitchFamily="65" charset="-120"/>
+                <a:ea typeface="標楷體" panose="03000509000000000000" pitchFamily="65" charset="-120"/>
+              </a:rPr>
+              <a:t>0~10s</a:t>
+            </a:r>
+            <a:r>
+              <a:rPr lang="zh-TW" altLang="en-US" sz="2800" dirty="0">
+                <a:latin typeface="標楷體" panose="03000509000000000000" pitchFamily="65" charset="-120"/>
+                <a:ea typeface="標楷體" panose="03000509000000000000" pitchFamily="65" charset="-120"/>
+              </a:rPr>
+              <a:t>閉眼，</a:t>
+            </a:r>
+            <a:r>
+              <a:rPr lang="en-US" altLang="zh-TW" sz="2800" dirty="0">
+                <a:latin typeface="標楷體" panose="03000509000000000000" pitchFamily="65" charset="-120"/>
+                <a:ea typeface="標楷體" panose="03000509000000000000" pitchFamily="65" charset="-120"/>
+              </a:rPr>
+              <a:t>10~20s</a:t>
+            </a:r>
+            <a:r>
+              <a:rPr lang="zh-TW" altLang="en-US" sz="2800" dirty="0">
+                <a:latin typeface="標楷體" panose="03000509000000000000" pitchFamily="65" charset="-120"/>
+                <a:ea typeface="標楷體" panose="03000509000000000000" pitchFamily="65" charset="-120"/>
+              </a:rPr>
+              <a:t>睜眼，</a:t>
+            </a:r>
+            <a:r>
+              <a:rPr lang="en-US" altLang="zh-TW" sz="2800" dirty="0">
+                <a:latin typeface="標楷體" panose="03000509000000000000" pitchFamily="65" charset="-120"/>
+                <a:ea typeface="標楷體" panose="03000509000000000000" pitchFamily="65" charset="-120"/>
+              </a:rPr>
+              <a:t>20~30s</a:t>
+            </a:r>
+            <a:r>
+              <a:rPr lang="zh-TW" altLang="en-US" sz="2800" dirty="0">
+                <a:latin typeface="標楷體" panose="03000509000000000000" pitchFamily="65" charset="-120"/>
+                <a:ea typeface="標楷體" panose="03000509000000000000" pitchFamily="65" charset="-120"/>
+              </a:rPr>
+              <a:t>閉眼，由此來判斷受測者睜眼與閉眼的交界值。</a:t>
+            </a:r>
+            <a:endParaRPr lang="en-US" altLang="zh-TW" sz="2800" dirty="0">
               <a:latin typeface="標楷體" panose="03000509000000000000" pitchFamily="65" charset="-120"/>
               <a:ea typeface="標楷體" panose="03000509000000000000" pitchFamily="65" charset="-120"/>
             </a:endParaRPr>
           </a:p>
+        </p:txBody>
+      </p:sp>
+      <p:sp>
+        <p:nvSpPr>
+          <p:cNvPr id="34" name="文字方塊 33">
+            <a:extLst>
+              <a:ext uri="{FF2B5EF4-FFF2-40B4-BE49-F238E27FC236}">
+                <a16:creationId xmlns:a16="http://schemas.microsoft.com/office/drawing/2014/main" id="{921CDD80-5381-E788-D2EB-884B2BF38A64}"/>
+              </a:ext>
+            </a:extLst>
+          </p:cNvPr>
+          <p:cNvSpPr txBox="1"/>
+          <p:nvPr/>
+        </p:nvSpPr>
+        <p:spPr>
+          <a:xfrm>
+            <a:off x="1143084" y="23516550"/>
+            <a:ext cx="8056362" cy="1877437"/>
+          </a:xfrm>
+          <a:prstGeom prst="rect">
+            <a:avLst/>
+          </a:prstGeom>
+          <a:noFill/>
+        </p:spPr>
+        <p:txBody>
+          <a:bodyPr wrap="square" rtlCol="0">
+            <a:spAutoFit/>
+          </a:bodyPr>
+          <a:lstStyle/>
           <a:p>
             <a:r>
               <a:rPr lang="en-US" altLang="zh-TW" sz="3200" b="1" dirty="0">
-                <a:latin typeface="標楷體" panose="03000509000000000000" pitchFamily="65" charset="-120"/>
-                <a:ea typeface="標楷體" panose="03000509000000000000" pitchFamily="65" charset="-120"/>
-              </a:rPr>
-              <a:t>3.Cygnus</a:t>
-            </a:r>
-            <a:r>
-              <a:rPr lang="zh-TW" altLang="en-US" sz="3200" b="1" dirty="0">
-                <a:latin typeface="標楷體" panose="03000509000000000000" pitchFamily="65" charset="-120"/>
-                <a:ea typeface="標楷體" panose="03000509000000000000" pitchFamily="65" charset="-120"/>
-              </a:rPr>
-              <a:t>收集的頻道，解析的頻道</a:t>
-            </a:r>
+                <a:latin typeface="+mj-lt"/>
+                <a:ea typeface="標楷體" panose="03000509000000000000" pitchFamily="65" charset="-120"/>
+              </a:rPr>
+              <a:t>Model Selection :</a:t>
+            </a:r>
+          </a:p>
+          <a:p>
+            <a:r>
+              <a:rPr lang="zh-TW" altLang="en-US" sz="2800" dirty="0">
+                <a:latin typeface="+mj-lt"/>
+                <a:ea typeface="標楷體" panose="03000509000000000000" pitchFamily="65" charset="-120"/>
+              </a:rPr>
+              <a:t>在前</a:t>
+            </a:r>
+            <a:r>
+              <a:rPr lang="en-US" altLang="zh-TW" sz="2800" dirty="0">
+                <a:latin typeface="+mj-lt"/>
+                <a:ea typeface="標楷體" panose="03000509000000000000" pitchFamily="65" charset="-120"/>
+              </a:rPr>
+              <a:t>30</a:t>
+            </a:r>
+            <a:r>
+              <a:rPr lang="zh-TW" altLang="en-US" sz="2800" dirty="0">
+                <a:latin typeface="+mj-lt"/>
+                <a:ea typeface="標楷體" panose="03000509000000000000" pitchFamily="65" charset="-120"/>
+              </a:rPr>
+              <a:t>秒收集到的資料中是採</a:t>
+            </a:r>
+            <a:r>
+              <a:rPr lang="en-US" altLang="zh-TW" sz="2800" dirty="0">
+                <a:latin typeface="+mj-lt"/>
+                <a:ea typeface="標楷體" panose="03000509000000000000" pitchFamily="65" charset="-120"/>
+              </a:rPr>
+              <a:t>unsupervised</a:t>
+            </a:r>
+            <a:r>
+              <a:rPr lang="zh-TW" altLang="en-US" sz="2800" dirty="0">
+                <a:latin typeface="+mj-lt"/>
+                <a:ea typeface="標楷體" panose="03000509000000000000" pitchFamily="65" charset="-120"/>
+              </a:rPr>
+              <a:t>的方式，並將收集到的資料訓練於</a:t>
+            </a:r>
+            <a:r>
+              <a:rPr lang="en-US" altLang="zh-TW" sz="2800" dirty="0" err="1">
+                <a:latin typeface="+mj-lt"/>
+                <a:ea typeface="標楷體" panose="03000509000000000000" pitchFamily="65" charset="-120"/>
+              </a:rPr>
+              <a:t>Kmeans</a:t>
+            </a:r>
+            <a:r>
+              <a:rPr lang="zh-TW" altLang="en-US" sz="2800" dirty="0">
+                <a:latin typeface="+mj-lt"/>
+                <a:ea typeface="標楷體" panose="03000509000000000000" pitchFamily="65" charset="-120"/>
+              </a:rPr>
+              <a:t>的模型中，由此來幫計算出</a:t>
+            </a:r>
+            <a:r>
+              <a:rPr lang="en-US" altLang="zh-TW" sz="2800" dirty="0">
+                <a:latin typeface="+mj-lt"/>
+                <a:ea typeface="標楷體" panose="03000509000000000000" pitchFamily="65" charset="-120"/>
+              </a:rPr>
+              <a:t>threshold</a:t>
+            </a:r>
+            <a:r>
+              <a:rPr lang="zh-TW" altLang="en-US" sz="2800" dirty="0">
+                <a:latin typeface="+mj-lt"/>
+                <a:ea typeface="標楷體" panose="03000509000000000000" pitchFamily="65" charset="-120"/>
+              </a:rPr>
+              <a:t>值。</a:t>
+            </a:r>
+            <a:endParaRPr lang="en-US" altLang="zh-TW" sz="2800" dirty="0">
+              <a:latin typeface="+mj-lt"/>
+              <a:ea typeface="標楷體" panose="03000509000000000000" pitchFamily="65" charset="-120"/>
+            </a:endParaRPr>
+          </a:p>
+        </p:txBody>
+      </p:sp>
+      <p:sp>
+        <p:nvSpPr>
+          <p:cNvPr id="35" name="文字方塊 34">
+            <a:extLst>
+              <a:ext uri="{FF2B5EF4-FFF2-40B4-BE49-F238E27FC236}">
+                <a16:creationId xmlns:a16="http://schemas.microsoft.com/office/drawing/2014/main" id="{2B987681-2F37-1DFF-7197-C543388BA57E}"/>
+              </a:ext>
+            </a:extLst>
+          </p:cNvPr>
+          <p:cNvSpPr txBox="1"/>
+          <p:nvPr/>
+        </p:nvSpPr>
+        <p:spPr>
+          <a:xfrm>
+            <a:off x="1143084" y="25385814"/>
+            <a:ext cx="8056362" cy="1446550"/>
+          </a:xfrm>
+          <a:prstGeom prst="rect">
+            <a:avLst/>
+          </a:prstGeom>
+          <a:noFill/>
+        </p:spPr>
+        <p:txBody>
+          <a:bodyPr wrap="square" rtlCol="0">
+            <a:spAutoFit/>
+          </a:bodyPr>
+          <a:lstStyle/>
+          <a:p>
+            <a:r>
+              <a:rPr lang="en-US" altLang="zh-TW" sz="3200" b="1" dirty="0">
+                <a:latin typeface="+mj-lt"/>
+              </a:rPr>
+              <a:t>Device Commands :</a:t>
+            </a:r>
+          </a:p>
+          <a:p>
+            <a:r>
+              <a:rPr lang="zh-TW" altLang="en-US" sz="2800" dirty="0">
+                <a:latin typeface="+mj-lt"/>
+              </a:rPr>
+              <a:t>在</a:t>
+            </a:r>
+            <a:r>
+              <a:rPr lang="en-US" altLang="zh-TW" sz="2800" dirty="0">
+                <a:latin typeface="+mj-lt"/>
+              </a:rPr>
+              <a:t>real-time</a:t>
+            </a:r>
+            <a:r>
+              <a:rPr lang="zh-TW" altLang="en-US" sz="2800" dirty="0">
+                <a:latin typeface="+mj-lt"/>
+              </a:rPr>
+              <a:t>得出</a:t>
+            </a:r>
+            <a:r>
+              <a:rPr lang="en-US" altLang="zh-TW" sz="2800" dirty="0">
+                <a:latin typeface="+mj-lt"/>
+              </a:rPr>
+              <a:t>threshold</a:t>
+            </a:r>
+            <a:r>
+              <a:rPr lang="zh-TW" altLang="en-US" sz="2800" dirty="0">
+                <a:latin typeface="+mj-lt"/>
+              </a:rPr>
+              <a:t>的同時，要求受測者操控遙控車</a:t>
+            </a:r>
+            <a:r>
+              <a:rPr lang="en-US" altLang="zh-TW" sz="2800" dirty="0">
+                <a:latin typeface="+mj-lt"/>
+              </a:rPr>
+              <a:t>(</a:t>
+            </a:r>
+            <a:r>
+              <a:rPr lang="zh-TW" altLang="en-US" sz="2800" dirty="0">
+                <a:latin typeface="+mj-lt"/>
+              </a:rPr>
+              <a:t>閉眼</a:t>
+            </a:r>
+            <a:r>
+              <a:rPr lang="en-US" altLang="zh-TW" sz="2800" dirty="0">
+                <a:latin typeface="+mj-lt"/>
+              </a:rPr>
+              <a:t>:</a:t>
+            </a:r>
+            <a:r>
+              <a:rPr lang="zh-TW" altLang="en-US" sz="2800" dirty="0">
+                <a:latin typeface="+mj-lt"/>
+              </a:rPr>
+              <a:t> 停止，睜眼</a:t>
+            </a:r>
+            <a:r>
+              <a:rPr lang="en-US" altLang="zh-TW" sz="2800" dirty="0">
+                <a:latin typeface="+mj-lt"/>
+              </a:rPr>
+              <a:t>:</a:t>
+            </a:r>
+            <a:r>
+              <a:rPr lang="zh-TW" altLang="en-US" sz="2800" dirty="0">
+                <a:latin typeface="+mj-lt"/>
+              </a:rPr>
+              <a:t>前進</a:t>
+            </a:r>
+            <a:r>
+              <a:rPr lang="en-US" altLang="zh-TW" sz="2800" dirty="0">
+                <a:latin typeface="+mj-lt"/>
+              </a:rPr>
+              <a:t>)</a:t>
+            </a:r>
+            <a:r>
+              <a:rPr lang="zh-TW" altLang="en-US" sz="2800" dirty="0">
+                <a:latin typeface="+mj-lt"/>
+              </a:rPr>
+              <a:t>。</a:t>
+            </a:r>
+            <a:r>
+              <a:rPr lang="en-US" altLang="zh-TW" sz="2800" dirty="0">
+                <a:latin typeface="+mj-lt"/>
+              </a:rPr>
+              <a:t> </a:t>
+            </a:r>
+            <a:endParaRPr lang="zh-TW" altLang="en-US" sz="2800" dirty="0">
+              <a:latin typeface="+mj-lt"/>
+            </a:endParaRPr>
           </a:p>
         </p:txBody>
       </p:sp>

--- a/ppt/海報.pptx
+++ b/ppt/海報.pptx
@@ -3045,8 +3045,8 @@
         </p:nvSpPr>
         <p:spPr>
           <a:xfrm>
-            <a:off x="1146683" y="187742"/>
-            <a:ext cx="19531584" cy="2585323"/>
+            <a:off x="1773282" y="221265"/>
+            <a:ext cx="19658173" cy="923330"/>
           </a:xfrm>
           <a:prstGeom prst="rect">
             <a:avLst/>
@@ -3061,79 +3061,14 @@
           <a:p>
             <a:pPr algn="ctr"/>
             <a:r>
-              <a:rPr lang="en-US" altLang="zh-TW" sz="5400" dirty="0">
+              <a:rPr lang="en-US" altLang="zh-TW" sz="5400" b="1" dirty="0">
                 <a:solidFill>
                   <a:schemeClr val="bg1"/>
                 </a:solidFill>
-                <a:latin typeface="標楷體" panose="03000509000000000000" pitchFamily="65" charset="-120"/>
-                <a:ea typeface="標楷體" panose="03000509000000000000" pitchFamily="65" charset="-120"/>
+                <a:latin typeface="+mj-lt"/>
               </a:rPr>
-              <a:t>EEG</a:t>
-            </a:r>
-            <a:r>
-              <a:rPr lang="zh-TW" altLang="en-US" sz="5400" dirty="0">
-                <a:solidFill>
-                  <a:schemeClr val="bg1"/>
-                </a:solidFill>
-                <a:latin typeface="標楷體" panose="03000509000000000000" pitchFamily="65" charset="-120"/>
-                <a:ea typeface="標楷體" panose="03000509000000000000" pitchFamily="65" charset="-120"/>
-              </a:rPr>
-              <a:t> </a:t>
-            </a:r>
-            <a:r>
-              <a:rPr lang="en-US" altLang="zh-TW" sz="5400" dirty="0">
-                <a:solidFill>
-                  <a:schemeClr val="bg1"/>
-                </a:solidFill>
-                <a:latin typeface="標楷體" panose="03000509000000000000" pitchFamily="65" charset="-120"/>
-                <a:ea typeface="標楷體" panose="03000509000000000000" pitchFamily="65" charset="-120"/>
-              </a:rPr>
-              <a:t>Alpha Band Power </a:t>
-            </a:r>
-            <a:r>
-              <a:rPr lang="zh-TW" altLang="en-US" sz="5400" dirty="0">
-                <a:solidFill>
-                  <a:schemeClr val="bg1"/>
-                </a:solidFill>
-                <a:latin typeface="標楷體" panose="03000509000000000000" pitchFamily="65" charset="-120"/>
-                <a:ea typeface="標楷體" panose="03000509000000000000" pitchFamily="65" charset="-120"/>
-              </a:rPr>
-              <a:t>操控車子</a:t>
-            </a:r>
-            <a:endParaRPr lang="en-US" altLang="zh-TW" sz="5400" dirty="0">
-              <a:solidFill>
-                <a:schemeClr val="bg1"/>
-              </a:solidFill>
-              <a:latin typeface="標楷體" panose="03000509000000000000" pitchFamily="65" charset="-120"/>
-              <a:ea typeface="標楷體" panose="03000509000000000000" pitchFamily="65" charset="-120"/>
-            </a:endParaRPr>
-          </a:p>
-          <a:p>
-            <a:pPr algn="ctr"/>
-            <a:r>
-              <a:rPr lang="zh-TW" altLang="en-US" sz="5400" dirty="0">
-                <a:solidFill>
-                  <a:schemeClr val="bg1"/>
-                </a:solidFill>
-                <a:latin typeface="標楷體" panose="03000509000000000000" pitchFamily="65" charset="-120"/>
-                <a:ea typeface="標楷體" panose="03000509000000000000" pitchFamily="65" charset="-120"/>
-              </a:rPr>
-              <a:t>英文</a:t>
-            </a:r>
-            <a:r>
-              <a:rPr lang="en-US" altLang="zh-TW" sz="5400" dirty="0">
-                <a:solidFill>
-                  <a:schemeClr val="bg1"/>
-                </a:solidFill>
-                <a:latin typeface="標楷體" panose="03000509000000000000" pitchFamily="65" charset="-120"/>
-                <a:ea typeface="標楷體" panose="03000509000000000000" pitchFamily="65" charset="-120"/>
-              </a:rPr>
-              <a:t>Title</a:t>
-            </a:r>
-          </a:p>
-          <a:p>
-            <a:pPr algn="ctr"/>
-            <a:endParaRPr lang="en-US" altLang="zh-TW" sz="5400" dirty="0"/>
+              <a:t>Adaptive EEG alpha power classification model</a:t>
+            </a:r>
           </a:p>
         </p:txBody>
       </p:sp>
@@ -3151,7 +3086,7 @@
         </p:nvSpPr>
         <p:spPr>
           <a:xfrm>
-            <a:off x="2511473" y="2087260"/>
+            <a:off x="1442581" y="1607028"/>
             <a:ext cx="2806700" cy="707886"/>
           </a:xfrm>
           <a:prstGeom prst="rect">
@@ -3229,7 +3164,7 @@
         </p:nvSpPr>
         <p:spPr>
           <a:xfrm>
-            <a:off x="9071128" y="2215098"/>
+            <a:off x="9046141" y="1548103"/>
             <a:ext cx="6248399" cy="707886"/>
           </a:xfrm>
           <a:prstGeom prst="rect">
@@ -3290,7 +3225,7 @@
         </p:nvSpPr>
         <p:spPr>
           <a:xfrm>
-            <a:off x="15838629" y="2215098"/>
+            <a:off x="15352119" y="1582634"/>
             <a:ext cx="6902451" cy="707886"/>
           </a:xfrm>
           <a:prstGeom prst="rect">
@@ -3351,8 +3286,8 @@
         </p:nvSpPr>
         <p:spPr>
           <a:xfrm>
-            <a:off x="0" y="3315241"/>
-            <a:ext cx="21494750" cy="26960760"/>
+            <a:off x="0" y="2517389"/>
+            <a:ext cx="21494750" cy="27744086"/>
           </a:xfrm>
           <a:prstGeom prst="rect">
             <a:avLst/>
@@ -3425,7 +3360,7 @@
         </p:blipFill>
         <p:spPr>
           <a:xfrm>
-            <a:off x="0" y="-44706"/>
+            <a:off x="-352242" y="-256336"/>
             <a:ext cx="5022946" cy="1994393"/>
           </a:xfrm>
           <a:prstGeom prst="rect">
@@ -3447,7 +3382,7 @@
         </p:nvGrpSpPr>
         <p:grpSpPr>
           <a:xfrm>
-            <a:off x="539262" y="3541150"/>
+            <a:off x="491861" y="2873152"/>
             <a:ext cx="20445046" cy="2716747"/>
             <a:chOff x="1512443" y="4369309"/>
             <a:chExt cx="18800064" cy="4994147"/>
@@ -3594,7 +3529,7 @@
         </p:nvGrpSpPr>
         <p:grpSpPr>
           <a:xfrm>
-            <a:off x="561618" y="6689298"/>
+            <a:off x="561618" y="5870991"/>
             <a:ext cx="20445046" cy="2528644"/>
             <a:chOff x="1512443" y="4563884"/>
             <a:chExt cx="18800064" cy="4799572"/>
@@ -3724,463 +3659,6 @@
           </p:txBody>
         </p:sp>
       </p:grpSp>
-      <p:grpSp>
-        <p:nvGrpSpPr>
-          <p:cNvPr id="21" name="群組 20">
-            <a:extLst>
-              <a:ext uri="{FF2B5EF4-FFF2-40B4-BE49-F238E27FC236}">
-                <a16:creationId xmlns:a16="http://schemas.microsoft.com/office/drawing/2014/main" id="{CE009F1F-A70B-61D1-61C3-5FCE1445ADF5}"/>
-              </a:ext>
-            </a:extLst>
-          </p:cNvPr>
-          <p:cNvGrpSpPr/>
-          <p:nvPr/>
-        </p:nvGrpSpPr>
-        <p:grpSpPr>
-          <a:xfrm>
-            <a:off x="520747" y="9688986"/>
-            <a:ext cx="9799872" cy="19838514"/>
-            <a:chOff x="1512441" y="5095011"/>
-            <a:chExt cx="18800064" cy="4300339"/>
-          </a:xfrm>
-        </p:grpSpPr>
-        <p:sp>
-          <p:nvSpPr>
-            <p:cNvPr id="22" name="矩形: 圓角 21">
-              <a:extLst>
-                <a:ext uri="{FF2B5EF4-FFF2-40B4-BE49-F238E27FC236}">
-                  <a16:creationId xmlns:a16="http://schemas.microsoft.com/office/drawing/2014/main" id="{6BE8F8D4-24C7-6B61-8956-DAD17B4B615A}"/>
-                </a:ext>
-              </a:extLst>
-            </p:cNvPr>
-            <p:cNvSpPr/>
-            <p:nvPr/>
-          </p:nvSpPr>
-          <p:spPr>
-            <a:xfrm>
-              <a:off x="1512441" y="5206442"/>
-              <a:ext cx="18800064" cy="4188908"/>
-            </a:xfrm>
-            <a:prstGeom prst="roundRect">
-              <a:avLst/>
-            </a:prstGeom>
-            <a:solidFill>
-              <a:schemeClr val="accent6">
-                <a:lumMod val="20000"/>
-                <a:lumOff val="80000"/>
-              </a:schemeClr>
-            </a:solidFill>
-            <a:ln w="215900">
-              <a:solidFill>
-                <a:schemeClr val="bg2">
-                  <a:lumMod val="25000"/>
-                </a:schemeClr>
-              </a:solidFill>
-            </a:ln>
-          </p:spPr>
-          <p:style>
-            <a:lnRef idx="2">
-              <a:schemeClr val="accent1">
-                <a:shade val="15000"/>
-              </a:schemeClr>
-            </a:lnRef>
-            <a:fillRef idx="1">
-              <a:schemeClr val="accent1"/>
-            </a:fillRef>
-            <a:effectRef idx="0">
-              <a:schemeClr val="accent1"/>
-            </a:effectRef>
-            <a:fontRef idx="minor">
-              <a:schemeClr val="lt1"/>
-            </a:fontRef>
-          </p:style>
-          <p:txBody>
-            <a:bodyPr rtlCol="0" anchor="ctr"/>
-            <a:lstStyle/>
-            <a:p>
-              <a:pPr algn="ctr"/>
-              <a:endParaRPr lang="zh-TW" altLang="en-US" dirty="0"/>
-            </a:p>
-          </p:txBody>
-        </p:sp>
-        <p:sp>
-          <p:nvSpPr>
-            <p:cNvPr id="23" name="矩形 22">
-              <a:extLst>
-                <a:ext uri="{FF2B5EF4-FFF2-40B4-BE49-F238E27FC236}">
-                  <a16:creationId xmlns:a16="http://schemas.microsoft.com/office/drawing/2014/main" id="{1E765AD5-B137-0E8F-18AE-32773DB9EEC4}"/>
-                </a:ext>
-              </a:extLst>
-            </p:cNvPr>
-            <p:cNvSpPr/>
-            <p:nvPr/>
-          </p:nvSpPr>
-          <p:spPr>
-            <a:xfrm>
-              <a:off x="9248841" y="5095011"/>
-              <a:ext cx="3434251" cy="167025"/>
-            </a:xfrm>
-            <a:prstGeom prst="rect">
-              <a:avLst/>
-            </a:prstGeom>
-            <a:solidFill>
-              <a:schemeClr val="bg2">
-                <a:lumMod val="25000"/>
-              </a:schemeClr>
-            </a:solidFill>
-            <a:ln>
-              <a:solidFill>
-                <a:schemeClr val="bg2">
-                  <a:lumMod val="25000"/>
-                </a:schemeClr>
-              </a:solidFill>
-            </a:ln>
-          </p:spPr>
-          <p:style>
-            <a:lnRef idx="2">
-              <a:schemeClr val="accent1">
-                <a:shade val="15000"/>
-              </a:schemeClr>
-            </a:lnRef>
-            <a:fillRef idx="1">
-              <a:schemeClr val="accent1"/>
-            </a:fillRef>
-            <a:effectRef idx="0">
-              <a:schemeClr val="accent1"/>
-            </a:effectRef>
-            <a:fontRef idx="minor">
-              <a:schemeClr val="lt1"/>
-            </a:fontRef>
-          </p:style>
-          <p:txBody>
-            <a:bodyPr rtlCol="0" anchor="ctr"/>
-            <a:lstStyle/>
-            <a:p>
-              <a:pPr algn="ctr"/>
-              <a:r>
-                <a:rPr lang="zh-TW" altLang="en-US" sz="5400" dirty="0">
-                  <a:latin typeface="標楷體" panose="03000509000000000000" pitchFamily="65" charset="-120"/>
-                  <a:ea typeface="標楷體" panose="03000509000000000000" pitchFamily="65" charset="-120"/>
-                </a:rPr>
-                <a:t>方法</a:t>
-              </a:r>
-            </a:p>
-          </p:txBody>
-        </p:sp>
-      </p:grpSp>
-      <p:grpSp>
-        <p:nvGrpSpPr>
-          <p:cNvPr id="24" name="群組 23">
-            <a:extLst>
-              <a:ext uri="{FF2B5EF4-FFF2-40B4-BE49-F238E27FC236}">
-                <a16:creationId xmlns:a16="http://schemas.microsoft.com/office/drawing/2014/main" id="{4AAA4F3F-F955-9099-13C6-EC99B3A57C06}"/>
-              </a:ext>
-            </a:extLst>
-          </p:cNvPr>
-          <p:cNvGrpSpPr/>
-          <p:nvPr/>
-        </p:nvGrpSpPr>
-        <p:grpSpPr>
-          <a:xfrm>
-            <a:off x="11389965" y="19929031"/>
-            <a:ext cx="9546942" cy="9598469"/>
-            <a:chOff x="1512443" y="4974385"/>
-            <a:chExt cx="18800064" cy="4389071"/>
-          </a:xfrm>
-        </p:grpSpPr>
-        <p:sp>
-          <p:nvSpPr>
-            <p:cNvPr id="25" name="矩形: 圓角 24">
-              <a:extLst>
-                <a:ext uri="{FF2B5EF4-FFF2-40B4-BE49-F238E27FC236}">
-                  <a16:creationId xmlns:a16="http://schemas.microsoft.com/office/drawing/2014/main" id="{4EAA3941-DA08-5CC2-A1E7-8730F60DFFDB}"/>
-                </a:ext>
-              </a:extLst>
-            </p:cNvPr>
-            <p:cNvSpPr/>
-            <p:nvPr/>
-          </p:nvSpPr>
-          <p:spPr>
-            <a:xfrm>
-              <a:off x="1512443" y="5174548"/>
-              <a:ext cx="18800064" cy="4188908"/>
-            </a:xfrm>
-            <a:prstGeom prst="roundRect">
-              <a:avLst/>
-            </a:prstGeom>
-            <a:solidFill>
-              <a:schemeClr val="accent6">
-                <a:lumMod val="20000"/>
-                <a:lumOff val="80000"/>
-              </a:schemeClr>
-            </a:solidFill>
-            <a:ln w="215900">
-              <a:solidFill>
-                <a:schemeClr val="bg2">
-                  <a:lumMod val="25000"/>
-                </a:schemeClr>
-              </a:solidFill>
-            </a:ln>
-          </p:spPr>
-          <p:style>
-            <a:lnRef idx="2">
-              <a:schemeClr val="accent1">
-                <a:shade val="15000"/>
-              </a:schemeClr>
-            </a:lnRef>
-            <a:fillRef idx="1">
-              <a:schemeClr val="accent1"/>
-            </a:fillRef>
-            <a:effectRef idx="0">
-              <a:schemeClr val="accent1"/>
-            </a:effectRef>
-            <a:fontRef idx="minor">
-              <a:schemeClr val="lt1"/>
-            </a:fontRef>
-          </p:style>
-          <p:txBody>
-            <a:bodyPr rtlCol="0" anchor="ctr"/>
-            <a:lstStyle/>
-            <a:p>
-              <a:pPr algn="ctr"/>
-              <a:endParaRPr lang="zh-TW" altLang="en-US"/>
-            </a:p>
-          </p:txBody>
-        </p:sp>
-        <p:sp>
-          <p:nvSpPr>
-            <p:cNvPr id="26" name="矩形 25">
-              <a:extLst>
-                <a:ext uri="{FF2B5EF4-FFF2-40B4-BE49-F238E27FC236}">
-                  <a16:creationId xmlns:a16="http://schemas.microsoft.com/office/drawing/2014/main" id="{43230144-6F9C-7C9D-3CF1-1173C4B32B07}"/>
-                </a:ext>
-              </a:extLst>
-            </p:cNvPr>
-            <p:cNvSpPr/>
-            <p:nvPr/>
-          </p:nvSpPr>
-          <p:spPr>
-            <a:xfrm>
-              <a:off x="5093581" y="4974385"/>
-              <a:ext cx="11975511" cy="373476"/>
-            </a:xfrm>
-            <a:prstGeom prst="rect">
-              <a:avLst/>
-            </a:prstGeom>
-            <a:solidFill>
-              <a:schemeClr val="bg2">
-                <a:lumMod val="25000"/>
-              </a:schemeClr>
-            </a:solidFill>
-            <a:ln>
-              <a:solidFill>
-                <a:schemeClr val="bg2">
-                  <a:lumMod val="25000"/>
-                </a:schemeClr>
-              </a:solidFill>
-            </a:ln>
-          </p:spPr>
-          <p:style>
-            <a:lnRef idx="2">
-              <a:schemeClr val="accent1">
-                <a:shade val="15000"/>
-              </a:schemeClr>
-            </a:lnRef>
-            <a:fillRef idx="1">
-              <a:schemeClr val="accent1"/>
-            </a:fillRef>
-            <a:effectRef idx="0">
-              <a:schemeClr val="accent1"/>
-            </a:effectRef>
-            <a:fontRef idx="minor">
-              <a:schemeClr val="lt1"/>
-            </a:fontRef>
-          </p:style>
-          <p:txBody>
-            <a:bodyPr rtlCol="0" anchor="ctr"/>
-            <a:lstStyle/>
-            <a:p>
-              <a:pPr algn="ctr"/>
-              <a:r>
-                <a:rPr lang="zh-TW" altLang="en-US" sz="5400" dirty="0">
-                  <a:latin typeface="標楷體" panose="03000509000000000000" pitchFamily="65" charset="-120"/>
-                  <a:ea typeface="標楷體" panose="03000509000000000000" pitchFamily="65" charset="-120"/>
-                </a:rPr>
-                <a:t>目前</a:t>
-              </a:r>
-              <a:r>
-                <a:rPr lang="en-US" altLang="zh-TW" sz="5400" dirty="0">
-                  <a:latin typeface="標楷體" panose="03000509000000000000" pitchFamily="65" charset="-120"/>
-                  <a:ea typeface="標楷體" panose="03000509000000000000" pitchFamily="65" charset="-120"/>
-                </a:rPr>
-                <a:t>/</a:t>
-              </a:r>
-              <a:r>
-                <a:rPr lang="zh-TW" altLang="en-US" sz="5400" dirty="0">
-                  <a:latin typeface="標楷體" panose="03000509000000000000" pitchFamily="65" charset="-120"/>
-                  <a:ea typeface="標楷體" panose="03000509000000000000" pitchFamily="65" charset="-120"/>
-                </a:rPr>
-                <a:t>預期達到結果</a:t>
-              </a:r>
-            </a:p>
-          </p:txBody>
-        </p:sp>
-      </p:grpSp>
-      <p:grpSp>
-        <p:nvGrpSpPr>
-          <p:cNvPr id="2" name="群組 1">
-            <a:extLst>
-              <a:ext uri="{FF2B5EF4-FFF2-40B4-BE49-F238E27FC236}">
-                <a16:creationId xmlns:a16="http://schemas.microsoft.com/office/drawing/2014/main" id="{9C62F4D5-F123-D576-1418-80DDFF49ADE9}"/>
-              </a:ext>
-            </a:extLst>
-          </p:cNvPr>
-          <p:cNvGrpSpPr/>
-          <p:nvPr/>
-        </p:nvGrpSpPr>
-        <p:grpSpPr>
-          <a:xfrm>
-            <a:off x="11164708" y="9740483"/>
-            <a:ext cx="9546942" cy="9564312"/>
-            <a:chOff x="1512443" y="4939890"/>
-            <a:chExt cx="18800064" cy="4423566"/>
-          </a:xfrm>
-        </p:grpSpPr>
-        <p:sp>
-          <p:nvSpPr>
-            <p:cNvPr id="3" name="矩形: 圓角 2">
-              <a:extLst>
-                <a:ext uri="{FF2B5EF4-FFF2-40B4-BE49-F238E27FC236}">
-                  <a16:creationId xmlns:a16="http://schemas.microsoft.com/office/drawing/2014/main" id="{80F8312D-5695-2757-3509-64EE0FE5392F}"/>
-                </a:ext>
-              </a:extLst>
-            </p:cNvPr>
-            <p:cNvSpPr/>
-            <p:nvPr/>
-          </p:nvSpPr>
-          <p:spPr>
-            <a:xfrm>
-              <a:off x="1512443" y="5174548"/>
-              <a:ext cx="18800064" cy="4188908"/>
-            </a:xfrm>
-            <a:prstGeom prst="roundRect">
-              <a:avLst/>
-            </a:prstGeom>
-            <a:solidFill>
-              <a:schemeClr val="accent6">
-                <a:lumMod val="20000"/>
-                <a:lumOff val="80000"/>
-              </a:schemeClr>
-            </a:solidFill>
-            <a:ln w="215900">
-              <a:solidFill>
-                <a:schemeClr val="bg2">
-                  <a:lumMod val="25000"/>
-                </a:schemeClr>
-              </a:solidFill>
-            </a:ln>
-          </p:spPr>
-          <p:style>
-            <a:lnRef idx="2">
-              <a:schemeClr val="accent1">
-                <a:shade val="15000"/>
-              </a:schemeClr>
-            </a:lnRef>
-            <a:fillRef idx="1">
-              <a:schemeClr val="accent1"/>
-            </a:fillRef>
-            <a:effectRef idx="0">
-              <a:schemeClr val="accent1"/>
-            </a:effectRef>
-            <a:fontRef idx="minor">
-              <a:schemeClr val="lt1"/>
-            </a:fontRef>
-          </p:style>
-          <p:txBody>
-            <a:bodyPr rtlCol="0" anchor="ctr"/>
-            <a:lstStyle/>
-            <a:p>
-              <a:pPr algn="ctr"/>
-              <a:endParaRPr lang="zh-TW" altLang="en-US"/>
-            </a:p>
-          </p:txBody>
-        </p:sp>
-        <p:sp>
-          <p:nvSpPr>
-            <p:cNvPr id="5" name="矩形 4">
-              <a:extLst>
-                <a:ext uri="{FF2B5EF4-FFF2-40B4-BE49-F238E27FC236}">
-                  <a16:creationId xmlns:a16="http://schemas.microsoft.com/office/drawing/2014/main" id="{54824518-9728-C20E-9CF1-7756FCD90A34}"/>
-                </a:ext>
-              </a:extLst>
-            </p:cNvPr>
-            <p:cNvSpPr/>
-            <p:nvPr/>
-          </p:nvSpPr>
-          <p:spPr>
-            <a:xfrm>
-              <a:off x="6724358" y="4939890"/>
-              <a:ext cx="8376235" cy="469316"/>
-            </a:xfrm>
-            <a:prstGeom prst="rect">
-              <a:avLst/>
-            </a:prstGeom>
-            <a:solidFill>
-              <a:schemeClr val="bg2">
-                <a:lumMod val="25000"/>
-              </a:schemeClr>
-            </a:solidFill>
-            <a:ln>
-              <a:solidFill>
-                <a:schemeClr val="bg2">
-                  <a:lumMod val="25000"/>
-                </a:schemeClr>
-              </a:solidFill>
-            </a:ln>
-          </p:spPr>
-          <p:style>
-            <a:lnRef idx="2">
-              <a:schemeClr val="accent1">
-                <a:shade val="15000"/>
-              </a:schemeClr>
-            </a:lnRef>
-            <a:fillRef idx="1">
-              <a:schemeClr val="accent1"/>
-            </a:fillRef>
-            <a:effectRef idx="0">
-              <a:schemeClr val="accent1"/>
-            </a:effectRef>
-            <a:fontRef idx="minor">
-              <a:schemeClr val="lt1"/>
-            </a:fontRef>
-          </p:style>
-          <p:txBody>
-            <a:bodyPr rtlCol="0" anchor="ctr"/>
-            <a:lstStyle/>
-            <a:p>
-              <a:pPr algn="ctr"/>
-              <a:r>
-                <a:rPr lang="zh-TW" altLang="en-US" sz="5400" dirty="0">
-                  <a:latin typeface="標楷體" panose="03000509000000000000" pitchFamily="65" charset="-120"/>
-                  <a:ea typeface="標楷體" panose="03000509000000000000" pitchFamily="65" charset="-120"/>
-                </a:rPr>
-                <a:t>實作</a:t>
-              </a:r>
-              <a:r>
-                <a:rPr lang="en-US" altLang="zh-TW" sz="5400" dirty="0">
-                  <a:latin typeface="標楷體" panose="03000509000000000000" pitchFamily="65" charset="-120"/>
-                  <a:ea typeface="標楷體" panose="03000509000000000000" pitchFamily="65" charset="-120"/>
-                </a:rPr>
-                <a:t>demo</a:t>
-              </a:r>
-              <a:endParaRPr lang="zh-TW" altLang="en-US" sz="5400" dirty="0">
-                <a:latin typeface="標楷體" panose="03000509000000000000" pitchFamily="65" charset="-120"/>
-                <a:ea typeface="標楷體" panose="03000509000000000000" pitchFamily="65" charset="-120"/>
-              </a:endParaRPr>
-            </a:p>
-          </p:txBody>
-        </p:sp>
-      </p:grpSp>
       <p:sp>
         <p:nvSpPr>
           <p:cNvPr id="9" name="文字方塊 8">
@@ -4195,7 +3673,7 @@
         </p:nvSpPr>
         <p:spPr>
           <a:xfrm>
-            <a:off x="1146683" y="4304544"/>
+            <a:off x="1146683" y="3675180"/>
             <a:ext cx="19274917" cy="1569660"/>
           </a:xfrm>
           <a:prstGeom prst="rect">
@@ -4214,34 +3692,7 @@
                 <a:latin typeface="標楷體" panose="03000509000000000000" pitchFamily="65" charset="-120"/>
                 <a:ea typeface="標楷體" panose="03000509000000000000" pitchFamily="65" charset="-120"/>
               </a:rPr>
-              <a:t>腦機介面是近幾年在</a:t>
-            </a:r>
-            <a:r>
-              <a:rPr lang="en-US" altLang="zh-TW" sz="3200" b="1" dirty="0">
-                <a:latin typeface="標楷體" panose="03000509000000000000" pitchFamily="65" charset="-120"/>
-                <a:ea typeface="標楷體" panose="03000509000000000000" pitchFamily="65" charset="-120"/>
-              </a:rPr>
-              <a:t>CS</a:t>
-            </a:r>
-            <a:r>
-              <a:rPr lang="zh-TW" altLang="en-US" sz="3200" b="1" dirty="0">
-                <a:latin typeface="標楷體" panose="03000509000000000000" pitchFamily="65" charset="-120"/>
-                <a:ea typeface="標楷體" panose="03000509000000000000" pitchFamily="65" charset="-120"/>
-              </a:rPr>
-              <a:t>快速發展的新領域，不需要經由周邊神經和肌肉就能夠讓大腦與外界溝通的系統。</a:t>
-            </a:r>
-            <a:endParaRPr lang="en-US" altLang="zh-TW" sz="3200" b="1" dirty="0">
-              <a:latin typeface="標楷體" panose="03000509000000000000" pitchFamily="65" charset="-120"/>
-              <a:ea typeface="標楷體" panose="03000509000000000000" pitchFamily="65" charset="-120"/>
-            </a:endParaRPr>
-          </a:p>
-          <a:p>
-            <a:r>
-              <a:rPr lang="zh-TW" altLang="en-US" sz="3200" b="1" dirty="0">
-                <a:latin typeface="標楷體" panose="03000509000000000000" pitchFamily="65" charset="-120"/>
-                <a:ea typeface="標楷體" panose="03000509000000000000" pitchFamily="65" charset="-120"/>
-              </a:rPr>
-              <a:t>透過分析大腦中的腦電波訊號</a:t>
+              <a:t>腦機介面是近幾年在資訊領域快速發展的新領域，不需要經由周邊神經和肌肉就能夠讓大腦與外界溝通的系統。透過分析大腦活動放電的訊號</a:t>
             </a:r>
             <a:r>
               <a:rPr lang="en-US" altLang="zh-TW" sz="3200" b="1" dirty="0">
@@ -4255,7 +3706,7 @@
                 <a:latin typeface="標楷體" panose="03000509000000000000" pitchFamily="65" charset="-120"/>
                 <a:ea typeface="標楷體" panose="03000509000000000000" pitchFamily="65" charset="-120"/>
               </a:rPr>
-              <a:t>，我們能夠進一步去解析人類身理潛藏的疾病、症狀。會選擇腦波作為專題的研究主題便是對這個領域感到新奇和未來的無限發展性。</a:t>
+              <a:t>，能夠進一步去解析人類的生理特徵。因此我們選擇腦波與相關生醫資訊的結合作為這次專題研究方向。</a:t>
             </a:r>
             <a:endParaRPr lang="en-US" altLang="zh-TW" sz="3200" b="1" dirty="0">
               <a:latin typeface="標楷體" panose="03000509000000000000" pitchFamily="65" charset="-120"/>
@@ -4264,2208 +3715,6 @@
           </a:p>
         </p:txBody>
       </p:sp>
-      <p:sp>
-        <p:nvSpPr>
-          <p:cNvPr id="10" name="文字方塊 9">
-            <a:extLst>
-              <a:ext uri="{FF2B5EF4-FFF2-40B4-BE49-F238E27FC236}">
-                <a16:creationId xmlns:a16="http://schemas.microsoft.com/office/drawing/2014/main" id="{E8C237AB-C9C4-5D2C-5FE1-E1B82E8133DB}"/>
-              </a:ext>
-            </a:extLst>
-          </p:cNvPr>
-          <p:cNvSpPr txBox="1"/>
-          <p:nvPr/>
-        </p:nvSpPr>
-        <p:spPr>
-          <a:xfrm>
-            <a:off x="12136027" y="11202892"/>
-            <a:ext cx="8483700" cy="1569660"/>
-          </a:xfrm>
-          <a:prstGeom prst="rect">
-            <a:avLst/>
-          </a:prstGeom>
-          <a:noFill/>
-        </p:spPr>
-        <p:txBody>
-          <a:bodyPr wrap="square" rtlCol="0">
-            <a:spAutoFit/>
-          </a:bodyPr>
-          <a:lstStyle/>
-          <a:p>
-            <a:r>
-              <a:rPr lang="en-US" altLang="zh-TW" sz="3200" b="1" dirty="0">
-                <a:latin typeface="標楷體" panose="03000509000000000000" pitchFamily="65" charset="-120"/>
-                <a:ea typeface="標楷體" panose="03000509000000000000" pitchFamily="65" charset="-120"/>
-              </a:rPr>
-              <a:t>1.</a:t>
-            </a:r>
-            <a:r>
-              <a:rPr lang="zh-TW" altLang="en-US" sz="3200" b="1" dirty="0">
-                <a:latin typeface="標楷體" panose="03000509000000000000" pitchFamily="65" charset="-120"/>
-                <a:ea typeface="標楷體" panose="03000509000000000000" pitchFamily="65" charset="-120"/>
-              </a:rPr>
-              <a:t>圖片</a:t>
-            </a:r>
-            <a:endParaRPr lang="en-US" altLang="zh-TW" sz="3200" b="1" dirty="0">
-              <a:latin typeface="標楷體" panose="03000509000000000000" pitchFamily="65" charset="-120"/>
-              <a:ea typeface="標楷體" panose="03000509000000000000" pitchFamily="65" charset="-120"/>
-            </a:endParaRPr>
-          </a:p>
-          <a:p>
-            <a:r>
-              <a:rPr lang="en-US" altLang="zh-TW" sz="3200" b="1" dirty="0">
-                <a:latin typeface="標楷體" panose="03000509000000000000" pitchFamily="65" charset="-120"/>
-                <a:ea typeface="標楷體" panose="03000509000000000000" pitchFamily="65" charset="-120"/>
-              </a:rPr>
-              <a:t>2.</a:t>
-            </a:r>
-            <a:r>
-              <a:rPr lang="zh-TW" altLang="en-US" sz="3200" b="1" dirty="0">
-                <a:latin typeface="標楷體" panose="03000509000000000000" pitchFamily="65" charset="-120"/>
-                <a:ea typeface="標楷體" panose="03000509000000000000" pitchFamily="65" charset="-120"/>
-              </a:rPr>
-              <a:t>裝置</a:t>
-            </a:r>
-            <a:r>
-              <a:rPr lang="en-US" altLang="zh-TW" sz="3200" b="1" dirty="0">
-                <a:latin typeface="標楷體" panose="03000509000000000000" pitchFamily="65" charset="-120"/>
-                <a:ea typeface="標楷體" panose="03000509000000000000" pitchFamily="65" charset="-120"/>
-              </a:rPr>
-              <a:t>(cygnus, </a:t>
-            </a:r>
-            <a:r>
-              <a:rPr lang="en-US" altLang="zh-TW" sz="3200" b="1" dirty="0" err="1">
-                <a:latin typeface="標楷體" panose="03000509000000000000" pitchFamily="65" charset="-120"/>
-                <a:ea typeface="標楷體" panose="03000509000000000000" pitchFamily="65" charset="-120"/>
-              </a:rPr>
-              <a:t>openvibe</a:t>
-            </a:r>
-            <a:r>
-              <a:rPr lang="en-US" altLang="zh-TW" sz="3200" b="1" dirty="0">
-                <a:latin typeface="標楷體" panose="03000509000000000000" pitchFamily="65" charset="-120"/>
-                <a:ea typeface="標楷體" panose="03000509000000000000" pitchFamily="65" charset="-120"/>
-              </a:rPr>
-              <a:t>)</a:t>
-            </a:r>
-          </a:p>
-          <a:p>
-            <a:r>
-              <a:rPr lang="en-US" altLang="zh-TW" sz="3200" b="1" dirty="0">
-                <a:latin typeface="標楷體" panose="03000509000000000000" pitchFamily="65" charset="-120"/>
-                <a:ea typeface="標楷體" panose="03000509000000000000" pitchFamily="65" charset="-120"/>
-              </a:rPr>
-              <a:t>3.</a:t>
-            </a:r>
-            <a:r>
-              <a:rPr lang="zh-TW" altLang="en-US" sz="3200" b="1" dirty="0">
-                <a:latin typeface="標楷體" panose="03000509000000000000" pitchFamily="65" charset="-120"/>
-                <a:ea typeface="標楷體" panose="03000509000000000000" pitchFamily="65" charset="-120"/>
-              </a:rPr>
-              <a:t>車子</a:t>
-            </a:r>
-          </a:p>
-        </p:txBody>
-      </p:sp>
-      <p:sp>
-        <p:nvSpPr>
-          <p:cNvPr id="13" name="文字方塊 12">
-            <a:extLst>
-              <a:ext uri="{FF2B5EF4-FFF2-40B4-BE49-F238E27FC236}">
-                <a16:creationId xmlns:a16="http://schemas.microsoft.com/office/drawing/2014/main" id="{5F8E2FA4-517E-C0A3-E5D0-743AA20159AD}"/>
-              </a:ext>
-            </a:extLst>
-          </p:cNvPr>
-          <p:cNvSpPr txBox="1"/>
-          <p:nvPr/>
-        </p:nvSpPr>
-        <p:spPr>
-          <a:xfrm>
-            <a:off x="12195327" y="21350293"/>
-            <a:ext cx="8483700" cy="1569660"/>
-          </a:xfrm>
-          <a:prstGeom prst="rect">
-            <a:avLst/>
-          </a:prstGeom>
-          <a:noFill/>
-        </p:spPr>
-        <p:txBody>
-          <a:bodyPr wrap="square" rtlCol="0">
-            <a:spAutoFit/>
-          </a:bodyPr>
-          <a:lstStyle/>
-          <a:p>
-            <a:r>
-              <a:rPr lang="zh-TW" altLang="en-US" sz="3200" b="1" dirty="0">
-                <a:latin typeface="標楷體" panose="03000509000000000000" pitchFamily="65" charset="-120"/>
-                <a:ea typeface="標楷體" panose="03000509000000000000" pitchFamily="65" charset="-120"/>
-              </a:rPr>
-              <a:t>目前</a:t>
-            </a:r>
-            <a:r>
-              <a:rPr lang="en-US" altLang="zh-TW" sz="3200" b="1" dirty="0">
-                <a:latin typeface="標楷體" panose="03000509000000000000" pitchFamily="65" charset="-120"/>
-                <a:ea typeface="標楷體" panose="03000509000000000000" pitchFamily="65" charset="-120"/>
-              </a:rPr>
-              <a:t>:</a:t>
-            </a:r>
-            <a:r>
-              <a:rPr lang="en-US" altLang="zh-TW" sz="3200" b="1" dirty="0" err="1">
-                <a:latin typeface="標楷體" panose="03000509000000000000" pitchFamily="65" charset="-120"/>
-                <a:ea typeface="標楷體" panose="03000509000000000000" pitchFamily="65" charset="-120"/>
-              </a:rPr>
-              <a:t>Kmeans</a:t>
-            </a:r>
-            <a:r>
-              <a:rPr lang="zh-TW" altLang="en-US" sz="3200" b="1" dirty="0">
-                <a:latin typeface="標楷體" panose="03000509000000000000" pitchFamily="65" charset="-120"/>
-                <a:ea typeface="標楷體" panose="03000509000000000000" pitchFamily="65" charset="-120"/>
-              </a:rPr>
-              <a:t>結果分類圖，延遲情況，</a:t>
-            </a:r>
-            <a:endParaRPr lang="en-US" altLang="zh-TW" sz="3200" b="1" dirty="0">
-              <a:latin typeface="標楷體" panose="03000509000000000000" pitchFamily="65" charset="-120"/>
-              <a:ea typeface="標楷體" panose="03000509000000000000" pitchFamily="65" charset="-120"/>
-            </a:endParaRPr>
-          </a:p>
-          <a:p>
-            <a:r>
-              <a:rPr lang="zh-TW" altLang="en-US" sz="3200" b="1" dirty="0">
-                <a:latin typeface="標楷體" panose="03000509000000000000" pitchFamily="65" charset="-120"/>
-                <a:ea typeface="標楷體" panose="03000509000000000000" pitchFamily="65" charset="-120"/>
-              </a:rPr>
-              <a:t>預期</a:t>
-            </a:r>
-            <a:r>
-              <a:rPr lang="en-US" altLang="zh-TW" sz="3200" b="1" dirty="0">
-                <a:latin typeface="標楷體" panose="03000509000000000000" pitchFamily="65" charset="-120"/>
-                <a:ea typeface="標楷體" panose="03000509000000000000" pitchFamily="65" charset="-120"/>
-              </a:rPr>
-              <a:t>:</a:t>
-            </a:r>
-            <a:r>
-              <a:rPr lang="zh-TW" altLang="en-US" sz="3200" b="1" dirty="0">
-                <a:latin typeface="標楷體" panose="03000509000000000000" pitchFamily="65" charset="-120"/>
-                <a:ea typeface="標楷體" panose="03000509000000000000" pitchFamily="65" charset="-120"/>
-              </a:rPr>
-              <a:t>降低延遲，</a:t>
-            </a:r>
-            <a:r>
-              <a:rPr lang="en-US" altLang="zh-TW" sz="3200" b="1" dirty="0">
-                <a:latin typeface="標楷體" panose="03000509000000000000" pitchFamily="65" charset="-120"/>
-                <a:ea typeface="標楷體" panose="03000509000000000000" pitchFamily="65" charset="-120"/>
-              </a:rPr>
-              <a:t>real-time</a:t>
-            </a:r>
-            <a:r>
-              <a:rPr lang="zh-TW" altLang="en-US" sz="3200" b="1" dirty="0">
-                <a:latin typeface="標楷體" panose="03000509000000000000" pitchFamily="65" charset="-120"/>
-                <a:ea typeface="標楷體" panose="03000509000000000000" pitchFamily="65" charset="-120"/>
-              </a:rPr>
-              <a:t>實作</a:t>
-            </a:r>
-            <a:r>
-              <a:rPr lang="en-US" altLang="zh-TW" sz="3200" b="1" dirty="0">
-                <a:latin typeface="標楷體" panose="03000509000000000000" pitchFamily="65" charset="-120"/>
-                <a:ea typeface="標楷體" panose="03000509000000000000" pitchFamily="65" charset="-120"/>
-              </a:rPr>
-              <a:t>?</a:t>
-            </a:r>
-            <a:r>
-              <a:rPr lang="zh-TW" altLang="en-US" sz="3200" b="1" dirty="0">
-                <a:latin typeface="標楷體" panose="03000509000000000000" pitchFamily="65" charset="-120"/>
-                <a:ea typeface="標楷體" panose="03000509000000000000" pitchFamily="65" charset="-120"/>
-              </a:rPr>
-              <a:t> 實現左右轉彎方向</a:t>
-            </a:r>
-            <a:r>
-              <a:rPr lang="en-US" altLang="zh-TW" sz="3200" b="1" dirty="0">
-                <a:latin typeface="標楷體" panose="03000509000000000000" pitchFamily="65" charset="-120"/>
-                <a:ea typeface="標楷體" panose="03000509000000000000" pitchFamily="65" charset="-120"/>
-              </a:rPr>
-              <a:t>?</a:t>
-            </a:r>
-            <a:endParaRPr lang="zh-TW" altLang="en-US" sz="3200" b="1" dirty="0">
-              <a:latin typeface="標楷體" panose="03000509000000000000" pitchFamily="65" charset="-120"/>
-              <a:ea typeface="標楷體" panose="03000509000000000000" pitchFamily="65" charset="-120"/>
-            </a:endParaRPr>
-          </a:p>
-        </p:txBody>
-      </p:sp>
-      <p:grpSp>
-        <p:nvGrpSpPr>
-          <p:cNvPr id="259" name="群組 258">
-            <a:extLst>
-              <a:ext uri="{FF2B5EF4-FFF2-40B4-BE49-F238E27FC236}">
-                <a16:creationId xmlns:a16="http://schemas.microsoft.com/office/drawing/2014/main" id="{23F9F525-941A-B3F2-7CDF-6ECF69A67EF9}"/>
-              </a:ext>
-            </a:extLst>
-          </p:cNvPr>
-          <p:cNvGrpSpPr>
-            <a:grpSpLocks noChangeAspect="1"/>
-          </p:cNvGrpSpPr>
-          <p:nvPr/>
-        </p:nvGrpSpPr>
-        <p:grpSpPr>
-          <a:xfrm>
-            <a:off x="11990340" y="12844126"/>
-            <a:ext cx="1606820" cy="2121092"/>
-            <a:chOff x="4122305" y="3307991"/>
-            <a:chExt cx="353720" cy="466930"/>
-          </a:xfrm>
-        </p:grpSpPr>
-        <p:grpSp>
-          <p:nvGrpSpPr>
-            <p:cNvPr id="260" name="Group 2">
-              <a:extLst>
-                <a:ext uri="{FF2B5EF4-FFF2-40B4-BE49-F238E27FC236}">
-                  <a16:creationId xmlns:a16="http://schemas.microsoft.com/office/drawing/2014/main" id="{39821BE8-0926-AC2F-BF31-9752F7AB6248}"/>
-                </a:ext>
-              </a:extLst>
-            </p:cNvPr>
-            <p:cNvGrpSpPr/>
-            <p:nvPr/>
-          </p:nvGrpSpPr>
-          <p:grpSpPr>
-            <a:xfrm>
-              <a:off x="4122305" y="3387335"/>
-              <a:ext cx="313497" cy="313497"/>
-              <a:chOff x="0" y="0"/>
-              <a:chExt cx="812800" cy="812800"/>
-            </a:xfrm>
-          </p:grpSpPr>
-          <p:sp>
-            <p:nvSpPr>
-              <p:cNvPr id="265" name="Freeform 3">
-                <a:extLst>
-                  <a:ext uri="{FF2B5EF4-FFF2-40B4-BE49-F238E27FC236}">
-                    <a16:creationId xmlns:a16="http://schemas.microsoft.com/office/drawing/2014/main" id="{B9C9A447-0744-AE11-40C5-4FEB794AE09F}"/>
-                  </a:ext>
-                </a:extLst>
-              </p:cNvPr>
-              <p:cNvSpPr/>
-              <p:nvPr/>
-            </p:nvSpPr>
-            <p:spPr>
-              <a:xfrm>
-                <a:off x="0" y="0"/>
-                <a:ext cx="812800" cy="812800"/>
-              </a:xfrm>
-              <a:custGeom>
-                <a:avLst/>
-                <a:gdLst/>
-                <a:ahLst/>
-                <a:cxnLst/>
-                <a:rect l="l" t="t" r="r" b="b"/>
-                <a:pathLst>
-                  <a:path w="812800" h="812800">
-                    <a:moveTo>
-                      <a:pt x="406400" y="0"/>
-                    </a:moveTo>
-                    <a:cubicBezTo>
-                      <a:pt x="181951" y="0"/>
-                      <a:pt x="0" y="181951"/>
-                      <a:pt x="0" y="406400"/>
-                    </a:cubicBezTo>
-                    <a:cubicBezTo>
-                      <a:pt x="0" y="630849"/>
-                      <a:pt x="181951" y="812800"/>
-                      <a:pt x="406400" y="812800"/>
-                    </a:cubicBezTo>
-                    <a:cubicBezTo>
-                      <a:pt x="630849" y="812800"/>
-                      <a:pt x="812800" y="630849"/>
-                      <a:pt x="812800" y="406400"/>
-                    </a:cubicBezTo>
-                    <a:cubicBezTo>
-                      <a:pt x="812800" y="181951"/>
-                      <a:pt x="630849" y="0"/>
-                      <a:pt x="406400" y="0"/>
-                    </a:cubicBezTo>
-                    <a:close/>
-                  </a:path>
-                </a:pathLst>
-              </a:custGeom>
-              <a:solidFill>
-                <a:srgbClr val="5271FF"/>
-              </a:solidFill>
-            </p:spPr>
-            <p:txBody>
-              <a:bodyPr/>
-              <a:lstStyle/>
-              <a:p>
-                <a:endParaRPr lang="zh-TW" altLang="en-US"/>
-              </a:p>
-            </p:txBody>
-          </p:sp>
-          <p:sp>
-            <p:nvSpPr>
-              <p:cNvPr id="266" name="TextBox 4">
-                <a:extLst>
-                  <a:ext uri="{FF2B5EF4-FFF2-40B4-BE49-F238E27FC236}">
-                    <a16:creationId xmlns:a16="http://schemas.microsoft.com/office/drawing/2014/main" id="{BFD2BA6F-F66D-394C-1360-293F3DB0A63B}"/>
-                  </a:ext>
-                </a:extLst>
-              </p:cNvPr>
-              <p:cNvSpPr txBox="1"/>
-              <p:nvPr/>
-            </p:nvSpPr>
-            <p:spPr>
-              <a:xfrm>
-                <a:off x="76200" y="57150"/>
-                <a:ext cx="660400" cy="679450"/>
-              </a:xfrm>
-              <a:prstGeom prst="rect">
-                <a:avLst/>
-              </a:prstGeom>
-            </p:spPr>
-            <p:txBody>
-              <a:bodyPr lIns="15951" tIns="15951" rIns="15951" bIns="15951" rtlCol="0" anchor="ctr"/>
-              <a:lstStyle/>
-              <a:p>
-                <a:pPr algn="ctr">
-                  <a:spcBef>
-                    <a:spcPct val="0"/>
-                  </a:spcBef>
-                </a:pPr>
-                <a:endParaRPr sz="512">
-                  <a:latin typeface="Times New Roman" panose="02020603050405020304" pitchFamily="18" charset="0"/>
-                  <a:cs typeface="Times New Roman" panose="02020603050405020304" pitchFamily="18" charset="0"/>
-                </a:endParaRPr>
-              </a:p>
-            </p:txBody>
-          </p:sp>
-        </p:grpSp>
-        <p:grpSp>
-          <p:nvGrpSpPr>
-            <p:cNvPr id="261" name="Group 17">
-              <a:extLst>
-                <a:ext uri="{FF2B5EF4-FFF2-40B4-BE49-F238E27FC236}">
-                  <a16:creationId xmlns:a16="http://schemas.microsoft.com/office/drawing/2014/main" id="{0F27C6D5-ECD7-8D57-05AE-5B547A8F2DB7}"/>
-                </a:ext>
-              </a:extLst>
-            </p:cNvPr>
-            <p:cNvGrpSpPr/>
-            <p:nvPr/>
-          </p:nvGrpSpPr>
-          <p:grpSpPr>
-            <a:xfrm>
-              <a:off x="4269827" y="3307991"/>
-              <a:ext cx="206198" cy="466930"/>
-              <a:chOff x="0" y="0"/>
-              <a:chExt cx="733150" cy="1660196"/>
-            </a:xfrm>
-          </p:grpSpPr>
-          <p:sp>
-            <p:nvSpPr>
-              <p:cNvPr id="263" name="Freeform 18">
-                <a:extLst>
-                  <a:ext uri="{FF2B5EF4-FFF2-40B4-BE49-F238E27FC236}">
-                    <a16:creationId xmlns:a16="http://schemas.microsoft.com/office/drawing/2014/main" id="{D57663F5-70DD-9BA5-A8A7-50EA1C38775E}"/>
-                  </a:ext>
-                </a:extLst>
-              </p:cNvPr>
-              <p:cNvSpPr/>
-              <p:nvPr/>
-            </p:nvSpPr>
-            <p:spPr>
-              <a:xfrm rot="-10800000">
-                <a:off x="0" y="830098"/>
-                <a:ext cx="733150" cy="830098"/>
-              </a:xfrm>
-              <a:custGeom>
-                <a:avLst/>
-                <a:gdLst/>
-                <a:ahLst/>
-                <a:cxnLst/>
-                <a:rect l="l" t="t" r="r" b="b"/>
-                <a:pathLst>
-                  <a:path w="733150" h="830098">
-                    <a:moveTo>
-                      <a:pt x="0" y="0"/>
-                    </a:moveTo>
-                    <a:lnTo>
-                      <a:pt x="733150" y="0"/>
-                    </a:lnTo>
-                    <a:lnTo>
-                      <a:pt x="733150" y="830098"/>
-                    </a:lnTo>
-                    <a:lnTo>
-                      <a:pt x="0" y="830098"/>
-                    </a:lnTo>
-                    <a:lnTo>
-                      <a:pt x="0" y="0"/>
-                    </a:lnTo>
-                    <a:close/>
-                  </a:path>
-                </a:pathLst>
-              </a:custGeom>
-              <a:blipFill>
-                <a:blip r:embed="rId3">
-                  <a:extLst>
-                    <a:ext uri="{96DAC541-7B7A-43D3-8B79-37D633B846F1}">
-                      <asvg:svgBlip xmlns:asvg="http://schemas.microsoft.com/office/drawing/2016/SVG/main" r:embed="rId4"/>
-                    </a:ext>
-                  </a:extLst>
-                </a:blip>
-                <a:stretch>
-                  <a:fillRect r="-178783" b="-36791"/>
-                </a:stretch>
-              </a:blipFill>
-            </p:spPr>
-            <p:txBody>
-              <a:bodyPr/>
-              <a:lstStyle/>
-              <a:p>
-                <a:endParaRPr lang="zh-TW" altLang="en-US"/>
-              </a:p>
-            </p:txBody>
-          </p:sp>
-          <p:sp>
-            <p:nvSpPr>
-              <p:cNvPr id="264" name="Freeform 19">
-                <a:extLst>
-                  <a:ext uri="{FF2B5EF4-FFF2-40B4-BE49-F238E27FC236}">
-                    <a16:creationId xmlns:a16="http://schemas.microsoft.com/office/drawing/2014/main" id="{A216F07F-EDF9-FC4B-4093-EF92CB2C0B22}"/>
-                  </a:ext>
-                </a:extLst>
-              </p:cNvPr>
-              <p:cNvSpPr/>
-              <p:nvPr/>
-            </p:nvSpPr>
-            <p:spPr>
-              <a:xfrm rot="-10800000" flipV="1">
-                <a:off x="0" y="0"/>
-                <a:ext cx="733150" cy="830098"/>
-              </a:xfrm>
-              <a:custGeom>
-                <a:avLst/>
-                <a:gdLst/>
-                <a:ahLst/>
-                <a:cxnLst/>
-                <a:rect l="l" t="t" r="r" b="b"/>
-                <a:pathLst>
-                  <a:path w="733150" h="830098">
-                    <a:moveTo>
-                      <a:pt x="0" y="830098"/>
-                    </a:moveTo>
-                    <a:lnTo>
-                      <a:pt x="733150" y="830098"/>
-                    </a:lnTo>
-                    <a:lnTo>
-                      <a:pt x="733150" y="0"/>
-                    </a:lnTo>
-                    <a:lnTo>
-                      <a:pt x="0" y="0"/>
-                    </a:lnTo>
-                    <a:lnTo>
-                      <a:pt x="0" y="830098"/>
-                    </a:lnTo>
-                    <a:close/>
-                  </a:path>
-                </a:pathLst>
-              </a:custGeom>
-              <a:blipFill>
-                <a:blip r:embed="rId3">
-                  <a:extLst>
-                    <a:ext uri="{96DAC541-7B7A-43D3-8B79-37D633B846F1}">
-                      <asvg:svgBlip xmlns:asvg="http://schemas.microsoft.com/office/drawing/2016/SVG/main" r:embed="rId4"/>
-                    </a:ext>
-                  </a:extLst>
-                </a:blip>
-                <a:stretch>
-                  <a:fillRect r="-178783" b="-36791"/>
-                </a:stretch>
-              </a:blipFill>
-            </p:spPr>
-            <p:txBody>
-              <a:bodyPr/>
-              <a:lstStyle/>
-              <a:p>
-                <a:endParaRPr lang="zh-TW" altLang="en-US"/>
-              </a:p>
-            </p:txBody>
-          </p:sp>
-        </p:grpSp>
-        <p:sp>
-          <p:nvSpPr>
-            <p:cNvPr id="262" name="Freeform 35">
-              <a:extLst>
-                <a:ext uri="{FF2B5EF4-FFF2-40B4-BE49-F238E27FC236}">
-                  <a16:creationId xmlns:a16="http://schemas.microsoft.com/office/drawing/2014/main" id="{A956DEE0-E55D-DDCD-F5A2-870758995E94}"/>
-                </a:ext>
-              </a:extLst>
-            </p:cNvPr>
-            <p:cNvSpPr>
-              <a:spLocks noChangeAspect="1"/>
-            </p:cNvSpPr>
-            <p:nvPr/>
-          </p:nvSpPr>
-          <p:spPr>
-            <a:xfrm>
-              <a:off x="4149030" y="3423405"/>
-              <a:ext cx="260047" cy="235968"/>
-            </a:xfrm>
-            <a:custGeom>
-              <a:avLst/>
-              <a:gdLst/>
-              <a:ahLst/>
-              <a:cxnLst/>
-              <a:rect l="l" t="t" r="r" b="b"/>
-              <a:pathLst>
-                <a:path w="693458" h="629249">
-                  <a:moveTo>
-                    <a:pt x="0" y="0"/>
-                  </a:moveTo>
-                  <a:lnTo>
-                    <a:pt x="693458" y="0"/>
-                  </a:lnTo>
-                  <a:lnTo>
-                    <a:pt x="693458" y="629250"/>
-                  </a:lnTo>
-                  <a:lnTo>
-                    <a:pt x="0" y="629250"/>
-                  </a:lnTo>
-                  <a:lnTo>
-                    <a:pt x="0" y="0"/>
-                  </a:lnTo>
-                  <a:close/>
-                </a:path>
-              </a:pathLst>
-            </a:custGeom>
-            <a:blipFill>
-              <a:blip r:embed="rId5"/>
-              <a:stretch>
-                <a:fillRect/>
-              </a:stretch>
-            </a:blipFill>
-          </p:spPr>
-          <p:txBody>
-            <a:bodyPr/>
-            <a:lstStyle/>
-            <a:p>
-              <a:endParaRPr lang="zh-TW" altLang="en-US" sz="1823" dirty="0"/>
-            </a:p>
-          </p:txBody>
-        </p:sp>
-      </p:grpSp>
-      <p:grpSp>
-        <p:nvGrpSpPr>
-          <p:cNvPr id="267" name="群組 266">
-            <a:extLst>
-              <a:ext uri="{FF2B5EF4-FFF2-40B4-BE49-F238E27FC236}">
-                <a16:creationId xmlns:a16="http://schemas.microsoft.com/office/drawing/2014/main" id="{048EE274-3392-DBF0-AB81-A2929264C751}"/>
-              </a:ext>
-            </a:extLst>
-          </p:cNvPr>
-          <p:cNvGrpSpPr>
-            <a:grpSpLocks noChangeAspect="1"/>
-          </p:cNvGrpSpPr>
-          <p:nvPr/>
-        </p:nvGrpSpPr>
-        <p:grpSpPr>
-          <a:xfrm>
-            <a:off x="11906615" y="14861700"/>
-            <a:ext cx="1591551" cy="2121452"/>
-            <a:chOff x="3153822" y="3782452"/>
-            <a:chExt cx="350299" cy="466930"/>
-          </a:xfrm>
-        </p:grpSpPr>
-        <p:grpSp>
-          <p:nvGrpSpPr>
-            <p:cNvPr id="268" name="Group 5">
-              <a:extLst>
-                <a:ext uri="{FF2B5EF4-FFF2-40B4-BE49-F238E27FC236}">
-                  <a16:creationId xmlns:a16="http://schemas.microsoft.com/office/drawing/2014/main" id="{1344D674-6145-67FF-9C3B-BC1157AFFFC6}"/>
-                </a:ext>
-              </a:extLst>
-            </p:cNvPr>
-            <p:cNvGrpSpPr/>
-            <p:nvPr/>
-          </p:nvGrpSpPr>
-          <p:grpSpPr>
-            <a:xfrm>
-              <a:off x="3190624" y="3857175"/>
-              <a:ext cx="313497" cy="313497"/>
-              <a:chOff x="0" y="0"/>
-              <a:chExt cx="812800" cy="812800"/>
-            </a:xfrm>
-          </p:grpSpPr>
-          <p:sp>
-            <p:nvSpPr>
-              <p:cNvPr id="273" name="Freeform 6">
-                <a:extLst>
-                  <a:ext uri="{FF2B5EF4-FFF2-40B4-BE49-F238E27FC236}">
-                    <a16:creationId xmlns:a16="http://schemas.microsoft.com/office/drawing/2014/main" id="{B6256174-750E-6E56-FBAB-9014A4574B34}"/>
-                  </a:ext>
-                </a:extLst>
-              </p:cNvPr>
-              <p:cNvSpPr/>
-              <p:nvPr/>
-            </p:nvSpPr>
-            <p:spPr>
-              <a:xfrm>
-                <a:off x="0" y="0"/>
-                <a:ext cx="812800" cy="812800"/>
-              </a:xfrm>
-              <a:custGeom>
-                <a:avLst/>
-                <a:gdLst/>
-                <a:ahLst/>
-                <a:cxnLst/>
-                <a:rect l="l" t="t" r="r" b="b"/>
-                <a:pathLst>
-                  <a:path w="812800" h="812800">
-                    <a:moveTo>
-                      <a:pt x="406400" y="0"/>
-                    </a:moveTo>
-                    <a:cubicBezTo>
-                      <a:pt x="181951" y="0"/>
-                      <a:pt x="0" y="181951"/>
-                      <a:pt x="0" y="406400"/>
-                    </a:cubicBezTo>
-                    <a:cubicBezTo>
-                      <a:pt x="0" y="630849"/>
-                      <a:pt x="181951" y="812800"/>
-                      <a:pt x="406400" y="812800"/>
-                    </a:cubicBezTo>
-                    <a:cubicBezTo>
-                      <a:pt x="630849" y="812800"/>
-                      <a:pt x="812800" y="630849"/>
-                      <a:pt x="812800" y="406400"/>
-                    </a:cubicBezTo>
-                    <a:cubicBezTo>
-                      <a:pt x="812800" y="181951"/>
-                      <a:pt x="630849" y="0"/>
-                      <a:pt x="406400" y="0"/>
-                    </a:cubicBezTo>
-                    <a:close/>
-                  </a:path>
-                </a:pathLst>
-              </a:custGeom>
-              <a:solidFill>
-                <a:srgbClr val="5271FF"/>
-              </a:solidFill>
-            </p:spPr>
-            <p:txBody>
-              <a:bodyPr/>
-              <a:lstStyle/>
-              <a:p>
-                <a:endParaRPr lang="zh-TW" altLang="en-US"/>
-              </a:p>
-            </p:txBody>
-          </p:sp>
-          <p:sp>
-            <p:nvSpPr>
-              <p:cNvPr id="274" name="TextBox 7">
-                <a:extLst>
-                  <a:ext uri="{FF2B5EF4-FFF2-40B4-BE49-F238E27FC236}">
-                    <a16:creationId xmlns:a16="http://schemas.microsoft.com/office/drawing/2014/main" id="{006168B2-3FC0-A93A-D2E8-4F9EB6C197E7}"/>
-                  </a:ext>
-                </a:extLst>
-              </p:cNvPr>
-              <p:cNvSpPr txBox="1"/>
-              <p:nvPr/>
-            </p:nvSpPr>
-            <p:spPr>
-              <a:xfrm>
-                <a:off x="76200" y="57150"/>
-                <a:ext cx="660400" cy="679450"/>
-              </a:xfrm>
-              <a:prstGeom prst="rect">
-                <a:avLst/>
-              </a:prstGeom>
-            </p:spPr>
-            <p:txBody>
-              <a:bodyPr lIns="15951" tIns="15951" rIns="15951" bIns="15951" rtlCol="0" anchor="ctr"/>
-              <a:lstStyle/>
-              <a:p>
-                <a:pPr algn="ctr">
-                  <a:spcBef>
-                    <a:spcPct val="0"/>
-                  </a:spcBef>
-                </a:pPr>
-                <a:endParaRPr sz="512">
-                  <a:latin typeface="Times New Roman" panose="02020603050405020304" pitchFamily="18" charset="0"/>
-                  <a:cs typeface="Times New Roman" panose="02020603050405020304" pitchFamily="18" charset="0"/>
-                </a:endParaRPr>
-              </a:p>
-            </p:txBody>
-          </p:sp>
-        </p:grpSp>
-        <p:grpSp>
-          <p:nvGrpSpPr>
-            <p:cNvPr id="269" name="Group 20">
-              <a:extLst>
-                <a:ext uri="{FF2B5EF4-FFF2-40B4-BE49-F238E27FC236}">
-                  <a16:creationId xmlns:a16="http://schemas.microsoft.com/office/drawing/2014/main" id="{4AB5ACB9-D942-AC2E-51F0-2C7A4AD85871}"/>
-                </a:ext>
-              </a:extLst>
-            </p:cNvPr>
-            <p:cNvGrpSpPr/>
-            <p:nvPr/>
-          </p:nvGrpSpPr>
-          <p:grpSpPr>
-            <a:xfrm rot="-10800000">
-              <a:off x="3153822" y="3782452"/>
-              <a:ext cx="206198" cy="466930"/>
-              <a:chOff x="0" y="0"/>
-              <a:chExt cx="733150" cy="1660196"/>
-            </a:xfrm>
-          </p:grpSpPr>
-          <p:sp>
-            <p:nvSpPr>
-              <p:cNvPr id="271" name="Freeform 21">
-                <a:extLst>
-                  <a:ext uri="{FF2B5EF4-FFF2-40B4-BE49-F238E27FC236}">
-                    <a16:creationId xmlns:a16="http://schemas.microsoft.com/office/drawing/2014/main" id="{32F0E507-3C4E-998D-B221-EA9B9CC7025B}"/>
-                  </a:ext>
-                </a:extLst>
-              </p:cNvPr>
-              <p:cNvSpPr/>
-              <p:nvPr/>
-            </p:nvSpPr>
-            <p:spPr>
-              <a:xfrm rot="-10800000">
-                <a:off x="0" y="830098"/>
-                <a:ext cx="733150" cy="830098"/>
-              </a:xfrm>
-              <a:custGeom>
-                <a:avLst/>
-                <a:gdLst/>
-                <a:ahLst/>
-                <a:cxnLst/>
-                <a:rect l="l" t="t" r="r" b="b"/>
-                <a:pathLst>
-                  <a:path w="733150" h="830098">
-                    <a:moveTo>
-                      <a:pt x="0" y="0"/>
-                    </a:moveTo>
-                    <a:lnTo>
-                      <a:pt x="733150" y="0"/>
-                    </a:lnTo>
-                    <a:lnTo>
-                      <a:pt x="733150" y="830098"/>
-                    </a:lnTo>
-                    <a:lnTo>
-                      <a:pt x="0" y="830098"/>
-                    </a:lnTo>
-                    <a:lnTo>
-                      <a:pt x="0" y="0"/>
-                    </a:lnTo>
-                    <a:close/>
-                  </a:path>
-                </a:pathLst>
-              </a:custGeom>
-              <a:blipFill>
-                <a:blip r:embed="rId3">
-                  <a:extLst>
-                    <a:ext uri="{96DAC541-7B7A-43D3-8B79-37D633B846F1}">
-                      <asvg:svgBlip xmlns:asvg="http://schemas.microsoft.com/office/drawing/2016/SVG/main" r:embed="rId4"/>
-                    </a:ext>
-                  </a:extLst>
-                </a:blip>
-                <a:stretch>
-                  <a:fillRect r="-178783" b="-36791"/>
-                </a:stretch>
-              </a:blipFill>
-            </p:spPr>
-            <p:txBody>
-              <a:bodyPr/>
-              <a:lstStyle/>
-              <a:p>
-                <a:endParaRPr lang="zh-TW" altLang="en-US"/>
-              </a:p>
-            </p:txBody>
-          </p:sp>
-          <p:sp>
-            <p:nvSpPr>
-              <p:cNvPr id="272" name="Freeform 22">
-                <a:extLst>
-                  <a:ext uri="{FF2B5EF4-FFF2-40B4-BE49-F238E27FC236}">
-                    <a16:creationId xmlns:a16="http://schemas.microsoft.com/office/drawing/2014/main" id="{12E4768A-FF0F-9B85-2D74-1AC5A261D063}"/>
-                  </a:ext>
-                </a:extLst>
-              </p:cNvPr>
-              <p:cNvSpPr/>
-              <p:nvPr/>
-            </p:nvSpPr>
-            <p:spPr>
-              <a:xfrm rot="-10800000" flipV="1">
-                <a:off x="0" y="0"/>
-                <a:ext cx="733150" cy="830098"/>
-              </a:xfrm>
-              <a:custGeom>
-                <a:avLst/>
-                <a:gdLst/>
-                <a:ahLst/>
-                <a:cxnLst/>
-                <a:rect l="l" t="t" r="r" b="b"/>
-                <a:pathLst>
-                  <a:path w="733150" h="830098">
-                    <a:moveTo>
-                      <a:pt x="0" y="830098"/>
-                    </a:moveTo>
-                    <a:lnTo>
-                      <a:pt x="733150" y="830098"/>
-                    </a:lnTo>
-                    <a:lnTo>
-                      <a:pt x="733150" y="0"/>
-                    </a:lnTo>
-                    <a:lnTo>
-                      <a:pt x="0" y="0"/>
-                    </a:lnTo>
-                    <a:lnTo>
-                      <a:pt x="0" y="830098"/>
-                    </a:lnTo>
-                    <a:close/>
-                  </a:path>
-                </a:pathLst>
-              </a:custGeom>
-              <a:blipFill>
-                <a:blip r:embed="rId3">
-                  <a:extLst>
-                    <a:ext uri="{96DAC541-7B7A-43D3-8B79-37D633B846F1}">
-                      <asvg:svgBlip xmlns:asvg="http://schemas.microsoft.com/office/drawing/2016/SVG/main" r:embed="rId4"/>
-                    </a:ext>
-                  </a:extLst>
-                </a:blip>
-                <a:stretch>
-                  <a:fillRect r="-178783" b="-36791"/>
-                </a:stretch>
-              </a:blipFill>
-            </p:spPr>
-            <p:txBody>
-              <a:bodyPr/>
-              <a:lstStyle/>
-              <a:p>
-                <a:endParaRPr lang="zh-TW" altLang="en-US"/>
-              </a:p>
-            </p:txBody>
-          </p:sp>
-        </p:grpSp>
-        <p:sp>
-          <p:nvSpPr>
-            <p:cNvPr id="270" name="Freeform 36">
-              <a:extLst>
-                <a:ext uri="{FF2B5EF4-FFF2-40B4-BE49-F238E27FC236}">
-                  <a16:creationId xmlns:a16="http://schemas.microsoft.com/office/drawing/2014/main" id="{B7DC12FE-FBF9-E57B-A861-50B9972B2F8B}"/>
-                </a:ext>
-              </a:extLst>
-            </p:cNvPr>
-            <p:cNvSpPr/>
-            <p:nvPr/>
-          </p:nvSpPr>
-          <p:spPr>
-            <a:xfrm>
-              <a:off x="3206705" y="3928487"/>
-              <a:ext cx="262882" cy="164301"/>
-            </a:xfrm>
-            <a:custGeom>
-              <a:avLst/>
-              <a:gdLst/>
-              <a:ahLst/>
-              <a:cxnLst/>
-              <a:rect l="l" t="t" r="r" b="b"/>
-              <a:pathLst>
-                <a:path w="701019" h="438137">
-                  <a:moveTo>
-                    <a:pt x="0" y="0"/>
-                  </a:moveTo>
-                  <a:lnTo>
-                    <a:pt x="701019" y="0"/>
-                  </a:lnTo>
-                  <a:lnTo>
-                    <a:pt x="701019" y="438137"/>
-                  </a:lnTo>
-                  <a:lnTo>
-                    <a:pt x="0" y="438137"/>
-                  </a:lnTo>
-                  <a:lnTo>
-                    <a:pt x="0" y="0"/>
-                  </a:lnTo>
-                  <a:close/>
-                </a:path>
-              </a:pathLst>
-            </a:custGeom>
-            <a:blipFill>
-              <a:blip r:embed="rId6"/>
-              <a:stretch>
-                <a:fillRect/>
-              </a:stretch>
-            </a:blipFill>
-          </p:spPr>
-          <p:txBody>
-            <a:bodyPr/>
-            <a:lstStyle/>
-            <a:p>
-              <a:endParaRPr lang="zh-TW" altLang="en-US"/>
-            </a:p>
-          </p:txBody>
-        </p:sp>
-      </p:grpSp>
-      <p:grpSp>
-        <p:nvGrpSpPr>
-          <p:cNvPr id="275" name="群組 274">
-            <a:extLst>
-              <a:ext uri="{FF2B5EF4-FFF2-40B4-BE49-F238E27FC236}">
-                <a16:creationId xmlns:a16="http://schemas.microsoft.com/office/drawing/2014/main" id="{F3D5C484-75B1-247B-63F0-4EEF561AD389}"/>
-              </a:ext>
-            </a:extLst>
-          </p:cNvPr>
-          <p:cNvGrpSpPr>
-            <a:grpSpLocks noChangeAspect="1"/>
-          </p:cNvGrpSpPr>
-          <p:nvPr/>
-        </p:nvGrpSpPr>
-        <p:grpSpPr>
-          <a:xfrm>
-            <a:off x="14168304" y="12839193"/>
-            <a:ext cx="1557403" cy="2121452"/>
-            <a:chOff x="3177701" y="6131639"/>
-            <a:chExt cx="342783" cy="466930"/>
-          </a:xfrm>
-        </p:grpSpPr>
-        <p:grpSp>
-          <p:nvGrpSpPr>
-            <p:cNvPr id="276" name="Group 8">
-              <a:extLst>
-                <a:ext uri="{FF2B5EF4-FFF2-40B4-BE49-F238E27FC236}">
-                  <a16:creationId xmlns:a16="http://schemas.microsoft.com/office/drawing/2014/main" id="{2DC4CFBA-2022-598A-ABC5-55FCBCAC4E45}"/>
-                </a:ext>
-              </a:extLst>
-            </p:cNvPr>
-            <p:cNvGrpSpPr/>
-            <p:nvPr/>
-          </p:nvGrpSpPr>
-          <p:grpSpPr>
-            <a:xfrm>
-              <a:off x="3177701" y="6207212"/>
-              <a:ext cx="313497" cy="313497"/>
-              <a:chOff x="0" y="0"/>
-              <a:chExt cx="812800" cy="812800"/>
-            </a:xfrm>
-          </p:grpSpPr>
-          <p:sp>
-            <p:nvSpPr>
-              <p:cNvPr id="281" name="Freeform 9">
-                <a:extLst>
-                  <a:ext uri="{FF2B5EF4-FFF2-40B4-BE49-F238E27FC236}">
-                    <a16:creationId xmlns:a16="http://schemas.microsoft.com/office/drawing/2014/main" id="{B7C82403-C3F7-6971-6E51-4863D5E35E7F}"/>
-                  </a:ext>
-                </a:extLst>
-              </p:cNvPr>
-              <p:cNvSpPr/>
-              <p:nvPr/>
-            </p:nvSpPr>
-            <p:spPr>
-              <a:xfrm>
-                <a:off x="0" y="0"/>
-                <a:ext cx="812800" cy="812800"/>
-              </a:xfrm>
-              <a:custGeom>
-                <a:avLst/>
-                <a:gdLst/>
-                <a:ahLst/>
-                <a:cxnLst/>
-                <a:rect l="l" t="t" r="r" b="b"/>
-                <a:pathLst>
-                  <a:path w="812800" h="812800">
-                    <a:moveTo>
-                      <a:pt x="406400" y="0"/>
-                    </a:moveTo>
-                    <a:cubicBezTo>
-                      <a:pt x="181951" y="0"/>
-                      <a:pt x="0" y="181951"/>
-                      <a:pt x="0" y="406400"/>
-                    </a:cubicBezTo>
-                    <a:cubicBezTo>
-                      <a:pt x="0" y="630849"/>
-                      <a:pt x="181951" y="812800"/>
-                      <a:pt x="406400" y="812800"/>
-                    </a:cubicBezTo>
-                    <a:cubicBezTo>
-                      <a:pt x="630849" y="812800"/>
-                      <a:pt x="812800" y="630849"/>
-                      <a:pt x="812800" y="406400"/>
-                    </a:cubicBezTo>
-                    <a:cubicBezTo>
-                      <a:pt x="812800" y="181951"/>
-                      <a:pt x="630849" y="0"/>
-                      <a:pt x="406400" y="0"/>
-                    </a:cubicBezTo>
-                    <a:close/>
-                  </a:path>
-                </a:pathLst>
-              </a:custGeom>
-              <a:solidFill>
-                <a:srgbClr val="5271FF"/>
-              </a:solidFill>
-            </p:spPr>
-            <p:txBody>
-              <a:bodyPr/>
-              <a:lstStyle/>
-              <a:p>
-                <a:endParaRPr lang="zh-TW" altLang="en-US"/>
-              </a:p>
-            </p:txBody>
-          </p:sp>
-          <p:sp>
-            <p:nvSpPr>
-              <p:cNvPr id="282" name="TextBox 10">
-                <a:extLst>
-                  <a:ext uri="{FF2B5EF4-FFF2-40B4-BE49-F238E27FC236}">
-                    <a16:creationId xmlns:a16="http://schemas.microsoft.com/office/drawing/2014/main" id="{356BB91F-7310-A37B-70FF-E97C412825A5}"/>
-                  </a:ext>
-                </a:extLst>
-              </p:cNvPr>
-              <p:cNvSpPr txBox="1"/>
-              <p:nvPr/>
-            </p:nvSpPr>
-            <p:spPr>
-              <a:xfrm>
-                <a:off x="76200" y="57150"/>
-                <a:ext cx="660400" cy="679450"/>
-              </a:xfrm>
-              <a:prstGeom prst="rect">
-                <a:avLst/>
-              </a:prstGeom>
-            </p:spPr>
-            <p:txBody>
-              <a:bodyPr lIns="15951" tIns="15951" rIns="15951" bIns="15951" rtlCol="0" anchor="ctr"/>
-              <a:lstStyle/>
-              <a:p>
-                <a:pPr algn="ctr">
-                  <a:spcBef>
-                    <a:spcPct val="0"/>
-                  </a:spcBef>
-                </a:pPr>
-                <a:endParaRPr sz="512">
-                  <a:latin typeface="Times New Roman" panose="02020603050405020304" pitchFamily="18" charset="0"/>
-                  <a:cs typeface="Times New Roman" panose="02020603050405020304" pitchFamily="18" charset="0"/>
-                </a:endParaRPr>
-              </a:p>
-            </p:txBody>
-          </p:sp>
-        </p:grpSp>
-        <p:grpSp>
-          <p:nvGrpSpPr>
-            <p:cNvPr id="277" name="Group 23">
-              <a:extLst>
-                <a:ext uri="{FF2B5EF4-FFF2-40B4-BE49-F238E27FC236}">
-                  <a16:creationId xmlns:a16="http://schemas.microsoft.com/office/drawing/2014/main" id="{699F1B3D-9F81-88F5-99B1-9E2921DE20BF}"/>
-                </a:ext>
-              </a:extLst>
-            </p:cNvPr>
-            <p:cNvGrpSpPr/>
-            <p:nvPr/>
-          </p:nvGrpSpPr>
-          <p:grpSpPr>
-            <a:xfrm>
-              <a:off x="3314286" y="6131639"/>
-              <a:ext cx="206198" cy="466930"/>
-              <a:chOff x="0" y="0"/>
-              <a:chExt cx="733150" cy="1660196"/>
-            </a:xfrm>
-          </p:grpSpPr>
-          <p:sp>
-            <p:nvSpPr>
-              <p:cNvPr id="279" name="Freeform 24">
-                <a:extLst>
-                  <a:ext uri="{FF2B5EF4-FFF2-40B4-BE49-F238E27FC236}">
-                    <a16:creationId xmlns:a16="http://schemas.microsoft.com/office/drawing/2014/main" id="{C12E653F-CA16-4718-192D-0010FE087C4E}"/>
-                  </a:ext>
-                </a:extLst>
-              </p:cNvPr>
-              <p:cNvSpPr/>
-              <p:nvPr/>
-            </p:nvSpPr>
-            <p:spPr>
-              <a:xfrm rot="-10800000">
-                <a:off x="0" y="830098"/>
-                <a:ext cx="733150" cy="830098"/>
-              </a:xfrm>
-              <a:custGeom>
-                <a:avLst/>
-                <a:gdLst/>
-                <a:ahLst/>
-                <a:cxnLst/>
-                <a:rect l="l" t="t" r="r" b="b"/>
-                <a:pathLst>
-                  <a:path w="733150" h="830098">
-                    <a:moveTo>
-                      <a:pt x="0" y="0"/>
-                    </a:moveTo>
-                    <a:lnTo>
-                      <a:pt x="733150" y="0"/>
-                    </a:lnTo>
-                    <a:lnTo>
-                      <a:pt x="733150" y="830098"/>
-                    </a:lnTo>
-                    <a:lnTo>
-                      <a:pt x="0" y="830098"/>
-                    </a:lnTo>
-                    <a:lnTo>
-                      <a:pt x="0" y="0"/>
-                    </a:lnTo>
-                    <a:close/>
-                  </a:path>
-                </a:pathLst>
-              </a:custGeom>
-              <a:blipFill>
-                <a:blip r:embed="rId3">
-                  <a:extLst>
-                    <a:ext uri="{96DAC541-7B7A-43D3-8B79-37D633B846F1}">
-                      <asvg:svgBlip xmlns:asvg="http://schemas.microsoft.com/office/drawing/2016/SVG/main" r:embed="rId4"/>
-                    </a:ext>
-                  </a:extLst>
-                </a:blip>
-                <a:stretch>
-                  <a:fillRect r="-178783" b="-36791"/>
-                </a:stretch>
-              </a:blipFill>
-            </p:spPr>
-            <p:txBody>
-              <a:bodyPr/>
-              <a:lstStyle/>
-              <a:p>
-                <a:endParaRPr lang="zh-TW" altLang="en-US"/>
-              </a:p>
-            </p:txBody>
-          </p:sp>
-          <p:sp>
-            <p:nvSpPr>
-              <p:cNvPr id="280" name="Freeform 25">
-                <a:extLst>
-                  <a:ext uri="{FF2B5EF4-FFF2-40B4-BE49-F238E27FC236}">
-                    <a16:creationId xmlns:a16="http://schemas.microsoft.com/office/drawing/2014/main" id="{020254B8-5613-BF62-3DEE-16FDF3D5143D}"/>
-                  </a:ext>
-                </a:extLst>
-              </p:cNvPr>
-              <p:cNvSpPr/>
-              <p:nvPr/>
-            </p:nvSpPr>
-            <p:spPr>
-              <a:xfrm rot="-10800000" flipV="1">
-                <a:off x="0" y="0"/>
-                <a:ext cx="733150" cy="830098"/>
-              </a:xfrm>
-              <a:custGeom>
-                <a:avLst/>
-                <a:gdLst/>
-                <a:ahLst/>
-                <a:cxnLst/>
-                <a:rect l="l" t="t" r="r" b="b"/>
-                <a:pathLst>
-                  <a:path w="733150" h="830098">
-                    <a:moveTo>
-                      <a:pt x="0" y="830098"/>
-                    </a:moveTo>
-                    <a:lnTo>
-                      <a:pt x="733150" y="830098"/>
-                    </a:lnTo>
-                    <a:lnTo>
-                      <a:pt x="733150" y="0"/>
-                    </a:lnTo>
-                    <a:lnTo>
-                      <a:pt x="0" y="0"/>
-                    </a:lnTo>
-                    <a:lnTo>
-                      <a:pt x="0" y="830098"/>
-                    </a:lnTo>
-                    <a:close/>
-                  </a:path>
-                </a:pathLst>
-              </a:custGeom>
-              <a:blipFill>
-                <a:blip r:embed="rId3">
-                  <a:extLst>
-                    <a:ext uri="{96DAC541-7B7A-43D3-8B79-37D633B846F1}">
-                      <asvg:svgBlip xmlns:asvg="http://schemas.microsoft.com/office/drawing/2016/SVG/main" r:embed="rId4"/>
-                    </a:ext>
-                  </a:extLst>
-                </a:blip>
-                <a:stretch>
-                  <a:fillRect r="-178783" b="-36791"/>
-                </a:stretch>
-              </a:blipFill>
-            </p:spPr>
-            <p:txBody>
-              <a:bodyPr/>
-              <a:lstStyle/>
-              <a:p>
-                <a:endParaRPr lang="zh-TW" altLang="en-US"/>
-              </a:p>
-            </p:txBody>
-          </p:sp>
-        </p:grpSp>
-        <p:sp>
-          <p:nvSpPr>
-            <p:cNvPr id="278" name="Freeform 37">
-              <a:extLst>
-                <a:ext uri="{FF2B5EF4-FFF2-40B4-BE49-F238E27FC236}">
-                  <a16:creationId xmlns:a16="http://schemas.microsoft.com/office/drawing/2014/main" id="{61D324CC-B5E8-7B6A-386E-393EE31B1433}"/>
-                </a:ext>
-              </a:extLst>
-            </p:cNvPr>
-            <p:cNvSpPr/>
-            <p:nvPr/>
-          </p:nvSpPr>
-          <p:spPr>
-            <a:xfrm>
-              <a:off x="3218804" y="6255938"/>
-              <a:ext cx="245669" cy="209042"/>
-            </a:xfrm>
-            <a:custGeom>
-              <a:avLst/>
-              <a:gdLst/>
-              <a:ahLst/>
-              <a:cxnLst/>
-              <a:rect l="l" t="t" r="r" b="b"/>
-              <a:pathLst>
-                <a:path w="655118" h="557446">
-                  <a:moveTo>
-                    <a:pt x="0" y="0"/>
-                  </a:moveTo>
-                  <a:lnTo>
-                    <a:pt x="655118" y="0"/>
-                  </a:lnTo>
-                  <a:lnTo>
-                    <a:pt x="655118" y="557446"/>
-                  </a:lnTo>
-                  <a:lnTo>
-                    <a:pt x="0" y="557446"/>
-                  </a:lnTo>
-                  <a:lnTo>
-                    <a:pt x="0" y="0"/>
-                  </a:lnTo>
-                  <a:close/>
-                </a:path>
-              </a:pathLst>
-            </a:custGeom>
-            <a:blipFill>
-              <a:blip r:embed="rId7">
-                <a:extLst>
-                  <a:ext uri="{96DAC541-7B7A-43D3-8B79-37D633B846F1}">
-                    <asvg:svgBlip xmlns:asvg="http://schemas.microsoft.com/office/drawing/2016/SVG/main" r:embed="rId8"/>
-                  </a:ext>
-                </a:extLst>
-              </a:blip>
-              <a:stretch>
-                <a:fillRect/>
-              </a:stretch>
-            </a:blipFill>
-          </p:spPr>
-          <p:txBody>
-            <a:bodyPr/>
-            <a:lstStyle/>
-            <a:p>
-              <a:endParaRPr lang="zh-TW" altLang="en-US"/>
-            </a:p>
-          </p:txBody>
-        </p:sp>
-      </p:grpSp>
-      <p:grpSp>
-        <p:nvGrpSpPr>
-          <p:cNvPr id="283" name="群組 282">
-            <a:extLst>
-              <a:ext uri="{FF2B5EF4-FFF2-40B4-BE49-F238E27FC236}">
-                <a16:creationId xmlns:a16="http://schemas.microsoft.com/office/drawing/2014/main" id="{1AAD71BB-FB52-C4E0-ED3A-CF3ECB78BC2A}"/>
-              </a:ext>
-            </a:extLst>
-          </p:cNvPr>
-          <p:cNvGrpSpPr>
-            <a:grpSpLocks noChangeAspect="1"/>
-          </p:cNvGrpSpPr>
-          <p:nvPr/>
-        </p:nvGrpSpPr>
-        <p:grpSpPr>
-          <a:xfrm>
-            <a:off x="13988611" y="14973080"/>
-            <a:ext cx="1641837" cy="2121452"/>
-            <a:chOff x="3129962" y="6639886"/>
-            <a:chExt cx="361367" cy="466930"/>
-          </a:xfrm>
-        </p:grpSpPr>
-        <p:grpSp>
-          <p:nvGrpSpPr>
-            <p:cNvPr id="284" name="Group 26">
-              <a:extLst>
-                <a:ext uri="{FF2B5EF4-FFF2-40B4-BE49-F238E27FC236}">
-                  <a16:creationId xmlns:a16="http://schemas.microsoft.com/office/drawing/2014/main" id="{E9B29F26-8D6B-6834-B7C0-458BCFA60311}"/>
-                </a:ext>
-              </a:extLst>
-            </p:cNvPr>
-            <p:cNvGrpSpPr/>
-            <p:nvPr/>
-          </p:nvGrpSpPr>
-          <p:grpSpPr>
-            <a:xfrm rot="-10800000">
-              <a:off x="3129962" y="6639886"/>
-              <a:ext cx="206198" cy="466930"/>
-              <a:chOff x="0" y="0"/>
-              <a:chExt cx="733150" cy="1660196"/>
-            </a:xfrm>
-          </p:grpSpPr>
-          <p:sp>
-            <p:nvSpPr>
-              <p:cNvPr id="290" name="Freeform 27">
-                <a:extLst>
-                  <a:ext uri="{FF2B5EF4-FFF2-40B4-BE49-F238E27FC236}">
-                    <a16:creationId xmlns:a16="http://schemas.microsoft.com/office/drawing/2014/main" id="{35E481C2-2FED-FF64-1407-752260C65E63}"/>
-                  </a:ext>
-                </a:extLst>
-              </p:cNvPr>
-              <p:cNvSpPr/>
-              <p:nvPr/>
-            </p:nvSpPr>
-            <p:spPr>
-              <a:xfrm rot="-10800000">
-                <a:off x="0" y="830098"/>
-                <a:ext cx="733150" cy="830098"/>
-              </a:xfrm>
-              <a:custGeom>
-                <a:avLst/>
-                <a:gdLst/>
-                <a:ahLst/>
-                <a:cxnLst/>
-                <a:rect l="l" t="t" r="r" b="b"/>
-                <a:pathLst>
-                  <a:path w="733150" h="830098">
-                    <a:moveTo>
-                      <a:pt x="0" y="0"/>
-                    </a:moveTo>
-                    <a:lnTo>
-                      <a:pt x="733150" y="0"/>
-                    </a:lnTo>
-                    <a:lnTo>
-                      <a:pt x="733150" y="830098"/>
-                    </a:lnTo>
-                    <a:lnTo>
-                      <a:pt x="0" y="830098"/>
-                    </a:lnTo>
-                    <a:lnTo>
-                      <a:pt x="0" y="0"/>
-                    </a:lnTo>
-                    <a:close/>
-                  </a:path>
-                </a:pathLst>
-              </a:custGeom>
-              <a:blipFill>
-                <a:blip r:embed="rId3">
-                  <a:extLst>
-                    <a:ext uri="{96DAC541-7B7A-43D3-8B79-37D633B846F1}">
-                      <asvg:svgBlip xmlns:asvg="http://schemas.microsoft.com/office/drawing/2016/SVG/main" r:embed="rId4"/>
-                    </a:ext>
-                  </a:extLst>
-                </a:blip>
-                <a:stretch>
-                  <a:fillRect r="-178783" b="-36791"/>
-                </a:stretch>
-              </a:blipFill>
-            </p:spPr>
-            <p:txBody>
-              <a:bodyPr/>
-              <a:lstStyle/>
-              <a:p>
-                <a:endParaRPr lang="zh-TW" altLang="en-US"/>
-              </a:p>
-            </p:txBody>
-          </p:sp>
-          <p:sp>
-            <p:nvSpPr>
-              <p:cNvPr id="291" name="Freeform 28">
-                <a:extLst>
-                  <a:ext uri="{FF2B5EF4-FFF2-40B4-BE49-F238E27FC236}">
-                    <a16:creationId xmlns:a16="http://schemas.microsoft.com/office/drawing/2014/main" id="{CDCE3BF4-524C-64EC-79B9-00DAA77B3265}"/>
-                  </a:ext>
-                </a:extLst>
-              </p:cNvPr>
-              <p:cNvSpPr/>
-              <p:nvPr/>
-            </p:nvSpPr>
-            <p:spPr>
-              <a:xfrm rot="-10800000" flipV="1">
-                <a:off x="0" y="0"/>
-                <a:ext cx="733150" cy="830098"/>
-              </a:xfrm>
-              <a:custGeom>
-                <a:avLst/>
-                <a:gdLst/>
-                <a:ahLst/>
-                <a:cxnLst/>
-                <a:rect l="l" t="t" r="r" b="b"/>
-                <a:pathLst>
-                  <a:path w="733150" h="830098">
-                    <a:moveTo>
-                      <a:pt x="0" y="830098"/>
-                    </a:moveTo>
-                    <a:lnTo>
-                      <a:pt x="733150" y="830098"/>
-                    </a:lnTo>
-                    <a:lnTo>
-                      <a:pt x="733150" y="0"/>
-                    </a:lnTo>
-                    <a:lnTo>
-                      <a:pt x="0" y="0"/>
-                    </a:lnTo>
-                    <a:lnTo>
-                      <a:pt x="0" y="830098"/>
-                    </a:lnTo>
-                    <a:close/>
-                  </a:path>
-                </a:pathLst>
-              </a:custGeom>
-              <a:blipFill>
-                <a:blip r:embed="rId3">
-                  <a:extLst>
-                    <a:ext uri="{96DAC541-7B7A-43D3-8B79-37D633B846F1}">
-                      <asvg:svgBlip xmlns:asvg="http://schemas.microsoft.com/office/drawing/2016/SVG/main" r:embed="rId4"/>
-                    </a:ext>
-                  </a:extLst>
-                </a:blip>
-                <a:stretch>
-                  <a:fillRect r="-178783" b="-36791"/>
-                </a:stretch>
-              </a:blipFill>
-            </p:spPr>
-            <p:txBody>
-              <a:bodyPr/>
-              <a:lstStyle/>
-              <a:p>
-                <a:endParaRPr lang="zh-TW" altLang="en-US"/>
-              </a:p>
-            </p:txBody>
-          </p:sp>
-        </p:grpSp>
-        <p:grpSp>
-          <p:nvGrpSpPr>
-            <p:cNvPr id="285" name="群組 284">
-              <a:extLst>
-                <a:ext uri="{FF2B5EF4-FFF2-40B4-BE49-F238E27FC236}">
-                  <a16:creationId xmlns:a16="http://schemas.microsoft.com/office/drawing/2014/main" id="{B1452EB3-886E-ADA7-D395-3CAEB5CBAB12}"/>
-                </a:ext>
-              </a:extLst>
-            </p:cNvPr>
-            <p:cNvGrpSpPr>
-              <a:grpSpLocks noChangeAspect="1"/>
-            </p:cNvGrpSpPr>
-            <p:nvPr/>
-          </p:nvGrpSpPr>
-          <p:grpSpPr>
-            <a:xfrm>
-              <a:off x="3177832" y="6716602"/>
-              <a:ext cx="313497" cy="313497"/>
-              <a:chOff x="3177832" y="6716602"/>
-              <a:chExt cx="313497" cy="313497"/>
-            </a:xfrm>
-          </p:grpSpPr>
-          <p:grpSp>
-            <p:nvGrpSpPr>
-              <p:cNvPr id="286" name="Group 11">
-                <a:extLst>
-                  <a:ext uri="{FF2B5EF4-FFF2-40B4-BE49-F238E27FC236}">
-                    <a16:creationId xmlns:a16="http://schemas.microsoft.com/office/drawing/2014/main" id="{DD9B6E9C-9316-27B2-DCFD-9A0AED27F214}"/>
-                  </a:ext>
-                </a:extLst>
-              </p:cNvPr>
-              <p:cNvGrpSpPr/>
-              <p:nvPr/>
-            </p:nvGrpSpPr>
-            <p:grpSpPr>
-              <a:xfrm>
-                <a:off x="3177832" y="6716602"/>
-                <a:ext cx="313497" cy="313497"/>
-                <a:chOff x="0" y="0"/>
-                <a:chExt cx="812800" cy="812800"/>
-              </a:xfrm>
-            </p:grpSpPr>
-            <p:sp>
-              <p:nvSpPr>
-                <p:cNvPr id="288" name="Freeform 12">
-                  <a:extLst>
-                    <a:ext uri="{FF2B5EF4-FFF2-40B4-BE49-F238E27FC236}">
-                      <a16:creationId xmlns:a16="http://schemas.microsoft.com/office/drawing/2014/main" id="{F4B5DCCE-2E76-1354-E568-2CECF07BC944}"/>
-                    </a:ext>
-                  </a:extLst>
-                </p:cNvPr>
-                <p:cNvSpPr/>
-                <p:nvPr/>
-              </p:nvSpPr>
-              <p:spPr>
-                <a:xfrm>
-                  <a:off x="0" y="0"/>
-                  <a:ext cx="812800" cy="812800"/>
-                </a:xfrm>
-                <a:custGeom>
-                  <a:avLst/>
-                  <a:gdLst/>
-                  <a:ahLst/>
-                  <a:cxnLst/>
-                  <a:rect l="l" t="t" r="r" b="b"/>
-                  <a:pathLst>
-                    <a:path w="812800" h="812800">
-                      <a:moveTo>
-                        <a:pt x="406400" y="0"/>
-                      </a:moveTo>
-                      <a:cubicBezTo>
-                        <a:pt x="181951" y="0"/>
-                        <a:pt x="0" y="181951"/>
-                        <a:pt x="0" y="406400"/>
-                      </a:cubicBezTo>
-                      <a:cubicBezTo>
-                        <a:pt x="0" y="630849"/>
-                        <a:pt x="181951" y="812800"/>
-                        <a:pt x="406400" y="812800"/>
-                      </a:cubicBezTo>
-                      <a:cubicBezTo>
-                        <a:pt x="630849" y="812800"/>
-                        <a:pt x="812800" y="630849"/>
-                        <a:pt x="812800" y="406400"/>
-                      </a:cubicBezTo>
-                      <a:cubicBezTo>
-                        <a:pt x="812800" y="181951"/>
-                        <a:pt x="630849" y="0"/>
-                        <a:pt x="406400" y="0"/>
-                      </a:cubicBezTo>
-                      <a:close/>
-                    </a:path>
-                  </a:pathLst>
-                </a:custGeom>
-                <a:solidFill>
-                  <a:srgbClr val="5271FF"/>
-                </a:solidFill>
-              </p:spPr>
-              <p:txBody>
-                <a:bodyPr/>
-                <a:lstStyle/>
-                <a:p>
-                  <a:endParaRPr lang="zh-TW" altLang="en-US"/>
-                </a:p>
-              </p:txBody>
-            </p:sp>
-            <p:sp>
-              <p:nvSpPr>
-                <p:cNvPr id="289" name="TextBox 13">
-                  <a:extLst>
-                    <a:ext uri="{FF2B5EF4-FFF2-40B4-BE49-F238E27FC236}">
-                      <a16:creationId xmlns:a16="http://schemas.microsoft.com/office/drawing/2014/main" id="{B4C66A03-AFF9-B267-8772-38765007F043}"/>
-                    </a:ext>
-                  </a:extLst>
-                </p:cNvPr>
-                <p:cNvSpPr txBox="1"/>
-                <p:nvPr/>
-              </p:nvSpPr>
-              <p:spPr>
-                <a:xfrm>
-                  <a:off x="76200" y="57150"/>
-                  <a:ext cx="660400" cy="679450"/>
-                </a:xfrm>
-                <a:prstGeom prst="rect">
-                  <a:avLst/>
-                </a:prstGeom>
-              </p:spPr>
-              <p:txBody>
-                <a:bodyPr lIns="15951" tIns="15951" rIns="15951" bIns="15951" rtlCol="0" anchor="ctr"/>
-                <a:lstStyle/>
-                <a:p>
-                  <a:pPr algn="ctr">
-                    <a:spcBef>
-                      <a:spcPct val="0"/>
-                    </a:spcBef>
-                  </a:pPr>
-                  <a:endParaRPr sz="512">
-                    <a:latin typeface="Times New Roman" panose="02020603050405020304" pitchFamily="18" charset="0"/>
-                    <a:cs typeface="Times New Roman" panose="02020603050405020304" pitchFamily="18" charset="0"/>
-                  </a:endParaRPr>
-                </a:p>
-              </p:txBody>
-            </p:sp>
-          </p:grpSp>
-          <p:sp>
-            <p:nvSpPr>
-              <p:cNvPr id="287" name="Freeform 38">
-                <a:extLst>
-                  <a:ext uri="{FF2B5EF4-FFF2-40B4-BE49-F238E27FC236}">
-                    <a16:creationId xmlns:a16="http://schemas.microsoft.com/office/drawing/2014/main" id="{5B216574-7D94-870A-75B5-01459C12E754}"/>
-                  </a:ext>
-                </a:extLst>
-              </p:cNvPr>
-              <p:cNvSpPr/>
-              <p:nvPr/>
-            </p:nvSpPr>
-            <p:spPr>
-              <a:xfrm>
-                <a:off x="3210189" y="6747669"/>
-                <a:ext cx="246475" cy="246475"/>
-              </a:xfrm>
-              <a:custGeom>
-                <a:avLst/>
-                <a:gdLst/>
-                <a:ahLst/>
-                <a:cxnLst/>
-                <a:rect l="l" t="t" r="r" b="b"/>
-                <a:pathLst>
-                  <a:path w="657266" h="657266">
-                    <a:moveTo>
-                      <a:pt x="0" y="0"/>
-                    </a:moveTo>
-                    <a:lnTo>
-                      <a:pt x="657266" y="0"/>
-                    </a:lnTo>
-                    <a:lnTo>
-                      <a:pt x="657266" y="657266"/>
-                    </a:lnTo>
-                    <a:lnTo>
-                      <a:pt x="0" y="657266"/>
-                    </a:lnTo>
-                    <a:lnTo>
-                      <a:pt x="0" y="0"/>
-                    </a:lnTo>
-                    <a:close/>
-                  </a:path>
-                </a:pathLst>
-              </a:custGeom>
-              <a:blipFill>
-                <a:blip r:embed="rId9"/>
-                <a:stretch>
-                  <a:fillRect/>
-                </a:stretch>
-              </a:blipFill>
-            </p:spPr>
-            <p:txBody>
-              <a:bodyPr/>
-              <a:lstStyle/>
-              <a:p>
-                <a:endParaRPr lang="zh-TW" altLang="en-US"/>
-              </a:p>
-            </p:txBody>
-          </p:sp>
-        </p:grpSp>
-      </p:grpSp>
-      <p:grpSp>
-        <p:nvGrpSpPr>
-          <p:cNvPr id="292" name="群組 291">
-            <a:extLst>
-              <a:ext uri="{FF2B5EF4-FFF2-40B4-BE49-F238E27FC236}">
-                <a16:creationId xmlns:a16="http://schemas.microsoft.com/office/drawing/2014/main" id="{797B86C9-54E5-0B6E-26C6-13D217678109}"/>
-              </a:ext>
-            </a:extLst>
-          </p:cNvPr>
-          <p:cNvGrpSpPr>
-            <a:grpSpLocks noChangeAspect="1"/>
-          </p:cNvGrpSpPr>
-          <p:nvPr/>
-        </p:nvGrpSpPr>
-        <p:grpSpPr>
-          <a:xfrm>
-            <a:off x="16212735" y="12800717"/>
-            <a:ext cx="1656189" cy="2121452"/>
-            <a:chOff x="3143167" y="8603411"/>
-            <a:chExt cx="364526" cy="466930"/>
-          </a:xfrm>
-        </p:grpSpPr>
-        <p:grpSp>
-          <p:nvGrpSpPr>
-            <p:cNvPr id="293" name="Group 14">
-              <a:extLst>
-                <a:ext uri="{FF2B5EF4-FFF2-40B4-BE49-F238E27FC236}">
-                  <a16:creationId xmlns:a16="http://schemas.microsoft.com/office/drawing/2014/main" id="{5B1BECAB-D758-2E76-E212-9A64FB2460F2}"/>
-                </a:ext>
-              </a:extLst>
-            </p:cNvPr>
-            <p:cNvGrpSpPr/>
-            <p:nvPr/>
-          </p:nvGrpSpPr>
-          <p:grpSpPr>
-            <a:xfrm>
-              <a:off x="3143167" y="8686800"/>
-              <a:ext cx="313497" cy="313497"/>
-              <a:chOff x="0" y="0"/>
-              <a:chExt cx="812800" cy="812800"/>
-            </a:xfrm>
-          </p:grpSpPr>
-          <p:sp>
-            <p:nvSpPr>
-              <p:cNvPr id="298" name="Freeform 15">
-                <a:extLst>
-                  <a:ext uri="{FF2B5EF4-FFF2-40B4-BE49-F238E27FC236}">
-                    <a16:creationId xmlns:a16="http://schemas.microsoft.com/office/drawing/2014/main" id="{6998CF65-C9D0-D296-26E8-202ED72735DF}"/>
-                  </a:ext>
-                </a:extLst>
-              </p:cNvPr>
-              <p:cNvSpPr/>
-              <p:nvPr/>
-            </p:nvSpPr>
-            <p:spPr>
-              <a:xfrm>
-                <a:off x="0" y="0"/>
-                <a:ext cx="812800" cy="812800"/>
-              </a:xfrm>
-              <a:custGeom>
-                <a:avLst/>
-                <a:gdLst/>
-                <a:ahLst/>
-                <a:cxnLst/>
-                <a:rect l="l" t="t" r="r" b="b"/>
-                <a:pathLst>
-                  <a:path w="812800" h="812800">
-                    <a:moveTo>
-                      <a:pt x="406400" y="0"/>
-                    </a:moveTo>
-                    <a:cubicBezTo>
-                      <a:pt x="181951" y="0"/>
-                      <a:pt x="0" y="181951"/>
-                      <a:pt x="0" y="406400"/>
-                    </a:cubicBezTo>
-                    <a:cubicBezTo>
-                      <a:pt x="0" y="630849"/>
-                      <a:pt x="181951" y="812800"/>
-                      <a:pt x="406400" y="812800"/>
-                    </a:cubicBezTo>
-                    <a:cubicBezTo>
-                      <a:pt x="630849" y="812800"/>
-                      <a:pt x="812800" y="630849"/>
-                      <a:pt x="812800" y="406400"/>
-                    </a:cubicBezTo>
-                    <a:cubicBezTo>
-                      <a:pt x="812800" y="181951"/>
-                      <a:pt x="630849" y="0"/>
-                      <a:pt x="406400" y="0"/>
-                    </a:cubicBezTo>
-                    <a:close/>
-                  </a:path>
-                </a:pathLst>
-              </a:custGeom>
-              <a:solidFill>
-                <a:srgbClr val="5271FF"/>
-              </a:solidFill>
-            </p:spPr>
-            <p:txBody>
-              <a:bodyPr/>
-              <a:lstStyle/>
-              <a:p>
-                <a:endParaRPr lang="zh-TW" altLang="en-US"/>
-              </a:p>
-            </p:txBody>
-          </p:sp>
-          <p:sp>
-            <p:nvSpPr>
-              <p:cNvPr id="299" name="TextBox 16">
-                <a:extLst>
-                  <a:ext uri="{FF2B5EF4-FFF2-40B4-BE49-F238E27FC236}">
-                    <a16:creationId xmlns:a16="http://schemas.microsoft.com/office/drawing/2014/main" id="{44EF168B-D2ED-D102-D3E0-DFE17FEC7838}"/>
-                  </a:ext>
-                </a:extLst>
-              </p:cNvPr>
-              <p:cNvSpPr txBox="1"/>
-              <p:nvPr/>
-            </p:nvSpPr>
-            <p:spPr>
-              <a:xfrm>
-                <a:off x="76200" y="57150"/>
-                <a:ext cx="660400" cy="679450"/>
-              </a:xfrm>
-              <a:prstGeom prst="rect">
-                <a:avLst/>
-              </a:prstGeom>
-            </p:spPr>
-            <p:txBody>
-              <a:bodyPr lIns="15951" tIns="15951" rIns="15951" bIns="15951" rtlCol="0" anchor="ctr"/>
-              <a:lstStyle/>
-              <a:p>
-                <a:pPr algn="ctr">
-                  <a:spcBef>
-                    <a:spcPct val="0"/>
-                  </a:spcBef>
-                </a:pPr>
-                <a:endParaRPr sz="512">
-                  <a:latin typeface="Times New Roman" panose="02020603050405020304" pitchFamily="18" charset="0"/>
-                  <a:cs typeface="Times New Roman" panose="02020603050405020304" pitchFamily="18" charset="0"/>
-                </a:endParaRPr>
-              </a:p>
-            </p:txBody>
-          </p:sp>
-        </p:grpSp>
-        <p:grpSp>
-          <p:nvGrpSpPr>
-            <p:cNvPr id="294" name="Group 29">
-              <a:extLst>
-                <a:ext uri="{FF2B5EF4-FFF2-40B4-BE49-F238E27FC236}">
-                  <a16:creationId xmlns:a16="http://schemas.microsoft.com/office/drawing/2014/main" id="{3B8DC805-1A53-4654-16BC-9BC437931C35}"/>
-                </a:ext>
-              </a:extLst>
-            </p:cNvPr>
-            <p:cNvGrpSpPr/>
-            <p:nvPr/>
-          </p:nvGrpSpPr>
-          <p:grpSpPr>
-            <a:xfrm>
-              <a:off x="3301495" y="8603411"/>
-              <a:ext cx="206198" cy="466930"/>
-              <a:chOff x="0" y="0"/>
-              <a:chExt cx="733150" cy="1660196"/>
-            </a:xfrm>
-          </p:grpSpPr>
-          <p:sp>
-            <p:nvSpPr>
-              <p:cNvPr id="296" name="Freeform 30">
-                <a:extLst>
-                  <a:ext uri="{FF2B5EF4-FFF2-40B4-BE49-F238E27FC236}">
-                    <a16:creationId xmlns:a16="http://schemas.microsoft.com/office/drawing/2014/main" id="{D3749A81-B1C1-948A-1C9D-3D9720A43238}"/>
-                  </a:ext>
-                </a:extLst>
-              </p:cNvPr>
-              <p:cNvSpPr/>
-              <p:nvPr/>
-            </p:nvSpPr>
-            <p:spPr>
-              <a:xfrm rot="-10800000">
-                <a:off x="0" y="830098"/>
-                <a:ext cx="733150" cy="830098"/>
-              </a:xfrm>
-              <a:custGeom>
-                <a:avLst/>
-                <a:gdLst/>
-                <a:ahLst/>
-                <a:cxnLst/>
-                <a:rect l="l" t="t" r="r" b="b"/>
-                <a:pathLst>
-                  <a:path w="733150" h="830098">
-                    <a:moveTo>
-                      <a:pt x="0" y="0"/>
-                    </a:moveTo>
-                    <a:lnTo>
-                      <a:pt x="733150" y="0"/>
-                    </a:lnTo>
-                    <a:lnTo>
-                      <a:pt x="733150" y="830098"/>
-                    </a:lnTo>
-                    <a:lnTo>
-                      <a:pt x="0" y="830098"/>
-                    </a:lnTo>
-                    <a:lnTo>
-                      <a:pt x="0" y="0"/>
-                    </a:lnTo>
-                    <a:close/>
-                  </a:path>
-                </a:pathLst>
-              </a:custGeom>
-              <a:blipFill>
-                <a:blip r:embed="rId3">
-                  <a:extLst>
-                    <a:ext uri="{96DAC541-7B7A-43D3-8B79-37D633B846F1}">
-                      <asvg:svgBlip xmlns:asvg="http://schemas.microsoft.com/office/drawing/2016/SVG/main" r:embed="rId4"/>
-                    </a:ext>
-                  </a:extLst>
-                </a:blip>
-                <a:stretch>
-                  <a:fillRect r="-178783" b="-36791"/>
-                </a:stretch>
-              </a:blipFill>
-            </p:spPr>
-            <p:txBody>
-              <a:bodyPr/>
-              <a:lstStyle/>
-              <a:p>
-                <a:endParaRPr lang="zh-TW" altLang="en-US"/>
-              </a:p>
-            </p:txBody>
-          </p:sp>
-          <p:sp>
-            <p:nvSpPr>
-              <p:cNvPr id="297" name="Freeform 31">
-                <a:extLst>
-                  <a:ext uri="{FF2B5EF4-FFF2-40B4-BE49-F238E27FC236}">
-                    <a16:creationId xmlns:a16="http://schemas.microsoft.com/office/drawing/2014/main" id="{60263407-9C78-0ED6-CBFF-6AA1FFA4AF38}"/>
-                  </a:ext>
-                </a:extLst>
-              </p:cNvPr>
-              <p:cNvSpPr/>
-              <p:nvPr/>
-            </p:nvSpPr>
-            <p:spPr>
-              <a:xfrm rot="-10800000" flipV="1">
-                <a:off x="0" y="0"/>
-                <a:ext cx="733150" cy="830098"/>
-              </a:xfrm>
-              <a:custGeom>
-                <a:avLst/>
-                <a:gdLst/>
-                <a:ahLst/>
-                <a:cxnLst/>
-                <a:rect l="l" t="t" r="r" b="b"/>
-                <a:pathLst>
-                  <a:path w="733150" h="830098">
-                    <a:moveTo>
-                      <a:pt x="0" y="830098"/>
-                    </a:moveTo>
-                    <a:lnTo>
-                      <a:pt x="733150" y="830098"/>
-                    </a:lnTo>
-                    <a:lnTo>
-                      <a:pt x="733150" y="0"/>
-                    </a:lnTo>
-                    <a:lnTo>
-                      <a:pt x="0" y="0"/>
-                    </a:lnTo>
-                    <a:lnTo>
-                      <a:pt x="0" y="830098"/>
-                    </a:lnTo>
-                    <a:close/>
-                  </a:path>
-                </a:pathLst>
-              </a:custGeom>
-              <a:blipFill>
-                <a:blip r:embed="rId3">
-                  <a:extLst>
-                    <a:ext uri="{96DAC541-7B7A-43D3-8B79-37D633B846F1}">
-                      <asvg:svgBlip xmlns:asvg="http://schemas.microsoft.com/office/drawing/2016/SVG/main" r:embed="rId4"/>
-                    </a:ext>
-                  </a:extLst>
-                </a:blip>
-                <a:stretch>
-                  <a:fillRect r="-178783" b="-36791"/>
-                </a:stretch>
-              </a:blipFill>
-            </p:spPr>
-            <p:txBody>
-              <a:bodyPr/>
-              <a:lstStyle/>
-              <a:p>
-                <a:endParaRPr lang="zh-TW" altLang="en-US"/>
-              </a:p>
-            </p:txBody>
-          </p:sp>
-        </p:grpSp>
-        <p:sp>
-          <p:nvSpPr>
-            <p:cNvPr id="295" name="Freeform 39">
-              <a:extLst>
-                <a:ext uri="{FF2B5EF4-FFF2-40B4-BE49-F238E27FC236}">
-                  <a16:creationId xmlns:a16="http://schemas.microsoft.com/office/drawing/2014/main" id="{6EB86502-42BC-0297-5B4C-5963C7659FF2}"/>
-                </a:ext>
-              </a:extLst>
-            </p:cNvPr>
-            <p:cNvSpPr/>
-            <p:nvPr/>
-          </p:nvSpPr>
-          <p:spPr>
-            <a:xfrm>
-              <a:off x="3179832" y="8780265"/>
-              <a:ext cx="237860" cy="126568"/>
-            </a:xfrm>
-            <a:custGeom>
-              <a:avLst/>
-              <a:gdLst/>
-              <a:ahLst/>
-              <a:cxnLst/>
-              <a:rect l="l" t="t" r="r" b="b"/>
-              <a:pathLst>
-                <a:path w="634293" h="337514">
-                  <a:moveTo>
-                    <a:pt x="0" y="0"/>
-                  </a:moveTo>
-                  <a:lnTo>
-                    <a:pt x="634293" y="0"/>
-                  </a:lnTo>
-                  <a:lnTo>
-                    <a:pt x="634293" y="337514"/>
-                  </a:lnTo>
-                  <a:lnTo>
-                    <a:pt x="0" y="337514"/>
-                  </a:lnTo>
-                  <a:lnTo>
-                    <a:pt x="0" y="0"/>
-                  </a:lnTo>
-                  <a:close/>
-                </a:path>
-              </a:pathLst>
-            </a:custGeom>
-            <a:blipFill>
-              <a:blip r:embed="rId10"/>
-              <a:stretch>
-                <a:fillRect/>
-              </a:stretch>
-            </a:blipFill>
-          </p:spPr>
-          <p:txBody>
-            <a:bodyPr/>
-            <a:lstStyle/>
-            <a:p>
-              <a:endParaRPr lang="zh-TW" altLang="en-US"/>
-            </a:p>
-          </p:txBody>
-        </p:sp>
-      </p:grpSp>
-      <p:grpSp>
-        <p:nvGrpSpPr>
-          <p:cNvPr id="28" name="群組 27">
-            <a:extLst>
-              <a:ext uri="{FF2B5EF4-FFF2-40B4-BE49-F238E27FC236}">
-                <a16:creationId xmlns:a16="http://schemas.microsoft.com/office/drawing/2014/main" id="{92F5DAEB-9CE8-5F91-997E-D100595955E9}"/>
-              </a:ext>
-            </a:extLst>
-          </p:cNvPr>
-          <p:cNvGrpSpPr/>
-          <p:nvPr/>
-        </p:nvGrpSpPr>
-        <p:grpSpPr>
-          <a:xfrm>
-            <a:off x="2887267" y="10900693"/>
-            <a:ext cx="5403405" cy="641763"/>
-            <a:chOff x="2718980" y="11963388"/>
-            <a:chExt cx="5403405" cy="641763"/>
-          </a:xfrm>
-        </p:grpSpPr>
-        <p:grpSp>
-          <p:nvGrpSpPr>
-            <p:cNvPr id="256" name="Group 32">
-              <a:extLst>
-                <a:ext uri="{FF2B5EF4-FFF2-40B4-BE49-F238E27FC236}">
-                  <a16:creationId xmlns:a16="http://schemas.microsoft.com/office/drawing/2014/main" id="{9DF18A7C-BBFA-FEDB-FEB9-555A311F93C9}"/>
-                </a:ext>
-              </a:extLst>
-            </p:cNvPr>
-            <p:cNvGrpSpPr/>
-            <p:nvPr/>
-          </p:nvGrpSpPr>
-          <p:grpSpPr>
-            <a:xfrm>
-              <a:off x="2718980" y="11963388"/>
-              <a:ext cx="5403405" cy="641763"/>
-              <a:chOff x="0" y="0"/>
-              <a:chExt cx="2022392" cy="201378"/>
-            </a:xfrm>
-          </p:grpSpPr>
-          <p:sp>
-            <p:nvSpPr>
-              <p:cNvPr id="257" name="Freeform 33">
-                <a:extLst>
-                  <a:ext uri="{FF2B5EF4-FFF2-40B4-BE49-F238E27FC236}">
-                    <a16:creationId xmlns:a16="http://schemas.microsoft.com/office/drawing/2014/main" id="{E6E14F2D-2582-B41E-DAD2-D0C7ADE57996}"/>
-                  </a:ext>
-                </a:extLst>
-              </p:cNvPr>
-              <p:cNvSpPr/>
-              <p:nvPr/>
-            </p:nvSpPr>
-            <p:spPr>
-              <a:xfrm>
-                <a:off x="0" y="0"/>
-                <a:ext cx="2022392" cy="201378"/>
-              </a:xfrm>
-              <a:custGeom>
-                <a:avLst/>
-                <a:gdLst/>
-                <a:ahLst/>
-                <a:cxnLst/>
-                <a:rect l="l" t="t" r="r" b="b"/>
-                <a:pathLst>
-                  <a:path w="2022392" h="201378">
-                    <a:moveTo>
-                      <a:pt x="0" y="0"/>
-                    </a:moveTo>
-                    <a:lnTo>
-                      <a:pt x="2022392" y="0"/>
-                    </a:lnTo>
-                    <a:lnTo>
-                      <a:pt x="2022392" y="201378"/>
-                    </a:lnTo>
-                    <a:lnTo>
-                      <a:pt x="0" y="201378"/>
-                    </a:lnTo>
-                    <a:close/>
-                  </a:path>
-                </a:pathLst>
-              </a:custGeom>
-              <a:solidFill>
-                <a:srgbClr val="004AAD"/>
-              </a:solidFill>
-            </p:spPr>
-            <p:txBody>
-              <a:bodyPr/>
-              <a:lstStyle/>
-              <a:p>
-                <a:endParaRPr lang="zh-TW" altLang="en-US"/>
-              </a:p>
-            </p:txBody>
-          </p:sp>
-          <p:sp>
-            <p:nvSpPr>
-              <p:cNvPr id="258" name="TextBox 34">
-                <a:extLst>
-                  <a:ext uri="{FF2B5EF4-FFF2-40B4-BE49-F238E27FC236}">
-                    <a16:creationId xmlns:a16="http://schemas.microsoft.com/office/drawing/2014/main" id="{0A2F2D35-450C-E6AC-7A05-EE5DE59EA248}"/>
-                  </a:ext>
-                </a:extLst>
-              </p:cNvPr>
-              <p:cNvSpPr txBox="1"/>
-              <p:nvPr/>
-            </p:nvSpPr>
-            <p:spPr>
-              <a:xfrm>
-                <a:off x="0" y="-19050"/>
-                <a:ext cx="2022392" cy="220428"/>
-              </a:xfrm>
-              <a:prstGeom prst="rect">
-                <a:avLst/>
-              </a:prstGeom>
-            </p:spPr>
-            <p:txBody>
-              <a:bodyPr lIns="15951" tIns="15951" rIns="15951" bIns="15951" rtlCol="0" anchor="ctr"/>
-              <a:lstStyle/>
-              <a:p>
-                <a:pPr algn="ctr"/>
-                <a:endParaRPr sz="512">
-                  <a:latin typeface="Times New Roman" panose="02020603050405020304" pitchFamily="18" charset="0"/>
-                  <a:cs typeface="Times New Roman" panose="02020603050405020304" pitchFamily="18" charset="0"/>
-                </a:endParaRPr>
-              </a:p>
-            </p:txBody>
-          </p:sp>
-        </p:grpSp>
-        <p:sp>
-          <p:nvSpPr>
-            <p:cNvPr id="301" name="TextBox 41">
-              <a:extLst>
-                <a:ext uri="{FF2B5EF4-FFF2-40B4-BE49-F238E27FC236}">
-                  <a16:creationId xmlns:a16="http://schemas.microsoft.com/office/drawing/2014/main" id="{8805FEA6-C825-34D1-C5EA-49DA054FDC1B}"/>
-                </a:ext>
-              </a:extLst>
-            </p:cNvPr>
-            <p:cNvSpPr txBox="1"/>
-            <p:nvPr/>
-          </p:nvSpPr>
-          <p:spPr>
-            <a:xfrm>
-              <a:off x="3187427" y="11964201"/>
-              <a:ext cx="4566618" cy="615553"/>
-            </a:xfrm>
-            <a:prstGeom prst="rect">
-              <a:avLst/>
-            </a:prstGeom>
-          </p:spPr>
-          <p:txBody>
-            <a:bodyPr wrap="square" lIns="0" tIns="0" rIns="0" bIns="0" rtlCol="0" anchor="ctr">
-              <a:spAutoFit/>
-            </a:bodyPr>
-            <a:lstStyle/>
-            <a:p>
-              <a:pPr algn="ctr"/>
-              <a:r>
-                <a:rPr lang="en-US" sz="4000" dirty="0">
-                  <a:solidFill>
-                    <a:srgbClr val="FFFFFF"/>
-                  </a:solidFill>
-                  <a:latin typeface="Times New Roman" panose="02020603050405020304" pitchFamily="18" charset="0"/>
-                  <a:cs typeface="Times New Roman" panose="02020603050405020304" pitchFamily="18" charset="0"/>
-                </a:rPr>
-                <a:t>MODEL PROCESS</a:t>
-              </a:r>
-            </a:p>
-          </p:txBody>
-        </p:sp>
-      </p:grpSp>
       <p:sp>
         <p:nvSpPr>
           <p:cNvPr id="27" name="文字方塊 26">
@@ -6480,7 +3729,7 @@
         </p:nvSpPr>
         <p:spPr>
           <a:xfrm>
-            <a:off x="1146683" y="7413087"/>
+            <a:off x="1167631" y="6535674"/>
             <a:ext cx="19274917" cy="1569660"/>
           </a:xfrm>
           <a:prstGeom prst="rect">
@@ -6499,7 +3748,7 @@
                 <a:latin typeface="標楷體" panose="03000509000000000000" pitchFamily="65" charset="-120"/>
                 <a:ea typeface="標楷體" panose="03000509000000000000" pitchFamily="65" charset="-120"/>
               </a:rPr>
-              <a:t>在這次的專題研究中，我們將嘗試使用腦波控制一台遙控車前進和停止。腦波的選擇上，我們採用頻帶介於</a:t>
+              <a:t>在這次的專題研究中，我們將嘗試使用腦波控制一台遙控車的前進和停止。腦波的選擇上，我們採用頻帶介於</a:t>
             </a:r>
             <a:r>
               <a:rPr lang="en-US" altLang="zh-TW" sz="3200" b="1" dirty="0">
@@ -6544,46 +3793,32 @@
               <a:t>透過</a:t>
             </a:r>
             <a:r>
+              <a:rPr lang="zh-TW" altLang="en-US" sz="3200" b="1" dirty="0">
+                <a:latin typeface="標楷體" panose="03000509000000000000" pitchFamily="65" charset="-120"/>
+                <a:ea typeface="標楷體" panose="03000509000000000000" pitchFamily="65" charset="-120"/>
+              </a:rPr>
+              <a:t>模型自動計算出區別睜眼與閉眼的</a:t>
+            </a:r>
+            <a:r>
+              <a:rPr lang="en-US" altLang="zh-TW" sz="3200" b="1" dirty="0">
+                <a:latin typeface="+mj-lt"/>
+                <a:ea typeface="標楷體" panose="03000509000000000000" pitchFamily="65" charset="-120"/>
+              </a:rPr>
+              <a:t>alpha power ratio</a:t>
+            </a:r>
+            <a:r>
               <a:rPr lang="en-US" altLang="zh-TW" sz="3200" b="1" dirty="0">
                 <a:latin typeface="標楷體" panose="03000509000000000000" pitchFamily="65" charset="-120"/>
                 <a:ea typeface="標楷體" panose="03000509000000000000" pitchFamily="65" charset="-120"/>
               </a:rPr>
-              <a:t>model</a:t>
+              <a:t>,</a:t>
             </a:r>
             <a:r>
               <a:rPr lang="zh-TW" altLang="en-US" sz="3200" b="1" dirty="0">
                 <a:latin typeface="標楷體" panose="03000509000000000000" pitchFamily="65" charset="-120"/>
                 <a:ea typeface="標楷體" panose="03000509000000000000" pitchFamily="65" charset="-120"/>
               </a:rPr>
-              <a:t>自動計算出</a:t>
-            </a:r>
-            <a:r>
-              <a:rPr lang="en-US" altLang="zh-TW" sz="3200" b="1" dirty="0">
-                <a:latin typeface="標楷體" panose="03000509000000000000" pitchFamily="65" charset="-120"/>
-                <a:ea typeface="標楷體" panose="03000509000000000000" pitchFamily="65" charset="-120"/>
-              </a:rPr>
-              <a:t>threshold,</a:t>
-            </a:r>
-            <a:r>
-              <a:rPr lang="zh-TW" altLang="en-US" sz="3200" b="1" dirty="0">
-                <a:latin typeface="標楷體" panose="03000509000000000000" pitchFamily="65" charset="-120"/>
-                <a:ea typeface="標楷體" panose="03000509000000000000" pitchFamily="65" charset="-120"/>
-              </a:rPr>
-              <a:t>並將此</a:t>
-            </a:r>
-            <a:r>
-              <a:rPr lang="en-US" altLang="zh-TW" sz="3200" b="1" dirty="0">
-                <a:latin typeface="標楷體" panose="03000509000000000000" pitchFamily="65" charset="-120"/>
-                <a:ea typeface="標楷體" panose="03000509000000000000" pitchFamily="65" charset="-120"/>
-              </a:rPr>
-              <a:t>threshold</a:t>
-            </a:r>
-            <a:r>
-              <a:rPr lang="zh-TW" altLang="en-US" sz="3200" b="1" dirty="0">
-                <a:latin typeface="標楷體" panose="03000509000000000000" pitchFamily="65" charset="-120"/>
-                <a:ea typeface="標楷體" panose="03000509000000000000" pitchFamily="65" charset="-120"/>
-              </a:rPr>
-              <a:t>作為車子前進或停止的依據。</a:t>
+              <a:t>並將此作為車子前進或停止的依據。</a:t>
             </a:r>
             <a:endParaRPr lang="en-US" altLang="zh-TW" sz="3200" b="1" dirty="0">
               <a:ea typeface="標楷體" panose="03000509000000000000" pitchFamily="65" charset="-120"/>
@@ -6593,10 +3828,10 @@
       </p:sp>
       <p:pic>
         <p:nvPicPr>
-          <p:cNvPr id="30" name="圖片 29" descr="一張含有 文字, 螢幕擷取畫面, 字型, 設計 的圖片&#10;&#10;自動產生的描述">
+          <p:cNvPr id="47" name="圖片 46" descr="一張含有 文字, 室內, 電腦監視器, 電腦鍵盤 的圖片&#10;&#10;自動產生的描述">
             <a:extLst>
               <a:ext uri="{FF2B5EF4-FFF2-40B4-BE49-F238E27FC236}">
-                <a16:creationId xmlns:a16="http://schemas.microsoft.com/office/drawing/2014/main" id="{7AE2EAF5-A01E-3412-D827-0311777C758D}"/>
+                <a16:creationId xmlns:a16="http://schemas.microsoft.com/office/drawing/2014/main" id="{5275F5F0-9140-B910-716B-53D9103E1D7D}"/>
               </a:ext>
             </a:extLst>
           </p:cNvPr>
@@ -6606,7 +3841,7 @@
           <p:nvPr/>
         </p:nvPicPr>
         <p:blipFill>
-          <a:blip r:embed="rId11">
+          <a:blip r:embed="rId3">
             <a:extLst>
               <a:ext uri="{28A0092B-C50C-407E-A947-70E740481C1C}">
                 <a14:useLocalDpi xmlns:a14="http://schemas.microsoft.com/office/drawing/2010/main" val="0"/>
@@ -6619,675 +3854,2312 @@
         </p:blipFill>
         <p:spPr>
           <a:xfrm>
-            <a:off x="1353520" y="11897890"/>
-            <a:ext cx="8232489" cy="5802043"/>
+            <a:off x="18320730" y="11466304"/>
+            <a:ext cx="2244882" cy="2993176"/>
           </a:xfrm>
           <a:prstGeom prst="rect">
             <a:avLst/>
           </a:prstGeom>
-          <a:solidFill>
-            <a:srgbClr val="FFFFFF">
-              <a:shade val="85000"/>
-            </a:srgbClr>
-          </a:solidFill>
-          <a:ln w="88900" cap="sq">
-            <a:solidFill>
-              <a:srgbClr val="FFFFFF"/>
-            </a:solidFill>
-            <a:miter lim="800000"/>
-          </a:ln>
-          <a:effectLst>
-            <a:outerShdw blurRad="55000" dist="18000" dir="5400000" algn="tl" rotWithShape="0">
-              <a:srgbClr val="000000">
-                <a:alpha val="40000"/>
-              </a:srgbClr>
-            </a:outerShdw>
-          </a:effectLst>
-          <a:scene3d>
-            <a:camera prst="orthographicFront"/>
-            <a:lightRig rig="twoPt" dir="t">
-              <a:rot lat="0" lon="0" rev="7200000"/>
-            </a:lightRig>
-          </a:scene3d>
-          <a:sp3d>
-            <a:bevelT w="25400" h="19050"/>
-            <a:contourClr>
-              <a:srgbClr val="FFFFFF"/>
-            </a:contourClr>
-          </a:sp3d>
         </p:spPr>
       </p:pic>
-      <p:sp>
-        <p:nvSpPr>
-          <p:cNvPr id="31" name="文字方塊 30">
+      <p:grpSp>
+        <p:nvGrpSpPr>
+          <p:cNvPr id="62" name="群組 61">
             <a:extLst>
               <a:ext uri="{FF2B5EF4-FFF2-40B4-BE49-F238E27FC236}">
-                <a16:creationId xmlns:a16="http://schemas.microsoft.com/office/drawing/2014/main" id="{E27822F1-64EF-F1EA-3D92-5589BBBE4CC6}"/>
+                <a16:creationId xmlns:a16="http://schemas.microsoft.com/office/drawing/2014/main" id="{013B7469-D269-9522-E42C-182B1750D0A3}"/>
               </a:ext>
             </a:extLst>
           </p:cNvPr>
-          <p:cNvSpPr txBox="1"/>
+          <p:cNvGrpSpPr/>
           <p:nvPr/>
-        </p:nvSpPr>
-        <p:spPr>
+        </p:nvGrpSpPr>
+        <p:grpSpPr>
           <a:xfrm>
-            <a:off x="1146683" y="18110378"/>
-            <a:ext cx="9100505" cy="1015663"/>
+            <a:off x="581014" y="8834433"/>
+            <a:ext cx="9799872" cy="19838514"/>
+            <a:chOff x="561618" y="9584964"/>
+            <a:chExt cx="9799872" cy="19838514"/>
           </a:xfrm>
-          <a:prstGeom prst="rect">
-            <a:avLst/>
-          </a:prstGeom>
-          <a:noFill/>
-        </p:spPr>
-        <p:txBody>
-          <a:bodyPr wrap="square" rtlCol="0">
-            <a:spAutoFit/>
-          </a:bodyPr>
-          <a:lstStyle/>
-          <a:p>
-            <a:r>
-              <a:rPr lang="en-US" altLang="zh-TW" sz="3200" b="1" dirty="0">
+        </p:grpSpPr>
+        <p:grpSp>
+          <p:nvGrpSpPr>
+            <p:cNvPr id="21" name="群組 20">
+              <a:extLst>
+                <a:ext uri="{FF2B5EF4-FFF2-40B4-BE49-F238E27FC236}">
+                  <a16:creationId xmlns:a16="http://schemas.microsoft.com/office/drawing/2014/main" id="{CE009F1F-A70B-61D1-61C3-5FCE1445ADF5}"/>
+                </a:ext>
+              </a:extLst>
+            </p:cNvPr>
+            <p:cNvGrpSpPr/>
+            <p:nvPr/>
+          </p:nvGrpSpPr>
+          <p:grpSpPr>
+            <a:xfrm>
+              <a:off x="561618" y="9584964"/>
+              <a:ext cx="9799872" cy="19838514"/>
+              <a:chOff x="1512441" y="5095011"/>
+              <a:chExt cx="18800064" cy="4300339"/>
+            </a:xfrm>
+          </p:grpSpPr>
+          <p:sp>
+            <p:nvSpPr>
+              <p:cNvPr id="22" name="矩形: 圓角 21">
+                <a:extLst>
+                  <a:ext uri="{FF2B5EF4-FFF2-40B4-BE49-F238E27FC236}">
+                    <a16:creationId xmlns:a16="http://schemas.microsoft.com/office/drawing/2014/main" id="{6BE8F8D4-24C7-6B61-8956-DAD17B4B615A}"/>
+                  </a:ext>
+                </a:extLst>
+              </p:cNvPr>
+              <p:cNvSpPr/>
+              <p:nvPr/>
+            </p:nvSpPr>
+            <p:spPr>
+              <a:xfrm>
+                <a:off x="1512441" y="5206442"/>
+                <a:ext cx="18800064" cy="4188908"/>
+              </a:xfrm>
+              <a:prstGeom prst="roundRect">
+                <a:avLst/>
+              </a:prstGeom>
+              <a:solidFill>
+                <a:schemeClr val="accent6">
+                  <a:lumMod val="20000"/>
+                  <a:lumOff val="80000"/>
+                </a:schemeClr>
+              </a:solidFill>
+              <a:ln w="215900">
+                <a:solidFill>
+                  <a:schemeClr val="bg2">
+                    <a:lumMod val="25000"/>
+                  </a:schemeClr>
+                </a:solidFill>
+              </a:ln>
+            </p:spPr>
+            <p:style>
+              <a:lnRef idx="2">
+                <a:schemeClr val="accent1">
+                  <a:shade val="15000"/>
+                </a:schemeClr>
+              </a:lnRef>
+              <a:fillRef idx="1">
+                <a:schemeClr val="accent1"/>
+              </a:fillRef>
+              <a:effectRef idx="0">
+                <a:schemeClr val="accent1"/>
+              </a:effectRef>
+              <a:fontRef idx="minor">
+                <a:schemeClr val="lt1"/>
+              </a:fontRef>
+            </p:style>
+            <p:txBody>
+              <a:bodyPr rtlCol="0" anchor="ctr"/>
+              <a:lstStyle/>
+              <a:p>
+                <a:pPr algn="ctr"/>
+                <a:endParaRPr lang="zh-TW" altLang="en-US" dirty="0"/>
+              </a:p>
+            </p:txBody>
+          </p:sp>
+          <p:sp>
+            <p:nvSpPr>
+              <p:cNvPr id="23" name="矩形 22">
+                <a:extLst>
+                  <a:ext uri="{FF2B5EF4-FFF2-40B4-BE49-F238E27FC236}">
+                    <a16:creationId xmlns:a16="http://schemas.microsoft.com/office/drawing/2014/main" id="{1E765AD5-B137-0E8F-18AE-32773DB9EEC4}"/>
+                  </a:ext>
+                </a:extLst>
+              </p:cNvPr>
+              <p:cNvSpPr/>
+              <p:nvPr/>
+            </p:nvSpPr>
+            <p:spPr>
+              <a:xfrm>
+                <a:off x="9248841" y="5095011"/>
+                <a:ext cx="3434251" cy="167025"/>
+              </a:xfrm>
+              <a:prstGeom prst="rect">
+                <a:avLst/>
+              </a:prstGeom>
+              <a:solidFill>
+                <a:schemeClr val="bg2">
+                  <a:lumMod val="25000"/>
+                </a:schemeClr>
+              </a:solidFill>
+              <a:ln>
+                <a:solidFill>
+                  <a:schemeClr val="bg2">
+                    <a:lumMod val="25000"/>
+                  </a:schemeClr>
+                </a:solidFill>
+              </a:ln>
+            </p:spPr>
+            <p:style>
+              <a:lnRef idx="2">
+                <a:schemeClr val="accent1">
+                  <a:shade val="15000"/>
+                </a:schemeClr>
+              </a:lnRef>
+              <a:fillRef idx="1">
+                <a:schemeClr val="accent1"/>
+              </a:fillRef>
+              <a:effectRef idx="0">
+                <a:schemeClr val="accent1"/>
+              </a:effectRef>
+              <a:fontRef idx="minor">
+                <a:schemeClr val="lt1"/>
+              </a:fontRef>
+            </p:style>
+            <p:txBody>
+              <a:bodyPr rtlCol="0" anchor="ctr"/>
+              <a:lstStyle/>
+              <a:p>
+                <a:pPr algn="ctr"/>
+                <a:r>
+                  <a:rPr lang="zh-TW" altLang="en-US" sz="5400" dirty="0">
+                    <a:latin typeface="標楷體" panose="03000509000000000000" pitchFamily="65" charset="-120"/>
+                    <a:ea typeface="標楷體" panose="03000509000000000000" pitchFamily="65" charset="-120"/>
+                  </a:rPr>
+                  <a:t>方法</a:t>
+                </a:r>
+              </a:p>
+            </p:txBody>
+          </p:sp>
+        </p:grpSp>
+        <p:sp>
+          <p:nvSpPr>
+            <p:cNvPr id="31" name="文字方塊 30">
+              <a:extLst>
+                <a:ext uri="{FF2B5EF4-FFF2-40B4-BE49-F238E27FC236}">
+                  <a16:creationId xmlns:a16="http://schemas.microsoft.com/office/drawing/2014/main" id="{E27822F1-64EF-F1EA-3D92-5589BBBE4CC6}"/>
+                </a:ext>
+              </a:extLst>
+            </p:cNvPr>
+            <p:cNvSpPr txBox="1"/>
+            <p:nvPr/>
+          </p:nvSpPr>
+          <p:spPr>
+            <a:xfrm>
+              <a:off x="1143233" y="17140939"/>
+              <a:ext cx="9186959" cy="1446550"/>
+            </a:xfrm>
+            <a:prstGeom prst="rect">
+              <a:avLst/>
+            </a:prstGeom>
+            <a:noFill/>
+          </p:spPr>
+          <p:txBody>
+            <a:bodyPr wrap="square" rtlCol="0">
+              <a:spAutoFit/>
+            </a:bodyPr>
+            <a:lstStyle/>
+            <a:p>
+              <a:r>
+                <a:rPr lang="en-US" altLang="zh-TW" sz="3200" b="1" dirty="0">
+                  <a:latin typeface="+mj-lt"/>
+                  <a:ea typeface="標楷體" panose="03000509000000000000" pitchFamily="65" charset="-120"/>
+                </a:rPr>
+                <a:t>Signal Acquisition : </a:t>
+              </a:r>
+            </a:p>
+            <a:p>
+              <a:r>
+                <a:rPr lang="en-US" altLang="zh-TW" sz="2800" dirty="0">
+                  <a:latin typeface="+mj-lt"/>
+                  <a:ea typeface="標楷體" panose="03000509000000000000" pitchFamily="65" charset="-120"/>
+                </a:rPr>
+                <a:t>Cygnus (Sample rate 1000Hz), Channel Selection : O</a:t>
+              </a:r>
+              <a:r>
+                <a:rPr lang="en-US" altLang="zh-TW" sz="2000" dirty="0">
+                  <a:latin typeface="+mj-lt"/>
+                  <a:ea typeface="標楷體" panose="03000509000000000000" pitchFamily="65" charset="-120"/>
+                </a:rPr>
+                <a:t>1</a:t>
+              </a:r>
+              <a:r>
+                <a:rPr lang="en-US" altLang="zh-TW" sz="2800" dirty="0">
+                  <a:latin typeface="+mj-lt"/>
+                  <a:ea typeface="標楷體" panose="03000509000000000000" pitchFamily="65" charset="-120"/>
+                </a:rPr>
+                <a:t>,</a:t>
+              </a:r>
+              <a:r>
+                <a:rPr lang="zh-TW" altLang="en-US" sz="2800" dirty="0">
+                  <a:latin typeface="+mj-lt"/>
+                  <a:ea typeface="標楷體" panose="03000509000000000000" pitchFamily="65" charset="-120"/>
+                </a:rPr>
+                <a:t> </a:t>
+              </a:r>
+              <a:endParaRPr lang="en-US" altLang="zh-TW" sz="2800" dirty="0">
                 <a:latin typeface="+mj-lt"/>
                 <a:ea typeface="標楷體" panose="03000509000000000000" pitchFamily="65" charset="-120"/>
-              </a:rPr>
-              <a:t>Signal Acquisition : </a:t>
-            </a:r>
-          </a:p>
-          <a:p>
-            <a:r>
-              <a:rPr lang="en-US" altLang="zh-TW" sz="2800" dirty="0">
+              </a:endParaRPr>
+            </a:p>
+            <a:p>
+              <a:r>
+                <a:rPr lang="en-US" altLang="zh-TW" sz="2800" dirty="0">
+                  <a:latin typeface="+mj-lt"/>
+                  <a:ea typeface="標楷體" panose="03000509000000000000" pitchFamily="65" charset="-120"/>
+                </a:rPr>
+                <a:t>Notch filter : 50Hz </a:t>
+              </a:r>
+              <a:endParaRPr lang="zh-TW" altLang="en-US" sz="2800" dirty="0">
                 <a:latin typeface="+mj-lt"/>
                 <a:ea typeface="標楷體" panose="03000509000000000000" pitchFamily="65" charset="-120"/>
-              </a:rPr>
-              <a:t>Cygnus (Sample rate 1000Hz), Channel Select : O1 </a:t>
-            </a:r>
-            <a:endParaRPr lang="zh-TW" altLang="en-US" sz="2800" dirty="0">
-              <a:latin typeface="+mj-lt"/>
-              <a:ea typeface="標楷體" panose="03000509000000000000" pitchFamily="65" charset="-120"/>
-            </a:endParaRPr>
-          </a:p>
-        </p:txBody>
-      </p:sp>
-      <p:sp>
-        <p:nvSpPr>
-          <p:cNvPr id="32" name="文字方塊 31">
+              </a:endParaRPr>
+            </a:p>
+          </p:txBody>
+        </p:sp>
+        <mc:AlternateContent xmlns:mc="http://schemas.openxmlformats.org/markup-compatibility/2006">
+          <mc:Choice xmlns:a14="http://schemas.microsoft.com/office/drawing/2010/main" Requires="a14">
+            <p:sp>
+              <p:nvSpPr>
+                <p:cNvPr id="32" name="文字方塊 31">
+                  <a:extLst>
+                    <a:ext uri="{FF2B5EF4-FFF2-40B4-BE49-F238E27FC236}">
+                      <a16:creationId xmlns:a16="http://schemas.microsoft.com/office/drawing/2014/main" id="{B9E00F56-B566-2BD2-2D9C-BB4F6E01F365}"/>
+                    </a:ext>
+                  </a:extLst>
+                </p:cNvPr>
+                <p:cNvSpPr txBox="1"/>
+                <p:nvPr/>
+              </p:nvSpPr>
+              <p:spPr>
+                <a:xfrm>
+                  <a:off x="1146683" y="18587489"/>
+                  <a:ext cx="8865306" cy="2930674"/>
+                </a:xfrm>
+                <a:prstGeom prst="rect">
+                  <a:avLst/>
+                </a:prstGeom>
+                <a:noFill/>
+              </p:spPr>
+              <p:txBody>
+                <a:bodyPr wrap="square" rtlCol="0">
+                  <a:spAutoFit/>
+                </a:bodyPr>
+                <a:lstStyle/>
+                <a:p>
+                  <a:r>
+                    <a:rPr lang="en-US" altLang="zh-TW" sz="3200" b="1" dirty="0">
+                      <a:latin typeface="+mj-lt"/>
+                      <a:ea typeface="標楷體" panose="03000509000000000000" pitchFamily="65" charset="-120"/>
+                    </a:rPr>
+                    <a:t>Feature Extraction :</a:t>
+                  </a:r>
+                </a:p>
+                <a:p>
+                  <a:r>
+                    <a:rPr lang="en-US" altLang="zh-TW" sz="2800" dirty="0">
+                      <a:latin typeface="+mj-lt"/>
+                      <a:ea typeface="標楷體" panose="03000509000000000000" pitchFamily="65" charset="-120"/>
+                    </a:rPr>
+                    <a:t>Band Filter : 0~40Hz</a:t>
+                  </a:r>
+                </a:p>
+                <a:p>
+                  <a:r>
+                    <a:rPr lang="en-US" altLang="zh-TW" sz="2800" dirty="0">
+                      <a:latin typeface="+mj-lt"/>
+                      <a:ea typeface="標楷體" panose="03000509000000000000" pitchFamily="65" charset="-120"/>
+                    </a:rPr>
+                    <a:t>PSD</a:t>
+                  </a:r>
+                  <a:r>
+                    <a:rPr lang="zh-TW" altLang="en-US" sz="2800" dirty="0">
+                      <a:latin typeface="+mj-lt"/>
+                      <a:ea typeface="標楷體" panose="03000509000000000000" pitchFamily="65" charset="-120"/>
+                    </a:rPr>
+                    <a:t> </a:t>
+                  </a:r>
+                  <a:r>
+                    <a:rPr lang="en-US" altLang="zh-TW" sz="2800" dirty="0">
+                      <a:latin typeface="+mj-lt"/>
+                      <a:ea typeface="標楷體" panose="03000509000000000000" pitchFamily="65" charset="-120"/>
+                    </a:rPr>
+                    <a:t>:</a:t>
+                  </a:r>
+                  <a:r>
+                    <a:rPr lang="zh-TW" altLang="en-US" sz="2800" dirty="0">
+                      <a:latin typeface="+mj-lt"/>
+                      <a:ea typeface="標楷體" panose="03000509000000000000" pitchFamily="65" charset="-120"/>
+                    </a:rPr>
+                    <a:t> </a:t>
+                  </a:r>
+                  <a14:m>
+                    <m:oMath xmlns:m="http://schemas.openxmlformats.org/officeDocument/2006/math">
+                      <m:f>
+                        <m:fPr>
+                          <m:ctrlPr>
+                            <a:rPr lang="en-US" altLang="zh-TW" sz="2800" smtClean="0">
+                              <a:solidFill>
+                                <a:srgbClr val="836967"/>
+                              </a:solidFill>
+                              <a:latin typeface="Cambria Math" panose="02040503050406030204" pitchFamily="18" charset="0"/>
+                            </a:rPr>
+                          </m:ctrlPr>
+                        </m:fPr>
+                        <m:num>
+                          <m:r>
+                            <a:rPr lang="en-US" altLang="zh-TW" sz="2800" smtClean="0">
+                              <a:latin typeface="Cambria Math" panose="02040503050406030204" pitchFamily="18" charset="0"/>
+                            </a:rPr>
+                            <m:t>1</m:t>
+                          </m:r>
+                        </m:num>
+                        <m:den>
+                          <m:r>
+                            <a:rPr lang="en-US" altLang="zh-TW" sz="2800" i="1" smtClean="0">
+                              <a:latin typeface="Cambria Math" panose="02040503050406030204" pitchFamily="18" charset="0"/>
+                            </a:rPr>
+                            <m:t>𝑛</m:t>
+                          </m:r>
+                        </m:den>
+                      </m:f>
+                      <m:nary>
+                        <m:naryPr>
+                          <m:chr m:val="∑"/>
+                          <m:grow m:val="on"/>
+                          <m:subHide m:val="on"/>
+                          <m:supHide m:val="on"/>
+                          <m:ctrlPr>
+                            <a:rPr lang="en-US" altLang="zh-TW" sz="2800" i="1" smtClean="0">
+                              <a:latin typeface="Cambria Math" panose="02040503050406030204" pitchFamily="18" charset="0"/>
+                            </a:rPr>
+                          </m:ctrlPr>
+                        </m:naryPr>
+                        <m:sub/>
+                        <m:sup/>
+                        <m:e>
+                          <m:sSup>
+                            <m:sSupPr>
+                              <m:ctrlPr>
+                                <a:rPr lang="en-US" altLang="zh-TW" sz="2800" i="1" smtClean="0">
+                                  <a:solidFill>
+                                    <a:srgbClr val="836967"/>
+                                  </a:solidFill>
+                                  <a:latin typeface="Cambria Math" panose="02040503050406030204" pitchFamily="18" charset="0"/>
+                                </a:rPr>
+                              </m:ctrlPr>
+                            </m:sSupPr>
+                            <m:e>
+                              <m:r>
+                                <a:rPr lang="en-US" altLang="zh-TW" sz="2800" i="1" smtClean="0">
+                                  <a:latin typeface="Cambria Math" panose="02040503050406030204" pitchFamily="18" charset="0"/>
+                                </a:rPr>
+                                <m:t>𝑥</m:t>
+                              </m:r>
+                            </m:e>
+                            <m:sup>
+                              <m:r>
+                                <a:rPr lang="en-US" altLang="zh-TW" sz="2800" i="0" smtClean="0">
+                                  <a:latin typeface="Cambria Math" panose="02040503050406030204" pitchFamily="18" charset="0"/>
+                                </a:rPr>
+                                <m:t>2</m:t>
+                              </m:r>
+                            </m:sup>
+                          </m:sSup>
+                        </m:e>
+                      </m:nary>
+                    </m:oMath>
+                  </a14:m>
+                  <a:r>
+                    <a:rPr lang="en-US" altLang="zh-TW" sz="2800" dirty="0">
+                      <a:latin typeface="+mj-lt"/>
+                      <a:ea typeface="標楷體" panose="03000509000000000000" pitchFamily="65" charset="-120"/>
+                    </a:rPr>
+                    <a:t>(where x is signal power)</a:t>
+                  </a:r>
+                </a:p>
+                <a:p>
+                  <a:r>
+                    <a:rPr lang="zh-TW" altLang="en-US" sz="2800" dirty="0">
+                      <a:latin typeface="標楷體" panose="03000509000000000000" pitchFamily="65" charset="-120"/>
+                      <a:ea typeface="標楷體" panose="03000509000000000000" pitchFamily="65" charset="-120"/>
+                    </a:rPr>
+                    <a:t>將透過裝置讀取到的訊號</a:t>
+                  </a:r>
+                  <a:r>
+                    <a:rPr lang="en-US" altLang="zh-TW" sz="2800" dirty="0">
+                      <a:latin typeface="+mj-lt"/>
+                      <a:ea typeface="標楷體" panose="03000509000000000000" pitchFamily="65" charset="-120"/>
+                    </a:rPr>
+                    <a:t>filter</a:t>
+                  </a:r>
+                  <a:r>
+                    <a:rPr lang="zh-TW" altLang="en-US" sz="2800" dirty="0">
+                      <a:latin typeface="標楷體" panose="03000509000000000000" pitchFamily="65" charset="-120"/>
+                      <a:ea typeface="標楷體" panose="03000509000000000000" pitchFamily="65" charset="-120"/>
+                    </a:rPr>
+                    <a:t>成</a:t>
+                  </a:r>
+                  <a:r>
+                    <a:rPr lang="en-US" altLang="zh-TW" sz="2800" dirty="0">
+                      <a:latin typeface="標楷體" panose="03000509000000000000" pitchFamily="65" charset="-120"/>
+                      <a:ea typeface="標楷體" panose="03000509000000000000" pitchFamily="65" charset="-120"/>
+                    </a:rPr>
+                    <a:t>4</a:t>
+                  </a:r>
+                  <a:r>
+                    <a:rPr lang="zh-TW" altLang="en-US" sz="2800" dirty="0">
+                      <a:latin typeface="標楷體" panose="03000509000000000000" pitchFamily="65" charset="-120"/>
+                      <a:ea typeface="標楷體" panose="03000509000000000000" pitchFamily="65" charset="-120"/>
+                    </a:rPr>
+                    <a:t>種頻帶訊號</a:t>
+                  </a:r>
+                  <a:endParaRPr lang="en-US" altLang="zh-TW" sz="2800" dirty="0">
+                    <a:latin typeface="標楷體" panose="03000509000000000000" pitchFamily="65" charset="-120"/>
+                    <a:ea typeface="標楷體" panose="03000509000000000000" pitchFamily="65" charset="-120"/>
+                  </a:endParaRPr>
+                </a:p>
+                <a:p>
+                  <a:r>
+                    <a:rPr lang="el-GR" altLang="zh-TW" sz="2800" dirty="0">
+                      <a:latin typeface="+mj-lt"/>
+                      <a:ea typeface="標楷體" panose="03000509000000000000" pitchFamily="65" charset="-120"/>
+                    </a:rPr>
+                    <a:t>δ</a:t>
+                  </a:r>
+                  <a:r>
+                    <a:rPr lang="en-US" altLang="zh-TW" sz="2800" dirty="0">
+                      <a:latin typeface="+mj-lt"/>
+                      <a:ea typeface="標楷體" panose="03000509000000000000" pitchFamily="65" charset="-120"/>
+                    </a:rPr>
+                    <a:t>(1~4Hz)</a:t>
+                  </a:r>
+                  <a:r>
+                    <a:rPr lang="zh-TW" altLang="en-US" sz="2800" dirty="0">
+                      <a:latin typeface="標楷體" panose="03000509000000000000" pitchFamily="65" charset="-120"/>
+                      <a:ea typeface="標楷體" panose="03000509000000000000" pitchFamily="65" charset="-120"/>
+                    </a:rPr>
+                    <a:t>，</a:t>
+                  </a:r>
+                  <a:r>
+                    <a:rPr lang="el-GR" altLang="zh-TW" sz="2800" dirty="0">
+                      <a:latin typeface="+mj-lt"/>
+                      <a:ea typeface="標楷體" panose="03000509000000000000" pitchFamily="65" charset="-120"/>
+                    </a:rPr>
+                    <a:t>θ</a:t>
+                  </a:r>
+                  <a:r>
+                    <a:rPr lang="en-US" altLang="zh-TW" sz="2800" dirty="0">
+                      <a:latin typeface="+mj-lt"/>
+                      <a:ea typeface="標楷體" panose="03000509000000000000" pitchFamily="65" charset="-120"/>
+                    </a:rPr>
+                    <a:t>(4~8Hz)</a:t>
+                  </a:r>
+                  <a:r>
+                    <a:rPr lang="zh-TW" altLang="en-US" sz="2800" dirty="0">
+                      <a:latin typeface="標楷體" panose="03000509000000000000" pitchFamily="65" charset="-120"/>
+                      <a:ea typeface="標楷體" panose="03000509000000000000" pitchFamily="65" charset="-120"/>
+                    </a:rPr>
+                    <a:t>，</a:t>
+                  </a:r>
+                  <a:r>
+                    <a:rPr lang="el-GR" altLang="zh-TW" sz="2800" dirty="0">
+                      <a:latin typeface="+mj-lt"/>
+                      <a:ea typeface="標楷體" panose="03000509000000000000" pitchFamily="65" charset="-120"/>
+                    </a:rPr>
+                    <a:t>α</a:t>
+                  </a:r>
+                  <a:r>
+                    <a:rPr lang="en-US" altLang="zh-TW" sz="2800" dirty="0">
+                      <a:latin typeface="+mj-lt"/>
+                      <a:ea typeface="標楷體" panose="03000509000000000000" pitchFamily="65" charset="-120"/>
+                    </a:rPr>
+                    <a:t>(8~12Hz)</a:t>
+                  </a:r>
+                  <a:r>
+                    <a:rPr lang="zh-TW" altLang="en-US" sz="2800" dirty="0">
+                      <a:latin typeface="標楷體" panose="03000509000000000000" pitchFamily="65" charset="-120"/>
+                      <a:ea typeface="標楷體" panose="03000509000000000000" pitchFamily="65" charset="-120"/>
+                    </a:rPr>
+                    <a:t>，</a:t>
+                  </a:r>
+                  <a:r>
+                    <a:rPr lang="el-GR" altLang="zh-TW" sz="2800" dirty="0">
+                      <a:latin typeface="+mj-lt"/>
+                      <a:ea typeface="標楷體" panose="03000509000000000000" pitchFamily="65" charset="-120"/>
+                    </a:rPr>
+                    <a:t>β</a:t>
+                  </a:r>
+                  <a:r>
+                    <a:rPr lang="en-US" altLang="zh-TW" sz="2800" dirty="0">
+                      <a:latin typeface="+mj-lt"/>
+                      <a:ea typeface="標楷體" panose="03000509000000000000" pitchFamily="65" charset="-120"/>
+                    </a:rPr>
+                    <a:t>(12~40Hz)</a:t>
+                  </a:r>
+                  <a:r>
+                    <a:rPr lang="zh-TW" altLang="en-US" sz="2800" dirty="0">
+                      <a:latin typeface="標楷體" panose="03000509000000000000" pitchFamily="65" charset="-120"/>
+                      <a:ea typeface="標楷體" panose="03000509000000000000" pitchFamily="65" charset="-120"/>
+                    </a:rPr>
+                    <a:t>，並計算</a:t>
+                  </a:r>
+                  <a:r>
+                    <a:rPr lang="el-GR" altLang="zh-TW" sz="2800" dirty="0">
+                      <a:latin typeface="+mj-lt"/>
+                      <a:ea typeface="標楷體" panose="03000509000000000000" pitchFamily="65" charset="-120"/>
+                    </a:rPr>
+                    <a:t>α</a:t>
+                  </a:r>
+                  <a:r>
+                    <a:rPr lang="zh-TW" altLang="en-US" sz="2800" dirty="0">
+                      <a:latin typeface="標楷體" panose="03000509000000000000" pitchFamily="65" charset="-120"/>
+                      <a:ea typeface="標楷體" panose="03000509000000000000" pitchFamily="65" charset="-120"/>
+                    </a:rPr>
+                    <a:t>在這其中的占比是多少。</a:t>
+                  </a:r>
+                </a:p>
+              </p:txBody>
+            </p:sp>
+          </mc:Choice>
+          <mc:Fallback>
+            <p:sp>
+              <p:nvSpPr>
+                <p:cNvPr id="32" name="文字方塊 31">
+                  <a:extLst>
+                    <a:ext uri="{FF2B5EF4-FFF2-40B4-BE49-F238E27FC236}">
+                      <a16:creationId xmlns:a16="http://schemas.microsoft.com/office/drawing/2014/main" id="{B9E00F56-B566-2BD2-2D9C-BB4F6E01F365}"/>
+                    </a:ext>
+                  </a:extLst>
+                </p:cNvPr>
+                <p:cNvSpPr txBox="1">
+                  <a:spLocks noRot="1" noChangeAspect="1" noMove="1" noResize="1" noEditPoints="1" noAdjustHandles="1" noChangeArrowheads="1" noChangeShapeType="1" noTextEdit="1"/>
+                </p:cNvSpPr>
+                <p:nvPr/>
+              </p:nvSpPr>
+              <p:spPr>
+                <a:xfrm>
+                  <a:off x="1146683" y="18587489"/>
+                  <a:ext cx="8865306" cy="2930674"/>
+                </a:xfrm>
+                <a:prstGeom prst="rect">
+                  <a:avLst/>
+                </a:prstGeom>
+                <a:blipFill>
+                  <a:blip r:embed="rId4"/>
+                  <a:stretch>
+                    <a:fillRect l="-1718" t="-2495" b="-4366"/>
+                  </a:stretch>
+                </a:blipFill>
+              </p:spPr>
+              <p:txBody>
+                <a:bodyPr/>
+                <a:lstStyle/>
+                <a:p>
+                  <a:r>
+                    <a:rPr lang="zh-TW" altLang="en-US">
+                      <a:noFill/>
+                    </a:rPr>
+                    <a:t> </a:t>
+                  </a:r>
+                </a:p>
+              </p:txBody>
+            </p:sp>
+          </mc:Fallback>
+        </mc:AlternateContent>
+        <p:sp>
+          <p:nvSpPr>
+            <p:cNvPr id="33" name="文字方塊 32">
+              <a:extLst>
+                <a:ext uri="{FF2B5EF4-FFF2-40B4-BE49-F238E27FC236}">
+                  <a16:creationId xmlns:a16="http://schemas.microsoft.com/office/drawing/2014/main" id="{E16B526E-599B-4586-99F9-44283316C4BF}"/>
+                </a:ext>
+              </a:extLst>
+            </p:cNvPr>
+            <p:cNvSpPr txBox="1"/>
+            <p:nvPr/>
+          </p:nvSpPr>
+          <p:spPr>
+            <a:xfrm>
+              <a:off x="1148653" y="21549940"/>
+              <a:ext cx="8599828" cy="2308324"/>
+            </a:xfrm>
+            <a:prstGeom prst="rect">
+              <a:avLst/>
+            </a:prstGeom>
+            <a:noFill/>
+          </p:spPr>
+          <p:txBody>
+            <a:bodyPr wrap="square" rtlCol="0">
+              <a:spAutoFit/>
+            </a:bodyPr>
+            <a:lstStyle/>
+            <a:p>
+              <a:r>
+                <a:rPr lang="en-US" altLang="zh-TW" sz="3200" b="1" dirty="0">
+                  <a:latin typeface="+mj-lt"/>
+                </a:rPr>
+                <a:t>Translation Algorithm :</a:t>
+              </a:r>
+            </a:p>
+            <a:p>
+              <a:r>
+                <a:rPr lang="zh-TW" altLang="en-US" sz="2800" dirty="0">
+                  <a:latin typeface="標楷體" panose="03000509000000000000" pitchFamily="65" charset="-120"/>
+                  <a:ea typeface="標楷體" panose="03000509000000000000" pitchFamily="65" charset="-120"/>
+                </a:rPr>
+                <a:t>我們將先收集受測者前</a:t>
+              </a:r>
+              <a:r>
+                <a:rPr lang="en-US" altLang="zh-TW" sz="2800" dirty="0">
+                  <a:latin typeface="標楷體" panose="03000509000000000000" pitchFamily="65" charset="-120"/>
+                  <a:ea typeface="標楷體" panose="03000509000000000000" pitchFamily="65" charset="-120"/>
+                </a:rPr>
+                <a:t>30</a:t>
+              </a:r>
+              <a:r>
+                <a:rPr lang="zh-TW" altLang="en-US" sz="2800" dirty="0">
+                  <a:latin typeface="標楷體" panose="03000509000000000000" pitchFamily="65" charset="-120"/>
+                  <a:ea typeface="標楷體" panose="03000509000000000000" pitchFamily="65" charset="-120"/>
+                </a:rPr>
+                <a:t>秒計算出的</a:t>
+              </a:r>
+              <a:r>
+                <a:rPr lang="en-US" altLang="zh-TW" sz="2800" dirty="0">
+                  <a:latin typeface="+mj-lt"/>
+                  <a:ea typeface="標楷體" panose="03000509000000000000" pitchFamily="65" charset="-120"/>
+                </a:rPr>
+                <a:t>alpha</a:t>
+              </a:r>
+              <a:r>
+                <a:rPr lang="zh-TW" altLang="en-US" sz="2800" dirty="0">
+                  <a:latin typeface="+mj-lt"/>
+                  <a:ea typeface="標楷體" panose="03000509000000000000" pitchFamily="65" charset="-120"/>
+                </a:rPr>
+                <a:t> </a:t>
+              </a:r>
+              <a:r>
+                <a:rPr lang="en-US" altLang="zh-TW" sz="2800" dirty="0">
+                  <a:latin typeface="+mj-lt"/>
+                  <a:ea typeface="標楷體" panose="03000509000000000000" pitchFamily="65" charset="-120"/>
+                </a:rPr>
+                <a:t>power ratio</a:t>
+              </a:r>
+              <a:r>
+                <a:rPr lang="zh-TW" altLang="en-US" sz="2800" dirty="0">
+                  <a:latin typeface="標楷體" panose="03000509000000000000" pitchFamily="65" charset="-120"/>
+                  <a:ea typeface="標楷體" panose="03000509000000000000" pitchFamily="65" charset="-120"/>
+                </a:rPr>
+                <a:t>，在這</a:t>
+              </a:r>
+              <a:r>
+                <a:rPr lang="en-US" altLang="zh-TW" sz="2800" dirty="0">
+                  <a:latin typeface="標楷體" panose="03000509000000000000" pitchFamily="65" charset="-120"/>
+                  <a:ea typeface="標楷體" panose="03000509000000000000" pitchFamily="65" charset="-120"/>
+                </a:rPr>
+                <a:t>30</a:t>
+              </a:r>
+              <a:r>
+                <a:rPr lang="zh-TW" altLang="en-US" sz="2800" dirty="0">
+                  <a:latin typeface="標楷體" panose="03000509000000000000" pitchFamily="65" charset="-120"/>
+                  <a:ea typeface="標楷體" panose="03000509000000000000" pitchFamily="65" charset="-120"/>
+                </a:rPr>
+                <a:t>秒鐘，我們將分成</a:t>
+              </a:r>
+              <a:r>
+                <a:rPr lang="en-US" altLang="zh-TW" sz="2800" dirty="0">
+                  <a:latin typeface="標楷體" panose="03000509000000000000" pitchFamily="65" charset="-120"/>
+                  <a:ea typeface="標楷體" panose="03000509000000000000" pitchFamily="65" charset="-120"/>
+                </a:rPr>
+                <a:t>3</a:t>
+              </a:r>
+              <a:r>
+                <a:rPr lang="zh-TW" altLang="en-US" sz="2800" dirty="0">
+                  <a:latin typeface="標楷體" panose="03000509000000000000" pitchFamily="65" charset="-120"/>
+                  <a:ea typeface="標楷體" panose="03000509000000000000" pitchFamily="65" charset="-120"/>
+                </a:rPr>
+                <a:t>個階段，</a:t>
+              </a:r>
+              <a:r>
+                <a:rPr lang="en-US" altLang="zh-TW" sz="2800" dirty="0">
+                  <a:latin typeface="標楷體" panose="03000509000000000000" pitchFamily="65" charset="-120"/>
+                  <a:ea typeface="標楷體" panose="03000509000000000000" pitchFamily="65" charset="-120"/>
+                </a:rPr>
+                <a:t>0~10s</a:t>
+              </a:r>
+              <a:r>
+                <a:rPr lang="zh-TW" altLang="en-US" sz="2800" dirty="0">
+                  <a:latin typeface="標楷體" panose="03000509000000000000" pitchFamily="65" charset="-120"/>
+                  <a:ea typeface="標楷體" panose="03000509000000000000" pitchFamily="65" charset="-120"/>
+                </a:rPr>
+                <a:t>閉眼，</a:t>
+              </a:r>
+              <a:r>
+                <a:rPr lang="en-US" altLang="zh-TW" sz="2800" dirty="0">
+                  <a:latin typeface="標楷體" panose="03000509000000000000" pitchFamily="65" charset="-120"/>
+                  <a:ea typeface="標楷體" panose="03000509000000000000" pitchFamily="65" charset="-120"/>
+                </a:rPr>
+                <a:t>10~20s</a:t>
+              </a:r>
+              <a:r>
+                <a:rPr lang="zh-TW" altLang="en-US" sz="2800" dirty="0">
+                  <a:latin typeface="標楷體" panose="03000509000000000000" pitchFamily="65" charset="-120"/>
+                  <a:ea typeface="標楷體" panose="03000509000000000000" pitchFamily="65" charset="-120"/>
+                </a:rPr>
+                <a:t>睜眼，</a:t>
+              </a:r>
+              <a:r>
+                <a:rPr lang="en-US" altLang="zh-TW" sz="2800" dirty="0">
+                  <a:latin typeface="標楷體" panose="03000509000000000000" pitchFamily="65" charset="-120"/>
+                  <a:ea typeface="標楷體" panose="03000509000000000000" pitchFamily="65" charset="-120"/>
+                </a:rPr>
+                <a:t>20~30s</a:t>
+              </a:r>
+              <a:r>
+                <a:rPr lang="zh-TW" altLang="en-US" sz="2800" dirty="0">
+                  <a:latin typeface="標楷體" panose="03000509000000000000" pitchFamily="65" charset="-120"/>
+                  <a:ea typeface="標楷體" panose="03000509000000000000" pitchFamily="65" charset="-120"/>
+                </a:rPr>
+                <a:t>閉眼，由此來收集睜眼與閉眼分別對應的</a:t>
+              </a:r>
+              <a:r>
+                <a:rPr lang="en-US" altLang="zh-TW" sz="2800" dirty="0">
+                  <a:latin typeface="+mj-lt"/>
+                  <a:ea typeface="標楷體" panose="03000509000000000000" pitchFamily="65" charset="-120"/>
+                </a:rPr>
+                <a:t>alpha</a:t>
+              </a:r>
+              <a:r>
+                <a:rPr lang="zh-TW" altLang="en-US" sz="2800" dirty="0">
+                  <a:latin typeface="+mj-lt"/>
+                  <a:ea typeface="標楷體" panose="03000509000000000000" pitchFamily="65" charset="-120"/>
+                </a:rPr>
+                <a:t> </a:t>
+              </a:r>
+              <a:r>
+                <a:rPr lang="en-US" altLang="zh-TW" sz="2800" dirty="0">
+                  <a:latin typeface="+mj-lt"/>
+                  <a:ea typeface="標楷體" panose="03000509000000000000" pitchFamily="65" charset="-120"/>
+                </a:rPr>
+                <a:t>power ratio</a:t>
+              </a:r>
+              <a:r>
+                <a:rPr lang="zh-TW" altLang="en-US" sz="2800" dirty="0">
+                  <a:latin typeface="+mj-lt"/>
+                  <a:ea typeface="標楷體" panose="03000509000000000000" pitchFamily="65" charset="-120"/>
+                </a:rPr>
+                <a:t>值。</a:t>
+              </a:r>
+              <a:endParaRPr lang="en-US" altLang="zh-TW" sz="2800" dirty="0">
+                <a:latin typeface="標楷體" panose="03000509000000000000" pitchFamily="65" charset="-120"/>
+                <a:ea typeface="標楷體" panose="03000509000000000000" pitchFamily="65" charset="-120"/>
+              </a:endParaRPr>
+            </a:p>
+          </p:txBody>
+        </p:sp>
+        <p:sp>
+          <p:nvSpPr>
+            <p:cNvPr id="34" name="文字方塊 33">
+              <a:extLst>
+                <a:ext uri="{FF2B5EF4-FFF2-40B4-BE49-F238E27FC236}">
+                  <a16:creationId xmlns:a16="http://schemas.microsoft.com/office/drawing/2014/main" id="{921CDD80-5381-E788-D2EB-884B2BF38A64}"/>
+                </a:ext>
+              </a:extLst>
+            </p:cNvPr>
+            <p:cNvSpPr txBox="1"/>
+            <p:nvPr/>
+          </p:nvSpPr>
+          <p:spPr>
+            <a:xfrm>
+              <a:off x="1107819" y="24006034"/>
+              <a:ext cx="8056362" cy="2308324"/>
+            </a:xfrm>
+            <a:prstGeom prst="rect">
+              <a:avLst/>
+            </a:prstGeom>
+            <a:noFill/>
+          </p:spPr>
+          <p:txBody>
+            <a:bodyPr wrap="square" rtlCol="0">
+              <a:spAutoFit/>
+            </a:bodyPr>
+            <a:lstStyle/>
+            <a:p>
+              <a:r>
+                <a:rPr lang="en-US" altLang="zh-TW" sz="3200" b="1" dirty="0">
+                  <a:latin typeface="+mj-lt"/>
+                  <a:ea typeface="標楷體" panose="03000509000000000000" pitchFamily="65" charset="-120"/>
+                </a:rPr>
+                <a:t>Model Selection :</a:t>
+              </a:r>
+            </a:p>
+            <a:p>
+              <a:r>
+                <a:rPr lang="zh-TW" altLang="en-US" sz="2800" dirty="0">
+                  <a:latin typeface="+mj-lt"/>
+                  <a:ea typeface="標楷體" panose="03000509000000000000" pitchFamily="65" charset="-120"/>
+                </a:rPr>
+                <a:t>前</a:t>
+              </a:r>
+              <a:r>
+                <a:rPr lang="en-US" altLang="zh-TW" sz="2800" dirty="0">
+                  <a:latin typeface="+mj-lt"/>
+                  <a:ea typeface="標楷體" panose="03000509000000000000" pitchFamily="65" charset="-120"/>
+                </a:rPr>
+                <a:t>30</a:t>
+              </a:r>
+              <a:r>
+                <a:rPr lang="zh-TW" altLang="en-US" sz="2800" dirty="0">
+                  <a:latin typeface="+mj-lt"/>
+                  <a:ea typeface="標楷體" panose="03000509000000000000" pitchFamily="65" charset="-120"/>
+                </a:rPr>
+                <a:t>秒收集到的</a:t>
+              </a:r>
+              <a:r>
+                <a:rPr lang="en-US" altLang="zh-TW" sz="2800" dirty="0">
+                  <a:latin typeface="+mj-lt"/>
+                  <a:ea typeface="標楷體" panose="03000509000000000000" pitchFamily="65" charset="-120"/>
+                </a:rPr>
+                <a:t>alpha</a:t>
+              </a:r>
+              <a:r>
+                <a:rPr lang="zh-TW" altLang="en-US" sz="2800" dirty="0">
+                  <a:latin typeface="+mj-lt"/>
+                  <a:ea typeface="標楷體" panose="03000509000000000000" pitchFamily="65" charset="-120"/>
+                </a:rPr>
+                <a:t> </a:t>
+              </a:r>
+              <a:r>
+                <a:rPr lang="en-US" altLang="zh-TW" sz="2800" dirty="0">
+                  <a:latin typeface="+mj-lt"/>
+                  <a:ea typeface="標楷體" panose="03000509000000000000" pitchFamily="65" charset="-120"/>
+                </a:rPr>
+                <a:t>power ratio</a:t>
+              </a:r>
+              <a:r>
+                <a:rPr lang="zh-TW" altLang="en-US" sz="2800" dirty="0">
+                  <a:latin typeface="+mj-lt"/>
+                  <a:ea typeface="標楷體" panose="03000509000000000000" pitchFamily="65" charset="-120"/>
+                </a:rPr>
+                <a:t>是採</a:t>
+              </a:r>
+              <a:r>
+                <a:rPr lang="en-US" altLang="zh-TW" sz="2800" dirty="0">
+                  <a:latin typeface="+mj-lt"/>
+                  <a:ea typeface="標楷體" panose="03000509000000000000" pitchFamily="65" charset="-120"/>
+                </a:rPr>
+                <a:t>unsupervised</a:t>
+              </a:r>
+              <a:r>
+                <a:rPr lang="zh-TW" altLang="en-US" sz="2800" dirty="0">
+                  <a:latin typeface="+mj-lt"/>
+                  <a:ea typeface="標楷體" panose="03000509000000000000" pitchFamily="65" charset="-120"/>
+                </a:rPr>
+                <a:t>的方式，將收集到的資料以</a:t>
+              </a:r>
+              <a:r>
+                <a:rPr lang="en-US" altLang="zh-TW" sz="2800" dirty="0" err="1">
+                  <a:latin typeface="+mj-lt"/>
+                  <a:ea typeface="標楷體" panose="03000509000000000000" pitchFamily="65" charset="-120"/>
+                </a:rPr>
+                <a:t>Kmeans</a:t>
+              </a:r>
+              <a:r>
+                <a:rPr lang="zh-TW" altLang="en-US" sz="2800" dirty="0">
+                  <a:latin typeface="+mj-lt"/>
+                  <a:ea typeface="標楷體" panose="03000509000000000000" pitchFamily="65" charset="-120"/>
+                </a:rPr>
+                <a:t>的模型分類，由此來判別前</a:t>
+              </a:r>
+              <a:r>
+                <a:rPr lang="en-US" altLang="zh-TW" sz="2800" dirty="0">
+                  <a:latin typeface="+mj-lt"/>
+                  <a:ea typeface="標楷體" panose="03000509000000000000" pitchFamily="65" charset="-120"/>
+                </a:rPr>
+                <a:t>30</a:t>
+              </a:r>
+              <a:r>
+                <a:rPr lang="zh-TW" altLang="en-US" sz="2800" dirty="0">
+                  <a:latin typeface="+mj-lt"/>
+                  <a:ea typeface="標楷體" panose="03000509000000000000" pitchFamily="65" charset="-120"/>
+                </a:rPr>
+                <a:t>秒的資料，並得出該個體睜眼與閉眼的閥值。</a:t>
+              </a:r>
+              <a:endParaRPr lang="en-US" altLang="zh-TW" sz="2800" dirty="0">
+                <a:latin typeface="+mj-lt"/>
+                <a:ea typeface="標楷體" panose="03000509000000000000" pitchFamily="65" charset="-120"/>
+              </a:endParaRPr>
+            </a:p>
+          </p:txBody>
+        </p:sp>
+        <p:sp>
+          <p:nvSpPr>
+            <p:cNvPr id="35" name="文字方塊 34">
+              <a:extLst>
+                <a:ext uri="{FF2B5EF4-FFF2-40B4-BE49-F238E27FC236}">
+                  <a16:creationId xmlns:a16="http://schemas.microsoft.com/office/drawing/2014/main" id="{2B987681-2F37-1DFF-7197-C543388BA57E}"/>
+                </a:ext>
+              </a:extLst>
+            </p:cNvPr>
+            <p:cNvSpPr txBox="1"/>
+            <p:nvPr/>
+          </p:nvSpPr>
+          <p:spPr>
+            <a:xfrm>
+              <a:off x="1107819" y="26316036"/>
+              <a:ext cx="8056362" cy="1446550"/>
+            </a:xfrm>
+            <a:prstGeom prst="rect">
+              <a:avLst/>
+            </a:prstGeom>
+            <a:noFill/>
+          </p:spPr>
+          <p:txBody>
+            <a:bodyPr wrap="square" rtlCol="0">
+              <a:spAutoFit/>
+            </a:bodyPr>
+            <a:lstStyle/>
+            <a:p>
+              <a:r>
+                <a:rPr lang="en-US" altLang="zh-TW" sz="3200" b="1" dirty="0">
+                  <a:latin typeface="+mj-lt"/>
+                </a:rPr>
+                <a:t>Device Commands :</a:t>
+              </a:r>
+            </a:p>
+            <a:p>
+              <a:r>
+                <a:rPr lang="zh-TW" altLang="en-US" sz="2800" dirty="0">
+                  <a:latin typeface="標楷體" panose="03000509000000000000" pitchFamily="65" charset="-120"/>
+                  <a:ea typeface="標楷體" panose="03000509000000000000" pitchFamily="65" charset="-120"/>
+                </a:rPr>
+                <a:t>在</a:t>
+              </a:r>
+              <a:r>
+                <a:rPr lang="en-US" altLang="zh-TW" sz="2800" dirty="0">
+                  <a:latin typeface="標楷體" panose="03000509000000000000" pitchFamily="65" charset="-120"/>
+                  <a:ea typeface="標楷體" panose="03000509000000000000" pitchFamily="65" charset="-120"/>
+                </a:rPr>
+                <a:t>real-time</a:t>
+              </a:r>
+              <a:r>
+                <a:rPr lang="zh-TW" altLang="en-US" sz="2800" dirty="0">
+                  <a:latin typeface="標楷體" panose="03000509000000000000" pitchFamily="65" charset="-120"/>
+                  <a:ea typeface="標楷體" panose="03000509000000000000" pitchFamily="65" charset="-120"/>
+                </a:rPr>
+                <a:t>得出閥值的同時，要求受測者操控遙控車</a:t>
+              </a:r>
+              <a:r>
+                <a:rPr lang="en-US" altLang="zh-TW" sz="2800" dirty="0">
+                  <a:latin typeface="標楷體" panose="03000509000000000000" pitchFamily="65" charset="-120"/>
+                  <a:ea typeface="標楷體" panose="03000509000000000000" pitchFamily="65" charset="-120"/>
+                </a:rPr>
+                <a:t>(</a:t>
+              </a:r>
+              <a:r>
+                <a:rPr lang="zh-TW" altLang="en-US" sz="2800" dirty="0">
+                  <a:latin typeface="標楷體" panose="03000509000000000000" pitchFamily="65" charset="-120"/>
+                  <a:ea typeface="標楷體" panose="03000509000000000000" pitchFamily="65" charset="-120"/>
+                </a:rPr>
+                <a:t>閉眼</a:t>
+              </a:r>
+              <a:r>
+                <a:rPr lang="en-US" altLang="zh-TW" sz="2800" dirty="0">
+                  <a:latin typeface="標楷體" panose="03000509000000000000" pitchFamily="65" charset="-120"/>
+                  <a:ea typeface="標楷體" panose="03000509000000000000" pitchFamily="65" charset="-120"/>
+                </a:rPr>
+                <a:t>:</a:t>
+              </a:r>
+              <a:r>
+                <a:rPr lang="zh-TW" altLang="en-US" sz="2800" dirty="0">
+                  <a:latin typeface="標楷體" panose="03000509000000000000" pitchFamily="65" charset="-120"/>
+                  <a:ea typeface="標楷體" panose="03000509000000000000" pitchFamily="65" charset="-120"/>
+                </a:rPr>
+                <a:t> 停止，睜眼</a:t>
+              </a:r>
+              <a:r>
+                <a:rPr lang="en-US" altLang="zh-TW" sz="2800" dirty="0">
+                  <a:latin typeface="標楷體" panose="03000509000000000000" pitchFamily="65" charset="-120"/>
+                  <a:ea typeface="標楷體" panose="03000509000000000000" pitchFamily="65" charset="-120"/>
+                </a:rPr>
+                <a:t>:</a:t>
+              </a:r>
+              <a:r>
+                <a:rPr lang="zh-TW" altLang="en-US" sz="2800" dirty="0">
+                  <a:latin typeface="標楷體" panose="03000509000000000000" pitchFamily="65" charset="-120"/>
+                  <a:ea typeface="標楷體" panose="03000509000000000000" pitchFamily="65" charset="-120"/>
+                </a:rPr>
+                <a:t>前進</a:t>
+              </a:r>
+              <a:r>
+                <a:rPr lang="en-US" altLang="zh-TW" sz="2800" dirty="0">
+                  <a:latin typeface="標楷體" panose="03000509000000000000" pitchFamily="65" charset="-120"/>
+                  <a:ea typeface="標楷體" panose="03000509000000000000" pitchFamily="65" charset="-120"/>
+                </a:rPr>
+                <a:t>)</a:t>
+              </a:r>
+              <a:r>
+                <a:rPr lang="zh-TW" altLang="en-US" sz="2800" dirty="0">
+                  <a:latin typeface="標楷體" panose="03000509000000000000" pitchFamily="65" charset="-120"/>
+                  <a:ea typeface="標楷體" panose="03000509000000000000" pitchFamily="65" charset="-120"/>
+                </a:rPr>
+                <a:t>。</a:t>
+              </a:r>
+              <a:r>
+                <a:rPr lang="en-US" altLang="zh-TW" sz="2800" dirty="0">
+                  <a:latin typeface="標楷體" panose="03000509000000000000" pitchFamily="65" charset="-120"/>
+                  <a:ea typeface="標楷體" panose="03000509000000000000" pitchFamily="65" charset="-120"/>
+                </a:rPr>
+                <a:t> </a:t>
+              </a:r>
+              <a:endParaRPr lang="zh-TW" altLang="en-US" sz="2800" dirty="0">
+                <a:latin typeface="標楷體" panose="03000509000000000000" pitchFamily="65" charset="-120"/>
+                <a:ea typeface="標楷體" panose="03000509000000000000" pitchFamily="65" charset="-120"/>
+              </a:endParaRPr>
+            </a:p>
+          </p:txBody>
+        </p:sp>
+        <p:grpSp>
+          <p:nvGrpSpPr>
+            <p:cNvPr id="53" name="群組 52">
+              <a:extLst>
+                <a:ext uri="{FF2B5EF4-FFF2-40B4-BE49-F238E27FC236}">
+                  <a16:creationId xmlns:a16="http://schemas.microsoft.com/office/drawing/2014/main" id="{0D015A08-7B81-4063-2B9A-696A0B53E850}"/>
+                </a:ext>
+              </a:extLst>
+            </p:cNvPr>
+            <p:cNvGrpSpPr/>
+            <p:nvPr/>
+          </p:nvGrpSpPr>
+          <p:grpSpPr>
+            <a:xfrm>
+              <a:off x="858309" y="11138434"/>
+              <a:ext cx="9124747" cy="5854735"/>
+              <a:chOff x="875023" y="11202892"/>
+              <a:chExt cx="9124747" cy="5854735"/>
+            </a:xfrm>
+          </p:grpSpPr>
+          <p:grpSp>
+            <p:nvGrpSpPr>
+              <p:cNvPr id="29" name="群組 28">
+                <a:extLst>
+                  <a:ext uri="{FF2B5EF4-FFF2-40B4-BE49-F238E27FC236}">
+                    <a16:creationId xmlns:a16="http://schemas.microsoft.com/office/drawing/2014/main" id="{15252471-73AB-59E5-F735-5ABDB118B361}"/>
+                  </a:ext>
+                </a:extLst>
+              </p:cNvPr>
+              <p:cNvGrpSpPr/>
+              <p:nvPr/>
+            </p:nvGrpSpPr>
+            <p:grpSpPr>
+              <a:xfrm>
+                <a:off x="875023" y="11202892"/>
+                <a:ext cx="9124747" cy="5854735"/>
+                <a:chOff x="5817961" y="9203419"/>
+                <a:chExt cx="9448800" cy="6286500"/>
+              </a:xfrm>
+            </p:grpSpPr>
+            <p:grpSp>
+              <p:nvGrpSpPr>
+                <p:cNvPr id="36" name="群組 35">
+                  <a:extLst>
+                    <a:ext uri="{FF2B5EF4-FFF2-40B4-BE49-F238E27FC236}">
+                      <a16:creationId xmlns:a16="http://schemas.microsoft.com/office/drawing/2014/main" id="{7CE5C20C-172A-3E6E-AA1E-225D57DD045E}"/>
+                    </a:ext>
+                  </a:extLst>
+                </p:cNvPr>
+                <p:cNvGrpSpPr/>
+                <p:nvPr/>
+              </p:nvGrpSpPr>
+              <p:grpSpPr>
+                <a:xfrm>
+                  <a:off x="5817961" y="9203419"/>
+                  <a:ext cx="9448800" cy="6286500"/>
+                  <a:chOff x="5484132" y="9842047"/>
+                  <a:chExt cx="9448800" cy="6286500"/>
+                </a:xfrm>
+              </p:grpSpPr>
+              <p:grpSp>
+                <p:nvGrpSpPr>
+                  <p:cNvPr id="39" name="群組 38">
+                    <a:extLst>
+                      <a:ext uri="{FF2B5EF4-FFF2-40B4-BE49-F238E27FC236}">
+                        <a16:creationId xmlns:a16="http://schemas.microsoft.com/office/drawing/2014/main" id="{56C5011F-D24A-CE0D-1DE8-D6D99CEEC2BB}"/>
+                      </a:ext>
+                    </a:extLst>
+                  </p:cNvPr>
+                  <p:cNvGrpSpPr/>
+                  <p:nvPr/>
+                </p:nvGrpSpPr>
+                <p:grpSpPr>
+                  <a:xfrm>
+                    <a:off x="5484132" y="9842047"/>
+                    <a:ext cx="9448800" cy="6286500"/>
+                    <a:chOff x="5410200" y="14039850"/>
+                    <a:chExt cx="9448800" cy="6286500"/>
+                  </a:xfrm>
+                  <a:solidFill>
+                    <a:schemeClr val="bg1"/>
+                  </a:solidFill>
+                </p:grpSpPr>
+                <p:sp>
+                  <p:nvSpPr>
+                    <p:cNvPr id="42" name="矩形 41">
+                      <a:extLst>
+                        <a:ext uri="{FF2B5EF4-FFF2-40B4-BE49-F238E27FC236}">
+                          <a16:creationId xmlns:a16="http://schemas.microsoft.com/office/drawing/2014/main" id="{98A8D305-BAD2-CD6B-C28A-00B3E08A66EB}"/>
+                        </a:ext>
+                      </a:extLst>
+                    </p:cNvPr>
+                    <p:cNvSpPr/>
+                    <p:nvPr/>
+                  </p:nvSpPr>
+                  <p:spPr>
+                    <a:xfrm>
+                      <a:off x="5410200" y="14039850"/>
+                      <a:ext cx="9448800" cy="6286500"/>
+                    </a:xfrm>
+                    <a:prstGeom prst="rect">
+                      <a:avLst/>
+                    </a:prstGeom>
+                    <a:ln/>
+                  </p:spPr>
+                  <p:style>
+                    <a:lnRef idx="2">
+                      <a:schemeClr val="accent6"/>
+                    </a:lnRef>
+                    <a:fillRef idx="1">
+                      <a:schemeClr val="lt1"/>
+                    </a:fillRef>
+                    <a:effectRef idx="0">
+                      <a:schemeClr val="accent6"/>
+                    </a:effectRef>
+                    <a:fontRef idx="minor">
+                      <a:schemeClr val="dk1"/>
+                    </a:fontRef>
+                  </p:style>
+                  <p:txBody>
+                    <a:bodyPr rtlCol="0" anchor="ctr"/>
+                    <a:lstStyle/>
+                    <a:p>
+                      <a:pPr algn="ctr"/>
+                      <a:endParaRPr lang="zh-TW" altLang="en-US" dirty="0"/>
+                    </a:p>
+                  </p:txBody>
+                </p:sp>
+                <p:pic>
+                  <p:nvPicPr>
+                    <p:cNvPr id="43" name="圖片 42" descr="一張含有 文字, 螢幕擷取畫面, 字型, 設計 的圖片">
+                      <a:extLst>
+                        <a:ext uri="{FF2B5EF4-FFF2-40B4-BE49-F238E27FC236}">
+                          <a16:creationId xmlns:a16="http://schemas.microsoft.com/office/drawing/2014/main" id="{E1150C63-6D74-D0E4-4943-EACB182F1F18}"/>
+                        </a:ext>
+                      </a:extLst>
+                    </p:cNvPr>
+                    <p:cNvPicPr>
+                      <a:picLocks noChangeAspect="1"/>
+                    </p:cNvPicPr>
+                    <p:nvPr/>
+                  </p:nvPicPr>
+                  <p:blipFill>
+                    <a:blip r:embed="rId5">
+                      <a:extLst>
+                        <a:ext uri="{28A0092B-C50C-407E-A947-70E740481C1C}">
+                          <a14:useLocalDpi xmlns:a14="http://schemas.microsoft.com/office/drawing/2010/main" val="0"/>
+                        </a:ext>
+                      </a:extLst>
+                    </a:blip>
+                    <a:stretch>
+                      <a:fillRect/>
+                    </a:stretch>
+                  </p:blipFill>
+                  <p:spPr>
+                    <a:xfrm>
+                      <a:off x="6018355" y="14282078"/>
+                      <a:ext cx="8232489" cy="5802043"/>
+                    </a:xfrm>
+                    <a:prstGeom prst="rect">
+                      <a:avLst/>
+                    </a:prstGeom>
+                    <a:grpFill/>
+                    <a:ln>
+                      <a:noFill/>
+                    </a:ln>
+                    <a:effectLst>
+                      <a:softEdge rad="112500"/>
+                    </a:effectLst>
+                  </p:spPr>
+                </p:pic>
+              </p:grpSp>
+              <p:sp>
+                <p:nvSpPr>
+                  <p:cNvPr id="40" name="矩形 39">
+                    <a:extLst>
+                      <a:ext uri="{FF2B5EF4-FFF2-40B4-BE49-F238E27FC236}">
+                        <a16:creationId xmlns:a16="http://schemas.microsoft.com/office/drawing/2014/main" id="{5D037BC4-A96A-27BD-03D2-CA926027D026}"/>
+                      </a:ext>
+                    </a:extLst>
+                  </p:cNvPr>
+                  <p:cNvSpPr/>
+                  <p:nvPr/>
+                </p:nvSpPr>
+                <p:spPr>
+                  <a:xfrm>
+                    <a:off x="9908268" y="13781769"/>
+                    <a:ext cx="2017485" cy="2119064"/>
+                  </a:xfrm>
+                  <a:prstGeom prst="rect">
+                    <a:avLst/>
+                  </a:prstGeom>
+                  <a:solidFill>
+                    <a:schemeClr val="bg1"/>
+                  </a:solidFill>
+                  <a:ln>
+                    <a:solidFill>
+                      <a:schemeClr val="bg1"/>
+                    </a:solidFill>
+                  </a:ln>
+                </p:spPr>
+                <p:style>
+                  <a:lnRef idx="2">
+                    <a:schemeClr val="accent1">
+                      <a:shade val="15000"/>
+                    </a:schemeClr>
+                  </a:lnRef>
+                  <a:fillRef idx="1">
+                    <a:schemeClr val="accent1"/>
+                  </a:fillRef>
+                  <a:effectRef idx="0">
+                    <a:schemeClr val="accent1"/>
+                  </a:effectRef>
+                  <a:fontRef idx="minor">
+                    <a:schemeClr val="lt1"/>
+                  </a:fontRef>
+                </p:style>
+                <p:txBody>
+                  <a:bodyPr rtlCol="0" anchor="ctr"/>
+                  <a:lstStyle/>
+                  <a:p>
+                    <a:pPr algn="ctr"/>
+                    <a:endParaRPr lang="zh-TW" altLang="en-US" dirty="0"/>
+                  </a:p>
+                </p:txBody>
+              </p:sp>
+              <p:sp>
+                <p:nvSpPr>
+                  <p:cNvPr id="41" name="矩形 40">
+                    <a:extLst>
+                      <a:ext uri="{FF2B5EF4-FFF2-40B4-BE49-F238E27FC236}">
+                        <a16:creationId xmlns:a16="http://schemas.microsoft.com/office/drawing/2014/main" id="{BB381A5F-4A40-CC43-8C5A-4C0130723BA7}"/>
+                      </a:ext>
+                    </a:extLst>
+                  </p:cNvPr>
+                  <p:cNvSpPr/>
+                  <p:nvPr/>
+                </p:nvSpPr>
+                <p:spPr>
+                  <a:xfrm>
+                    <a:off x="11843657" y="13902883"/>
+                    <a:ext cx="2119086" cy="2119064"/>
+                  </a:xfrm>
+                  <a:prstGeom prst="rect">
+                    <a:avLst/>
+                  </a:prstGeom>
+                  <a:solidFill>
+                    <a:schemeClr val="bg1"/>
+                  </a:solidFill>
+                  <a:ln>
+                    <a:solidFill>
+                      <a:schemeClr val="bg1"/>
+                    </a:solidFill>
+                  </a:ln>
+                </p:spPr>
+                <p:style>
+                  <a:lnRef idx="2">
+                    <a:schemeClr val="accent1">
+                      <a:shade val="15000"/>
+                    </a:schemeClr>
+                  </a:lnRef>
+                  <a:fillRef idx="1">
+                    <a:schemeClr val="accent1"/>
+                  </a:fillRef>
+                  <a:effectRef idx="0">
+                    <a:schemeClr val="accent1"/>
+                  </a:effectRef>
+                  <a:fontRef idx="minor">
+                    <a:schemeClr val="lt1"/>
+                  </a:fontRef>
+                </p:style>
+                <p:txBody>
+                  <a:bodyPr rtlCol="0" anchor="ctr"/>
+                  <a:lstStyle/>
+                  <a:p>
+                    <a:pPr algn="ctr"/>
+                    <a:endParaRPr lang="zh-TW" altLang="en-US" dirty="0"/>
+                  </a:p>
+                </p:txBody>
+              </p:sp>
+            </p:grpSp>
+            <p:pic>
+              <p:nvPicPr>
+                <p:cNvPr id="37" name="圖片 36">
+                  <a:extLst>
+                    <a:ext uri="{FF2B5EF4-FFF2-40B4-BE49-F238E27FC236}">
+                      <a16:creationId xmlns:a16="http://schemas.microsoft.com/office/drawing/2014/main" id="{DCEE239A-C6DB-C473-55BE-25AED04320E3}"/>
+                    </a:ext>
+                  </a:extLst>
+                </p:cNvPr>
+                <p:cNvPicPr>
+                  <a:picLocks noChangeAspect="1"/>
+                </p:cNvPicPr>
+                <p:nvPr/>
+              </p:nvPicPr>
+              <p:blipFill>
+                <a:blip r:embed="rId6"/>
+                <a:stretch>
+                  <a:fillRect/>
+                </a:stretch>
+              </p:blipFill>
+              <p:spPr>
+                <a:xfrm>
+                  <a:off x="12761584" y="13595940"/>
+                  <a:ext cx="1343212" cy="981212"/>
+                </a:xfrm>
+                <a:prstGeom prst="rect">
+                  <a:avLst/>
+                </a:prstGeom>
+              </p:spPr>
+            </p:pic>
+            <p:sp>
+              <p:nvSpPr>
+                <p:cNvPr id="38" name="橢圓 37">
+                  <a:extLst>
+                    <a:ext uri="{FF2B5EF4-FFF2-40B4-BE49-F238E27FC236}">
+                      <a16:creationId xmlns:a16="http://schemas.microsoft.com/office/drawing/2014/main" id="{E00B8E33-D3DF-6443-BA61-628BFA221E6C}"/>
+                    </a:ext>
+                  </a:extLst>
+                </p:cNvPr>
+                <p:cNvSpPr/>
+                <p:nvPr/>
+              </p:nvSpPr>
+              <p:spPr>
+                <a:xfrm>
+                  <a:off x="10023817" y="13423646"/>
+                  <a:ext cx="2247631" cy="1325801"/>
+                </a:xfrm>
+                <a:prstGeom prst="ellipse">
+                  <a:avLst/>
+                </a:prstGeom>
+                <a:solidFill>
+                  <a:schemeClr val="accent5">
+                    <a:lumMod val="40000"/>
+                    <a:lumOff val="60000"/>
+                  </a:schemeClr>
+                </a:solidFill>
+                <a:ln w="28575">
+                  <a:solidFill>
+                    <a:schemeClr val="accent1">
+                      <a:lumMod val="75000"/>
+                    </a:schemeClr>
+                  </a:solidFill>
+                </a:ln>
+              </p:spPr>
+              <p:style>
+                <a:lnRef idx="2">
+                  <a:schemeClr val="accent1">
+                    <a:shade val="15000"/>
+                  </a:schemeClr>
+                </a:lnRef>
+                <a:fillRef idx="1">
+                  <a:schemeClr val="accent1"/>
+                </a:fillRef>
+                <a:effectRef idx="0">
+                  <a:schemeClr val="accent1"/>
+                </a:effectRef>
+                <a:fontRef idx="minor">
+                  <a:schemeClr val="lt1"/>
+                </a:fontRef>
+              </p:style>
+              <p:txBody>
+                <a:bodyPr rtlCol="0" anchor="ctr"/>
+                <a:lstStyle/>
+                <a:p>
+                  <a:pPr algn="ctr"/>
+                  <a:r>
+                    <a:rPr lang="en-US" altLang="zh-TW" sz="1600" b="1" dirty="0">
+                      <a:solidFill>
+                        <a:schemeClr val="tx1"/>
+                      </a:solidFill>
+                    </a:rPr>
+                    <a:t>Closed/Open eyes</a:t>
+                  </a:r>
+                  <a:endParaRPr lang="zh-TW" altLang="en-US" sz="1600" b="1" dirty="0">
+                    <a:solidFill>
+                      <a:schemeClr val="tx1"/>
+                    </a:solidFill>
+                  </a:endParaRPr>
+                </a:p>
+              </p:txBody>
+            </p:sp>
+          </p:grpSp>
+          <p:sp>
+            <p:nvSpPr>
+              <p:cNvPr id="52" name="矩形 51">
+                <a:extLst>
+                  <a:ext uri="{FF2B5EF4-FFF2-40B4-BE49-F238E27FC236}">
+                    <a16:creationId xmlns:a16="http://schemas.microsoft.com/office/drawing/2014/main" id="{D9A7E178-5892-49BC-CAB7-C0E94A16A630}"/>
+                  </a:ext>
+                </a:extLst>
+              </p:cNvPr>
+              <p:cNvSpPr/>
+              <p:nvPr/>
+            </p:nvSpPr>
+            <p:spPr>
+              <a:xfrm>
+                <a:off x="4553485" y="13262913"/>
+                <a:ext cx="2602058" cy="1638599"/>
+              </a:xfrm>
+              <a:prstGeom prst="rect">
+                <a:avLst/>
+              </a:prstGeom>
+              <a:solidFill>
+                <a:schemeClr val="bg1"/>
+              </a:solidFill>
+              <a:ln>
+                <a:solidFill>
+                  <a:schemeClr val="bg1"/>
+                </a:solidFill>
+              </a:ln>
+            </p:spPr>
+            <p:style>
+              <a:lnRef idx="2">
+                <a:schemeClr val="accent1">
+                  <a:shade val="15000"/>
+                </a:schemeClr>
+              </a:lnRef>
+              <a:fillRef idx="1">
+                <a:schemeClr val="accent1"/>
+              </a:fillRef>
+              <a:effectRef idx="0">
+                <a:schemeClr val="accent1"/>
+              </a:effectRef>
+              <a:fontRef idx="minor">
+                <a:schemeClr val="lt1"/>
+              </a:fontRef>
+            </p:style>
+            <p:txBody>
+              <a:bodyPr rtlCol="0" anchor="ctr"/>
+              <a:lstStyle/>
+              <a:p>
+                <a:pPr algn="ctr"/>
+                <a:endParaRPr lang="zh-TW" altLang="en-US"/>
+              </a:p>
+            </p:txBody>
+          </p:sp>
+        </p:grpSp>
+      </p:grpSp>
+      <p:grpSp>
+        <p:nvGrpSpPr>
+          <p:cNvPr id="300" name="群組 299">
             <a:extLst>
               <a:ext uri="{FF2B5EF4-FFF2-40B4-BE49-F238E27FC236}">
-                <a16:creationId xmlns:a16="http://schemas.microsoft.com/office/drawing/2014/main" id="{B9E00F56-B566-2BD2-2D9C-BB4F6E01F365}"/>
+                <a16:creationId xmlns:a16="http://schemas.microsoft.com/office/drawing/2014/main" id="{A90B1FDC-3393-C213-D4A0-F14D25633CE2}"/>
               </a:ext>
             </a:extLst>
           </p:cNvPr>
-          <p:cNvSpPr txBox="1"/>
+          <p:cNvGrpSpPr/>
           <p:nvPr/>
-        </p:nvSpPr>
-        <p:spPr>
+        </p:nvGrpSpPr>
+        <p:grpSpPr>
           <a:xfrm>
-            <a:off x="1143084" y="19220585"/>
-            <a:ext cx="8865306" cy="2308324"/>
+            <a:off x="11315839" y="19074478"/>
+            <a:ext cx="9546942" cy="9598469"/>
+            <a:chOff x="11389965" y="19929031"/>
+            <a:chExt cx="9546942" cy="9598469"/>
           </a:xfrm>
-          <a:prstGeom prst="rect">
-            <a:avLst/>
-          </a:prstGeom>
-          <a:noFill/>
-        </p:spPr>
-        <p:txBody>
-          <a:bodyPr wrap="square" rtlCol="0">
-            <a:spAutoFit/>
-          </a:bodyPr>
-          <a:lstStyle/>
-          <a:p>
-            <a:r>
-              <a:rPr lang="en-US" altLang="zh-TW" sz="3200" b="1" dirty="0">
-                <a:latin typeface="+mj-lt"/>
-                <a:ea typeface="標楷體" panose="03000509000000000000" pitchFamily="65" charset="-120"/>
-              </a:rPr>
-              <a:t>Feature Extraction :</a:t>
-            </a:r>
-          </a:p>
-          <a:p>
-            <a:r>
-              <a:rPr lang="en-US" altLang="zh-TW" sz="2800" dirty="0">
-                <a:latin typeface="+mj-lt"/>
-                <a:ea typeface="標楷體" panose="03000509000000000000" pitchFamily="65" charset="-120"/>
-              </a:rPr>
-              <a:t>Band Filter : 0~40Hz</a:t>
-            </a:r>
-            <a:r>
-              <a:rPr lang="zh-TW" altLang="en-US" sz="2800" dirty="0">
-                <a:latin typeface="+mj-lt"/>
-                <a:ea typeface="標楷體" panose="03000509000000000000" pitchFamily="65" charset="-120"/>
-              </a:rPr>
-              <a:t>，</a:t>
-            </a:r>
-            <a:endParaRPr lang="en-US" altLang="zh-TW" sz="2800" dirty="0">
-              <a:latin typeface="+mj-lt"/>
-              <a:ea typeface="標楷體" panose="03000509000000000000" pitchFamily="65" charset="-120"/>
-            </a:endParaRPr>
-          </a:p>
-          <a:p>
-            <a:r>
-              <a:rPr lang="zh-TW" altLang="en-US" sz="2800" dirty="0">
+        </p:grpSpPr>
+        <p:grpSp>
+          <p:nvGrpSpPr>
+            <p:cNvPr id="24" name="群組 23">
+              <a:extLst>
+                <a:ext uri="{FF2B5EF4-FFF2-40B4-BE49-F238E27FC236}">
+                  <a16:creationId xmlns:a16="http://schemas.microsoft.com/office/drawing/2014/main" id="{4AAA4F3F-F955-9099-13C6-EC99B3A57C06}"/>
+                </a:ext>
+              </a:extLst>
+            </p:cNvPr>
+            <p:cNvGrpSpPr/>
+            <p:nvPr/>
+          </p:nvGrpSpPr>
+          <p:grpSpPr>
+            <a:xfrm>
+              <a:off x="11389965" y="19929031"/>
+              <a:ext cx="9546942" cy="9598469"/>
+              <a:chOff x="1512443" y="4974385"/>
+              <a:chExt cx="18800064" cy="4389071"/>
+            </a:xfrm>
+          </p:grpSpPr>
+          <p:sp>
+            <p:nvSpPr>
+              <p:cNvPr id="25" name="矩形: 圓角 24">
+                <a:extLst>
+                  <a:ext uri="{FF2B5EF4-FFF2-40B4-BE49-F238E27FC236}">
+                    <a16:creationId xmlns:a16="http://schemas.microsoft.com/office/drawing/2014/main" id="{4EAA3941-DA08-5CC2-A1E7-8730F60DFFDB}"/>
+                  </a:ext>
+                </a:extLst>
+              </p:cNvPr>
+              <p:cNvSpPr/>
+              <p:nvPr/>
+            </p:nvSpPr>
+            <p:spPr>
+              <a:xfrm>
+                <a:off x="1512443" y="5174548"/>
+                <a:ext cx="18800064" cy="4188908"/>
+              </a:xfrm>
+              <a:prstGeom prst="roundRect">
+                <a:avLst/>
+              </a:prstGeom>
+              <a:solidFill>
+                <a:schemeClr val="accent6">
+                  <a:lumMod val="20000"/>
+                  <a:lumOff val="80000"/>
+                </a:schemeClr>
+              </a:solidFill>
+              <a:ln w="215900">
+                <a:solidFill>
+                  <a:schemeClr val="bg2">
+                    <a:lumMod val="25000"/>
+                  </a:schemeClr>
+                </a:solidFill>
+              </a:ln>
+            </p:spPr>
+            <p:style>
+              <a:lnRef idx="2">
+                <a:schemeClr val="accent1">
+                  <a:shade val="15000"/>
+                </a:schemeClr>
+              </a:lnRef>
+              <a:fillRef idx="1">
+                <a:schemeClr val="accent1"/>
+              </a:fillRef>
+              <a:effectRef idx="0">
+                <a:schemeClr val="accent1"/>
+              </a:effectRef>
+              <a:fontRef idx="minor">
+                <a:schemeClr val="lt1"/>
+              </a:fontRef>
+            </p:style>
+            <p:txBody>
+              <a:bodyPr rtlCol="0" anchor="ctr"/>
+              <a:lstStyle/>
+              <a:p>
+                <a:pPr algn="ctr"/>
+                <a:endParaRPr lang="zh-TW" altLang="en-US" dirty="0"/>
+              </a:p>
+            </p:txBody>
+          </p:sp>
+          <p:sp>
+            <p:nvSpPr>
+              <p:cNvPr id="26" name="矩形 25">
+                <a:extLst>
+                  <a:ext uri="{FF2B5EF4-FFF2-40B4-BE49-F238E27FC236}">
+                    <a16:creationId xmlns:a16="http://schemas.microsoft.com/office/drawing/2014/main" id="{43230144-6F9C-7C9D-3CF1-1173C4B32B07}"/>
+                  </a:ext>
+                </a:extLst>
+              </p:cNvPr>
+              <p:cNvSpPr/>
+              <p:nvPr/>
+            </p:nvSpPr>
+            <p:spPr>
+              <a:xfrm>
+                <a:off x="5093581" y="4974385"/>
+                <a:ext cx="11975511" cy="373476"/>
+              </a:xfrm>
+              <a:prstGeom prst="rect">
+                <a:avLst/>
+              </a:prstGeom>
+              <a:solidFill>
+                <a:schemeClr val="bg2">
+                  <a:lumMod val="25000"/>
+                </a:schemeClr>
+              </a:solidFill>
+              <a:ln>
+                <a:solidFill>
+                  <a:schemeClr val="bg2">
+                    <a:lumMod val="25000"/>
+                  </a:schemeClr>
+                </a:solidFill>
+              </a:ln>
+            </p:spPr>
+            <p:style>
+              <a:lnRef idx="2">
+                <a:schemeClr val="accent1">
+                  <a:shade val="15000"/>
+                </a:schemeClr>
+              </a:lnRef>
+              <a:fillRef idx="1">
+                <a:schemeClr val="accent1"/>
+              </a:fillRef>
+              <a:effectRef idx="0">
+                <a:schemeClr val="accent1"/>
+              </a:effectRef>
+              <a:fontRef idx="minor">
+                <a:schemeClr val="lt1"/>
+              </a:fontRef>
+            </p:style>
+            <p:txBody>
+              <a:bodyPr rtlCol="0" anchor="ctr"/>
+              <a:lstStyle/>
+              <a:p>
+                <a:pPr algn="ctr"/>
+                <a:r>
+                  <a:rPr lang="zh-TW" altLang="en-US" sz="5400" dirty="0">
+                    <a:latin typeface="標楷體" panose="03000509000000000000" pitchFamily="65" charset="-120"/>
+                    <a:ea typeface="標楷體" panose="03000509000000000000" pitchFamily="65" charset="-120"/>
+                  </a:rPr>
+                  <a:t>目前</a:t>
+                </a:r>
+                <a:r>
+                  <a:rPr lang="en-US" altLang="zh-TW" sz="5400" dirty="0">
+                    <a:latin typeface="標楷體" panose="03000509000000000000" pitchFamily="65" charset="-120"/>
+                    <a:ea typeface="標楷體" panose="03000509000000000000" pitchFamily="65" charset="-120"/>
+                  </a:rPr>
+                  <a:t>/</a:t>
+                </a:r>
+                <a:r>
+                  <a:rPr lang="zh-TW" altLang="en-US" sz="5400" dirty="0">
+                    <a:latin typeface="標楷體" panose="03000509000000000000" pitchFamily="65" charset="-120"/>
+                    <a:ea typeface="標楷體" panose="03000509000000000000" pitchFamily="65" charset="-120"/>
+                  </a:rPr>
+                  <a:t>預期達到結果</a:t>
+                </a:r>
+              </a:p>
+            </p:txBody>
+          </p:sp>
+        </p:grpSp>
+        <p:sp>
+          <p:nvSpPr>
+            <p:cNvPr id="13" name="文字方塊 12">
+              <a:extLst>
+                <a:ext uri="{FF2B5EF4-FFF2-40B4-BE49-F238E27FC236}">
+                  <a16:creationId xmlns:a16="http://schemas.microsoft.com/office/drawing/2014/main" id="{5F8E2FA4-517E-C0A3-E5D0-743AA20159AD}"/>
+                </a:ext>
+              </a:extLst>
+            </p:cNvPr>
+            <p:cNvSpPr txBox="1"/>
+            <p:nvPr/>
+          </p:nvSpPr>
+          <p:spPr>
+            <a:xfrm>
+              <a:off x="11827254" y="26977756"/>
+              <a:ext cx="8483700" cy="1877437"/>
+            </a:xfrm>
+            <a:prstGeom prst="rect">
+              <a:avLst/>
+            </a:prstGeom>
+            <a:noFill/>
+          </p:spPr>
+          <p:txBody>
+            <a:bodyPr wrap="square" rtlCol="0">
+              <a:spAutoFit/>
+            </a:bodyPr>
+            <a:lstStyle/>
+            <a:p>
+              <a:r>
+                <a:rPr lang="zh-TW" altLang="en-US" sz="3200" b="1" dirty="0">
+                  <a:latin typeface="標楷體" panose="03000509000000000000" pitchFamily="65" charset="-120"/>
+                  <a:ea typeface="標楷體" panose="03000509000000000000" pitchFamily="65" charset="-120"/>
+                </a:rPr>
+                <a:t>預期</a:t>
+              </a:r>
+              <a:r>
+                <a:rPr lang="en-US" altLang="zh-TW" sz="3200" b="1" dirty="0">
+                  <a:latin typeface="標楷體" panose="03000509000000000000" pitchFamily="65" charset="-120"/>
+                  <a:ea typeface="標楷體" panose="03000509000000000000" pitchFamily="65" charset="-120"/>
+                </a:rPr>
+                <a:t>:</a:t>
+              </a:r>
+            </a:p>
+            <a:p>
+              <a:r>
+                <a:rPr lang="en-US" altLang="zh-TW" sz="2800" dirty="0">
+                  <a:latin typeface="標楷體" panose="03000509000000000000" pitchFamily="65" charset="-120"/>
+                  <a:ea typeface="標楷體" panose="03000509000000000000" pitchFamily="65" charset="-120"/>
+                </a:rPr>
+                <a:t>1.</a:t>
+              </a:r>
+              <a:r>
+                <a:rPr lang="zh-TW" altLang="en-US" sz="2800" dirty="0">
+                  <a:latin typeface="標楷體" panose="03000509000000000000" pitchFamily="65" charset="-120"/>
+                  <a:ea typeface="標楷體" panose="03000509000000000000" pitchFamily="65" charset="-120"/>
+                </a:rPr>
+                <a:t>將延遲的時間縮段至</a:t>
+              </a:r>
+              <a:r>
+                <a:rPr lang="en-US" altLang="zh-TW" sz="2800" dirty="0">
+                  <a:latin typeface="標楷體" panose="03000509000000000000" pitchFamily="65" charset="-120"/>
+                  <a:ea typeface="標楷體" panose="03000509000000000000" pitchFamily="65" charset="-120"/>
+                </a:rPr>
+                <a:t>2</a:t>
+              </a:r>
+              <a:r>
+                <a:rPr lang="zh-TW" altLang="en-US" sz="2800" dirty="0">
+                  <a:latin typeface="標楷體" panose="03000509000000000000" pitchFamily="65" charset="-120"/>
+                  <a:ea typeface="標楷體" panose="03000509000000000000" pitchFamily="65" charset="-120"/>
+                </a:rPr>
+                <a:t>秒內，以此來符合</a:t>
+              </a:r>
+              <a:r>
+                <a:rPr lang="en-US" altLang="zh-TW" sz="2800" dirty="0">
+                  <a:latin typeface="標楷體" panose="03000509000000000000" pitchFamily="65" charset="-120"/>
+                  <a:ea typeface="標楷體" panose="03000509000000000000" pitchFamily="65" charset="-120"/>
+                </a:rPr>
+                <a:t>real-time</a:t>
+              </a:r>
+              <a:r>
+                <a:rPr lang="zh-TW" altLang="en-US" sz="2800" dirty="0">
+                  <a:latin typeface="標楷體" panose="03000509000000000000" pitchFamily="65" charset="-120"/>
+                  <a:ea typeface="標楷體" panose="03000509000000000000" pitchFamily="65" charset="-120"/>
+                </a:rPr>
+                <a:t>的需求</a:t>
+              </a:r>
+              <a:endParaRPr lang="en-US" altLang="zh-TW" sz="2800" dirty="0">
                 <a:latin typeface="標楷體" panose="03000509000000000000" pitchFamily="65" charset="-120"/>
                 <a:ea typeface="標楷體" panose="03000509000000000000" pitchFamily="65" charset="-120"/>
-              </a:rPr>
-              <a:t>將透過裝置讀取到的訊號</a:t>
-            </a:r>
-            <a:r>
-              <a:rPr lang="en-US" altLang="zh-TW" sz="2800" dirty="0">
+              </a:endParaRPr>
+            </a:p>
+            <a:p>
+              <a:r>
+                <a:rPr lang="en-US" altLang="zh-TW" sz="2800" dirty="0">
+                  <a:latin typeface="標楷體" panose="03000509000000000000" pitchFamily="65" charset="-120"/>
+                  <a:ea typeface="標楷體" panose="03000509000000000000" pitchFamily="65" charset="-120"/>
+                </a:rPr>
+                <a:t>2.</a:t>
+              </a:r>
+              <a:r>
+                <a:rPr lang="zh-TW" altLang="en-US" sz="2800" dirty="0">
+                  <a:latin typeface="標楷體" panose="03000509000000000000" pitchFamily="65" charset="-120"/>
+                  <a:ea typeface="標楷體" panose="03000509000000000000" pitchFamily="65" charset="-120"/>
+                </a:rPr>
+                <a:t>增加遙控車的轉向功能</a:t>
+              </a:r>
+              <a:endParaRPr lang="en-US" altLang="zh-TW" sz="2800" dirty="0">
                 <a:latin typeface="標楷體" panose="03000509000000000000" pitchFamily="65" charset="-120"/>
                 <a:ea typeface="標楷體" panose="03000509000000000000" pitchFamily="65" charset="-120"/>
-              </a:rPr>
-              <a:t>filter</a:t>
-            </a:r>
-            <a:r>
-              <a:rPr lang="zh-TW" altLang="en-US" sz="2800" dirty="0">
+              </a:endParaRPr>
+            </a:p>
+          </p:txBody>
+        </p:sp>
+        <p:pic>
+          <p:nvPicPr>
+            <p:cNvPr id="58" name="圖片 57" descr="一張含有 文字, 圖表, 行, 繪圖 的圖片&#10;&#10;自動產生的描述">
+              <a:extLst>
+                <a:ext uri="{FF2B5EF4-FFF2-40B4-BE49-F238E27FC236}">
+                  <a16:creationId xmlns:a16="http://schemas.microsoft.com/office/drawing/2014/main" id="{44AF164D-C7D0-4F5A-24E2-199F596A48AE}"/>
+                </a:ext>
+              </a:extLst>
+            </p:cNvPr>
+            <p:cNvPicPr>
+              <a:picLocks noChangeAspect="1"/>
+            </p:cNvPicPr>
+            <p:nvPr/>
+          </p:nvPicPr>
+          <p:blipFill>
+            <a:blip r:embed="rId7">
+              <a:extLst>
+                <a:ext uri="{28A0092B-C50C-407E-A947-70E740481C1C}">
+                  <a14:useLocalDpi xmlns:a14="http://schemas.microsoft.com/office/drawing/2010/main" val="0"/>
+                </a:ext>
+              </a:extLst>
+            </a:blip>
+            <a:stretch>
+              <a:fillRect/>
+            </a:stretch>
+          </p:blipFill>
+          <p:spPr>
+            <a:xfrm>
+              <a:off x="12009138" y="21071782"/>
+              <a:ext cx="4812441" cy="3609331"/>
+            </a:xfrm>
+            <a:prstGeom prst="rect">
+              <a:avLst/>
+            </a:prstGeom>
+          </p:spPr>
+        </p:pic>
+        <p:sp>
+          <p:nvSpPr>
+            <p:cNvPr id="59" name="文字方塊 58">
+              <a:extLst>
+                <a:ext uri="{FF2B5EF4-FFF2-40B4-BE49-F238E27FC236}">
+                  <a16:creationId xmlns:a16="http://schemas.microsoft.com/office/drawing/2014/main" id="{9B87CCD1-F301-38A9-F6A0-4BE4FB862757}"/>
+                </a:ext>
+              </a:extLst>
+            </p:cNvPr>
+            <p:cNvSpPr txBox="1"/>
+            <p:nvPr/>
+          </p:nvSpPr>
+          <p:spPr>
+            <a:xfrm>
+              <a:off x="11862132" y="24800522"/>
+              <a:ext cx="8483700" cy="2308324"/>
+            </a:xfrm>
+            <a:prstGeom prst="rect">
+              <a:avLst/>
+            </a:prstGeom>
+            <a:noFill/>
+          </p:spPr>
+          <p:txBody>
+            <a:bodyPr wrap="square" rtlCol="0">
+              <a:spAutoFit/>
+            </a:bodyPr>
+            <a:lstStyle/>
+            <a:p>
+              <a:r>
+                <a:rPr lang="zh-TW" altLang="en-US" sz="3200" b="1" dirty="0">
+                  <a:latin typeface="標楷體" panose="03000509000000000000" pitchFamily="65" charset="-120"/>
+                  <a:ea typeface="標楷體" panose="03000509000000000000" pitchFamily="65" charset="-120"/>
+                </a:rPr>
+                <a:t>目前</a:t>
+              </a:r>
+              <a:r>
+                <a:rPr lang="en-US" altLang="zh-TW" sz="3200" b="1" dirty="0">
+                  <a:latin typeface="標楷體" panose="03000509000000000000" pitchFamily="65" charset="-120"/>
+                  <a:ea typeface="標楷體" panose="03000509000000000000" pitchFamily="65" charset="-120"/>
+                </a:rPr>
+                <a:t>:</a:t>
+              </a:r>
+              <a:r>
+                <a:rPr lang="zh-TW" altLang="en-US" sz="3200" b="1" dirty="0">
+                  <a:latin typeface="標楷體" panose="03000509000000000000" pitchFamily="65" charset="-120"/>
+                  <a:ea typeface="標楷體" panose="03000509000000000000" pitchFamily="65" charset="-120"/>
+                </a:rPr>
+                <a:t> </a:t>
+              </a:r>
+              <a:endParaRPr lang="en-US" altLang="zh-TW" sz="3200" b="1" dirty="0">
                 <a:latin typeface="標楷體" panose="03000509000000000000" pitchFamily="65" charset="-120"/>
                 <a:ea typeface="標楷體" panose="03000509000000000000" pitchFamily="65" charset="-120"/>
-              </a:rPr>
-              <a:t>成</a:t>
-            </a:r>
-            <a:r>
-              <a:rPr lang="en-US" altLang="zh-TW" sz="2800" dirty="0">
-                <a:latin typeface="標楷體" panose="03000509000000000000" pitchFamily="65" charset="-120"/>
-                <a:ea typeface="標楷體" panose="03000509000000000000" pitchFamily="65" charset="-120"/>
-              </a:rPr>
-              <a:t>4</a:t>
-            </a:r>
-            <a:r>
-              <a:rPr lang="zh-TW" altLang="en-US" sz="2800" dirty="0">
-                <a:latin typeface="標楷體" panose="03000509000000000000" pitchFamily="65" charset="-120"/>
-                <a:ea typeface="標楷體" panose="03000509000000000000" pitchFamily="65" charset="-120"/>
-              </a:rPr>
-              <a:t>種頻帶訊號</a:t>
-            </a:r>
-            <a:endParaRPr lang="en-US" altLang="zh-TW" sz="2800" dirty="0">
-              <a:latin typeface="標楷體" panose="03000509000000000000" pitchFamily="65" charset="-120"/>
-              <a:ea typeface="標楷體" panose="03000509000000000000" pitchFamily="65" charset="-120"/>
-            </a:endParaRPr>
-          </a:p>
-          <a:p>
-            <a:r>
-              <a:rPr lang="el-GR" altLang="zh-TW" sz="2800" dirty="0">
-                <a:latin typeface="+mj-lt"/>
-                <a:ea typeface="標楷體" panose="03000509000000000000" pitchFamily="65" charset="-120"/>
-              </a:rPr>
-              <a:t>δ</a:t>
-            </a:r>
-            <a:r>
-              <a:rPr lang="en-US" altLang="zh-TW" sz="2800" dirty="0">
-                <a:latin typeface="+mj-lt"/>
-                <a:ea typeface="標楷體" panose="03000509000000000000" pitchFamily="65" charset="-120"/>
-              </a:rPr>
-              <a:t>(1~4Hz)</a:t>
-            </a:r>
-            <a:r>
-              <a:rPr lang="zh-TW" altLang="en-US" sz="2800" dirty="0">
-                <a:latin typeface="+mj-lt"/>
-                <a:ea typeface="標楷體" panose="03000509000000000000" pitchFamily="65" charset="-120"/>
-              </a:rPr>
-              <a:t>，</a:t>
-            </a:r>
-            <a:r>
-              <a:rPr lang="el-GR" altLang="zh-TW" sz="2800" dirty="0">
-                <a:latin typeface="+mj-lt"/>
-                <a:ea typeface="標楷體" panose="03000509000000000000" pitchFamily="65" charset="-120"/>
-              </a:rPr>
-              <a:t>θ</a:t>
-            </a:r>
-            <a:r>
-              <a:rPr lang="en-US" altLang="zh-TW" sz="2800" dirty="0">
-                <a:latin typeface="+mj-lt"/>
-                <a:ea typeface="標楷體" panose="03000509000000000000" pitchFamily="65" charset="-120"/>
-              </a:rPr>
-              <a:t>(4~8Hz)</a:t>
-            </a:r>
-            <a:r>
-              <a:rPr lang="zh-TW" altLang="en-US" sz="2800" dirty="0">
-                <a:latin typeface="+mj-lt"/>
-                <a:ea typeface="標楷體" panose="03000509000000000000" pitchFamily="65" charset="-120"/>
-              </a:rPr>
-              <a:t>，</a:t>
-            </a:r>
-            <a:r>
-              <a:rPr lang="el-GR" altLang="zh-TW" sz="2800" dirty="0">
-                <a:latin typeface="+mj-lt"/>
-                <a:ea typeface="標楷體" panose="03000509000000000000" pitchFamily="65" charset="-120"/>
-              </a:rPr>
-              <a:t>α</a:t>
-            </a:r>
-            <a:r>
-              <a:rPr lang="en-US" altLang="zh-TW" sz="2800" dirty="0">
-                <a:latin typeface="+mj-lt"/>
-                <a:ea typeface="標楷體" panose="03000509000000000000" pitchFamily="65" charset="-120"/>
-              </a:rPr>
-              <a:t>(8~12Hz)</a:t>
-            </a:r>
-            <a:r>
-              <a:rPr lang="zh-TW" altLang="en-US" sz="2800" dirty="0">
-                <a:latin typeface="+mj-lt"/>
-                <a:ea typeface="標楷體" panose="03000509000000000000" pitchFamily="65" charset="-120"/>
-              </a:rPr>
-              <a:t>，</a:t>
-            </a:r>
-            <a:r>
-              <a:rPr lang="el-GR" altLang="zh-TW" sz="2800" dirty="0">
-                <a:latin typeface="+mj-lt"/>
-                <a:ea typeface="標楷體" panose="03000509000000000000" pitchFamily="65" charset="-120"/>
-              </a:rPr>
-              <a:t>β</a:t>
-            </a:r>
-            <a:r>
-              <a:rPr lang="en-US" altLang="zh-TW" sz="2800" dirty="0">
-                <a:latin typeface="+mj-lt"/>
-                <a:ea typeface="標楷體" panose="03000509000000000000" pitchFamily="65" charset="-120"/>
-              </a:rPr>
-              <a:t>(12~40Hz)</a:t>
-            </a:r>
-            <a:r>
-              <a:rPr lang="zh-TW" altLang="en-US" sz="2800" dirty="0">
-                <a:latin typeface="標楷體" panose="03000509000000000000" pitchFamily="65" charset="-120"/>
-                <a:ea typeface="標楷體" panose="03000509000000000000" pitchFamily="65" charset="-120"/>
-              </a:rPr>
-              <a:t>，並計算</a:t>
-            </a:r>
-            <a:r>
-              <a:rPr lang="el-GR" altLang="zh-TW" sz="2800" dirty="0">
-                <a:latin typeface="+mj-lt"/>
-                <a:ea typeface="標楷體" panose="03000509000000000000" pitchFamily="65" charset="-120"/>
-              </a:rPr>
-              <a:t>α</a:t>
-            </a:r>
-            <a:r>
-              <a:rPr lang="zh-TW" altLang="en-US" sz="2800" dirty="0">
-                <a:latin typeface="標楷體" panose="03000509000000000000" pitchFamily="65" charset="-120"/>
-                <a:ea typeface="標楷體" panose="03000509000000000000" pitchFamily="65" charset="-120"/>
-              </a:rPr>
-              <a:t>在這期種的占比是多少。</a:t>
-            </a:r>
-          </a:p>
-        </p:txBody>
-      </p:sp>
-      <p:sp>
-        <p:nvSpPr>
-          <p:cNvPr id="33" name="文字方塊 32">
+              </a:endParaRPr>
+            </a:p>
+            <a:p>
+              <a:r>
+                <a:rPr lang="zh-TW" altLang="en-US" sz="2800" dirty="0">
+                  <a:latin typeface="標楷體" panose="03000509000000000000" pitchFamily="65" charset="-120"/>
+                  <a:ea typeface="標楷體" panose="03000509000000000000" pitchFamily="65" charset="-120"/>
+                </a:rPr>
+                <a:t>上圖的紅線表示判斷出的閥值，黃色區段為模型標籤出為閉眼的狀態、紫色為睜眼的狀態，由圖表的狀態變化可知，存在</a:t>
+              </a:r>
+              <a:r>
+                <a:rPr lang="en-US" altLang="zh-TW" sz="2800" dirty="0">
+                  <a:latin typeface="標楷體" panose="03000509000000000000" pitchFamily="65" charset="-120"/>
+                  <a:ea typeface="標楷體" panose="03000509000000000000" pitchFamily="65" charset="-120"/>
+                </a:rPr>
+                <a:t>3~4</a:t>
+              </a:r>
+              <a:r>
+                <a:rPr lang="zh-TW" altLang="en-US" sz="2800" dirty="0">
+                  <a:latin typeface="標楷體" panose="03000509000000000000" pitchFamily="65" charset="-120"/>
+                  <a:ea typeface="標楷體" panose="03000509000000000000" pitchFamily="65" charset="-120"/>
+                </a:rPr>
+                <a:t>秒的延遲時間。此外，我們發現模型對於睜眼到閉眼的狀態變化比較不敏感。</a:t>
+              </a:r>
+            </a:p>
+          </p:txBody>
+        </p:sp>
+      </p:grpSp>
+      <p:grpSp>
+        <p:nvGrpSpPr>
+          <p:cNvPr id="63" name="群組 62">
             <a:extLst>
               <a:ext uri="{FF2B5EF4-FFF2-40B4-BE49-F238E27FC236}">
-                <a16:creationId xmlns:a16="http://schemas.microsoft.com/office/drawing/2014/main" id="{E16B526E-599B-4586-99F9-44283316C4BF}"/>
+                <a16:creationId xmlns:a16="http://schemas.microsoft.com/office/drawing/2014/main" id="{C0F566F0-DF42-D060-DC4D-7CB60CC49360}"/>
               </a:ext>
             </a:extLst>
           </p:cNvPr>
-          <p:cNvSpPr txBox="1"/>
+          <p:cNvGrpSpPr/>
           <p:nvPr/>
-        </p:nvSpPr>
-        <p:spPr>
+        </p:nvGrpSpPr>
+        <p:grpSpPr>
           <a:xfrm>
-            <a:off x="1143084" y="21539244"/>
-            <a:ext cx="8494512" cy="1877437"/>
+            <a:off x="11430632" y="8834433"/>
+            <a:ext cx="9546942" cy="9564312"/>
+            <a:chOff x="11164708" y="9740483"/>
+            <a:chExt cx="9546942" cy="9564312"/>
           </a:xfrm>
-          <a:prstGeom prst="rect">
-            <a:avLst/>
-          </a:prstGeom>
-          <a:noFill/>
-        </p:spPr>
-        <p:txBody>
-          <a:bodyPr wrap="square" rtlCol="0">
-            <a:spAutoFit/>
-          </a:bodyPr>
-          <a:lstStyle/>
-          <a:p>
-            <a:r>
-              <a:rPr lang="en-US" altLang="zh-TW" sz="3200" b="1" dirty="0">
-                <a:latin typeface="+mj-lt"/>
-              </a:rPr>
-              <a:t>Translation Algorithm :</a:t>
-            </a:r>
-          </a:p>
-          <a:p>
-            <a:r>
-              <a:rPr lang="zh-TW" altLang="en-US" sz="2800" dirty="0">
-                <a:latin typeface="標楷體" panose="03000509000000000000" pitchFamily="65" charset="-120"/>
-                <a:ea typeface="標楷體" panose="03000509000000000000" pitchFamily="65" charset="-120"/>
-              </a:rPr>
-              <a:t>我們將先收集受測者前</a:t>
-            </a:r>
-            <a:r>
-              <a:rPr lang="en-US" altLang="zh-TW" sz="2800" dirty="0">
-                <a:latin typeface="標楷體" panose="03000509000000000000" pitchFamily="65" charset="-120"/>
-                <a:ea typeface="標楷體" panose="03000509000000000000" pitchFamily="65" charset="-120"/>
-              </a:rPr>
-              <a:t>30</a:t>
-            </a:r>
-            <a:r>
-              <a:rPr lang="zh-TW" altLang="en-US" sz="2800" dirty="0">
-                <a:latin typeface="標楷體" panose="03000509000000000000" pitchFamily="65" charset="-120"/>
-                <a:ea typeface="標楷體" panose="03000509000000000000" pitchFamily="65" charset="-120"/>
-              </a:rPr>
-              <a:t>秒計算出</a:t>
-            </a:r>
-            <a:r>
-              <a:rPr lang="el-GR" altLang="zh-TW" sz="2800" dirty="0">
-                <a:latin typeface="+mj-lt"/>
-                <a:ea typeface="標楷體" panose="03000509000000000000" pitchFamily="65" charset="-120"/>
-              </a:rPr>
-              <a:t>α</a:t>
-            </a:r>
-            <a:r>
-              <a:rPr lang="zh-TW" altLang="en-US" sz="2800" dirty="0">
-                <a:latin typeface="標楷體" panose="03000509000000000000" pitchFamily="65" charset="-120"/>
-                <a:ea typeface="標楷體" panose="03000509000000000000" pitchFamily="65" charset="-120"/>
-              </a:rPr>
-              <a:t>比值，在這前</a:t>
-            </a:r>
-            <a:r>
-              <a:rPr lang="en-US" altLang="zh-TW" sz="2800" dirty="0">
-                <a:latin typeface="標楷體" panose="03000509000000000000" pitchFamily="65" charset="-120"/>
-                <a:ea typeface="標楷體" panose="03000509000000000000" pitchFamily="65" charset="-120"/>
-              </a:rPr>
-              <a:t>30</a:t>
-            </a:r>
-            <a:r>
-              <a:rPr lang="zh-TW" altLang="en-US" sz="2800" dirty="0">
-                <a:latin typeface="標楷體" panose="03000509000000000000" pitchFamily="65" charset="-120"/>
-                <a:ea typeface="標楷體" panose="03000509000000000000" pitchFamily="65" charset="-120"/>
-              </a:rPr>
-              <a:t>秒鐘，我們將分成</a:t>
-            </a:r>
-            <a:r>
-              <a:rPr lang="en-US" altLang="zh-TW" sz="2800" dirty="0">
-                <a:latin typeface="標楷體" panose="03000509000000000000" pitchFamily="65" charset="-120"/>
-                <a:ea typeface="標楷體" panose="03000509000000000000" pitchFamily="65" charset="-120"/>
-              </a:rPr>
-              <a:t>3</a:t>
-            </a:r>
-            <a:r>
-              <a:rPr lang="zh-TW" altLang="en-US" sz="2800" dirty="0">
-                <a:latin typeface="標楷體" panose="03000509000000000000" pitchFamily="65" charset="-120"/>
-                <a:ea typeface="標楷體" panose="03000509000000000000" pitchFamily="65" charset="-120"/>
-              </a:rPr>
-              <a:t>個階段，</a:t>
-            </a:r>
-            <a:r>
-              <a:rPr lang="en-US" altLang="zh-TW" sz="2800" dirty="0">
-                <a:latin typeface="標楷體" panose="03000509000000000000" pitchFamily="65" charset="-120"/>
-                <a:ea typeface="標楷體" panose="03000509000000000000" pitchFamily="65" charset="-120"/>
-              </a:rPr>
-              <a:t>0~10s</a:t>
-            </a:r>
-            <a:r>
-              <a:rPr lang="zh-TW" altLang="en-US" sz="2800" dirty="0">
-                <a:latin typeface="標楷體" panose="03000509000000000000" pitchFamily="65" charset="-120"/>
-                <a:ea typeface="標楷體" panose="03000509000000000000" pitchFamily="65" charset="-120"/>
-              </a:rPr>
-              <a:t>閉眼，</a:t>
-            </a:r>
-            <a:r>
-              <a:rPr lang="en-US" altLang="zh-TW" sz="2800" dirty="0">
-                <a:latin typeface="標楷體" panose="03000509000000000000" pitchFamily="65" charset="-120"/>
-                <a:ea typeface="標楷體" panose="03000509000000000000" pitchFamily="65" charset="-120"/>
-              </a:rPr>
-              <a:t>10~20s</a:t>
-            </a:r>
-            <a:r>
-              <a:rPr lang="zh-TW" altLang="en-US" sz="2800" dirty="0">
-                <a:latin typeface="標楷體" panose="03000509000000000000" pitchFamily="65" charset="-120"/>
-                <a:ea typeface="標楷體" panose="03000509000000000000" pitchFamily="65" charset="-120"/>
-              </a:rPr>
-              <a:t>睜眼，</a:t>
-            </a:r>
-            <a:r>
-              <a:rPr lang="en-US" altLang="zh-TW" sz="2800" dirty="0">
-                <a:latin typeface="標楷體" panose="03000509000000000000" pitchFamily="65" charset="-120"/>
-                <a:ea typeface="標楷體" panose="03000509000000000000" pitchFamily="65" charset="-120"/>
-              </a:rPr>
-              <a:t>20~30s</a:t>
-            </a:r>
-            <a:r>
-              <a:rPr lang="zh-TW" altLang="en-US" sz="2800" dirty="0">
-                <a:latin typeface="標楷體" panose="03000509000000000000" pitchFamily="65" charset="-120"/>
-                <a:ea typeface="標楷體" panose="03000509000000000000" pitchFamily="65" charset="-120"/>
-              </a:rPr>
-              <a:t>閉眼，由此來判斷受測者睜眼與閉眼的交界值。</a:t>
-            </a:r>
-            <a:endParaRPr lang="en-US" altLang="zh-TW" sz="2800" dirty="0">
-              <a:latin typeface="標楷體" panose="03000509000000000000" pitchFamily="65" charset="-120"/>
-              <a:ea typeface="標楷體" panose="03000509000000000000" pitchFamily="65" charset="-120"/>
-            </a:endParaRPr>
-          </a:p>
-        </p:txBody>
-      </p:sp>
-      <p:sp>
-        <p:nvSpPr>
-          <p:cNvPr id="34" name="文字方塊 33">
-            <a:extLst>
-              <a:ext uri="{FF2B5EF4-FFF2-40B4-BE49-F238E27FC236}">
-                <a16:creationId xmlns:a16="http://schemas.microsoft.com/office/drawing/2014/main" id="{921CDD80-5381-E788-D2EB-884B2BF38A64}"/>
-              </a:ext>
-            </a:extLst>
-          </p:cNvPr>
-          <p:cNvSpPr txBox="1"/>
-          <p:nvPr/>
-        </p:nvSpPr>
-        <p:spPr>
-          <a:xfrm>
-            <a:off x="1143084" y="23516550"/>
-            <a:ext cx="8056362" cy="1877437"/>
-          </a:xfrm>
-          <a:prstGeom prst="rect">
-            <a:avLst/>
-          </a:prstGeom>
-          <a:noFill/>
-        </p:spPr>
-        <p:txBody>
-          <a:bodyPr wrap="square" rtlCol="0">
-            <a:spAutoFit/>
-          </a:bodyPr>
-          <a:lstStyle/>
-          <a:p>
-            <a:r>
-              <a:rPr lang="en-US" altLang="zh-TW" sz="3200" b="1" dirty="0">
-                <a:latin typeface="+mj-lt"/>
-                <a:ea typeface="標楷體" panose="03000509000000000000" pitchFamily="65" charset="-120"/>
-              </a:rPr>
-              <a:t>Model Selection :</a:t>
-            </a:r>
-          </a:p>
-          <a:p>
-            <a:r>
-              <a:rPr lang="zh-TW" altLang="en-US" sz="2800" dirty="0">
-                <a:latin typeface="+mj-lt"/>
-                <a:ea typeface="標楷體" panose="03000509000000000000" pitchFamily="65" charset="-120"/>
-              </a:rPr>
-              <a:t>在前</a:t>
-            </a:r>
-            <a:r>
-              <a:rPr lang="en-US" altLang="zh-TW" sz="2800" dirty="0">
-                <a:latin typeface="+mj-lt"/>
-                <a:ea typeface="標楷體" panose="03000509000000000000" pitchFamily="65" charset="-120"/>
-              </a:rPr>
-              <a:t>30</a:t>
-            </a:r>
-            <a:r>
-              <a:rPr lang="zh-TW" altLang="en-US" sz="2800" dirty="0">
-                <a:latin typeface="+mj-lt"/>
-                <a:ea typeface="標楷體" panose="03000509000000000000" pitchFamily="65" charset="-120"/>
-              </a:rPr>
-              <a:t>秒收集到的資料中是採</a:t>
-            </a:r>
-            <a:r>
-              <a:rPr lang="en-US" altLang="zh-TW" sz="2800" dirty="0">
-                <a:latin typeface="+mj-lt"/>
-                <a:ea typeface="標楷體" panose="03000509000000000000" pitchFamily="65" charset="-120"/>
-              </a:rPr>
-              <a:t>unsupervised</a:t>
-            </a:r>
-            <a:r>
-              <a:rPr lang="zh-TW" altLang="en-US" sz="2800" dirty="0">
-                <a:latin typeface="+mj-lt"/>
-                <a:ea typeface="標楷體" panose="03000509000000000000" pitchFamily="65" charset="-120"/>
-              </a:rPr>
-              <a:t>的方式，並將收集到的資料訓練於</a:t>
-            </a:r>
-            <a:r>
-              <a:rPr lang="en-US" altLang="zh-TW" sz="2800" dirty="0" err="1">
-                <a:latin typeface="+mj-lt"/>
-                <a:ea typeface="標楷體" panose="03000509000000000000" pitchFamily="65" charset="-120"/>
-              </a:rPr>
-              <a:t>Kmeans</a:t>
-            </a:r>
-            <a:r>
-              <a:rPr lang="zh-TW" altLang="en-US" sz="2800" dirty="0">
-                <a:latin typeface="+mj-lt"/>
-                <a:ea typeface="標楷體" panose="03000509000000000000" pitchFamily="65" charset="-120"/>
-              </a:rPr>
-              <a:t>的模型中，由此來幫計算出</a:t>
-            </a:r>
-            <a:r>
-              <a:rPr lang="en-US" altLang="zh-TW" sz="2800" dirty="0">
-                <a:latin typeface="+mj-lt"/>
-                <a:ea typeface="標楷體" panose="03000509000000000000" pitchFamily="65" charset="-120"/>
-              </a:rPr>
-              <a:t>threshold</a:t>
-            </a:r>
-            <a:r>
-              <a:rPr lang="zh-TW" altLang="en-US" sz="2800" dirty="0">
-                <a:latin typeface="+mj-lt"/>
-                <a:ea typeface="標楷體" panose="03000509000000000000" pitchFamily="65" charset="-120"/>
-              </a:rPr>
-              <a:t>值。</a:t>
-            </a:r>
-            <a:endParaRPr lang="en-US" altLang="zh-TW" sz="2800" dirty="0">
-              <a:latin typeface="+mj-lt"/>
-              <a:ea typeface="標楷體" panose="03000509000000000000" pitchFamily="65" charset="-120"/>
-            </a:endParaRPr>
-          </a:p>
-        </p:txBody>
-      </p:sp>
-      <p:sp>
-        <p:nvSpPr>
-          <p:cNvPr id="35" name="文字方塊 34">
-            <a:extLst>
-              <a:ext uri="{FF2B5EF4-FFF2-40B4-BE49-F238E27FC236}">
-                <a16:creationId xmlns:a16="http://schemas.microsoft.com/office/drawing/2014/main" id="{2B987681-2F37-1DFF-7197-C543388BA57E}"/>
-              </a:ext>
-            </a:extLst>
-          </p:cNvPr>
-          <p:cNvSpPr txBox="1"/>
-          <p:nvPr/>
-        </p:nvSpPr>
-        <p:spPr>
-          <a:xfrm>
-            <a:off x="1143084" y="25385814"/>
-            <a:ext cx="8056362" cy="1446550"/>
-          </a:xfrm>
-          <a:prstGeom prst="rect">
-            <a:avLst/>
-          </a:prstGeom>
-          <a:noFill/>
-        </p:spPr>
-        <p:txBody>
-          <a:bodyPr wrap="square" rtlCol="0">
-            <a:spAutoFit/>
-          </a:bodyPr>
-          <a:lstStyle/>
-          <a:p>
-            <a:r>
-              <a:rPr lang="en-US" altLang="zh-TW" sz="3200" b="1" dirty="0">
-                <a:latin typeface="+mj-lt"/>
-              </a:rPr>
-              <a:t>Device Commands :</a:t>
-            </a:r>
-          </a:p>
-          <a:p>
-            <a:r>
-              <a:rPr lang="zh-TW" altLang="en-US" sz="2800" dirty="0">
-                <a:latin typeface="+mj-lt"/>
-              </a:rPr>
-              <a:t>在</a:t>
-            </a:r>
-            <a:r>
-              <a:rPr lang="en-US" altLang="zh-TW" sz="2800" dirty="0">
-                <a:latin typeface="+mj-lt"/>
-              </a:rPr>
-              <a:t>real-time</a:t>
-            </a:r>
-            <a:r>
-              <a:rPr lang="zh-TW" altLang="en-US" sz="2800" dirty="0">
-                <a:latin typeface="+mj-lt"/>
-              </a:rPr>
-              <a:t>得出</a:t>
-            </a:r>
-            <a:r>
-              <a:rPr lang="en-US" altLang="zh-TW" sz="2800" dirty="0">
-                <a:latin typeface="+mj-lt"/>
-              </a:rPr>
-              <a:t>threshold</a:t>
-            </a:r>
-            <a:r>
-              <a:rPr lang="zh-TW" altLang="en-US" sz="2800" dirty="0">
-                <a:latin typeface="+mj-lt"/>
-              </a:rPr>
-              <a:t>的同時，要求受測者操控遙控車</a:t>
-            </a:r>
-            <a:r>
-              <a:rPr lang="en-US" altLang="zh-TW" sz="2800" dirty="0">
-                <a:latin typeface="+mj-lt"/>
-              </a:rPr>
-              <a:t>(</a:t>
-            </a:r>
-            <a:r>
-              <a:rPr lang="zh-TW" altLang="en-US" sz="2800" dirty="0">
-                <a:latin typeface="+mj-lt"/>
-              </a:rPr>
-              <a:t>閉眼</a:t>
-            </a:r>
-            <a:r>
-              <a:rPr lang="en-US" altLang="zh-TW" sz="2800" dirty="0">
-                <a:latin typeface="+mj-lt"/>
-              </a:rPr>
-              <a:t>:</a:t>
-            </a:r>
-            <a:r>
-              <a:rPr lang="zh-TW" altLang="en-US" sz="2800" dirty="0">
-                <a:latin typeface="+mj-lt"/>
-              </a:rPr>
-              <a:t> 停止，睜眼</a:t>
-            </a:r>
-            <a:r>
-              <a:rPr lang="en-US" altLang="zh-TW" sz="2800" dirty="0">
-                <a:latin typeface="+mj-lt"/>
-              </a:rPr>
-              <a:t>:</a:t>
-            </a:r>
-            <a:r>
-              <a:rPr lang="zh-TW" altLang="en-US" sz="2800" dirty="0">
-                <a:latin typeface="+mj-lt"/>
-              </a:rPr>
-              <a:t>前進</a:t>
-            </a:r>
-            <a:r>
-              <a:rPr lang="en-US" altLang="zh-TW" sz="2800" dirty="0">
-                <a:latin typeface="+mj-lt"/>
-              </a:rPr>
-              <a:t>)</a:t>
-            </a:r>
-            <a:r>
-              <a:rPr lang="zh-TW" altLang="en-US" sz="2800" dirty="0">
-                <a:latin typeface="+mj-lt"/>
-              </a:rPr>
-              <a:t>。</a:t>
-            </a:r>
-            <a:r>
-              <a:rPr lang="en-US" altLang="zh-TW" sz="2800" dirty="0">
-                <a:latin typeface="+mj-lt"/>
-              </a:rPr>
-              <a:t> </a:t>
-            </a:r>
-            <a:endParaRPr lang="zh-TW" altLang="en-US" sz="2800" dirty="0">
-              <a:latin typeface="+mj-lt"/>
-            </a:endParaRPr>
-          </a:p>
-        </p:txBody>
-      </p:sp>
+        </p:grpSpPr>
+        <p:grpSp>
+          <p:nvGrpSpPr>
+            <p:cNvPr id="2" name="群組 1">
+              <a:extLst>
+                <a:ext uri="{FF2B5EF4-FFF2-40B4-BE49-F238E27FC236}">
+                  <a16:creationId xmlns:a16="http://schemas.microsoft.com/office/drawing/2014/main" id="{9C62F4D5-F123-D576-1418-80DDFF49ADE9}"/>
+                </a:ext>
+              </a:extLst>
+            </p:cNvPr>
+            <p:cNvGrpSpPr/>
+            <p:nvPr/>
+          </p:nvGrpSpPr>
+          <p:grpSpPr>
+            <a:xfrm>
+              <a:off x="11164708" y="9740483"/>
+              <a:ext cx="9546942" cy="9564312"/>
+              <a:chOff x="1512443" y="4939890"/>
+              <a:chExt cx="18800064" cy="4423566"/>
+            </a:xfrm>
+          </p:grpSpPr>
+          <p:sp>
+            <p:nvSpPr>
+              <p:cNvPr id="3" name="矩形: 圓角 2">
+                <a:extLst>
+                  <a:ext uri="{FF2B5EF4-FFF2-40B4-BE49-F238E27FC236}">
+                    <a16:creationId xmlns:a16="http://schemas.microsoft.com/office/drawing/2014/main" id="{80F8312D-5695-2757-3509-64EE0FE5392F}"/>
+                  </a:ext>
+                </a:extLst>
+              </p:cNvPr>
+              <p:cNvSpPr/>
+              <p:nvPr/>
+            </p:nvSpPr>
+            <p:spPr>
+              <a:xfrm>
+                <a:off x="1512443" y="5174548"/>
+                <a:ext cx="18800064" cy="4188908"/>
+              </a:xfrm>
+              <a:prstGeom prst="roundRect">
+                <a:avLst/>
+              </a:prstGeom>
+              <a:solidFill>
+                <a:schemeClr val="accent6">
+                  <a:lumMod val="20000"/>
+                  <a:lumOff val="80000"/>
+                </a:schemeClr>
+              </a:solidFill>
+              <a:ln w="215900">
+                <a:solidFill>
+                  <a:schemeClr val="bg2">
+                    <a:lumMod val="25000"/>
+                  </a:schemeClr>
+                </a:solidFill>
+              </a:ln>
+            </p:spPr>
+            <p:style>
+              <a:lnRef idx="2">
+                <a:schemeClr val="accent1">
+                  <a:shade val="15000"/>
+                </a:schemeClr>
+              </a:lnRef>
+              <a:fillRef idx="1">
+                <a:schemeClr val="accent1"/>
+              </a:fillRef>
+              <a:effectRef idx="0">
+                <a:schemeClr val="accent1"/>
+              </a:effectRef>
+              <a:fontRef idx="minor">
+                <a:schemeClr val="lt1"/>
+              </a:fontRef>
+            </p:style>
+            <p:txBody>
+              <a:bodyPr rtlCol="0" anchor="ctr"/>
+              <a:lstStyle/>
+              <a:p>
+                <a:pPr algn="ctr"/>
+                <a:endParaRPr lang="zh-TW" altLang="en-US"/>
+              </a:p>
+            </p:txBody>
+          </p:sp>
+          <p:sp>
+            <p:nvSpPr>
+              <p:cNvPr id="5" name="矩形 4">
+                <a:extLst>
+                  <a:ext uri="{FF2B5EF4-FFF2-40B4-BE49-F238E27FC236}">
+                    <a16:creationId xmlns:a16="http://schemas.microsoft.com/office/drawing/2014/main" id="{54824518-9728-C20E-9CF1-7756FCD90A34}"/>
+                  </a:ext>
+                </a:extLst>
+              </p:cNvPr>
+              <p:cNvSpPr/>
+              <p:nvPr/>
+            </p:nvSpPr>
+            <p:spPr>
+              <a:xfrm>
+                <a:off x="6724358" y="4939890"/>
+                <a:ext cx="8376235" cy="469316"/>
+              </a:xfrm>
+              <a:prstGeom prst="rect">
+                <a:avLst/>
+              </a:prstGeom>
+              <a:solidFill>
+                <a:schemeClr val="bg2">
+                  <a:lumMod val="25000"/>
+                </a:schemeClr>
+              </a:solidFill>
+              <a:ln>
+                <a:solidFill>
+                  <a:schemeClr val="bg2">
+                    <a:lumMod val="25000"/>
+                  </a:schemeClr>
+                </a:solidFill>
+              </a:ln>
+            </p:spPr>
+            <p:style>
+              <a:lnRef idx="2">
+                <a:schemeClr val="accent1">
+                  <a:shade val="15000"/>
+                </a:schemeClr>
+              </a:lnRef>
+              <a:fillRef idx="1">
+                <a:schemeClr val="accent1"/>
+              </a:fillRef>
+              <a:effectRef idx="0">
+                <a:schemeClr val="accent1"/>
+              </a:effectRef>
+              <a:fontRef idx="minor">
+                <a:schemeClr val="lt1"/>
+              </a:fontRef>
+            </p:style>
+            <p:txBody>
+              <a:bodyPr rtlCol="0" anchor="ctr"/>
+              <a:lstStyle/>
+              <a:p>
+                <a:pPr algn="ctr"/>
+                <a:r>
+                  <a:rPr lang="zh-TW" altLang="en-US" sz="5400" dirty="0">
+                    <a:latin typeface="標楷體" panose="03000509000000000000" pitchFamily="65" charset="-120"/>
+                    <a:ea typeface="標楷體" panose="03000509000000000000" pitchFamily="65" charset="-120"/>
+                  </a:rPr>
+                  <a:t>實作</a:t>
+                </a:r>
+                <a:r>
+                  <a:rPr lang="en-US" altLang="zh-TW" sz="5400" dirty="0">
+                    <a:latin typeface="標楷體" panose="03000509000000000000" pitchFamily="65" charset="-120"/>
+                    <a:ea typeface="標楷體" panose="03000509000000000000" pitchFamily="65" charset="-120"/>
+                  </a:rPr>
+                  <a:t>demo</a:t>
+                </a:r>
+                <a:endParaRPr lang="zh-TW" altLang="en-US" sz="5400" dirty="0">
+                  <a:latin typeface="標楷體" panose="03000509000000000000" pitchFamily="65" charset="-120"/>
+                  <a:ea typeface="標楷體" panose="03000509000000000000" pitchFamily="65" charset="-120"/>
+                </a:endParaRPr>
+              </a:p>
+            </p:txBody>
+          </p:sp>
+        </p:grpSp>
+        <p:pic>
+          <p:nvPicPr>
+            <p:cNvPr id="45" name="圖片 44" descr="一張含有 文字, 室內, 電腦監視器, 電腦鍵盤 的圖片&#10;&#10;自動產生的描述">
+              <a:extLst>
+                <a:ext uri="{FF2B5EF4-FFF2-40B4-BE49-F238E27FC236}">
+                  <a16:creationId xmlns:a16="http://schemas.microsoft.com/office/drawing/2014/main" id="{46C70164-ECE6-4403-CE7E-B55407D93047}"/>
+                </a:ext>
+              </a:extLst>
+            </p:cNvPr>
+            <p:cNvPicPr>
+              <a:picLocks noChangeAspect="1"/>
+            </p:cNvPicPr>
+            <p:nvPr/>
+          </p:nvPicPr>
+          <p:blipFill>
+            <a:blip r:embed="rId8">
+              <a:extLst>
+                <a:ext uri="{28A0092B-C50C-407E-A947-70E740481C1C}">
+                  <a14:useLocalDpi xmlns:a14="http://schemas.microsoft.com/office/drawing/2010/main" val="0"/>
+                </a:ext>
+              </a:extLst>
+            </a:blip>
+            <a:stretch>
+              <a:fillRect/>
+            </a:stretch>
+          </p:blipFill>
+          <p:spPr>
+            <a:xfrm>
+              <a:off x="16069104" y="11460218"/>
+              <a:ext cx="2244881" cy="2993175"/>
+            </a:xfrm>
+            <a:prstGeom prst="rect">
+              <a:avLst/>
+            </a:prstGeom>
+          </p:spPr>
+        </p:pic>
+        <p:grpSp>
+          <p:nvGrpSpPr>
+            <p:cNvPr id="56" name="群組 55">
+              <a:extLst>
+                <a:ext uri="{FF2B5EF4-FFF2-40B4-BE49-F238E27FC236}">
+                  <a16:creationId xmlns:a16="http://schemas.microsoft.com/office/drawing/2014/main" id="{5A0E0DC5-0F8B-357A-FE9B-64483071BCA1}"/>
+                </a:ext>
+              </a:extLst>
+            </p:cNvPr>
+            <p:cNvGrpSpPr/>
+            <p:nvPr/>
+          </p:nvGrpSpPr>
+          <p:grpSpPr>
+            <a:xfrm>
+              <a:off x="15944219" y="14853404"/>
+              <a:ext cx="4584870" cy="3321585"/>
+              <a:chOff x="16957979" y="11826216"/>
+              <a:chExt cx="5400674" cy="3169965"/>
+            </a:xfrm>
+          </p:grpSpPr>
+          <p:pic>
+            <p:nvPicPr>
+              <p:cNvPr id="49" name="圖片 48" descr="一張含有 文字, 螢幕擷取畫面, 圖表, 軟體 的圖片&#10;&#10;自動產生的描述">
+                <a:extLst>
+                  <a:ext uri="{FF2B5EF4-FFF2-40B4-BE49-F238E27FC236}">
+                    <a16:creationId xmlns:a16="http://schemas.microsoft.com/office/drawing/2014/main" id="{FC28B79D-3586-63AC-4194-9117FFA6A905}"/>
+                  </a:ext>
+                </a:extLst>
+              </p:cNvPr>
+              <p:cNvPicPr>
+                <a:picLocks noChangeAspect="1"/>
+              </p:cNvPicPr>
+              <p:nvPr/>
+            </p:nvPicPr>
+            <p:blipFill rotWithShape="1">
+              <a:blip r:embed="rId9">
+                <a:extLst>
+                  <a:ext uri="{28A0092B-C50C-407E-A947-70E740481C1C}">
+                    <a14:useLocalDpi xmlns:a14="http://schemas.microsoft.com/office/drawing/2010/main" val="0"/>
+                  </a:ext>
+                </a:extLst>
+              </a:blip>
+              <a:srcRect l="1366" t="7141" r="1998" b="3489"/>
+              <a:stretch/>
+            </p:blipFill>
+            <p:spPr>
+              <a:xfrm>
+                <a:off x="16957979" y="11826216"/>
+                <a:ext cx="5400674" cy="3169965"/>
+              </a:xfrm>
+              <a:prstGeom prst="rect">
+                <a:avLst/>
+              </a:prstGeom>
+            </p:spPr>
+          </p:pic>
+          <p:sp>
+            <p:nvSpPr>
+              <p:cNvPr id="51" name="橢圓 50">
+                <a:extLst>
+                  <a:ext uri="{FF2B5EF4-FFF2-40B4-BE49-F238E27FC236}">
+                    <a16:creationId xmlns:a16="http://schemas.microsoft.com/office/drawing/2014/main" id="{A60F9FFB-D95F-5A17-95C5-A7E83DEF8D85}"/>
+                  </a:ext>
+                </a:extLst>
+              </p:cNvPr>
+              <p:cNvSpPr/>
+              <p:nvPr/>
+            </p:nvSpPr>
+            <p:spPr>
+              <a:xfrm>
+                <a:off x="18520855" y="14174907"/>
+                <a:ext cx="428625" cy="352425"/>
+              </a:xfrm>
+              <a:prstGeom prst="ellipse">
+                <a:avLst/>
+              </a:prstGeom>
+              <a:noFill/>
+              <a:ln w="38100" cap="flat" cmpd="sng" algn="ctr">
+                <a:solidFill>
+                  <a:srgbClr val="C00000"/>
+                </a:solidFill>
+                <a:prstDash val="sysDash"/>
+                <a:round/>
+                <a:headEnd type="none" w="med" len="med"/>
+                <a:tailEnd type="none" w="med" len="med"/>
+              </a:ln>
+            </p:spPr>
+            <p:style>
+              <a:lnRef idx="0">
+                <a:scrgbClr r="0" g="0" b="0"/>
+              </a:lnRef>
+              <a:fillRef idx="0">
+                <a:scrgbClr r="0" g="0" b="0"/>
+              </a:fillRef>
+              <a:effectRef idx="0">
+                <a:scrgbClr r="0" g="0" b="0"/>
+              </a:effectRef>
+              <a:fontRef idx="minor">
+                <a:schemeClr val="accent2"/>
+              </a:fontRef>
+            </p:style>
+            <p:txBody>
+              <a:bodyPr rtlCol="0" anchor="ctr"/>
+              <a:lstStyle/>
+              <a:p>
+                <a:pPr algn="ctr"/>
+                <a:endParaRPr lang="zh-TW" altLang="en-US" dirty="0"/>
+              </a:p>
+            </p:txBody>
+          </p:sp>
+        </p:grpSp>
+        <p:pic>
+          <p:nvPicPr>
+            <p:cNvPr id="55" name="圖片 54" descr="一張含有 文字, 圖表, 方案, 地圖 的圖片&#10;&#10;自動產生的描述">
+              <a:extLst>
+                <a:ext uri="{FF2B5EF4-FFF2-40B4-BE49-F238E27FC236}">
+                  <a16:creationId xmlns:a16="http://schemas.microsoft.com/office/drawing/2014/main" id="{5E771ED3-19A6-8C16-4928-28951CDB972E}"/>
+                </a:ext>
+              </a:extLst>
+            </p:cNvPr>
+            <p:cNvPicPr>
+              <a:picLocks noChangeAspect="1"/>
+            </p:cNvPicPr>
+            <p:nvPr/>
+          </p:nvPicPr>
+          <p:blipFill>
+            <a:blip r:embed="rId10">
+              <a:extLst>
+                <a:ext uri="{28A0092B-C50C-407E-A947-70E740481C1C}">
+                  <a14:useLocalDpi xmlns:a14="http://schemas.microsoft.com/office/drawing/2010/main" val="0"/>
+                </a:ext>
+              </a:extLst>
+            </a:blip>
+            <a:stretch>
+              <a:fillRect/>
+            </a:stretch>
+          </p:blipFill>
+          <p:spPr>
+            <a:xfrm>
+              <a:off x="11494315" y="10699201"/>
+              <a:ext cx="4869719" cy="4303038"/>
+            </a:xfrm>
+            <a:prstGeom prst="rect">
+              <a:avLst/>
+            </a:prstGeom>
+            <a:ln w="28575">
+              <a:solidFill>
+                <a:schemeClr val="tx1"/>
+              </a:solidFill>
+            </a:ln>
+            <a:effectLst>
+              <a:softEdge rad="177800"/>
+            </a:effectLst>
+          </p:spPr>
+        </p:pic>
+        <p:pic>
+          <p:nvPicPr>
+            <p:cNvPr id="61" name="圖片 60" descr="一張含有 文字, 螢幕擷取畫面, 圖表, 軟體 的圖片&#10;&#10;自動產生的描述">
+              <a:extLst>
+                <a:ext uri="{FF2B5EF4-FFF2-40B4-BE49-F238E27FC236}">
+                  <a16:creationId xmlns:a16="http://schemas.microsoft.com/office/drawing/2014/main" id="{7BA116B9-1A3B-F9A5-F6E5-8EF607AA4763}"/>
+                </a:ext>
+              </a:extLst>
+            </p:cNvPr>
+            <p:cNvPicPr>
+              <a:picLocks noChangeAspect="1"/>
+            </p:cNvPicPr>
+            <p:nvPr/>
+          </p:nvPicPr>
+          <p:blipFill rotWithShape="1">
+            <a:blip r:embed="rId11">
+              <a:extLst>
+                <a:ext uri="{28A0092B-C50C-407E-A947-70E740481C1C}">
+                  <a14:useLocalDpi xmlns:a14="http://schemas.microsoft.com/office/drawing/2010/main" val="0"/>
+                </a:ext>
+              </a:extLst>
+            </a:blip>
+            <a:srcRect l="2391" t="17386" r="1745" b="2484"/>
+            <a:stretch/>
+          </p:blipFill>
+          <p:spPr>
+            <a:xfrm>
+              <a:off x="11602369" y="14975423"/>
+              <a:ext cx="4221017" cy="3083747"/>
+            </a:xfrm>
+            <a:prstGeom prst="rect">
+              <a:avLst/>
+            </a:prstGeom>
+          </p:spPr>
+        </p:pic>
+      </p:grpSp>
     </p:spTree>
     <p:extLst>
       <p:ext uri="{BB962C8B-B14F-4D97-AF65-F5344CB8AC3E}">

--- a/ppt/海報.pptx
+++ b/ppt/海報.pptx
@@ -2987,7 +2987,7 @@
         </p:nvSpPr>
         <p:spPr>
           <a:xfrm>
-            <a:off x="0" y="-22625"/>
+            <a:off x="-32991" y="-24222"/>
             <a:ext cx="21494750" cy="3341172"/>
           </a:xfrm>
           <a:prstGeom prst="rect">
@@ -3069,6 +3069,21 @@
               </a:rPr>
               <a:t>Adaptive EEG alpha power classification model</a:t>
             </a:r>
+            <a:r>
+              <a:rPr lang="zh-TW" altLang="en-US" sz="5400" b="1" dirty="0">
+                <a:solidFill>
+                  <a:schemeClr val="bg1"/>
+                </a:solidFill>
+                <a:latin typeface="+mj-lt"/>
+              </a:rPr>
+              <a:t> </a:t>
+            </a:r>
+            <a:endParaRPr lang="en-US" altLang="zh-TW" sz="5400" b="1" dirty="0">
+              <a:solidFill>
+                <a:schemeClr val="bg1"/>
+              </a:solidFill>
+              <a:latin typeface="+mj-lt"/>
+            </a:endParaRPr>
           </a:p>
         </p:txBody>
       </p:sp>
@@ -3673,8 +3688,8 @@
         </p:nvSpPr>
         <p:spPr>
           <a:xfrm>
-            <a:off x="1146683" y="3675180"/>
-            <a:ext cx="19274917" cy="1569660"/>
+            <a:off x="899161" y="3675180"/>
+            <a:ext cx="19800000" cy="1569660"/>
           </a:xfrm>
           <a:prstGeom prst="rect">
             <a:avLst/>
@@ -3692,7 +3707,7 @@
                 <a:latin typeface="標楷體" panose="03000509000000000000" pitchFamily="65" charset="-120"/>
                 <a:ea typeface="標楷體" panose="03000509000000000000" pitchFamily="65" charset="-120"/>
               </a:rPr>
-              <a:t>腦機介面是近幾年在資訊領域快速發展的新領域，不需要經由周邊神經和肌肉就能夠讓大腦與外界溝通的系統。透過分析大腦活動放電的訊號</a:t>
+              <a:t>腦機介面是近幾年在資訊領域快速發展的新領域、不需要經由周邊神經和肌肉就能夠讓大腦與外界溝通的系統。其中，透過分析大腦活動放電的訊號</a:t>
             </a:r>
             <a:r>
               <a:rPr lang="en-US" altLang="zh-TW" sz="3200" b="1" dirty="0">
@@ -3706,7 +3721,7 @@
                 <a:latin typeface="標楷體" panose="03000509000000000000" pitchFamily="65" charset="-120"/>
                 <a:ea typeface="標楷體" panose="03000509000000000000" pitchFamily="65" charset="-120"/>
               </a:rPr>
-              <a:t>，能夠進一步去解析人類的生理特徵。因此我們選擇腦波與相關生醫資訊的結合作為這次專題研究方向。</a:t>
+              <a:t>，能夠進一步去解析人類的生理特徵，是目前腦機介面中具有潛力的應用與研究目標，因此我們選擇腦波與相關生醫資訊的結合作為這次專題研究方向。</a:t>
             </a:r>
             <a:endParaRPr lang="en-US" altLang="zh-TW" sz="3200" b="1" dirty="0">
               <a:latin typeface="標楷體" panose="03000509000000000000" pitchFamily="65" charset="-120"/>
@@ -3729,8 +3744,8 @@
         </p:nvSpPr>
         <p:spPr>
           <a:xfrm>
-            <a:off x="1167631" y="6535674"/>
-            <a:ext cx="19274917" cy="1569660"/>
+            <a:off x="900000" y="6535674"/>
+            <a:ext cx="19800000" cy="1569660"/>
           </a:xfrm>
           <a:prstGeom prst="rect">
             <a:avLst/>
@@ -3776,7 +3791,7 @@
                 <a:latin typeface="Symbol" panose="05050102010706020507" pitchFamily="18" charset="2"/>
                 <a:ea typeface="標楷體" panose="03000509000000000000" pitchFamily="65" charset="-120"/>
               </a:rPr>
-              <a:t>波來監測大腦狀態。</a:t>
+              <a:t>波來監測大腦對應到睜眼與閉眼的狀態。</a:t>
             </a:r>
             <a:r>
               <a:rPr lang="en-US" altLang="zh-TW" sz="3200" b="1" dirty="0">
@@ -3876,10 +3891,10 @@
         </p:nvGrpSpPr>
         <p:grpSpPr>
           <a:xfrm>
-            <a:off x="581014" y="8834433"/>
-            <a:ext cx="9799872" cy="19838514"/>
-            <a:chOff x="561618" y="9584964"/>
-            <a:chExt cx="9799872" cy="19838514"/>
+            <a:off x="125443" y="8834434"/>
+            <a:ext cx="11059196" cy="20188728"/>
+            <a:chOff x="546915" y="9584965"/>
+            <a:chExt cx="9799872" cy="19921193"/>
           </a:xfrm>
         </p:grpSpPr>
         <p:grpSp>
@@ -3896,10 +3911,10 @@
           </p:nvGrpSpPr>
           <p:grpSpPr>
             <a:xfrm>
-              <a:off x="561618" y="9584964"/>
-              <a:ext cx="9799872" cy="19838514"/>
-              <a:chOff x="1512441" y="5095011"/>
-              <a:chExt cx="18800064" cy="4300339"/>
+              <a:off x="546915" y="9584965"/>
+              <a:ext cx="9799872" cy="19921193"/>
+              <a:chOff x="1484235" y="5095011"/>
+              <a:chExt cx="18800064" cy="4318261"/>
             </a:xfrm>
           </p:grpSpPr>
           <p:sp>
@@ -3916,7 +3931,7 @@
             </p:nvSpPr>
             <p:spPr>
               <a:xfrm>
-                <a:off x="1512441" y="5206442"/>
+                <a:off x="1484235" y="5224364"/>
                 <a:ext cx="18800064" cy="4188908"/>
               </a:xfrm>
               <a:prstGeom prst="roundRect">
@@ -4040,8 +4055,8 @@
           </p:nvSpPr>
           <p:spPr>
             <a:xfrm>
-              <a:off x="1143233" y="17140939"/>
-              <a:ext cx="9186959" cy="1446550"/>
+              <a:off x="1060604" y="17398127"/>
+              <a:ext cx="9000000" cy="1446550"/>
             </a:xfrm>
             <a:prstGeom prst="rect">
               <a:avLst/>
@@ -4068,7 +4083,16 @@
                   <a:latin typeface="+mj-lt"/>
                   <a:ea typeface="標楷體" panose="03000509000000000000" pitchFamily="65" charset="-120"/>
                 </a:rPr>
-                <a:t>Cygnus (Sample rate 1000Hz), Channel Selection : O</a:t>
+                <a:t>Cygnus (Sample rate 1000Hz)</a:t>
+              </a:r>
+            </a:p>
+            <a:p>
+              <a:r>
+                <a:rPr lang="en-US" altLang="zh-TW" sz="2800" dirty="0">
+                  <a:latin typeface="+mj-lt"/>
+                  <a:ea typeface="標楷體" panose="03000509000000000000" pitchFamily="65" charset="-120"/>
+                </a:rPr>
+                <a:t>Channel Selection : O</a:t>
               </a:r>
               <a:r>
                 <a:rPr lang="en-US" altLang="zh-TW" sz="2000" dirty="0">
@@ -4091,12 +4115,6 @@
                 </a:rPr>
                 <a:t> </a:t>
               </a:r>
-              <a:endParaRPr lang="en-US" altLang="zh-TW" sz="2800" dirty="0">
-                <a:latin typeface="+mj-lt"/>
-                <a:ea typeface="標楷體" panose="03000509000000000000" pitchFamily="65" charset="-120"/>
-              </a:endParaRPr>
-            </a:p>
-            <a:p>
               <a:r>
                 <a:rPr lang="en-US" altLang="zh-TW" sz="2800" dirty="0">
                   <a:latin typeface="+mj-lt"/>
@@ -4111,8 +4129,8 @@
             </a:p>
           </p:txBody>
         </p:sp>
-        <mc:AlternateContent xmlns:mc="http://schemas.openxmlformats.org/markup-compatibility/2006">
-          <mc:Choice xmlns:a14="http://schemas.microsoft.com/office/drawing/2010/main" Requires="a14">
+        <mc:AlternateContent xmlns:mc="http://schemas.openxmlformats.org/markup-compatibility/2006" xmlns:a14="http://schemas.microsoft.com/office/drawing/2010/main">
+          <mc:Choice Requires="a14">
             <p:sp>
               <p:nvSpPr>
                 <p:cNvPr id="32" name="文字方塊 31">
@@ -4127,8 +4145,8 @@
               </p:nvSpPr>
               <p:spPr>
                 <a:xfrm>
-                  <a:off x="1146683" y="18587489"/>
-                  <a:ext cx="8865306" cy="2930674"/>
+                  <a:off x="1060604" y="18943444"/>
+                  <a:ext cx="9000000" cy="2930674"/>
                 </a:xfrm>
                 <a:prstGeom prst="rect">
                   <a:avLst/>
@@ -4155,7 +4173,7 @@
                       <a:latin typeface="+mj-lt"/>
                       <a:ea typeface="標楷體" panose="03000509000000000000" pitchFamily="65" charset="-120"/>
                     </a:rPr>
-                    <a:t>Band Filter : 0~40Hz</a:t>
+                    <a:t>Band-pass filter : 0~40Hz</a:t>
                   </a:r>
                 </a:p>
                 <a:p>
@@ -4192,7 +4210,7 @@
                       <m:f>
                         <m:fPr>
                           <m:ctrlPr>
-                            <a:rPr lang="en-US" altLang="zh-TW" sz="2800" smtClean="0">
+                            <a:rPr lang="en-US" altLang="zh-TW" sz="2800" i="1" smtClean="0">
                               <a:solidFill>
                                 <a:srgbClr val="836967"/>
                               </a:solidFill>
@@ -4308,10 +4326,13 @@
                     </a:rPr>
                     <a:t>種頻帶訊號</a:t>
                   </a:r>
-                  <a:endParaRPr lang="en-US" altLang="zh-TW" sz="2800" dirty="0">
-                    <a:latin typeface="標楷體" panose="03000509000000000000" pitchFamily="65" charset="-120"/>
-                    <a:ea typeface="標楷體" panose="03000509000000000000" pitchFamily="65" charset="-120"/>
-                  </a:endParaRPr>
+                  <a:r>
+                    <a:rPr lang="en-US" altLang="zh-TW" sz="2800" dirty="0">
+                      <a:latin typeface="標楷體" panose="03000509000000000000" pitchFamily="65" charset="-120"/>
+                      <a:ea typeface="標楷體" panose="03000509000000000000" pitchFamily="65" charset="-120"/>
+                    </a:rPr>
+                    <a:t>:</a:t>
+                  </a:r>
                 </a:p>
                 <a:p>
                   <a:r>
@@ -4333,7 +4354,7 @@
                       <a:latin typeface="標楷體" panose="03000509000000000000" pitchFamily="65" charset="-120"/>
                       <a:ea typeface="標楷體" panose="03000509000000000000" pitchFamily="65" charset="-120"/>
                     </a:rPr>
-                    <a:t>，</a:t>
+                    <a:t>、</a:t>
                   </a:r>
                   <a:r>
                     <a:rPr lang="el-GR" altLang="zh-TW" sz="2800" dirty="0">
@@ -4354,7 +4375,7 @@
                       <a:latin typeface="標楷體" panose="03000509000000000000" pitchFamily="65" charset="-120"/>
                       <a:ea typeface="標楷體" panose="03000509000000000000" pitchFamily="65" charset="-120"/>
                     </a:rPr>
-                    <a:t>，</a:t>
+                    <a:t>、</a:t>
                   </a:r>
                   <a:r>
                     <a:rPr lang="el-GR" altLang="zh-TW" sz="2800" dirty="0">
@@ -4375,7 +4396,7 @@
                       <a:latin typeface="標楷體" panose="03000509000000000000" pitchFamily="65" charset="-120"/>
                       <a:ea typeface="標楷體" panose="03000509000000000000" pitchFamily="65" charset="-120"/>
                     </a:rPr>
-                    <a:t>，</a:t>
+                    <a:t>、</a:t>
                   </a:r>
                   <a:r>
                     <a:rPr lang="el-GR" altLang="zh-TW" sz="2800" dirty="0">
@@ -4416,7 +4437,7 @@
               </p:txBody>
             </p:sp>
           </mc:Choice>
-          <mc:Fallback>
+          <mc:Fallback xmlns="">
             <p:sp>
               <p:nvSpPr>
                 <p:cNvPr id="32" name="文字方塊 31">
@@ -4433,8 +4454,8 @@
               </p:nvSpPr>
               <p:spPr>
                 <a:xfrm>
-                  <a:off x="1146683" y="18587489"/>
-                  <a:ext cx="8865306" cy="2930674"/>
+                  <a:off x="1060604" y="18943444"/>
+                  <a:ext cx="9000000" cy="2930674"/>
                 </a:xfrm>
                 <a:prstGeom prst="rect">
                   <a:avLst/>
@@ -4442,7 +4463,7 @@
                 <a:blipFill>
                   <a:blip r:embed="rId4"/>
                   <a:stretch>
-                    <a:fillRect l="-1718" t="-2495" b="-4366"/>
+                    <a:fillRect l="-1693" t="-2495" b="-4366"/>
                   </a:stretch>
                 </a:blipFill>
               </p:spPr>
@@ -4475,8 +4496,8 @@
           </p:nvSpPr>
           <p:spPr>
             <a:xfrm>
-              <a:off x="1148653" y="21549940"/>
-              <a:ext cx="8599828" cy="2308324"/>
+              <a:off x="1093595" y="21898679"/>
+              <a:ext cx="9000000" cy="2308324"/>
             </a:xfrm>
             <a:prstGeom prst="rect">
               <a:avLst/>
@@ -4493,7 +4514,7 @@
                 <a:rPr lang="en-US" altLang="zh-TW" sz="3200" b="1" dirty="0">
                   <a:latin typeface="+mj-lt"/>
                 </a:rPr>
-                <a:t>Translation Algorithm :</a:t>
+                <a:t>Classification Algorithm :</a:t>
               </a:r>
             </a:p>
             <a:p>
@@ -4665,8 +4686,8 @@
           </p:nvSpPr>
           <p:spPr>
             <a:xfrm>
-              <a:off x="1107819" y="24006034"/>
-              <a:ext cx="8056362" cy="2308324"/>
+              <a:off x="1093595" y="23798963"/>
+              <a:ext cx="9000000" cy="2308324"/>
             </a:xfrm>
             <a:prstGeom prst="rect">
               <a:avLst/>
@@ -4752,11 +4773,11 @@
                 <a:t>的方式，將收集到的資料以</a:t>
               </a:r>
               <a:r>
-                <a:rPr lang="en-US" altLang="zh-TW" sz="2800" dirty="0" err="1">
+                <a:rPr lang="en-US" altLang="zh-TW" sz="2800" dirty="0">
                   <a:latin typeface="+mj-lt"/>
                   <a:ea typeface="標楷體" panose="03000509000000000000" pitchFamily="65" charset="-120"/>
                 </a:rPr>
-                <a:t>Kmeans</a:t>
+                <a:t>K-means</a:t>
               </a:r>
               <a:r>
                 <a:rPr lang="zh-TW" altLang="en-US" sz="2800" dirty="0">
@@ -4800,8 +4821,8 @@
           </p:nvSpPr>
           <p:spPr>
             <a:xfrm>
-              <a:off x="1107819" y="26316036"/>
-              <a:ext cx="8056362" cy="1446550"/>
+              <a:off x="1093595" y="25918218"/>
+              <a:ext cx="9000000" cy="1877437"/>
             </a:xfrm>
             <a:prstGeom prst="rect">
               <a:avLst/>
@@ -4831,7 +4852,7 @@
               </a:r>
               <a:r>
                 <a:rPr lang="en-US" altLang="zh-TW" sz="2800" dirty="0">
-                  <a:latin typeface="標楷體" panose="03000509000000000000" pitchFamily="65" charset="-120"/>
+                  <a:latin typeface="+mj-lt"/>
                   <a:ea typeface="標楷體" panose="03000509000000000000" pitchFamily="65" charset="-120"/>
                 </a:rPr>
                 <a:t>real-time</a:t>
@@ -4841,15 +4862,14 @@
                   <a:latin typeface="標楷體" panose="03000509000000000000" pitchFamily="65" charset="-120"/>
                   <a:ea typeface="標楷體" panose="03000509000000000000" pitchFamily="65" charset="-120"/>
                 </a:rPr>
-                <a:t>得出閥值的同時，要求受測者操控遙控車</a:t>
-              </a:r>
-              <a:r>
-                <a:rPr lang="en-US" altLang="zh-TW" sz="2800" dirty="0">
-                  <a:latin typeface="標楷體" panose="03000509000000000000" pitchFamily="65" charset="-120"/>
-                  <a:ea typeface="標楷體" panose="03000509000000000000" pitchFamily="65" charset="-120"/>
-                </a:rPr>
-                <a:t>(</a:t>
-              </a:r>
+                <a:t>得出閥值的同時，要求受測者操控遙控車。</a:t>
+              </a:r>
+              <a:endParaRPr lang="en-US" altLang="zh-TW" sz="2800" dirty="0">
+                <a:latin typeface="標楷體" panose="03000509000000000000" pitchFamily="65" charset="-120"/>
+                <a:ea typeface="標楷體" panose="03000509000000000000" pitchFamily="65" charset="-120"/>
+              </a:endParaRPr>
+            </a:p>
+            <a:p>
               <a:r>
                 <a:rPr lang="zh-TW" altLang="en-US" sz="2800" dirty="0">
                   <a:latin typeface="標楷體" panose="03000509000000000000" pitchFamily="65" charset="-120"/>
@@ -4859,498 +4879,52 @@
               </a:r>
               <a:r>
                 <a:rPr lang="en-US" altLang="zh-TW" sz="2800" dirty="0">
-                  <a:latin typeface="標楷體" panose="03000509000000000000" pitchFamily="65" charset="-120"/>
+                  <a:latin typeface="+mj-lt"/>
                   <a:ea typeface="標楷體" panose="03000509000000000000" pitchFamily="65" charset="-120"/>
                 </a:rPr>
-                <a:t>:</a:t>
+                <a:t>-&gt;alpha power ratio</a:t>
               </a:r>
               <a:r>
                 <a:rPr lang="zh-TW" altLang="en-US" sz="2800" dirty="0">
                   <a:latin typeface="標楷體" panose="03000509000000000000" pitchFamily="65" charset="-120"/>
                   <a:ea typeface="標楷體" panose="03000509000000000000" pitchFamily="65" charset="-120"/>
                 </a:rPr>
-                <a:t> 停止，睜眼</a:t>
-              </a:r>
-              <a:r>
-                <a:rPr lang="en-US" altLang="zh-TW" sz="2800" dirty="0">
-                  <a:latin typeface="標楷體" panose="03000509000000000000" pitchFamily="65" charset="-120"/>
-                  <a:ea typeface="標楷體" panose="03000509000000000000" pitchFamily="65" charset="-120"/>
-                </a:rPr>
-                <a:t>:</a:t>
-              </a:r>
+                <a:t>上升，當大於閥值時，停止</a:t>
+              </a:r>
+              <a:endParaRPr lang="en-US" altLang="zh-TW" sz="2800" dirty="0">
+                <a:latin typeface="標楷體" panose="03000509000000000000" pitchFamily="65" charset="-120"/>
+                <a:ea typeface="標楷體" panose="03000509000000000000" pitchFamily="65" charset="-120"/>
+              </a:endParaRPr>
+            </a:p>
+            <a:p>
               <a:r>
                 <a:rPr lang="zh-TW" altLang="en-US" sz="2800" dirty="0">
                   <a:latin typeface="標楷體" panose="03000509000000000000" pitchFamily="65" charset="-120"/>
                   <a:ea typeface="標楷體" panose="03000509000000000000" pitchFamily="65" charset="-120"/>
                 </a:rPr>
-                <a:t>前進</a:t>
+                <a:t>睜眼</a:t>
               </a:r>
               <a:r>
                 <a:rPr lang="en-US" altLang="zh-TW" sz="2800" dirty="0">
-                  <a:latin typeface="標楷體" panose="03000509000000000000" pitchFamily="65" charset="-120"/>
+                  <a:latin typeface="+mj-lt"/>
                   <a:ea typeface="標楷體" panose="03000509000000000000" pitchFamily="65" charset="-120"/>
                 </a:rPr>
-                <a:t>)</a:t>
+                <a:t>-&gt;alpha power ratio</a:t>
               </a:r>
               <a:r>
                 <a:rPr lang="zh-TW" altLang="en-US" sz="2800" dirty="0">
                   <a:latin typeface="標楷體" panose="03000509000000000000" pitchFamily="65" charset="-120"/>
                   <a:ea typeface="標楷體" panose="03000509000000000000" pitchFamily="65" charset="-120"/>
                 </a:rPr>
-                <a:t>。</a:t>
-              </a:r>
-              <a:r>
-                <a:rPr lang="en-US" altLang="zh-TW" sz="2800" dirty="0">
-                  <a:latin typeface="標楷體" panose="03000509000000000000" pitchFamily="65" charset="-120"/>
-                  <a:ea typeface="標楷體" panose="03000509000000000000" pitchFamily="65" charset="-120"/>
-                </a:rPr>
-                <a:t> </a:t>
-              </a:r>
-              <a:endParaRPr lang="zh-TW" altLang="en-US" sz="2800" dirty="0">
+                <a:t>下降，當小於閥值時，前進</a:t>
+              </a:r>
+              <a:endParaRPr lang="en-US" altLang="zh-TW" sz="2800" dirty="0">
                 <a:latin typeface="標楷體" panose="03000509000000000000" pitchFamily="65" charset="-120"/>
                 <a:ea typeface="標楷體" panose="03000509000000000000" pitchFamily="65" charset="-120"/>
               </a:endParaRPr>
             </a:p>
           </p:txBody>
         </p:sp>
-        <p:grpSp>
-          <p:nvGrpSpPr>
-            <p:cNvPr id="53" name="群組 52">
-              <a:extLst>
-                <a:ext uri="{FF2B5EF4-FFF2-40B4-BE49-F238E27FC236}">
-                  <a16:creationId xmlns:a16="http://schemas.microsoft.com/office/drawing/2014/main" id="{0D015A08-7B81-4063-2B9A-696A0B53E850}"/>
-                </a:ext>
-              </a:extLst>
-            </p:cNvPr>
-            <p:cNvGrpSpPr/>
-            <p:nvPr/>
-          </p:nvGrpSpPr>
-          <p:grpSpPr>
-            <a:xfrm>
-              <a:off x="858309" y="11138434"/>
-              <a:ext cx="9124747" cy="5854735"/>
-              <a:chOff x="875023" y="11202892"/>
-              <a:chExt cx="9124747" cy="5854735"/>
-            </a:xfrm>
-          </p:grpSpPr>
-          <p:grpSp>
-            <p:nvGrpSpPr>
-              <p:cNvPr id="29" name="群組 28">
-                <a:extLst>
-                  <a:ext uri="{FF2B5EF4-FFF2-40B4-BE49-F238E27FC236}">
-                    <a16:creationId xmlns:a16="http://schemas.microsoft.com/office/drawing/2014/main" id="{15252471-73AB-59E5-F735-5ABDB118B361}"/>
-                  </a:ext>
-                </a:extLst>
-              </p:cNvPr>
-              <p:cNvGrpSpPr/>
-              <p:nvPr/>
-            </p:nvGrpSpPr>
-            <p:grpSpPr>
-              <a:xfrm>
-                <a:off x="875023" y="11202892"/>
-                <a:ext cx="9124747" cy="5854735"/>
-                <a:chOff x="5817961" y="9203419"/>
-                <a:chExt cx="9448800" cy="6286500"/>
-              </a:xfrm>
-            </p:grpSpPr>
-            <p:grpSp>
-              <p:nvGrpSpPr>
-                <p:cNvPr id="36" name="群組 35">
-                  <a:extLst>
-                    <a:ext uri="{FF2B5EF4-FFF2-40B4-BE49-F238E27FC236}">
-                      <a16:creationId xmlns:a16="http://schemas.microsoft.com/office/drawing/2014/main" id="{7CE5C20C-172A-3E6E-AA1E-225D57DD045E}"/>
-                    </a:ext>
-                  </a:extLst>
-                </p:cNvPr>
-                <p:cNvGrpSpPr/>
-                <p:nvPr/>
-              </p:nvGrpSpPr>
-              <p:grpSpPr>
-                <a:xfrm>
-                  <a:off x="5817961" y="9203419"/>
-                  <a:ext cx="9448800" cy="6286500"/>
-                  <a:chOff x="5484132" y="9842047"/>
-                  <a:chExt cx="9448800" cy="6286500"/>
-                </a:xfrm>
-              </p:grpSpPr>
-              <p:grpSp>
-                <p:nvGrpSpPr>
-                  <p:cNvPr id="39" name="群組 38">
-                    <a:extLst>
-                      <a:ext uri="{FF2B5EF4-FFF2-40B4-BE49-F238E27FC236}">
-                        <a16:creationId xmlns:a16="http://schemas.microsoft.com/office/drawing/2014/main" id="{56C5011F-D24A-CE0D-1DE8-D6D99CEEC2BB}"/>
-                      </a:ext>
-                    </a:extLst>
-                  </p:cNvPr>
-                  <p:cNvGrpSpPr/>
-                  <p:nvPr/>
-                </p:nvGrpSpPr>
-                <p:grpSpPr>
-                  <a:xfrm>
-                    <a:off x="5484132" y="9842047"/>
-                    <a:ext cx="9448800" cy="6286500"/>
-                    <a:chOff x="5410200" y="14039850"/>
-                    <a:chExt cx="9448800" cy="6286500"/>
-                  </a:xfrm>
-                  <a:solidFill>
-                    <a:schemeClr val="bg1"/>
-                  </a:solidFill>
-                </p:grpSpPr>
-                <p:sp>
-                  <p:nvSpPr>
-                    <p:cNvPr id="42" name="矩形 41">
-                      <a:extLst>
-                        <a:ext uri="{FF2B5EF4-FFF2-40B4-BE49-F238E27FC236}">
-                          <a16:creationId xmlns:a16="http://schemas.microsoft.com/office/drawing/2014/main" id="{98A8D305-BAD2-CD6B-C28A-00B3E08A66EB}"/>
-                        </a:ext>
-                      </a:extLst>
-                    </p:cNvPr>
-                    <p:cNvSpPr/>
-                    <p:nvPr/>
-                  </p:nvSpPr>
-                  <p:spPr>
-                    <a:xfrm>
-                      <a:off x="5410200" y="14039850"/>
-                      <a:ext cx="9448800" cy="6286500"/>
-                    </a:xfrm>
-                    <a:prstGeom prst="rect">
-                      <a:avLst/>
-                    </a:prstGeom>
-                    <a:ln/>
-                  </p:spPr>
-                  <p:style>
-                    <a:lnRef idx="2">
-                      <a:schemeClr val="accent6"/>
-                    </a:lnRef>
-                    <a:fillRef idx="1">
-                      <a:schemeClr val="lt1"/>
-                    </a:fillRef>
-                    <a:effectRef idx="0">
-                      <a:schemeClr val="accent6"/>
-                    </a:effectRef>
-                    <a:fontRef idx="minor">
-                      <a:schemeClr val="dk1"/>
-                    </a:fontRef>
-                  </p:style>
-                  <p:txBody>
-                    <a:bodyPr rtlCol="0" anchor="ctr"/>
-                    <a:lstStyle/>
-                    <a:p>
-                      <a:pPr algn="ctr"/>
-                      <a:endParaRPr lang="zh-TW" altLang="en-US" dirty="0"/>
-                    </a:p>
-                  </p:txBody>
-                </p:sp>
-                <p:pic>
-                  <p:nvPicPr>
-                    <p:cNvPr id="43" name="圖片 42" descr="一張含有 文字, 螢幕擷取畫面, 字型, 設計 的圖片">
-                      <a:extLst>
-                        <a:ext uri="{FF2B5EF4-FFF2-40B4-BE49-F238E27FC236}">
-                          <a16:creationId xmlns:a16="http://schemas.microsoft.com/office/drawing/2014/main" id="{E1150C63-6D74-D0E4-4943-EACB182F1F18}"/>
-                        </a:ext>
-                      </a:extLst>
-                    </p:cNvPr>
-                    <p:cNvPicPr>
-                      <a:picLocks noChangeAspect="1"/>
-                    </p:cNvPicPr>
-                    <p:nvPr/>
-                  </p:nvPicPr>
-                  <p:blipFill>
-                    <a:blip r:embed="rId5">
-                      <a:extLst>
-                        <a:ext uri="{28A0092B-C50C-407E-A947-70E740481C1C}">
-                          <a14:useLocalDpi xmlns:a14="http://schemas.microsoft.com/office/drawing/2010/main" val="0"/>
-                        </a:ext>
-                      </a:extLst>
-                    </a:blip>
-                    <a:stretch>
-                      <a:fillRect/>
-                    </a:stretch>
-                  </p:blipFill>
-                  <p:spPr>
-                    <a:xfrm>
-                      <a:off x="6018355" y="14282078"/>
-                      <a:ext cx="8232489" cy="5802043"/>
-                    </a:xfrm>
-                    <a:prstGeom prst="rect">
-                      <a:avLst/>
-                    </a:prstGeom>
-                    <a:grpFill/>
-                    <a:ln>
-                      <a:noFill/>
-                    </a:ln>
-                    <a:effectLst>
-                      <a:softEdge rad="112500"/>
-                    </a:effectLst>
-                  </p:spPr>
-                </p:pic>
-              </p:grpSp>
-              <p:sp>
-                <p:nvSpPr>
-                  <p:cNvPr id="40" name="矩形 39">
-                    <a:extLst>
-                      <a:ext uri="{FF2B5EF4-FFF2-40B4-BE49-F238E27FC236}">
-                        <a16:creationId xmlns:a16="http://schemas.microsoft.com/office/drawing/2014/main" id="{5D037BC4-A96A-27BD-03D2-CA926027D026}"/>
-                      </a:ext>
-                    </a:extLst>
-                  </p:cNvPr>
-                  <p:cNvSpPr/>
-                  <p:nvPr/>
-                </p:nvSpPr>
-                <p:spPr>
-                  <a:xfrm>
-                    <a:off x="9908268" y="13781769"/>
-                    <a:ext cx="2017485" cy="2119064"/>
-                  </a:xfrm>
-                  <a:prstGeom prst="rect">
-                    <a:avLst/>
-                  </a:prstGeom>
-                  <a:solidFill>
-                    <a:schemeClr val="bg1"/>
-                  </a:solidFill>
-                  <a:ln>
-                    <a:solidFill>
-                      <a:schemeClr val="bg1"/>
-                    </a:solidFill>
-                  </a:ln>
-                </p:spPr>
-                <p:style>
-                  <a:lnRef idx="2">
-                    <a:schemeClr val="accent1">
-                      <a:shade val="15000"/>
-                    </a:schemeClr>
-                  </a:lnRef>
-                  <a:fillRef idx="1">
-                    <a:schemeClr val="accent1"/>
-                  </a:fillRef>
-                  <a:effectRef idx="0">
-                    <a:schemeClr val="accent1"/>
-                  </a:effectRef>
-                  <a:fontRef idx="minor">
-                    <a:schemeClr val="lt1"/>
-                  </a:fontRef>
-                </p:style>
-                <p:txBody>
-                  <a:bodyPr rtlCol="0" anchor="ctr"/>
-                  <a:lstStyle/>
-                  <a:p>
-                    <a:pPr algn="ctr"/>
-                    <a:endParaRPr lang="zh-TW" altLang="en-US" dirty="0"/>
-                  </a:p>
-                </p:txBody>
-              </p:sp>
-              <p:sp>
-                <p:nvSpPr>
-                  <p:cNvPr id="41" name="矩形 40">
-                    <a:extLst>
-                      <a:ext uri="{FF2B5EF4-FFF2-40B4-BE49-F238E27FC236}">
-                        <a16:creationId xmlns:a16="http://schemas.microsoft.com/office/drawing/2014/main" id="{BB381A5F-4A40-CC43-8C5A-4C0130723BA7}"/>
-                      </a:ext>
-                    </a:extLst>
-                  </p:cNvPr>
-                  <p:cNvSpPr/>
-                  <p:nvPr/>
-                </p:nvSpPr>
-                <p:spPr>
-                  <a:xfrm>
-                    <a:off x="11843657" y="13902883"/>
-                    <a:ext cx="2119086" cy="2119064"/>
-                  </a:xfrm>
-                  <a:prstGeom prst="rect">
-                    <a:avLst/>
-                  </a:prstGeom>
-                  <a:solidFill>
-                    <a:schemeClr val="bg1"/>
-                  </a:solidFill>
-                  <a:ln>
-                    <a:solidFill>
-                      <a:schemeClr val="bg1"/>
-                    </a:solidFill>
-                  </a:ln>
-                </p:spPr>
-                <p:style>
-                  <a:lnRef idx="2">
-                    <a:schemeClr val="accent1">
-                      <a:shade val="15000"/>
-                    </a:schemeClr>
-                  </a:lnRef>
-                  <a:fillRef idx="1">
-                    <a:schemeClr val="accent1"/>
-                  </a:fillRef>
-                  <a:effectRef idx="0">
-                    <a:schemeClr val="accent1"/>
-                  </a:effectRef>
-                  <a:fontRef idx="minor">
-                    <a:schemeClr val="lt1"/>
-                  </a:fontRef>
-                </p:style>
-                <p:txBody>
-                  <a:bodyPr rtlCol="0" anchor="ctr"/>
-                  <a:lstStyle/>
-                  <a:p>
-                    <a:pPr algn="ctr"/>
-                    <a:endParaRPr lang="zh-TW" altLang="en-US" dirty="0"/>
-                  </a:p>
-                </p:txBody>
-              </p:sp>
-            </p:grpSp>
-            <p:pic>
-              <p:nvPicPr>
-                <p:cNvPr id="37" name="圖片 36">
-                  <a:extLst>
-                    <a:ext uri="{FF2B5EF4-FFF2-40B4-BE49-F238E27FC236}">
-                      <a16:creationId xmlns:a16="http://schemas.microsoft.com/office/drawing/2014/main" id="{DCEE239A-C6DB-C473-55BE-25AED04320E3}"/>
-                    </a:ext>
-                  </a:extLst>
-                </p:cNvPr>
-                <p:cNvPicPr>
-                  <a:picLocks noChangeAspect="1"/>
-                </p:cNvPicPr>
-                <p:nvPr/>
-              </p:nvPicPr>
-              <p:blipFill>
-                <a:blip r:embed="rId6"/>
-                <a:stretch>
-                  <a:fillRect/>
-                </a:stretch>
-              </p:blipFill>
-              <p:spPr>
-                <a:xfrm>
-                  <a:off x="12761584" y="13595940"/>
-                  <a:ext cx="1343212" cy="981212"/>
-                </a:xfrm>
-                <a:prstGeom prst="rect">
-                  <a:avLst/>
-                </a:prstGeom>
-              </p:spPr>
-            </p:pic>
-            <p:sp>
-              <p:nvSpPr>
-                <p:cNvPr id="38" name="橢圓 37">
-                  <a:extLst>
-                    <a:ext uri="{FF2B5EF4-FFF2-40B4-BE49-F238E27FC236}">
-                      <a16:creationId xmlns:a16="http://schemas.microsoft.com/office/drawing/2014/main" id="{E00B8E33-D3DF-6443-BA61-628BFA221E6C}"/>
-                    </a:ext>
-                  </a:extLst>
-                </p:cNvPr>
-                <p:cNvSpPr/>
-                <p:nvPr/>
-              </p:nvSpPr>
-              <p:spPr>
-                <a:xfrm>
-                  <a:off x="10023817" y="13423646"/>
-                  <a:ext cx="2247631" cy="1325801"/>
-                </a:xfrm>
-                <a:prstGeom prst="ellipse">
-                  <a:avLst/>
-                </a:prstGeom>
-                <a:solidFill>
-                  <a:schemeClr val="accent5">
-                    <a:lumMod val="40000"/>
-                    <a:lumOff val="60000"/>
-                  </a:schemeClr>
-                </a:solidFill>
-                <a:ln w="28575">
-                  <a:solidFill>
-                    <a:schemeClr val="accent1">
-                      <a:lumMod val="75000"/>
-                    </a:schemeClr>
-                  </a:solidFill>
-                </a:ln>
-              </p:spPr>
-              <p:style>
-                <a:lnRef idx="2">
-                  <a:schemeClr val="accent1">
-                    <a:shade val="15000"/>
-                  </a:schemeClr>
-                </a:lnRef>
-                <a:fillRef idx="1">
-                  <a:schemeClr val="accent1"/>
-                </a:fillRef>
-                <a:effectRef idx="0">
-                  <a:schemeClr val="accent1"/>
-                </a:effectRef>
-                <a:fontRef idx="minor">
-                  <a:schemeClr val="lt1"/>
-                </a:fontRef>
-              </p:style>
-              <p:txBody>
-                <a:bodyPr rtlCol="0" anchor="ctr"/>
-                <a:lstStyle/>
-                <a:p>
-                  <a:pPr algn="ctr"/>
-                  <a:r>
-                    <a:rPr lang="en-US" altLang="zh-TW" sz="1600" b="1" dirty="0">
-                      <a:solidFill>
-                        <a:schemeClr val="tx1"/>
-                      </a:solidFill>
-                    </a:rPr>
-                    <a:t>Closed/Open eyes</a:t>
-                  </a:r>
-                  <a:endParaRPr lang="zh-TW" altLang="en-US" sz="1600" b="1" dirty="0">
-                    <a:solidFill>
-                      <a:schemeClr val="tx1"/>
-                    </a:solidFill>
-                  </a:endParaRPr>
-                </a:p>
-              </p:txBody>
-            </p:sp>
-          </p:grpSp>
-          <p:sp>
-            <p:nvSpPr>
-              <p:cNvPr id="52" name="矩形 51">
-                <a:extLst>
-                  <a:ext uri="{FF2B5EF4-FFF2-40B4-BE49-F238E27FC236}">
-                    <a16:creationId xmlns:a16="http://schemas.microsoft.com/office/drawing/2014/main" id="{D9A7E178-5892-49BC-CAB7-C0E94A16A630}"/>
-                  </a:ext>
-                </a:extLst>
-              </p:cNvPr>
-              <p:cNvSpPr/>
-              <p:nvPr/>
-            </p:nvSpPr>
-            <p:spPr>
-              <a:xfrm>
-                <a:off x="4553485" y="13262913"/>
-                <a:ext cx="2602058" cy="1638599"/>
-              </a:xfrm>
-              <a:prstGeom prst="rect">
-                <a:avLst/>
-              </a:prstGeom>
-              <a:solidFill>
-                <a:schemeClr val="bg1"/>
-              </a:solidFill>
-              <a:ln>
-                <a:solidFill>
-                  <a:schemeClr val="bg1"/>
-                </a:solidFill>
-              </a:ln>
-            </p:spPr>
-            <p:style>
-              <a:lnRef idx="2">
-                <a:schemeClr val="accent1">
-                  <a:shade val="15000"/>
-                </a:schemeClr>
-              </a:lnRef>
-              <a:fillRef idx="1">
-                <a:schemeClr val="accent1"/>
-              </a:fillRef>
-              <a:effectRef idx="0">
-                <a:schemeClr val="accent1"/>
-              </a:effectRef>
-              <a:fontRef idx="minor">
-                <a:schemeClr val="lt1"/>
-              </a:fontRef>
-            </p:style>
-            <p:txBody>
-              <a:bodyPr rtlCol="0" anchor="ctr"/>
-              <a:lstStyle/>
-              <a:p>
-                <a:pPr algn="ctr"/>
-                <a:endParaRPr lang="zh-TW" altLang="en-US"/>
-              </a:p>
-            </p:txBody>
-          </p:sp>
-        </p:grpSp>
       </p:grpSp>
       <p:grpSp>
         <p:nvGrpSpPr>
@@ -5366,7 +4940,7 @@
         </p:nvGrpSpPr>
         <p:grpSpPr>
           <a:xfrm>
-            <a:off x="11315839" y="19074478"/>
+            <a:off x="11543633" y="19340903"/>
             <a:ext cx="9546942" cy="9598469"/>
             <a:chOff x="11389965" y="19929031"/>
             <a:chExt cx="9546942" cy="9598469"/>
@@ -5658,7 +5232,7 @@
             <p:nvPr/>
           </p:nvPicPr>
           <p:blipFill>
-            <a:blip r:embed="rId7">
+            <a:blip r:embed="rId5">
               <a:extLst>
                 <a:ext uri="{28A0092B-C50C-407E-A947-70E740481C1C}">
                   <a14:useLocalDpi xmlns:a14="http://schemas.microsoft.com/office/drawing/2010/main" val="0"/>
@@ -5773,7 +5347,7 @@
         </p:nvGrpSpPr>
         <p:grpSpPr>
           <a:xfrm>
-            <a:off x="11430632" y="8834433"/>
+            <a:off x="11543633" y="8834433"/>
             <a:ext cx="9546942" cy="9564312"/>
             <a:chOff x="11164708" y="9740483"/>
             <a:chExt cx="9546942" cy="9564312"/>
@@ -5949,7 +5523,7 @@
             <p:nvPr/>
           </p:nvPicPr>
           <p:blipFill>
-            <a:blip r:embed="rId8">
+            <a:blip r:embed="rId6">
               <a:extLst>
                 <a:ext uri="{28A0092B-C50C-407E-A947-70E740481C1C}">
                   <a14:useLocalDpi xmlns:a14="http://schemas.microsoft.com/office/drawing/2010/main" val="0"/>
@@ -6005,7 +5579,7 @@
               <p:nvPr/>
             </p:nvPicPr>
             <p:blipFill rotWithShape="1">
-              <a:blip r:embed="rId9">
+              <a:blip r:embed="rId7">
                 <a:extLst>
                   <a:ext uri="{28A0092B-C50C-407E-A947-70E740481C1C}">
                     <a14:useLocalDpi xmlns:a14="http://schemas.microsoft.com/office/drawing/2010/main" val="0"/>
@@ -6095,7 +5669,7 @@
             <p:nvPr/>
           </p:nvPicPr>
           <p:blipFill>
-            <a:blip r:embed="rId10">
+            <a:blip r:embed="rId8">
               <a:extLst>
                 <a:ext uri="{28A0092B-C50C-407E-A947-70E740481C1C}">
                   <a14:useLocalDpi xmlns:a14="http://schemas.microsoft.com/office/drawing/2010/main" val="0"/>
@@ -6139,7 +5713,7 @@
             <p:nvPr/>
           </p:nvPicPr>
           <p:blipFill rotWithShape="1">
-            <a:blip r:embed="rId11">
+            <a:blip r:embed="rId9">
               <a:extLst>
                 <a:ext uri="{28A0092B-C50C-407E-A947-70E740481C1C}">
                   <a14:useLocalDpi xmlns:a14="http://schemas.microsoft.com/office/drawing/2010/main" val="0"/>
@@ -6153,6 +5727,1379 @@
             <a:xfrm>
               <a:off x="11602369" y="14975423"/>
               <a:ext cx="4221017" cy="3083747"/>
+            </a:xfrm>
+            <a:prstGeom prst="rect">
+              <a:avLst/>
+            </a:prstGeom>
+          </p:spPr>
+        </p:pic>
+      </p:grpSp>
+      <p:pic>
+        <p:nvPicPr>
+          <p:cNvPr id="28" name="圖片 27" descr="一張含有 文字, 室內, 電腦監視器, 電腦鍵盤 的圖片&#10;&#10;自動產生的描述">
+            <a:extLst>
+              <a:ext uri="{FF2B5EF4-FFF2-40B4-BE49-F238E27FC236}">
+                <a16:creationId xmlns:a16="http://schemas.microsoft.com/office/drawing/2014/main" id="{6CAC4F24-1441-B6B9-12C6-0A4BF8C4881B}"/>
+              </a:ext>
+            </a:extLst>
+          </p:cNvPr>
+          <p:cNvPicPr>
+            <a:picLocks noChangeAspect="1"/>
+          </p:cNvPicPr>
+          <p:nvPr/>
+        </p:nvPicPr>
+        <p:blipFill>
+          <a:blip r:embed="rId3">
+            <a:extLst>
+              <a:ext uri="{28A0092B-C50C-407E-A947-70E740481C1C}">
+                <a14:useLocalDpi xmlns:a14="http://schemas.microsoft.com/office/drawing/2010/main" val="0"/>
+              </a:ext>
+            </a:extLst>
+          </a:blip>
+          <a:stretch>
+            <a:fillRect/>
+          </a:stretch>
+        </p:blipFill>
+        <p:spPr>
+          <a:xfrm>
+            <a:off x="18572704" y="10554167"/>
+            <a:ext cx="2220173" cy="2993175"/>
+          </a:xfrm>
+          <a:prstGeom prst="rect">
+            <a:avLst/>
+          </a:prstGeom>
+        </p:spPr>
+      </p:pic>
+      <p:grpSp>
+        <p:nvGrpSpPr>
+          <p:cNvPr id="30" name="群組 29">
+            <a:extLst>
+              <a:ext uri="{FF2B5EF4-FFF2-40B4-BE49-F238E27FC236}">
+                <a16:creationId xmlns:a16="http://schemas.microsoft.com/office/drawing/2014/main" id="{89F23139-F819-0F42-0A46-B601E345A31B}"/>
+              </a:ext>
+            </a:extLst>
+          </p:cNvPr>
+          <p:cNvGrpSpPr/>
+          <p:nvPr/>
+        </p:nvGrpSpPr>
+        <p:grpSpPr>
+          <a:xfrm>
+            <a:off x="742373" y="9869469"/>
+            <a:ext cx="9680450" cy="6908196"/>
+            <a:chOff x="4373338" y="9540025"/>
+            <a:chExt cx="10023351" cy="6321440"/>
+          </a:xfrm>
+        </p:grpSpPr>
+        <p:pic>
+          <p:nvPicPr>
+            <p:cNvPr id="44" name="圖片 43" descr="一張含有 文字, 設計 的圖片">
+              <a:extLst>
+                <a:ext uri="{FF2B5EF4-FFF2-40B4-BE49-F238E27FC236}">
+                  <a16:creationId xmlns:a16="http://schemas.microsoft.com/office/drawing/2014/main" id="{1641CA46-BFF8-32F4-0CBB-A8E98561C2D0}"/>
+                </a:ext>
+              </a:extLst>
+            </p:cNvPr>
+            <p:cNvPicPr>
+              <a:picLocks noChangeAspect="1"/>
+            </p:cNvPicPr>
+            <p:nvPr/>
+          </p:nvPicPr>
+          <p:blipFill rotWithShape="1">
+            <a:blip r:embed="rId10">
+              <a:extLst>
+                <a:ext uri="{28A0092B-C50C-407E-A947-70E740481C1C}">
+                  <a14:useLocalDpi xmlns:a14="http://schemas.microsoft.com/office/drawing/2010/main" val="0"/>
+                </a:ext>
+              </a:extLst>
+            </a:blip>
+            <a:srcRect l="4000" r="64567" b="63638"/>
+            <a:stretch/>
+          </p:blipFill>
+          <p:spPr>
+            <a:xfrm>
+              <a:off x="5848675" y="14623894"/>
+              <a:ext cx="1420063" cy="1237571"/>
+            </a:xfrm>
+            <a:prstGeom prst="rect">
+              <a:avLst/>
+            </a:prstGeom>
+          </p:spPr>
+        </p:pic>
+        <p:sp>
+          <p:nvSpPr>
+            <p:cNvPr id="46" name="矩形 45">
+              <a:extLst>
+                <a:ext uri="{FF2B5EF4-FFF2-40B4-BE49-F238E27FC236}">
+                  <a16:creationId xmlns:a16="http://schemas.microsoft.com/office/drawing/2014/main" id="{26800925-6D35-94F9-5A03-EFDEF1944E09}"/>
+                </a:ext>
+              </a:extLst>
+            </p:cNvPr>
+            <p:cNvSpPr/>
+            <p:nvPr/>
+          </p:nvSpPr>
+          <p:spPr>
+            <a:xfrm>
+              <a:off x="4373338" y="9842896"/>
+              <a:ext cx="2232861" cy="1237571"/>
+            </a:xfrm>
+            <a:prstGeom prst="rect">
+              <a:avLst/>
+            </a:prstGeom>
+            <a:solidFill>
+              <a:schemeClr val="accent5">
+                <a:lumMod val="40000"/>
+                <a:lumOff val="60000"/>
+              </a:schemeClr>
+            </a:solidFill>
+            <a:ln w="38100">
+              <a:solidFill>
+                <a:schemeClr val="accent3">
+                  <a:lumMod val="75000"/>
+                </a:schemeClr>
+              </a:solidFill>
+            </a:ln>
+          </p:spPr>
+          <p:style>
+            <a:lnRef idx="2">
+              <a:schemeClr val="accent1">
+                <a:shade val="15000"/>
+              </a:schemeClr>
+            </a:lnRef>
+            <a:fillRef idx="1">
+              <a:schemeClr val="accent1"/>
+            </a:fillRef>
+            <a:effectRef idx="0">
+              <a:schemeClr val="accent1"/>
+            </a:effectRef>
+            <a:fontRef idx="minor">
+              <a:schemeClr val="lt1"/>
+            </a:fontRef>
+          </p:style>
+          <p:txBody>
+            <a:bodyPr rtlCol="0" anchor="ctr"/>
+            <a:lstStyle/>
+            <a:p>
+              <a:pPr algn="ctr"/>
+              <a:r>
+                <a:rPr lang="en-US" altLang="zh-TW" b="1" dirty="0">
+                  <a:solidFill>
+                    <a:schemeClr val="tx1"/>
+                  </a:solidFill>
+                </a:rPr>
+                <a:t>Signal </a:t>
+              </a:r>
+            </a:p>
+            <a:p>
+              <a:pPr algn="ctr"/>
+              <a:r>
+                <a:rPr lang="en-US" altLang="zh-TW" b="1" dirty="0">
+                  <a:solidFill>
+                    <a:schemeClr val="tx1"/>
+                  </a:solidFill>
+                </a:rPr>
+                <a:t>Acquisition</a:t>
+              </a:r>
+              <a:endParaRPr lang="zh-TW" altLang="en-US" b="1" dirty="0">
+                <a:solidFill>
+                  <a:schemeClr val="tx1"/>
+                </a:solidFill>
+              </a:endParaRPr>
+            </a:p>
+          </p:txBody>
+        </p:sp>
+        <p:cxnSp>
+          <p:nvCxnSpPr>
+            <p:cNvPr id="48" name="接點: 肘形 47">
+              <a:extLst>
+                <a:ext uri="{FF2B5EF4-FFF2-40B4-BE49-F238E27FC236}">
+                  <a16:creationId xmlns:a16="http://schemas.microsoft.com/office/drawing/2014/main" id="{FE5AC9A5-4030-7030-780A-751D23C8408F}"/>
+                </a:ext>
+              </a:extLst>
+            </p:cNvPr>
+            <p:cNvCxnSpPr>
+              <a:cxnSpLocks/>
+              <a:stCxn id="44" idx="1"/>
+              <a:endCxn id="46" idx="1"/>
+            </p:cNvCxnSpPr>
+            <p:nvPr/>
+          </p:nvCxnSpPr>
+          <p:spPr>
+            <a:xfrm rot="10800000">
+              <a:off x="4373339" y="10461682"/>
+              <a:ext cx="1475337" cy="4780998"/>
+            </a:xfrm>
+            <a:prstGeom prst="bentConnector3">
+              <a:avLst>
+                <a:gd name="adj1" fmla="val 115495"/>
+              </a:avLst>
+            </a:prstGeom>
+            <a:ln>
+              <a:solidFill>
+                <a:schemeClr val="tx1"/>
+              </a:solidFill>
+              <a:tailEnd type="triangle"/>
+            </a:ln>
+          </p:spPr>
+          <p:style>
+            <a:lnRef idx="2">
+              <a:schemeClr val="accent1"/>
+            </a:lnRef>
+            <a:fillRef idx="0">
+              <a:schemeClr val="accent1"/>
+            </a:fillRef>
+            <a:effectRef idx="1">
+              <a:schemeClr val="accent1"/>
+            </a:effectRef>
+            <a:fontRef idx="minor">
+              <a:schemeClr val="tx1"/>
+            </a:fontRef>
+          </p:style>
+        </p:cxnSp>
+        <p:cxnSp>
+          <p:nvCxnSpPr>
+            <p:cNvPr id="50" name="直線單箭頭接點 49">
+              <a:extLst>
+                <a:ext uri="{FF2B5EF4-FFF2-40B4-BE49-F238E27FC236}">
+                  <a16:creationId xmlns:a16="http://schemas.microsoft.com/office/drawing/2014/main" id="{6D6C7184-D2A7-0569-9817-453CAA2359E4}"/>
+                </a:ext>
+              </a:extLst>
+            </p:cNvPr>
+            <p:cNvCxnSpPr>
+              <a:cxnSpLocks/>
+              <a:stCxn id="46" idx="3"/>
+              <a:endCxn id="270" idx="1"/>
+            </p:cNvCxnSpPr>
+            <p:nvPr/>
+          </p:nvCxnSpPr>
+          <p:spPr>
+            <a:xfrm>
+              <a:off x="6606199" y="10461682"/>
+              <a:ext cx="1993062" cy="0"/>
+            </a:xfrm>
+            <a:prstGeom prst="straightConnector1">
+              <a:avLst/>
+            </a:prstGeom>
+            <a:ln>
+              <a:solidFill>
+                <a:schemeClr val="tx1"/>
+              </a:solidFill>
+              <a:tailEnd type="triangle"/>
+            </a:ln>
+          </p:spPr>
+          <p:style>
+            <a:lnRef idx="2">
+              <a:schemeClr val="accent1"/>
+            </a:lnRef>
+            <a:fillRef idx="0">
+              <a:schemeClr val="accent1"/>
+            </a:fillRef>
+            <a:effectRef idx="1">
+              <a:schemeClr val="accent1"/>
+            </a:effectRef>
+            <a:fontRef idx="minor">
+              <a:schemeClr val="tx1"/>
+            </a:fontRef>
+          </p:style>
+        </p:cxnSp>
+        <p:sp>
+          <p:nvSpPr>
+            <p:cNvPr id="54" name="文字方塊 53">
+              <a:extLst>
+                <a:ext uri="{FF2B5EF4-FFF2-40B4-BE49-F238E27FC236}">
+                  <a16:creationId xmlns:a16="http://schemas.microsoft.com/office/drawing/2014/main" id="{B6C8A933-4E83-3764-15C1-8DD62EFBF23B}"/>
+                </a:ext>
+              </a:extLst>
+            </p:cNvPr>
+            <p:cNvSpPr txBox="1"/>
+            <p:nvPr/>
+          </p:nvSpPr>
+          <p:spPr>
+            <a:xfrm>
+              <a:off x="6617727" y="10178108"/>
+              <a:ext cx="2009524" cy="591434"/>
+            </a:xfrm>
+            <a:prstGeom prst="rect">
+              <a:avLst/>
+            </a:prstGeom>
+            <a:noFill/>
+          </p:spPr>
+          <p:txBody>
+            <a:bodyPr wrap="square" rtlCol="0">
+              <a:spAutoFit/>
+            </a:bodyPr>
+            <a:lstStyle/>
+            <a:p>
+              <a:pPr algn="ctr"/>
+              <a:r>
+                <a:rPr lang="en-US" altLang="zh-TW" b="1" dirty="0"/>
+                <a:t>Digitized Signal</a:t>
+              </a:r>
+            </a:p>
+            <a:p>
+              <a:pPr algn="ctr"/>
+              <a:r>
+                <a:rPr lang="en-US" altLang="zh-TW" b="1" dirty="0"/>
+                <a:t>First 30(s)</a:t>
+              </a:r>
+              <a:endParaRPr lang="zh-TW" altLang="en-US" b="1" dirty="0"/>
+            </a:p>
+          </p:txBody>
+        </p:sp>
+        <p:grpSp>
+          <p:nvGrpSpPr>
+            <p:cNvPr id="57" name="群組 56">
+              <a:extLst>
+                <a:ext uri="{FF2B5EF4-FFF2-40B4-BE49-F238E27FC236}">
+                  <a16:creationId xmlns:a16="http://schemas.microsoft.com/office/drawing/2014/main" id="{4752A38C-EBFF-E049-AE47-DBFCC8865006}"/>
+                </a:ext>
+              </a:extLst>
+            </p:cNvPr>
+            <p:cNvGrpSpPr/>
+            <p:nvPr/>
+          </p:nvGrpSpPr>
+          <p:grpSpPr>
+            <a:xfrm>
+              <a:off x="8599261" y="9540025"/>
+              <a:ext cx="4296228" cy="1843314"/>
+              <a:chOff x="8360754" y="10378203"/>
+              <a:chExt cx="4296228" cy="1843314"/>
+            </a:xfrm>
+          </p:grpSpPr>
+          <p:sp>
+            <p:nvSpPr>
+              <p:cNvPr id="270" name="矩形 269">
+                <a:extLst>
+                  <a:ext uri="{FF2B5EF4-FFF2-40B4-BE49-F238E27FC236}">
+                    <a16:creationId xmlns:a16="http://schemas.microsoft.com/office/drawing/2014/main" id="{7F1625FE-40AB-6C81-7529-611CA2D9D88A}"/>
+                  </a:ext>
+                </a:extLst>
+              </p:cNvPr>
+              <p:cNvSpPr/>
+              <p:nvPr/>
+            </p:nvSpPr>
+            <p:spPr>
+              <a:xfrm>
+                <a:off x="8360754" y="10378203"/>
+                <a:ext cx="4296228" cy="1843314"/>
+              </a:xfrm>
+              <a:prstGeom prst="rect">
+                <a:avLst/>
+              </a:prstGeom>
+              <a:solidFill>
+                <a:schemeClr val="bg1"/>
+              </a:solidFill>
+              <a:ln w="38100">
+                <a:solidFill>
+                  <a:schemeClr val="accent3">
+                    <a:lumMod val="75000"/>
+                  </a:schemeClr>
+                </a:solidFill>
+              </a:ln>
+            </p:spPr>
+            <p:style>
+              <a:lnRef idx="2">
+                <a:schemeClr val="accent1">
+                  <a:shade val="15000"/>
+                </a:schemeClr>
+              </a:lnRef>
+              <a:fillRef idx="1">
+                <a:schemeClr val="accent1"/>
+              </a:fillRef>
+              <a:effectRef idx="0">
+                <a:schemeClr val="accent1"/>
+              </a:effectRef>
+              <a:fontRef idx="minor">
+                <a:schemeClr val="lt1"/>
+              </a:fontRef>
+            </p:style>
+            <p:txBody>
+              <a:bodyPr rtlCol="0" anchor="ctr"/>
+              <a:lstStyle/>
+              <a:p>
+                <a:pPr algn="ctr"/>
+                <a:endParaRPr lang="zh-TW" altLang="en-US" dirty="0"/>
+              </a:p>
+            </p:txBody>
+          </p:sp>
+          <p:sp>
+            <p:nvSpPr>
+              <p:cNvPr id="271" name="文字方塊 270">
+                <a:extLst>
+                  <a:ext uri="{FF2B5EF4-FFF2-40B4-BE49-F238E27FC236}">
+                    <a16:creationId xmlns:a16="http://schemas.microsoft.com/office/drawing/2014/main" id="{FFC90B57-4B6C-B22C-9867-849C454677BD}"/>
+                  </a:ext>
+                </a:extLst>
+              </p:cNvPr>
+              <p:cNvSpPr txBox="1"/>
+              <p:nvPr/>
+            </p:nvSpPr>
+            <p:spPr>
+              <a:xfrm>
+                <a:off x="9361713" y="10474355"/>
+                <a:ext cx="2117913" cy="369332"/>
+              </a:xfrm>
+              <a:prstGeom prst="rect">
+                <a:avLst/>
+              </a:prstGeom>
+              <a:noFill/>
+            </p:spPr>
+            <p:txBody>
+              <a:bodyPr wrap="square" rtlCol="0">
+                <a:spAutoFit/>
+              </a:bodyPr>
+              <a:lstStyle/>
+              <a:p>
+                <a:r>
+                  <a:rPr lang="en-US" altLang="zh-TW" b="1" dirty="0"/>
+                  <a:t>Signal Processing</a:t>
+                </a:r>
+                <a:endParaRPr lang="zh-TW" altLang="en-US" b="1" dirty="0"/>
+              </a:p>
+            </p:txBody>
+          </p:sp>
+          <p:sp>
+            <p:nvSpPr>
+              <p:cNvPr id="272" name="矩形 271">
+                <a:extLst>
+                  <a:ext uri="{FF2B5EF4-FFF2-40B4-BE49-F238E27FC236}">
+                    <a16:creationId xmlns:a16="http://schemas.microsoft.com/office/drawing/2014/main" id="{BD5FF108-1FD4-8208-8BF7-F5CBDDFE6C48}"/>
+                  </a:ext>
+                </a:extLst>
+              </p:cNvPr>
+              <p:cNvSpPr/>
+              <p:nvPr/>
+            </p:nvSpPr>
+            <p:spPr>
+              <a:xfrm>
+                <a:off x="8606654" y="10952352"/>
+                <a:ext cx="1522116" cy="792956"/>
+              </a:xfrm>
+              <a:prstGeom prst="rect">
+                <a:avLst/>
+              </a:prstGeom>
+              <a:solidFill>
+                <a:schemeClr val="accent5">
+                  <a:lumMod val="40000"/>
+                  <a:lumOff val="60000"/>
+                </a:schemeClr>
+              </a:solidFill>
+              <a:ln w="38100">
+                <a:solidFill>
+                  <a:schemeClr val="accent3">
+                    <a:lumMod val="75000"/>
+                  </a:schemeClr>
+                </a:solidFill>
+              </a:ln>
+            </p:spPr>
+            <p:style>
+              <a:lnRef idx="2">
+                <a:schemeClr val="accent1">
+                  <a:shade val="15000"/>
+                </a:schemeClr>
+              </a:lnRef>
+              <a:fillRef idx="1">
+                <a:schemeClr val="accent1"/>
+              </a:fillRef>
+              <a:effectRef idx="0">
+                <a:schemeClr val="accent1"/>
+              </a:effectRef>
+              <a:fontRef idx="minor">
+                <a:schemeClr val="lt1"/>
+              </a:fontRef>
+            </p:style>
+            <p:txBody>
+              <a:bodyPr rtlCol="0" anchor="ctr"/>
+              <a:lstStyle/>
+              <a:p>
+                <a:pPr algn="ctr"/>
+                <a:r>
+                  <a:rPr lang="en-US" altLang="zh-TW" b="1" dirty="0">
+                    <a:solidFill>
+                      <a:schemeClr val="tx1"/>
+                    </a:solidFill>
+                  </a:rPr>
+                  <a:t>Feature</a:t>
+                </a:r>
+              </a:p>
+              <a:p>
+                <a:pPr algn="ctr"/>
+                <a:r>
+                  <a:rPr lang="en-US" altLang="zh-TW" b="1" dirty="0">
+                    <a:solidFill>
+                      <a:schemeClr val="tx1"/>
+                    </a:solidFill>
+                  </a:rPr>
+                  <a:t>Extraction </a:t>
+                </a:r>
+                <a:endParaRPr lang="zh-TW" altLang="en-US" b="1" dirty="0">
+                  <a:solidFill>
+                    <a:schemeClr val="tx1"/>
+                  </a:solidFill>
+                </a:endParaRPr>
+              </a:p>
+            </p:txBody>
+          </p:sp>
+          <p:cxnSp>
+            <p:nvCxnSpPr>
+              <p:cNvPr id="273" name="直線單箭頭接點 272">
+                <a:extLst>
+                  <a:ext uri="{FF2B5EF4-FFF2-40B4-BE49-F238E27FC236}">
+                    <a16:creationId xmlns:a16="http://schemas.microsoft.com/office/drawing/2014/main" id="{6873B766-8F7D-B8F9-0F6F-07E9B251D6D8}"/>
+                  </a:ext>
+                </a:extLst>
+              </p:cNvPr>
+              <p:cNvCxnSpPr>
+                <a:cxnSpLocks/>
+                <a:stCxn id="272" idx="3"/>
+                <a:endCxn id="274" idx="1"/>
+              </p:cNvCxnSpPr>
+              <p:nvPr/>
+            </p:nvCxnSpPr>
+            <p:spPr>
+              <a:xfrm>
+                <a:off x="10128770" y="11348830"/>
+                <a:ext cx="592763" cy="0"/>
+              </a:xfrm>
+              <a:prstGeom prst="straightConnector1">
+                <a:avLst/>
+              </a:prstGeom>
+              <a:ln>
+                <a:tailEnd type="triangle"/>
+              </a:ln>
+            </p:spPr>
+            <p:style>
+              <a:lnRef idx="2">
+                <a:schemeClr val="accent1"/>
+              </a:lnRef>
+              <a:fillRef idx="0">
+                <a:schemeClr val="accent1"/>
+              </a:fillRef>
+              <a:effectRef idx="1">
+                <a:schemeClr val="accent1"/>
+              </a:effectRef>
+              <a:fontRef idx="minor">
+                <a:schemeClr val="tx1"/>
+              </a:fontRef>
+            </p:style>
+          </p:cxnSp>
+          <p:sp>
+            <p:nvSpPr>
+              <p:cNvPr id="274" name="矩形 273">
+                <a:extLst>
+                  <a:ext uri="{FF2B5EF4-FFF2-40B4-BE49-F238E27FC236}">
+                    <a16:creationId xmlns:a16="http://schemas.microsoft.com/office/drawing/2014/main" id="{C37F25D0-63BF-DCC3-012F-10D0F747CE9B}"/>
+                  </a:ext>
+                </a:extLst>
+              </p:cNvPr>
+              <p:cNvSpPr/>
+              <p:nvPr/>
+            </p:nvSpPr>
+            <p:spPr>
+              <a:xfrm>
+                <a:off x="10721533" y="10952352"/>
+                <a:ext cx="1740026" cy="792956"/>
+              </a:xfrm>
+              <a:prstGeom prst="rect">
+                <a:avLst/>
+              </a:prstGeom>
+              <a:solidFill>
+                <a:schemeClr val="accent5">
+                  <a:lumMod val="40000"/>
+                  <a:lumOff val="60000"/>
+                </a:schemeClr>
+              </a:solidFill>
+              <a:ln w="38100">
+                <a:solidFill>
+                  <a:schemeClr val="accent3">
+                    <a:lumMod val="75000"/>
+                  </a:schemeClr>
+                </a:solidFill>
+              </a:ln>
+            </p:spPr>
+            <p:style>
+              <a:lnRef idx="2">
+                <a:schemeClr val="accent1">
+                  <a:shade val="15000"/>
+                </a:schemeClr>
+              </a:lnRef>
+              <a:fillRef idx="1">
+                <a:schemeClr val="accent1"/>
+              </a:fillRef>
+              <a:effectRef idx="0">
+                <a:schemeClr val="accent1"/>
+              </a:effectRef>
+              <a:fontRef idx="minor">
+                <a:schemeClr val="lt1"/>
+              </a:fontRef>
+            </p:style>
+            <p:txBody>
+              <a:bodyPr rtlCol="0" anchor="ctr"/>
+              <a:lstStyle/>
+              <a:p>
+                <a:pPr algn="ctr"/>
+                <a:r>
+                  <a:rPr lang="en-US" altLang="zh-TW" b="1" dirty="0">
+                    <a:solidFill>
+                      <a:schemeClr val="tx1"/>
+                    </a:solidFill>
+                  </a:rPr>
+                  <a:t>Classification</a:t>
+                </a:r>
+              </a:p>
+              <a:p>
+                <a:pPr algn="ctr"/>
+                <a:r>
+                  <a:rPr lang="en-US" altLang="zh-TW" b="1" dirty="0">
+                    <a:solidFill>
+                      <a:schemeClr val="tx1"/>
+                    </a:solidFill>
+                  </a:rPr>
+                  <a:t>Algorithm</a:t>
+                </a:r>
+                <a:endParaRPr lang="zh-TW" altLang="en-US" b="1" dirty="0">
+                  <a:solidFill>
+                    <a:schemeClr val="tx1"/>
+                  </a:solidFill>
+                </a:endParaRPr>
+              </a:p>
+            </p:txBody>
+          </p:sp>
+        </p:grpSp>
+        <p:sp>
+          <p:nvSpPr>
+            <p:cNvPr id="60" name="橢圓 59">
+              <a:extLst>
+                <a:ext uri="{FF2B5EF4-FFF2-40B4-BE49-F238E27FC236}">
+                  <a16:creationId xmlns:a16="http://schemas.microsoft.com/office/drawing/2014/main" id="{E22CB72B-0009-781D-A8C9-BD98C85A1748}"/>
+                </a:ext>
+              </a:extLst>
+            </p:cNvPr>
+            <p:cNvSpPr/>
+            <p:nvPr/>
+          </p:nvSpPr>
+          <p:spPr>
+            <a:xfrm>
+              <a:off x="8119982" y="14615301"/>
+              <a:ext cx="2170547" cy="1234743"/>
+            </a:xfrm>
+            <a:prstGeom prst="ellipse">
+              <a:avLst/>
+            </a:prstGeom>
+            <a:solidFill>
+              <a:schemeClr val="accent5">
+                <a:lumMod val="40000"/>
+                <a:lumOff val="60000"/>
+              </a:schemeClr>
+            </a:solidFill>
+            <a:ln w="28575">
+              <a:solidFill>
+                <a:schemeClr val="accent1">
+                  <a:lumMod val="75000"/>
+                </a:schemeClr>
+              </a:solidFill>
+            </a:ln>
+          </p:spPr>
+          <p:style>
+            <a:lnRef idx="2">
+              <a:schemeClr val="accent1">
+                <a:shade val="15000"/>
+              </a:schemeClr>
+            </a:lnRef>
+            <a:fillRef idx="1">
+              <a:schemeClr val="accent1"/>
+            </a:fillRef>
+            <a:effectRef idx="0">
+              <a:schemeClr val="accent1"/>
+            </a:effectRef>
+            <a:fontRef idx="minor">
+              <a:schemeClr val="lt1"/>
+            </a:fontRef>
+          </p:style>
+          <p:txBody>
+            <a:bodyPr rtlCol="0" anchor="ctr"/>
+            <a:lstStyle/>
+            <a:p>
+              <a:pPr algn="ctr"/>
+              <a:r>
+                <a:rPr lang="en-US" altLang="zh-TW" sz="1600" b="1" dirty="0">
+                  <a:solidFill>
+                    <a:schemeClr val="tx1"/>
+                  </a:solidFill>
+                </a:rPr>
+                <a:t>Closed/Open eyes</a:t>
+              </a:r>
+              <a:endParaRPr lang="zh-TW" altLang="en-US" sz="1600" b="1" dirty="0">
+                <a:solidFill>
+                  <a:schemeClr val="tx1"/>
+                </a:solidFill>
+              </a:endParaRPr>
+            </a:p>
+          </p:txBody>
+        </p:sp>
+        <p:cxnSp>
+          <p:nvCxnSpPr>
+            <p:cNvPr id="256" name="直線單箭頭接點 255">
+              <a:extLst>
+                <a:ext uri="{FF2B5EF4-FFF2-40B4-BE49-F238E27FC236}">
+                  <a16:creationId xmlns:a16="http://schemas.microsoft.com/office/drawing/2014/main" id="{05DE2A49-C368-568D-5BA6-E91748AD01AF}"/>
+                </a:ext>
+              </a:extLst>
+            </p:cNvPr>
+            <p:cNvCxnSpPr>
+              <a:cxnSpLocks/>
+              <a:stCxn id="60" idx="2"/>
+              <a:endCxn id="44" idx="3"/>
+            </p:cNvCxnSpPr>
+            <p:nvPr/>
+          </p:nvCxnSpPr>
+          <p:spPr>
+            <a:xfrm flipH="1">
+              <a:off x="7268738" y="15232673"/>
+              <a:ext cx="851244" cy="10007"/>
+            </a:xfrm>
+            <a:prstGeom prst="straightConnector1">
+              <a:avLst/>
+            </a:prstGeom>
+            <a:ln>
+              <a:solidFill>
+                <a:schemeClr val="tx1"/>
+              </a:solidFill>
+              <a:tailEnd type="triangle"/>
+            </a:ln>
+          </p:spPr>
+          <p:style>
+            <a:lnRef idx="2">
+              <a:schemeClr val="accent1"/>
+            </a:lnRef>
+            <a:fillRef idx="0">
+              <a:schemeClr val="accent1"/>
+            </a:fillRef>
+            <a:effectRef idx="1">
+              <a:schemeClr val="accent1"/>
+            </a:effectRef>
+            <a:fontRef idx="minor">
+              <a:schemeClr val="tx1"/>
+            </a:fontRef>
+          </p:style>
+        </p:cxnSp>
+        <p:cxnSp>
+          <p:nvCxnSpPr>
+            <p:cNvPr id="257" name="接點: 肘形 256">
+              <a:extLst>
+                <a:ext uri="{FF2B5EF4-FFF2-40B4-BE49-F238E27FC236}">
+                  <a16:creationId xmlns:a16="http://schemas.microsoft.com/office/drawing/2014/main" id="{42A86B96-86BC-58CC-5C7B-A1255F77487B}"/>
+                </a:ext>
+              </a:extLst>
+            </p:cNvPr>
+            <p:cNvCxnSpPr>
+              <a:cxnSpLocks/>
+              <a:stCxn id="270" idx="3"/>
+              <a:endCxn id="265" idx="0"/>
+            </p:cNvCxnSpPr>
+            <p:nvPr/>
+          </p:nvCxnSpPr>
+          <p:spPr>
+            <a:xfrm flipH="1">
+              <a:off x="10747375" y="10461682"/>
+              <a:ext cx="2148114" cy="1637738"/>
+            </a:xfrm>
+            <a:prstGeom prst="bentConnector4">
+              <a:avLst>
+                <a:gd name="adj1" fmla="val -10642"/>
+                <a:gd name="adj2" fmla="val 78138"/>
+              </a:avLst>
+            </a:prstGeom>
+            <a:ln>
+              <a:solidFill>
+                <a:schemeClr val="tx1"/>
+              </a:solidFill>
+              <a:tailEnd type="triangle"/>
+            </a:ln>
+          </p:spPr>
+          <p:style>
+            <a:lnRef idx="2">
+              <a:schemeClr val="accent1"/>
+            </a:lnRef>
+            <a:fillRef idx="0">
+              <a:schemeClr val="accent1"/>
+            </a:fillRef>
+            <a:effectRef idx="1">
+              <a:schemeClr val="accent1"/>
+            </a:effectRef>
+            <a:fontRef idx="minor">
+              <a:schemeClr val="tx1"/>
+            </a:fontRef>
+          </p:style>
+        </p:cxnSp>
+        <p:sp>
+          <p:nvSpPr>
+            <p:cNvPr id="258" name="文字方塊 257">
+              <a:extLst>
+                <a:ext uri="{FF2B5EF4-FFF2-40B4-BE49-F238E27FC236}">
+                  <a16:creationId xmlns:a16="http://schemas.microsoft.com/office/drawing/2014/main" id="{C2C9ACB1-78A1-AB3F-93B7-9C10645A70D1}"/>
+                </a:ext>
+              </a:extLst>
+            </p:cNvPr>
+            <p:cNvSpPr txBox="1"/>
+            <p:nvPr/>
+          </p:nvSpPr>
+          <p:spPr>
+            <a:xfrm>
+              <a:off x="11388362" y="11450498"/>
+              <a:ext cx="1507127" cy="369332"/>
+            </a:xfrm>
+            <a:prstGeom prst="rect">
+              <a:avLst/>
+            </a:prstGeom>
+            <a:noFill/>
+          </p:spPr>
+          <p:txBody>
+            <a:bodyPr wrap="square" rtlCol="0">
+              <a:spAutoFit/>
+            </a:bodyPr>
+            <a:lstStyle/>
+            <a:p>
+              <a:r>
+                <a:rPr lang="en-US" altLang="zh-TW" b="1" dirty="0"/>
+                <a:t>Threshold</a:t>
+              </a:r>
+              <a:r>
+                <a:rPr lang="en-US" altLang="zh-TW" dirty="0"/>
+                <a:t> </a:t>
+              </a:r>
+              <a:endParaRPr lang="zh-TW" altLang="en-US" dirty="0"/>
+            </a:p>
+          </p:txBody>
+        </p:sp>
+        <p:grpSp>
+          <p:nvGrpSpPr>
+            <p:cNvPr id="259" name="群組 258">
+              <a:extLst>
+                <a:ext uri="{FF2B5EF4-FFF2-40B4-BE49-F238E27FC236}">
+                  <a16:creationId xmlns:a16="http://schemas.microsoft.com/office/drawing/2014/main" id="{439162E2-26B6-C280-F90E-11B531F745C0}"/>
+                </a:ext>
+              </a:extLst>
+            </p:cNvPr>
+            <p:cNvGrpSpPr/>
+            <p:nvPr/>
+          </p:nvGrpSpPr>
+          <p:grpSpPr>
+            <a:xfrm>
+              <a:off x="8599261" y="12099420"/>
+              <a:ext cx="4296228" cy="1843314"/>
+              <a:chOff x="8360754" y="10378203"/>
+              <a:chExt cx="4296228" cy="1843314"/>
+            </a:xfrm>
+          </p:grpSpPr>
+          <p:sp>
+            <p:nvSpPr>
+              <p:cNvPr id="265" name="矩形 264">
+                <a:extLst>
+                  <a:ext uri="{FF2B5EF4-FFF2-40B4-BE49-F238E27FC236}">
+                    <a16:creationId xmlns:a16="http://schemas.microsoft.com/office/drawing/2014/main" id="{6C03AB3A-72DA-D6B9-1F22-4804B4E7DC9E}"/>
+                  </a:ext>
+                </a:extLst>
+              </p:cNvPr>
+              <p:cNvSpPr/>
+              <p:nvPr/>
+            </p:nvSpPr>
+            <p:spPr>
+              <a:xfrm>
+                <a:off x="8360754" y="10378203"/>
+                <a:ext cx="4296228" cy="1843314"/>
+              </a:xfrm>
+              <a:prstGeom prst="rect">
+                <a:avLst/>
+              </a:prstGeom>
+              <a:solidFill>
+                <a:schemeClr val="bg1"/>
+              </a:solidFill>
+              <a:ln w="38100">
+                <a:solidFill>
+                  <a:schemeClr val="accent3">
+                    <a:lumMod val="75000"/>
+                  </a:schemeClr>
+                </a:solidFill>
+              </a:ln>
+            </p:spPr>
+            <p:style>
+              <a:lnRef idx="2">
+                <a:schemeClr val="accent1">
+                  <a:shade val="15000"/>
+                </a:schemeClr>
+              </a:lnRef>
+              <a:fillRef idx="1">
+                <a:schemeClr val="accent1"/>
+              </a:fillRef>
+              <a:effectRef idx="0">
+                <a:schemeClr val="accent1"/>
+              </a:effectRef>
+              <a:fontRef idx="minor">
+                <a:schemeClr val="lt1"/>
+              </a:fontRef>
+            </p:style>
+            <p:txBody>
+              <a:bodyPr rtlCol="0" anchor="ctr"/>
+              <a:lstStyle/>
+              <a:p>
+                <a:pPr algn="ctr"/>
+                <a:endParaRPr lang="zh-TW" altLang="en-US" dirty="0"/>
+              </a:p>
+            </p:txBody>
+          </p:sp>
+          <p:sp>
+            <p:nvSpPr>
+              <p:cNvPr id="266" name="文字方塊 265">
+                <a:extLst>
+                  <a:ext uri="{FF2B5EF4-FFF2-40B4-BE49-F238E27FC236}">
+                    <a16:creationId xmlns:a16="http://schemas.microsoft.com/office/drawing/2014/main" id="{AE1E8872-3045-99EF-A375-0F783C317E70}"/>
+                  </a:ext>
+                </a:extLst>
+              </p:cNvPr>
+              <p:cNvSpPr txBox="1"/>
+              <p:nvPr/>
+            </p:nvSpPr>
+            <p:spPr>
+              <a:xfrm>
+                <a:off x="9361713" y="10474355"/>
+                <a:ext cx="2117913" cy="369332"/>
+              </a:xfrm>
+              <a:prstGeom prst="rect">
+                <a:avLst/>
+              </a:prstGeom>
+              <a:noFill/>
+            </p:spPr>
+            <p:txBody>
+              <a:bodyPr wrap="square" rtlCol="0">
+                <a:spAutoFit/>
+              </a:bodyPr>
+              <a:lstStyle/>
+              <a:p>
+                <a:r>
+                  <a:rPr lang="en-US" altLang="zh-TW" b="1" dirty="0"/>
+                  <a:t>Signal Processing</a:t>
+                </a:r>
+                <a:endParaRPr lang="zh-TW" altLang="en-US" b="1" dirty="0"/>
+              </a:p>
+            </p:txBody>
+          </p:sp>
+          <p:sp>
+            <p:nvSpPr>
+              <p:cNvPr id="267" name="矩形 266">
+                <a:extLst>
+                  <a:ext uri="{FF2B5EF4-FFF2-40B4-BE49-F238E27FC236}">
+                    <a16:creationId xmlns:a16="http://schemas.microsoft.com/office/drawing/2014/main" id="{ED3829F5-58E4-8A3C-311A-7291A2A42986}"/>
+                  </a:ext>
+                </a:extLst>
+              </p:cNvPr>
+              <p:cNvSpPr/>
+              <p:nvPr/>
+            </p:nvSpPr>
+            <p:spPr>
+              <a:xfrm>
+                <a:off x="8455101" y="10945290"/>
+                <a:ext cx="1522116" cy="792956"/>
+              </a:xfrm>
+              <a:prstGeom prst="rect">
+                <a:avLst/>
+              </a:prstGeom>
+              <a:solidFill>
+                <a:schemeClr val="accent5">
+                  <a:lumMod val="40000"/>
+                  <a:lumOff val="60000"/>
+                </a:schemeClr>
+              </a:solidFill>
+              <a:ln w="38100">
+                <a:solidFill>
+                  <a:schemeClr val="accent3">
+                    <a:lumMod val="75000"/>
+                  </a:schemeClr>
+                </a:solidFill>
+              </a:ln>
+            </p:spPr>
+            <p:style>
+              <a:lnRef idx="2">
+                <a:schemeClr val="accent1">
+                  <a:shade val="15000"/>
+                </a:schemeClr>
+              </a:lnRef>
+              <a:fillRef idx="1">
+                <a:schemeClr val="accent1"/>
+              </a:fillRef>
+              <a:effectRef idx="0">
+                <a:schemeClr val="accent1"/>
+              </a:effectRef>
+              <a:fontRef idx="minor">
+                <a:schemeClr val="lt1"/>
+              </a:fontRef>
+            </p:style>
+            <p:txBody>
+              <a:bodyPr rtlCol="0" anchor="ctr"/>
+              <a:lstStyle/>
+              <a:p>
+                <a:pPr algn="ctr"/>
+                <a:r>
+                  <a:rPr lang="en-US" altLang="zh-TW" b="1" dirty="0">
+                    <a:solidFill>
+                      <a:schemeClr val="tx1"/>
+                    </a:solidFill>
+                  </a:rPr>
+                  <a:t>Feature</a:t>
+                </a:r>
+              </a:p>
+              <a:p>
+                <a:pPr algn="ctr"/>
+                <a:r>
+                  <a:rPr lang="en-US" altLang="zh-TW" b="1" dirty="0">
+                    <a:solidFill>
+                      <a:schemeClr val="tx1"/>
+                    </a:solidFill>
+                  </a:rPr>
+                  <a:t>Extraction </a:t>
+                </a:r>
+                <a:endParaRPr lang="zh-TW" altLang="en-US" b="1" dirty="0">
+                  <a:solidFill>
+                    <a:schemeClr val="tx1"/>
+                  </a:solidFill>
+                </a:endParaRPr>
+              </a:p>
+            </p:txBody>
+          </p:sp>
+          <p:cxnSp>
+            <p:nvCxnSpPr>
+              <p:cNvPr id="268" name="直線單箭頭接點 267">
+                <a:extLst>
+                  <a:ext uri="{FF2B5EF4-FFF2-40B4-BE49-F238E27FC236}">
+                    <a16:creationId xmlns:a16="http://schemas.microsoft.com/office/drawing/2014/main" id="{DB2CF25F-F6DC-56A4-AB77-8935441402DF}"/>
+                  </a:ext>
+                </a:extLst>
+              </p:cNvPr>
+              <p:cNvCxnSpPr>
+                <a:cxnSpLocks/>
+                <a:stCxn id="267" idx="3"/>
+                <a:endCxn id="269" idx="1"/>
+              </p:cNvCxnSpPr>
+              <p:nvPr/>
+            </p:nvCxnSpPr>
+            <p:spPr>
+              <a:xfrm>
+                <a:off x="9977217" y="11341768"/>
+                <a:ext cx="575172" cy="7248"/>
+              </a:xfrm>
+              <a:prstGeom prst="straightConnector1">
+                <a:avLst/>
+              </a:prstGeom>
+              <a:ln>
+                <a:tailEnd type="triangle"/>
+              </a:ln>
+            </p:spPr>
+            <p:style>
+              <a:lnRef idx="2">
+                <a:schemeClr val="accent1"/>
+              </a:lnRef>
+              <a:fillRef idx="0">
+                <a:schemeClr val="accent1"/>
+              </a:fillRef>
+              <a:effectRef idx="1">
+                <a:schemeClr val="accent1"/>
+              </a:effectRef>
+              <a:fontRef idx="minor">
+                <a:schemeClr val="tx1"/>
+              </a:fontRef>
+            </p:style>
+          </p:cxnSp>
+          <p:sp>
+            <p:nvSpPr>
+              <p:cNvPr id="269" name="矩形 268">
+                <a:extLst>
+                  <a:ext uri="{FF2B5EF4-FFF2-40B4-BE49-F238E27FC236}">
+                    <a16:creationId xmlns:a16="http://schemas.microsoft.com/office/drawing/2014/main" id="{D9172DD6-7E6E-E89F-5FCA-88011A55E14E}"/>
+                  </a:ext>
+                </a:extLst>
+              </p:cNvPr>
+              <p:cNvSpPr/>
+              <p:nvPr/>
+            </p:nvSpPr>
+            <p:spPr>
+              <a:xfrm>
+                <a:off x="10552388" y="10826827"/>
+                <a:ext cx="2025507" cy="1044379"/>
+              </a:xfrm>
+              <a:prstGeom prst="rect">
+                <a:avLst/>
+              </a:prstGeom>
+              <a:solidFill>
+                <a:schemeClr val="accent5">
+                  <a:lumMod val="40000"/>
+                  <a:lumOff val="60000"/>
+                </a:schemeClr>
+              </a:solidFill>
+              <a:ln w="38100">
+                <a:solidFill>
+                  <a:schemeClr val="accent3">
+                    <a:lumMod val="75000"/>
+                  </a:schemeClr>
+                </a:solidFill>
+              </a:ln>
+            </p:spPr>
+            <p:style>
+              <a:lnRef idx="2">
+                <a:schemeClr val="accent1">
+                  <a:shade val="15000"/>
+                </a:schemeClr>
+              </a:lnRef>
+              <a:fillRef idx="1">
+                <a:schemeClr val="accent1"/>
+              </a:fillRef>
+              <a:effectRef idx="0">
+                <a:schemeClr val="accent1"/>
+              </a:effectRef>
+              <a:fontRef idx="minor">
+                <a:schemeClr val="lt1"/>
+              </a:fontRef>
+            </p:style>
+            <p:txBody>
+              <a:bodyPr rtlCol="0" anchor="ctr"/>
+              <a:lstStyle/>
+              <a:p>
+                <a:pPr algn="ctr"/>
+                <a:r>
+                  <a:rPr lang="en-US" altLang="zh-TW" b="1" dirty="0">
+                    <a:solidFill>
+                      <a:schemeClr val="tx1"/>
+                    </a:solidFill>
+                  </a:rPr>
+                  <a:t>Compare threshold</a:t>
+                </a:r>
+                <a:r>
+                  <a:rPr lang="zh-TW" altLang="en-US" b="1" dirty="0">
+                    <a:solidFill>
+                      <a:schemeClr val="tx1"/>
+                    </a:solidFill>
+                  </a:rPr>
+                  <a:t> </a:t>
+                </a:r>
+                <a:r>
+                  <a:rPr lang="en-US" altLang="zh-TW" b="1" dirty="0">
+                    <a:solidFill>
+                      <a:schemeClr val="tx1"/>
+                    </a:solidFill>
+                  </a:rPr>
+                  <a:t>with alpha ratio power</a:t>
+                </a:r>
+                <a:endParaRPr lang="zh-TW" altLang="en-US" b="1" dirty="0">
+                  <a:solidFill>
+                    <a:schemeClr val="tx1"/>
+                  </a:solidFill>
+                </a:endParaRPr>
+              </a:p>
+            </p:txBody>
+          </p:sp>
+        </p:grpSp>
+        <p:cxnSp>
+          <p:nvCxnSpPr>
+            <p:cNvPr id="260" name="接點: 肘形 259">
+              <a:extLst>
+                <a:ext uri="{FF2B5EF4-FFF2-40B4-BE49-F238E27FC236}">
+                  <a16:creationId xmlns:a16="http://schemas.microsoft.com/office/drawing/2014/main" id="{B830D516-348E-2185-4461-46A5FAA12AB4}"/>
+                </a:ext>
+              </a:extLst>
+            </p:cNvPr>
+            <p:cNvCxnSpPr>
+              <a:stCxn id="46" idx="2"/>
+              <a:endCxn id="265" idx="1"/>
+            </p:cNvCxnSpPr>
+            <p:nvPr/>
+          </p:nvCxnSpPr>
+          <p:spPr>
+            <a:xfrm rot="16200000" flipH="1">
+              <a:off x="6074210" y="10496026"/>
+              <a:ext cx="1940610" cy="3109492"/>
+            </a:xfrm>
+            <a:prstGeom prst="bentConnector2">
+              <a:avLst/>
+            </a:prstGeom>
+            <a:ln>
+              <a:solidFill>
+                <a:schemeClr val="tx1"/>
+              </a:solidFill>
+              <a:tailEnd type="triangle"/>
+            </a:ln>
+          </p:spPr>
+          <p:style>
+            <a:lnRef idx="2">
+              <a:schemeClr val="accent1"/>
+            </a:lnRef>
+            <a:fillRef idx="0">
+              <a:schemeClr val="accent1"/>
+            </a:fillRef>
+            <a:effectRef idx="1">
+              <a:schemeClr val="accent1"/>
+            </a:effectRef>
+            <a:fontRef idx="minor">
+              <a:schemeClr val="tx1"/>
+            </a:fontRef>
+          </p:style>
+        </p:cxnSp>
+        <p:sp>
+          <p:nvSpPr>
+            <p:cNvPr id="261" name="文字方塊 260">
+              <a:extLst>
+                <a:ext uri="{FF2B5EF4-FFF2-40B4-BE49-F238E27FC236}">
+                  <a16:creationId xmlns:a16="http://schemas.microsoft.com/office/drawing/2014/main" id="{AB99DD4C-C181-DF45-3A80-4BA32EC4F6CF}"/>
+                </a:ext>
+              </a:extLst>
+            </p:cNvPr>
+            <p:cNvSpPr txBox="1"/>
+            <p:nvPr/>
+          </p:nvSpPr>
+          <p:spPr>
+            <a:xfrm>
+              <a:off x="6020743" y="12697912"/>
+              <a:ext cx="2232860" cy="646331"/>
+            </a:xfrm>
+            <a:prstGeom prst="rect">
+              <a:avLst/>
+            </a:prstGeom>
+            <a:noFill/>
+          </p:spPr>
+          <p:txBody>
+            <a:bodyPr wrap="square" rtlCol="0">
+              <a:spAutoFit/>
+            </a:bodyPr>
+            <a:lstStyle/>
+            <a:p>
+              <a:pPr algn="ctr"/>
+              <a:r>
+                <a:rPr lang="en-US" altLang="zh-TW" b="1" dirty="0"/>
+                <a:t>Digitized Signal</a:t>
+              </a:r>
+            </a:p>
+            <a:p>
+              <a:pPr algn="ctr"/>
+              <a:r>
+                <a:rPr lang="en-US" altLang="zh-TW" b="1" dirty="0"/>
+                <a:t>After the First 30(s)</a:t>
+              </a:r>
+              <a:endParaRPr lang="zh-TW" altLang="en-US" b="1" dirty="0"/>
+            </a:p>
+          </p:txBody>
+        </p:sp>
+        <p:cxnSp>
+          <p:nvCxnSpPr>
+            <p:cNvPr id="262" name="接點: 肘形 261">
+              <a:extLst>
+                <a:ext uri="{FF2B5EF4-FFF2-40B4-BE49-F238E27FC236}">
+                  <a16:creationId xmlns:a16="http://schemas.microsoft.com/office/drawing/2014/main" id="{0D6990C9-04F4-21F1-E4A3-050C3F85F592}"/>
+                </a:ext>
+              </a:extLst>
+            </p:cNvPr>
+            <p:cNvCxnSpPr>
+              <a:cxnSpLocks/>
+              <a:stCxn id="265" idx="3"/>
+              <a:endCxn id="264" idx="3"/>
+            </p:cNvCxnSpPr>
+            <p:nvPr/>
+          </p:nvCxnSpPr>
+          <p:spPr>
+            <a:xfrm flipH="1">
+              <a:off x="12361050" y="13021077"/>
+              <a:ext cx="534439" cy="2221602"/>
+            </a:xfrm>
+            <a:prstGeom prst="bentConnector3">
+              <a:avLst>
+                <a:gd name="adj1" fmla="val -281764"/>
+              </a:avLst>
+            </a:prstGeom>
+            <a:ln>
+              <a:solidFill>
+                <a:schemeClr val="tx1"/>
+              </a:solidFill>
+              <a:tailEnd type="triangle"/>
+            </a:ln>
+          </p:spPr>
+          <p:style>
+            <a:lnRef idx="2">
+              <a:schemeClr val="accent1"/>
+            </a:lnRef>
+            <a:fillRef idx="0">
+              <a:schemeClr val="accent1"/>
+            </a:fillRef>
+            <a:effectRef idx="1">
+              <a:schemeClr val="accent1"/>
+            </a:effectRef>
+            <a:fontRef idx="minor">
+              <a:schemeClr val="tx1"/>
+            </a:fontRef>
+          </p:style>
+        </p:cxnSp>
+        <p:sp>
+          <p:nvSpPr>
+            <p:cNvPr id="263" name="文字方塊 262">
+              <a:extLst>
+                <a:ext uri="{FF2B5EF4-FFF2-40B4-BE49-F238E27FC236}">
+                  <a16:creationId xmlns:a16="http://schemas.microsoft.com/office/drawing/2014/main" id="{414CA3B8-28BE-BEDC-97E3-DCB547BDE95A}"/>
+                </a:ext>
+              </a:extLst>
+            </p:cNvPr>
+            <p:cNvSpPr txBox="1"/>
+            <p:nvPr/>
+          </p:nvSpPr>
+          <p:spPr>
+            <a:xfrm>
+              <a:off x="12887203" y="12747067"/>
+              <a:ext cx="1509486" cy="646331"/>
+            </a:xfrm>
+            <a:prstGeom prst="rect">
+              <a:avLst/>
+            </a:prstGeom>
+            <a:noFill/>
+          </p:spPr>
+          <p:txBody>
+            <a:bodyPr wrap="square" rtlCol="0">
+              <a:spAutoFit/>
+            </a:bodyPr>
+            <a:lstStyle/>
+            <a:p>
+              <a:pPr algn="ctr"/>
+              <a:r>
+                <a:rPr lang="en-US" altLang="zh-TW" b="1" dirty="0"/>
+                <a:t>Device</a:t>
+              </a:r>
+            </a:p>
+            <a:p>
+              <a:pPr algn="ctr"/>
+              <a:r>
+                <a:rPr lang="en-US" altLang="zh-TW" b="1" dirty="0"/>
+                <a:t>Commands</a:t>
+              </a:r>
+              <a:endParaRPr lang="zh-TW" altLang="en-US" b="1" dirty="0"/>
+            </a:p>
+          </p:txBody>
+        </p:sp>
+        <p:pic>
+          <p:nvPicPr>
+            <p:cNvPr id="264" name="圖片 263">
+              <a:extLst>
+                <a:ext uri="{FF2B5EF4-FFF2-40B4-BE49-F238E27FC236}">
+                  <a16:creationId xmlns:a16="http://schemas.microsoft.com/office/drawing/2014/main" id="{351052B7-FAF3-0EB4-AD0D-9480BA71FAF8}"/>
+                </a:ext>
+              </a:extLst>
+            </p:cNvPr>
+            <p:cNvPicPr>
+              <a:picLocks noChangeAspect="1"/>
+            </p:cNvPicPr>
+            <p:nvPr/>
+          </p:nvPicPr>
+          <p:blipFill rotWithShape="1">
+            <a:blip r:embed="rId11"/>
+            <a:srcRect l="24001" t="11314"/>
+            <a:stretch/>
+          </p:blipFill>
+          <p:spPr>
+            <a:xfrm>
+              <a:off x="11281814" y="14837462"/>
+              <a:ext cx="1079236" cy="810433"/>
             </a:xfrm>
             <a:prstGeom prst="rect">
               <a:avLst/>

--- a/ppt/海報.pptx
+++ b/ppt/海報.pptx
@@ -2987,8 +2987,8 @@
         </p:nvSpPr>
         <p:spPr>
           <a:xfrm>
-            <a:off x="-32991" y="-24222"/>
-            <a:ext cx="21494750" cy="3341172"/>
+            <a:off x="-130629" y="-101084"/>
+            <a:ext cx="21625379" cy="2464295"/>
           </a:xfrm>
           <a:prstGeom prst="rect">
             <a:avLst/>
@@ -3045,7 +3045,7 @@
         </p:nvSpPr>
         <p:spPr>
           <a:xfrm>
-            <a:off x="1773282" y="221265"/>
+            <a:off x="1820610" y="220287"/>
             <a:ext cx="19658173" cy="923330"/>
           </a:xfrm>
           <a:prstGeom prst="rect">
@@ -3301,8 +3301,8 @@
         </p:nvSpPr>
         <p:spPr>
           <a:xfrm>
-            <a:off x="0" y="2517389"/>
-            <a:ext cx="21494750" cy="27744086"/>
+            <a:off x="-130629" y="2290520"/>
+            <a:ext cx="21625379" cy="27989907"/>
           </a:xfrm>
           <a:prstGeom prst="rect">
             <a:avLst/>
@@ -3891,7 +3891,7 @@
         </p:nvGrpSpPr>
         <p:grpSpPr>
           <a:xfrm>
-            <a:off x="125443" y="8834434"/>
+            <a:off x="273827" y="8661035"/>
             <a:ext cx="11059196" cy="20188728"/>
             <a:chOff x="546915" y="9584965"/>
             <a:chExt cx="9799872" cy="19921193"/>
@@ -4940,7 +4940,7 @@
         </p:nvGrpSpPr>
         <p:grpSpPr>
           <a:xfrm>
-            <a:off x="11543633" y="19340903"/>
+            <a:off x="11673981" y="19288022"/>
             <a:ext cx="9546942" cy="9598469"/>
             <a:chOff x="11389965" y="19929031"/>
             <a:chExt cx="9546942" cy="9598469"/>
@@ -5347,10 +5347,10 @@
         </p:nvGrpSpPr>
         <p:grpSpPr>
           <a:xfrm>
-            <a:off x="11543633" y="8834433"/>
-            <a:ext cx="9546942" cy="9564312"/>
-            <a:chOff x="11164708" y="9740483"/>
-            <a:chExt cx="9546942" cy="9564312"/>
+            <a:off x="11684373" y="8772014"/>
+            <a:ext cx="9546942" cy="10328591"/>
+            <a:chOff x="11148963" y="9726019"/>
+            <a:chExt cx="9546942" cy="9589938"/>
           </a:xfrm>
         </p:grpSpPr>
         <p:grpSp>
@@ -5367,10 +5367,10 @@
           </p:nvGrpSpPr>
           <p:grpSpPr>
             <a:xfrm>
-              <a:off x="11164708" y="9740483"/>
-              <a:ext cx="9546942" cy="9564312"/>
-              <a:chOff x="1512443" y="4939890"/>
-              <a:chExt cx="18800064" cy="4423566"/>
+              <a:off x="11148963" y="9726019"/>
+              <a:ext cx="9546942" cy="9589938"/>
+              <a:chOff x="1481438" y="4933200"/>
+              <a:chExt cx="18800064" cy="4435418"/>
             </a:xfrm>
           </p:grpSpPr>
           <p:sp>
@@ -5387,7 +5387,7 @@
             </p:nvSpPr>
             <p:spPr>
               <a:xfrm>
-                <a:off x="1512443" y="5174548"/>
+                <a:off x="1481438" y="5179710"/>
                 <a:ext cx="18800064" cy="4188908"/>
               </a:xfrm>
               <a:prstGeom prst="roundRect">
@@ -5446,8 +5446,8 @@
             </p:nvSpPr>
             <p:spPr>
               <a:xfrm>
-                <a:off x="6724358" y="4939890"/>
-                <a:ext cx="8376235" cy="469316"/>
+                <a:off x="8197727" y="4933200"/>
+                <a:ext cx="6431055" cy="436972"/>
               </a:xfrm>
               <a:prstGeom prst="rect">
                 <a:avLst/>
@@ -5536,7 +5536,7 @@
           </p:blipFill>
           <p:spPr>
             <a:xfrm>
-              <a:off x="16069104" y="11460218"/>
+              <a:off x="15794935" y="11420500"/>
               <a:ext cx="2244881" cy="2993175"/>
             </a:xfrm>
             <a:prstGeom prst="rect">
@@ -5656,50 +5656,6 @@
         </p:grpSp>
         <p:pic>
           <p:nvPicPr>
-            <p:cNvPr id="55" name="圖片 54" descr="一張含有 文字, 圖表, 方案, 地圖 的圖片&#10;&#10;自動產生的描述">
-              <a:extLst>
-                <a:ext uri="{FF2B5EF4-FFF2-40B4-BE49-F238E27FC236}">
-                  <a16:creationId xmlns:a16="http://schemas.microsoft.com/office/drawing/2014/main" id="{5E771ED3-19A6-8C16-4928-28951CDB972E}"/>
-                </a:ext>
-              </a:extLst>
-            </p:cNvPr>
-            <p:cNvPicPr>
-              <a:picLocks noChangeAspect="1"/>
-            </p:cNvPicPr>
-            <p:nvPr/>
-          </p:nvPicPr>
-          <p:blipFill>
-            <a:blip r:embed="rId8">
-              <a:extLst>
-                <a:ext uri="{28A0092B-C50C-407E-A947-70E740481C1C}">
-                  <a14:useLocalDpi xmlns:a14="http://schemas.microsoft.com/office/drawing/2010/main" val="0"/>
-                </a:ext>
-              </a:extLst>
-            </a:blip>
-            <a:stretch>
-              <a:fillRect/>
-            </a:stretch>
-          </p:blipFill>
-          <p:spPr>
-            <a:xfrm>
-              <a:off x="11494315" y="10699201"/>
-              <a:ext cx="4869719" cy="4303038"/>
-            </a:xfrm>
-            <a:prstGeom prst="rect">
-              <a:avLst/>
-            </a:prstGeom>
-            <a:ln w="28575">
-              <a:solidFill>
-                <a:schemeClr val="tx1"/>
-              </a:solidFill>
-            </a:ln>
-            <a:effectLst>
-              <a:softEdge rad="177800"/>
-            </a:effectLst>
-          </p:spPr>
-        </p:pic>
-        <p:pic>
-          <p:nvPicPr>
             <p:cNvPr id="61" name="圖片 60" descr="一張含有 文字, 螢幕擷取畫面, 圖表, 軟體 的圖片&#10;&#10;自動產生的描述">
               <a:extLst>
                 <a:ext uri="{FF2B5EF4-FFF2-40B4-BE49-F238E27FC236}">
@@ -5713,7 +5669,7 @@
             <p:nvPr/>
           </p:nvPicPr>
           <p:blipFill rotWithShape="1">
-            <a:blip r:embed="rId9">
+            <a:blip r:embed="rId8">
               <a:extLst>
                 <a:ext uri="{28A0092B-C50C-407E-A947-70E740481C1C}">
                   <a14:useLocalDpi xmlns:a14="http://schemas.microsoft.com/office/drawing/2010/main" val="0"/>
@@ -5725,8 +5681,8 @@
           </p:blipFill>
           <p:spPr>
             <a:xfrm>
-              <a:off x="11602369" y="14975423"/>
-              <a:ext cx="4221017" cy="3083747"/>
+              <a:off x="11513245" y="14872183"/>
+              <a:ext cx="4409189" cy="3221221"/>
             </a:xfrm>
             <a:prstGeom prst="rect">
               <a:avLst/>
@@ -5762,8 +5718,8 @@
         </p:blipFill>
         <p:spPr>
           <a:xfrm>
-            <a:off x="18572704" y="10554167"/>
-            <a:ext cx="2220173" cy="2993175"/>
+            <a:off x="18592050" y="10639905"/>
+            <a:ext cx="2364109" cy="3187226"/>
           </a:xfrm>
           <a:prstGeom prst="rect">
             <a:avLst/>
@@ -5784,7 +5740,7 @@
         </p:nvGrpSpPr>
         <p:grpSpPr>
           <a:xfrm>
-            <a:off x="742373" y="9869469"/>
+            <a:off x="1244103" y="9686146"/>
             <a:ext cx="9680450" cy="6908196"/>
             <a:chOff x="4373338" y="9540025"/>
             <a:chExt cx="10023351" cy="6321440"/>
@@ -5805,7 +5761,7 @@
             <p:nvPr/>
           </p:nvPicPr>
           <p:blipFill rotWithShape="1">
-            <a:blip r:embed="rId10">
+            <a:blip r:embed="rId9">
               <a:extLst>
                 <a:ext uri="{28A0092B-C50C-407E-A947-70E740481C1C}">
                   <a14:useLocalDpi xmlns:a14="http://schemas.microsoft.com/office/drawing/2010/main" val="0"/>
@@ -7092,7 +7048,7 @@
             <p:nvPr/>
           </p:nvPicPr>
           <p:blipFill rotWithShape="1">
-            <a:blip r:embed="rId11"/>
+            <a:blip r:embed="rId10"/>
             <a:srcRect l="24001" t="11314"/>
             <a:stretch/>
           </p:blipFill>
@@ -7107,6 +7063,36 @@
           </p:spPr>
         </p:pic>
       </p:grpSp>
+      <p:pic>
+        <p:nvPicPr>
+          <p:cNvPr id="37" name="圖片 36">
+            <a:extLst>
+              <a:ext uri="{FF2B5EF4-FFF2-40B4-BE49-F238E27FC236}">
+                <a16:creationId xmlns:a16="http://schemas.microsoft.com/office/drawing/2014/main" id="{A3414218-90BB-574C-A234-500A123A2D7A}"/>
+              </a:ext>
+            </a:extLst>
+          </p:cNvPr>
+          <p:cNvPicPr>
+            <a:picLocks noChangeAspect="1"/>
+          </p:cNvPicPr>
+          <p:nvPr/>
+        </p:nvPicPr>
+        <p:blipFill>
+          <a:blip r:embed="rId11"/>
+          <a:stretch>
+            <a:fillRect/>
+          </a:stretch>
+        </p:blipFill>
+        <p:spPr>
+          <a:xfrm>
+            <a:off x="12236586" y="10023653"/>
+            <a:ext cx="3894247" cy="4045082"/>
+          </a:xfrm>
+          <a:prstGeom prst="rect">
+            <a:avLst/>
+          </a:prstGeom>
+        </p:spPr>
+      </p:pic>
     </p:spTree>
     <p:extLst>
       <p:ext uri="{BB962C8B-B14F-4D97-AF65-F5344CB8AC3E}">
